--- a/UID重複レコードの取込による検討.pptx
+++ b/UID重複レコードの取込による検討.pptx
@@ -370,7 +370,7 @@
           <a:p>
             <a:fld id="{187B8588-1665-0A4A-AD47-68FFFFC620D1}" type="datetimeFigureOut">
               <a:rPr kumimoji="1" lang="ja-JP" altLang="en-US" smtClean="0"/>
-              <a:t>2023/9/26</a:t>
+              <a:t>2023/9/27</a:t>
             </a:fld>
             <a:endParaRPr kumimoji="1" lang="ja-JP" altLang="en-US" dirty="0"/>
           </a:p>
@@ -1152,17 +1152,6 @@
               </a:rPr>
               <a:t>情 報 種 別 ： 秘密</a:t>
             </a:r>
-            <a:r>
-              <a:rPr lang="en-US" altLang="ja-JP" sz="1000" b="1" dirty="0">
-                <a:solidFill>
-                  <a:schemeClr val="tx1"/>
-                </a:solidFill>
-                <a:latin typeface="Meiryo UI" panose="020B0604030504040204" pitchFamily="50" charset="-128"/>
-                <a:ea typeface="Meiryo UI" panose="020B0604030504040204" pitchFamily="50" charset="-128"/>
-                <a:cs typeface="HGPGothicE" charset="-128"/>
-              </a:rPr>
-              <a:t/>
-            </a:r>
             <a:br>
               <a:rPr lang="en-US" altLang="ja-JP" sz="1000" b="1" dirty="0">
                 <a:solidFill>
@@ -1214,27 +1203,8 @@
                 <a:ea typeface="Meiryo UI" panose="020B0604030504040204" pitchFamily="50" charset="-128"/>
                 <a:cs typeface="HGPGothicE" charset="-128"/>
               </a:rPr>
-              <a:t>情報所有者 ： </a:t>
-            </a:r>
-            <a:r>
-              <a:rPr lang="ja-JP" altLang="en-US" sz="1000" b="1" dirty="0" smtClean="0">
-                <a:solidFill>
-                  <a:schemeClr val="tx1"/>
-                </a:solidFill>
-                <a:latin typeface="Meiryo UI" panose="020B0604030504040204" pitchFamily="50" charset="-128"/>
-                <a:ea typeface="Meiryo UI" panose="020B0604030504040204" pitchFamily="50" charset="-128"/>
-                <a:cs typeface="HGPGothicE" charset="-128"/>
-              </a:rPr>
-              <a:t>第四製造事業部</a:t>
-            </a:r>
-            <a:endParaRPr lang="ja-JP" altLang="en-US" sz="1000" b="1" dirty="0">
-              <a:solidFill>
-                <a:schemeClr val="tx1"/>
-              </a:solidFill>
-              <a:latin typeface="Meiryo UI" panose="020B0604030504040204" pitchFamily="50" charset="-128"/>
-              <a:ea typeface="Meiryo UI" panose="020B0604030504040204" pitchFamily="50" charset="-128"/>
-              <a:cs typeface="HGPGothicE" charset="-128"/>
-            </a:endParaRPr>
+              <a:t>情報所有者 ： 第四製造事業部</a:t>
+            </a:r>
           </a:p>
         </p:txBody>
       </p:sp>
@@ -1248,13 +1218,6 @@
   <p:clrMapOvr>
     <a:masterClrMapping/>
   </p:clrMapOvr>
-  <p:timing>
-    <p:tnLst>
-      <p:par>
-        <p:cTn id="1" dur="indefinite" restart="never" nodeType="tmRoot"/>
-      </p:par>
-    </p:tnLst>
-  </p:timing>
   <p:extLst mod="1">
     <p:ext uri="{DCECCB84-F9BA-43D5-87BE-67443E8EF086}">
       <p15:sldGuideLst xmlns:p15="http://schemas.microsoft.com/office/powerpoint/2012/main">
@@ -8712,7 +8675,7 @@
           <a:p>
             <a:fld id="{1F3D4865-51F0-4330-A8F5-306148EB4590}" type="datetime1">
               <a:rPr lang="en-US" altLang="ja-JP" smtClean="0"/>
-              <a:t>9/26/2023</a:t>
+              <a:t>9/27/2023</a:t>
             </a:fld>
             <a:endParaRPr lang="en-US" dirty="0"/>
           </a:p>
@@ -11264,29 +11227,9 @@
                 <a:latin typeface="Meiryo UI" panose="020B0604030504040204" pitchFamily="50" charset="-128"/>
                 <a:ea typeface="Meiryo UI" panose="020B0604030504040204" pitchFamily="50" charset="-128"/>
               </a:rPr>
-              <a:t>重複レコードの取込による</a:t>
-            </a:r>
-            <a:r>
-              <a:rPr lang="ja-JP" altLang="en-US" sz="2800" b="1" dirty="0" smtClean="0">
-                <a:solidFill>
-                  <a:schemeClr val="bg1"/>
-                </a:solidFill>
-                <a:latin typeface="Meiryo UI" panose="020B0604030504040204" pitchFamily="50" charset="-128"/>
-                <a:ea typeface="Meiryo UI" panose="020B0604030504040204" pitchFamily="50" charset="-128"/>
-              </a:rPr>
-              <a:t>検討</a:t>
-            </a:r>
-            <a:r>
-              <a:rPr lang="ja-JP" altLang="en-US" sz="2800" b="1" dirty="0">
-                <a:solidFill>
-                  <a:schemeClr val="bg1"/>
-                </a:solidFill>
-                <a:latin typeface="Meiryo UI" panose="020B0604030504040204" pitchFamily="50" charset="-128"/>
-                <a:ea typeface="Meiryo UI" panose="020B0604030504040204" pitchFamily="50" charset="-128"/>
-              </a:rPr>
-              <a:t>について</a:t>
-            </a:r>
-            <a:endParaRPr lang="en-US" altLang="ja-JP" sz="2800" b="1" dirty="0" smtClean="0">
+              <a:t>重複レコードの取込による検討について</a:t>
+            </a:r>
+            <a:endParaRPr lang="en-US" altLang="ja-JP" sz="2800" b="1" dirty="0">
               <a:solidFill>
                 <a:schemeClr val="bg1"/>
               </a:solidFill>
@@ -11306,13 +11249,6 @@
   <p:clrMapOvr>
     <a:masterClrMapping/>
   </p:clrMapOvr>
-  <p:timing>
-    <p:tnLst>
-      <p:par>
-        <p:cTn id="1" dur="indefinite" restart="never" nodeType="tmRoot"/>
-      </p:par>
-    </p:tnLst>
-  </p:timing>
 </p:sld>
 </file>
 
@@ -11565,42 +11501,38 @@
           </a:lstStyle>
           <a:p>
             <a:r>
-              <a:rPr lang="ja-JP" altLang="en-US" sz="1800" dirty="0" smtClean="0">
+              <a:rPr lang="ja-JP" altLang="en-US" sz="1800" dirty="0">
                 <a:latin typeface="Meiryo UI" panose="020B0604030504040204" pitchFamily="50" charset="-128"/>
                 <a:ea typeface="Meiryo UI" panose="020B0604030504040204" pitchFamily="50" charset="-128"/>
               </a:rPr>
               <a:t>診断履歴情報の最新履歴の診療年月が遡ることにより通知済み患者から未通知患者と判定が</a:t>
             </a:r>
-            <a:endParaRPr lang="en-US" altLang="ja-JP" sz="1800" dirty="0" smtClean="0">
+            <a:endParaRPr lang="en-US" altLang="ja-JP" sz="1800" dirty="0">
               <a:latin typeface="Meiryo UI" panose="020B0604030504040204" pitchFamily="50" charset="-128"/>
               <a:ea typeface="Meiryo UI" panose="020B0604030504040204" pitchFamily="50" charset="-128"/>
             </a:endParaRPr>
           </a:p>
           <a:p>
             <a:r>
-              <a:rPr lang="ja-JP" altLang="en-US" sz="1800" dirty="0" smtClean="0">
+              <a:rPr lang="ja-JP" altLang="en-US" sz="1800" dirty="0">
                 <a:latin typeface="Meiryo UI" panose="020B0604030504040204" pitchFamily="50" charset="-128"/>
                 <a:ea typeface="Meiryo UI" panose="020B0604030504040204" pitchFamily="50" charset="-128"/>
               </a:rPr>
               <a:t>変わってしまう可能性のある患者について、本番環境で調査を行った。</a:t>
             </a:r>
-            <a:endParaRPr lang="en-US" altLang="ja-JP" sz="1800" dirty="0" smtClean="0">
+            <a:endParaRPr lang="en-US" altLang="ja-JP" sz="1800" dirty="0">
               <a:latin typeface="Meiryo UI" panose="020B0604030504040204" pitchFamily="50" charset="-128"/>
               <a:ea typeface="Meiryo UI" panose="020B0604030504040204" pitchFamily="50" charset="-128"/>
             </a:endParaRPr>
           </a:p>
           <a:p>
             <a:r>
-              <a:rPr lang="ja-JP" altLang="en-US" sz="1800" dirty="0" smtClean="0">
+              <a:rPr lang="ja-JP" altLang="en-US" sz="1800" dirty="0">
                 <a:latin typeface="Meiryo UI" panose="020B0604030504040204" pitchFamily="50" charset="-128"/>
                 <a:ea typeface="Meiryo UI" panose="020B0604030504040204" pitchFamily="50" charset="-128"/>
               </a:rPr>
               <a:t>対象患者をサンプル抽出し、確認した結果は以下の通り。</a:t>
             </a:r>
-            <a:endParaRPr lang="ja-JP" altLang="en-US" sz="1800" dirty="0">
-              <a:latin typeface="Meiryo UI" panose="020B0604030504040204" pitchFamily="50" charset="-128"/>
-              <a:ea typeface="Meiryo UI" panose="020B0604030504040204" pitchFamily="50" charset="-128"/>
-            </a:endParaRPr>
           </a:p>
         </p:txBody>
       </p:sp>
@@ -11627,58 +11559,47 @@
           <a:lstStyle/>
           <a:p>
             <a:r>
-              <a:rPr lang="en-US" altLang="ja-JP" sz="1800" b="1" dirty="0" smtClean="0">
+              <a:rPr lang="en-US" altLang="ja-JP" sz="1800" b="1" dirty="0">
                 <a:latin typeface="Meiryo UI" panose="020B0604030504040204" pitchFamily="50" charset="-128"/>
                 <a:ea typeface="Meiryo UI" panose="020B0604030504040204" pitchFamily="50" charset="-128"/>
               </a:rPr>
               <a:t>【</a:t>
             </a:r>
             <a:r>
-              <a:rPr lang="ja-JP" altLang="en-US" sz="1800" b="1" dirty="0" smtClean="0">
+              <a:rPr lang="ja-JP" altLang="en-US" sz="1800" b="1" dirty="0">
                 <a:latin typeface="Meiryo UI" panose="020B0604030504040204" pitchFamily="50" charset="-128"/>
                 <a:ea typeface="Meiryo UI" panose="020B0604030504040204" pitchFamily="50" charset="-128"/>
               </a:rPr>
               <a:t>参考</a:t>
             </a:r>
             <a:r>
-              <a:rPr lang="en-US" altLang="ja-JP" sz="1800" b="1" dirty="0" smtClean="0">
+              <a:rPr lang="en-US" altLang="ja-JP" sz="1800" b="1" dirty="0">
                 <a:latin typeface="Meiryo UI" panose="020B0604030504040204" pitchFamily="50" charset="-128"/>
                 <a:ea typeface="Meiryo UI" panose="020B0604030504040204" pitchFamily="50" charset="-128"/>
               </a:rPr>
               <a:t>】</a:t>
             </a:r>
             <a:r>
-              <a:rPr lang="ja-JP" altLang="en-US" sz="1800" b="1" dirty="0" smtClean="0">
+              <a:rPr lang="ja-JP" altLang="en-US" sz="1800" b="1" dirty="0">
                 <a:latin typeface="Meiryo UI" panose="020B0604030504040204" pitchFamily="50" charset="-128"/>
                 <a:ea typeface="Meiryo UI" panose="020B0604030504040204" pitchFamily="50" charset="-128"/>
               </a:rPr>
-              <a:t>本番</a:t>
-            </a:r>
-            <a:r>
-              <a:rPr lang="ja-JP" altLang="en-US" sz="1800" b="1" dirty="0" smtClean="0">
-                <a:latin typeface="Meiryo UI" panose="020B0604030504040204" pitchFamily="50" charset="-128"/>
-                <a:ea typeface="Meiryo UI" panose="020B0604030504040204" pitchFamily="50" charset="-128"/>
-              </a:rPr>
-              <a:t>環境データ影響調査結果</a:t>
-            </a:r>
-            <a:r>
-              <a:rPr lang="en-US" altLang="ja-JP" sz="1800" b="1" dirty="0" smtClean="0">
+              <a:t>本番環境データ影響調査結果</a:t>
+            </a:r>
+            <a:r>
+              <a:rPr lang="en-US" altLang="ja-JP" sz="1800" b="1" dirty="0">
                 <a:latin typeface="Meiryo UI" panose="020B0604030504040204" pitchFamily="50" charset="-128"/>
                 <a:ea typeface="Meiryo UI" panose="020B0604030504040204" pitchFamily="50" charset="-128"/>
               </a:rPr>
               <a:t>_</a:t>
             </a:r>
             <a:r>
-              <a:rPr lang="ja-JP" altLang="en-US" sz="1800" b="1" dirty="0" smtClean="0">
+              <a:rPr lang="ja-JP" altLang="en-US" sz="1800" b="1" dirty="0">
                 <a:latin typeface="Meiryo UI" panose="020B0604030504040204" pitchFamily="50" charset="-128"/>
                 <a:ea typeface="Meiryo UI" panose="020B0604030504040204" pitchFamily="50" charset="-128"/>
               </a:rPr>
               <a:t>患者別</a:t>
             </a:r>
-            <a:endParaRPr lang="ja-JP" altLang="en-US" sz="1800" b="1" dirty="0">
-              <a:latin typeface="Meiryo UI" panose="020B0604030504040204" pitchFamily="50" charset="-128"/>
-              <a:ea typeface="Meiryo UI" panose="020B0604030504040204" pitchFamily="50" charset="-128"/>
-            </a:endParaRPr>
           </a:p>
         </p:txBody>
       </p:sp>
@@ -11733,11 +11654,7 @@
           <a:p>
             <a:r>
               <a:rPr lang="ja-JP" altLang="en-US" sz="1600" dirty="0"/>
-              <a:t>黒田先生説明時</a:t>
-            </a:r>
-            <a:r>
-              <a:rPr lang="ja-JP" altLang="en-US" sz="1600" dirty="0" smtClean="0"/>
-              <a:t>は削除を想定</a:t>
+              <a:t>黒田先生説明時は削除を想定</a:t>
             </a:r>
             <a:endParaRPr kumimoji="1" lang="ja-JP" altLang="en-US" sz="1600" dirty="0"/>
           </a:p>
@@ -11864,7 +11781,7 @@
                     <a:p>
                       <a:pPr algn="ctr" fontAlgn="b"/>
                       <a:r>
-                        <a:rPr lang="ja-JP" altLang="en-US" sz="1100" b="0" i="0" u="none" strike="noStrike" dirty="0" smtClean="0">
+                        <a:rPr lang="ja-JP" altLang="en-US" sz="1100" b="0" i="0" u="none" strike="noStrike" dirty="0">
                           <a:solidFill>
                             <a:srgbClr val="000000"/>
                           </a:solidFill>
@@ -11874,14 +11791,6 @@
                         </a:rPr>
                         <a:t>患者</a:t>
                       </a:r>
-                      <a:endParaRPr lang="ja-JP" altLang="en-US" sz="1100" b="0" i="0" u="none" strike="noStrike" dirty="0">
-                        <a:solidFill>
-                          <a:srgbClr val="000000"/>
-                        </a:solidFill>
-                        <a:effectLst/>
-                        <a:latin typeface="メイリオ" panose="020B0604030504040204" pitchFamily="50" charset="-128"/>
-                        <a:ea typeface="メイリオ" panose="020B0604030504040204" pitchFamily="50" charset="-128"/>
-                      </a:endParaRPr>
                     </a:p>
                   </a:txBody>
                   <a:tcPr marL="7843" marR="7843" marT="7843" marB="0" anchor="b">
@@ -12856,7 +12765,7 @@
                     <a:p>
                       <a:pPr algn="l" fontAlgn="b"/>
                       <a:r>
-                        <a:rPr lang="en-US" altLang="ja-JP" sz="1100" b="0" i="0" u="none" strike="noStrike" dirty="0" smtClean="0">
+                        <a:rPr lang="en-US" altLang="ja-JP" sz="1100" b="0" i="0" u="none" strike="noStrike" dirty="0">
                           <a:solidFill>
                             <a:schemeClr val="bg2"/>
                           </a:solidFill>
@@ -12867,7 +12776,7 @@
                         <a:t>DPC</a:t>
                       </a:r>
                       <a:r>
-                        <a:rPr lang="ja-JP" altLang="en-US" sz="1100" b="0" i="0" u="none" strike="noStrike" dirty="0" smtClean="0">
+                        <a:rPr lang="ja-JP" altLang="en-US" sz="1100" b="0" i="0" u="none" strike="noStrike" dirty="0">
                           <a:solidFill>
                             <a:schemeClr val="bg2"/>
                           </a:solidFill>
@@ -12877,7 +12786,7 @@
                         </a:rPr>
                         <a:t>、レセプトのデータがない理由は不明</a:t>
                       </a:r>
-                      <a:endParaRPr lang="en-US" altLang="ja-JP" sz="1100" b="0" i="0" u="none" strike="noStrike" dirty="0" smtClean="0">
+                      <a:endParaRPr lang="en-US" altLang="ja-JP" sz="1100" b="0" i="0" u="none" strike="noStrike" dirty="0">
                         <a:solidFill>
                           <a:schemeClr val="bg2"/>
                         </a:solidFill>
@@ -12889,17 +12798,6 @@
                     <a:p>
                       <a:pPr algn="l" fontAlgn="b"/>
                       <a:r>
-                        <a:rPr lang="ja-JP" altLang="en-US" sz="1100" b="0" i="0" u="none" strike="noStrike" dirty="0" smtClean="0">
-                          <a:solidFill>
-                            <a:srgbClr val="000000"/>
-                          </a:solidFill>
-                          <a:effectLst/>
-                          <a:latin typeface="メイリオ" panose="020B0604030504040204" pitchFamily="50" charset="-128"/>
-                          <a:ea typeface="メイリオ" panose="020B0604030504040204" pitchFamily="50" charset="-128"/>
-                        </a:rPr>
-                        <a:t>（</a:t>
-                      </a:r>
-                      <a:r>
                         <a:rPr lang="ja-JP" altLang="en-US" sz="1100" b="0" i="0" u="none" strike="noStrike" dirty="0">
                           <a:solidFill>
                             <a:srgbClr val="000000"/>
@@ -12908,7 +12806,7 @@
                           <a:latin typeface="メイリオ" panose="020B0604030504040204" pitchFamily="50" charset="-128"/>
                           <a:ea typeface="メイリオ" panose="020B0604030504040204" pitchFamily="50" charset="-128"/>
                         </a:rPr>
-                        <a:t>痛風と胃炎が更新されているためレセプト、</a:t>
+                        <a:t>（痛風と胃炎が更新されているためレセプト、</a:t>
                       </a:r>
                       <a:r>
                         <a:rPr lang="en-US" altLang="ja-JP" sz="1100" b="0" i="0" u="none" strike="noStrike" dirty="0">
@@ -13408,29 +13306,7 @@
                           <a:latin typeface="メイリオ" panose="020B0604030504040204" pitchFamily="50" charset="-128"/>
                           <a:ea typeface="メイリオ" panose="020B0604030504040204" pitchFamily="50" charset="-128"/>
                         </a:rPr>
-                        <a:t>睡眠時無呼吸症候群の治療履歴あり</a:t>
-                      </a:r>
-                      <a:r>
-                        <a:rPr lang="ja-JP" altLang="en-US" sz="1100" b="0" i="0" u="none" strike="noStrike" dirty="0" smtClean="0">
-                          <a:solidFill>
-                            <a:srgbClr val="000000"/>
-                          </a:solidFill>
-                          <a:effectLst/>
-                          <a:latin typeface="メイリオ" panose="020B0604030504040204" pitchFamily="50" charset="-128"/>
-                          <a:ea typeface="メイリオ" panose="020B0604030504040204" pitchFamily="50" charset="-128"/>
-                        </a:rPr>
-                        <a:t>（経過記録より外来</a:t>
-                      </a:r>
-                      <a:r>
-                        <a:rPr lang="ja-JP" altLang="en-US" sz="1100" b="0" i="0" u="none" strike="noStrike" dirty="0">
-                          <a:solidFill>
-                            <a:srgbClr val="000000"/>
-                          </a:solidFill>
-                          <a:effectLst/>
-                          <a:latin typeface="メイリオ" panose="020B0604030504040204" pitchFamily="50" charset="-128"/>
-                          <a:ea typeface="メイリオ" panose="020B0604030504040204" pitchFamily="50" charset="-128"/>
-                        </a:rPr>
-                        <a:t>だと思われる）</a:t>
+                        <a:t>睡眠時無呼吸症候群の治療履歴あり（経過記録より外来だと思われる）</a:t>
                       </a:r>
                       <a:br>
                         <a:rPr lang="ja-JP" altLang="en-US" sz="1100" b="0" i="0" u="none" strike="noStrike" dirty="0">
@@ -13465,7 +13341,7 @@
                         <a:t>の更新がないことは妥当そうだが、</a:t>
                       </a:r>
                       <a:r>
-                        <a:rPr lang="en-US" altLang="ja-JP" sz="1100" b="0" i="0" u="none" strike="noStrike" dirty="0" smtClean="0">
+                        <a:rPr lang="en-US" altLang="ja-JP" sz="1100" b="0" i="0" u="none" strike="noStrike" dirty="0">
                           <a:solidFill>
                             <a:schemeClr val="bg2"/>
                           </a:solidFill>
@@ -13476,7 +13352,7 @@
                         <a:t>DPC</a:t>
                       </a:r>
                       <a:r>
-                        <a:rPr lang="ja-JP" altLang="en-US" sz="1100" b="0" i="0" u="none" strike="noStrike" dirty="0" smtClean="0">
+                        <a:rPr lang="ja-JP" altLang="en-US" sz="1100" b="0" i="0" u="none" strike="noStrike" dirty="0">
                           <a:solidFill>
                             <a:schemeClr val="bg2"/>
                           </a:solidFill>
@@ -13486,14 +13362,6 @@
                         </a:rPr>
                         <a:t>、レセプトのデータがない理由は不明</a:t>
                       </a:r>
-                      <a:endParaRPr lang="ja-JP" altLang="en-US" sz="1100" b="0" i="0" u="none" strike="noStrike" dirty="0">
-                        <a:solidFill>
-                          <a:schemeClr val="bg2"/>
-                        </a:solidFill>
-                        <a:effectLst/>
-                        <a:latin typeface="メイリオ" panose="020B0604030504040204" pitchFamily="50" charset="-128"/>
-                        <a:ea typeface="メイリオ" panose="020B0604030504040204" pitchFamily="50" charset="-128"/>
-                      </a:endParaRPr>
                     </a:p>
                   </a:txBody>
                   <a:tcPr marL="7843" marR="7843" marT="7843" marB="0" anchor="b">
@@ -14545,7 +14413,7 @@
           <a:lstStyle/>
           <a:p>
             <a:r>
-              <a:rPr lang="ja-JP" altLang="en-US" sz="1400" dirty="0" smtClean="0">
+              <a:rPr lang="ja-JP" altLang="en-US" sz="1400" dirty="0">
                 <a:solidFill>
                   <a:schemeClr val="tx1"/>
                 </a:solidFill>
@@ -14555,7 +14423,7 @@
               <a:t>⇒近大の患者（計</a:t>
             </a:r>
             <a:r>
-              <a:rPr lang="en-US" altLang="ja-JP" sz="1400" dirty="0" smtClean="0">
+              <a:rPr lang="en-US" altLang="ja-JP" sz="1400" dirty="0">
                 <a:solidFill>
                   <a:schemeClr val="tx1"/>
                 </a:solidFill>
@@ -14572,39 +14440,9 @@
                 <a:latin typeface="Meiryo UI" panose="020B0604030504040204" pitchFamily="50" charset="-128"/>
                 <a:ea typeface="Meiryo UI" panose="020B0604030504040204" pitchFamily="50" charset="-128"/>
               </a:rPr>
-              <a:t>名</a:t>
-            </a:r>
-            <a:r>
-              <a:rPr lang="ja-JP" altLang="en-US" sz="1400" dirty="0" smtClean="0">
-                <a:solidFill>
-                  <a:schemeClr val="tx1"/>
-                </a:solidFill>
-                <a:latin typeface="Meiryo UI" panose="020B0604030504040204" pitchFamily="50" charset="-128"/>
-                <a:ea typeface="Meiryo UI" panose="020B0604030504040204" pitchFamily="50" charset="-128"/>
-              </a:rPr>
-              <a:t>）は金さんから連携を受けた</a:t>
-            </a:r>
-            <a:r>
-              <a:rPr lang="ja-JP" altLang="en-US" sz="1400" dirty="0">
-                <a:solidFill>
-                  <a:schemeClr val="tx1"/>
-                </a:solidFill>
-                <a:latin typeface="Meiryo UI" panose="020B0604030504040204" pitchFamily="50" charset="-128"/>
-                <a:ea typeface="Meiryo UI" panose="020B0604030504040204" pitchFamily="50" charset="-128"/>
-              </a:rPr>
-              <a:t>、</a:t>
-            </a:r>
-            <a:r>
-              <a:rPr lang="ja-JP" altLang="en-US" sz="1400" dirty="0" smtClean="0">
-                <a:solidFill>
-                  <a:schemeClr val="tx1"/>
-                </a:solidFill>
-                <a:latin typeface="Meiryo UI" panose="020B0604030504040204" pitchFamily="50" charset="-128"/>
-                <a:ea typeface="Meiryo UI" panose="020B0604030504040204" pitchFamily="50" charset="-128"/>
-              </a:rPr>
-              <a:t>実際に疾患開始日が遡っていた患者である。</a:t>
-            </a:r>
-            <a:endParaRPr lang="en-US" altLang="ja-JP" sz="1400" dirty="0" smtClean="0">
+              <a:t>名）は金さんから連携を受けた、実際に疾患開始日が遡っていた患者である。</a:t>
+            </a:r>
+            <a:endParaRPr lang="en-US" altLang="ja-JP" sz="1400" dirty="0">
               <a:solidFill>
                 <a:schemeClr val="tx1"/>
               </a:solidFill>
@@ -14623,27 +14461,17 @@
           </a:p>
           <a:p>
             <a:r>
-              <a:rPr lang="ja-JP" altLang="en-US" sz="1400" dirty="0" smtClean="0">
+              <a:rPr lang="ja-JP" altLang="en-US" sz="1400" dirty="0">
                 <a:solidFill>
                   <a:schemeClr val="tx1"/>
                 </a:solidFill>
                 <a:latin typeface="Meiryo UI" panose="020B0604030504040204" pitchFamily="50" charset="-128"/>
                 <a:ea typeface="Meiryo UI" panose="020B0604030504040204" pitchFamily="50" charset="-128"/>
               </a:rPr>
-              <a:t>⇒</a:t>
-            </a:r>
-            <a:r>
-              <a:rPr lang="ja-JP" altLang="en-US" sz="1400" dirty="0" smtClean="0">
-                <a:solidFill>
-                  <a:schemeClr val="tx1"/>
-                </a:solidFill>
-                <a:latin typeface="Meiryo UI" panose="020B0604030504040204" pitchFamily="50" charset="-128"/>
-                <a:ea typeface="Meiryo UI" panose="020B0604030504040204" pitchFamily="50" charset="-128"/>
-              </a:rPr>
-              <a:t>調査した</a:t>
-            </a:r>
-            <a:r>
-              <a:rPr lang="en-US" altLang="ja-JP" sz="1400" dirty="0" smtClean="0">
+              <a:t>⇒調査した</a:t>
+            </a:r>
+            <a:r>
+              <a:rPr lang="en-US" altLang="ja-JP" sz="1400" dirty="0">
                 <a:solidFill>
                   <a:schemeClr val="tx1"/>
                 </a:solidFill>
@@ -14653,7 +14481,7 @@
               <a:t>9</a:t>
             </a:r>
             <a:r>
-              <a:rPr lang="ja-JP" altLang="en-US" sz="1400" dirty="0" smtClean="0">
+              <a:rPr lang="ja-JP" altLang="en-US" sz="1400" dirty="0">
                 <a:solidFill>
                   <a:schemeClr val="tx1"/>
                 </a:solidFill>
@@ -14663,7 +14491,7 @@
               <a:t>名中</a:t>
             </a:r>
             <a:r>
-              <a:rPr lang="en-US" altLang="ja-JP" sz="1400" dirty="0" smtClean="0">
+              <a:rPr lang="en-US" altLang="ja-JP" sz="1400" dirty="0">
                 <a:solidFill>
                   <a:schemeClr val="tx1"/>
                 </a:solidFill>
@@ -14673,7 +14501,7 @@
               <a:t>7</a:t>
             </a:r>
             <a:r>
-              <a:rPr lang="ja-JP" altLang="en-US" sz="1400" dirty="0" smtClean="0">
+              <a:rPr lang="ja-JP" altLang="en-US" sz="1400" dirty="0">
                 <a:solidFill>
                   <a:schemeClr val="tx1"/>
                 </a:solidFill>
@@ -14683,7 +14511,7 @@
               <a:t>名が歯科の情報のみ、あるいは新生児ということで</a:t>
             </a:r>
             <a:r>
-              <a:rPr lang="en-US" altLang="ja-JP" sz="1400" dirty="0" smtClean="0">
+              <a:rPr lang="en-US" altLang="ja-JP" sz="1400" dirty="0">
                 <a:solidFill>
                   <a:schemeClr val="tx1"/>
                 </a:solidFill>
@@ -14693,7 +14521,7 @@
               <a:t>Rd</a:t>
             </a:r>
             <a:r>
-              <a:rPr lang="ja-JP" altLang="en-US" sz="1400" dirty="0" smtClean="0">
+              <a:rPr lang="ja-JP" altLang="en-US" sz="1400" dirty="0">
                 <a:solidFill>
                   <a:schemeClr val="tx1"/>
                 </a:solidFill>
@@ -14702,7 +14530,7 @@
               </a:rPr>
               <a:t>のみで診療年月の判定が行われていた。</a:t>
             </a:r>
-            <a:endParaRPr lang="en-US" altLang="ja-JP" sz="1400" dirty="0" smtClean="0">
+            <a:endParaRPr lang="en-US" altLang="ja-JP" sz="1400" dirty="0">
               <a:solidFill>
                 <a:schemeClr val="tx1"/>
               </a:solidFill>
@@ -14721,7 +14549,7 @@
           </a:p>
           <a:p>
             <a:r>
-              <a:rPr lang="ja-JP" altLang="en-US" sz="1400" dirty="0" smtClean="0">
+              <a:rPr lang="ja-JP" altLang="en-US" sz="1400" dirty="0">
                 <a:solidFill>
                   <a:schemeClr val="tx1"/>
                 </a:solidFill>
@@ -14731,7 +14559,7 @@
               <a:t>⇒患者</a:t>
             </a:r>
             <a:r>
-              <a:rPr lang="en-US" altLang="ja-JP" sz="1400" dirty="0" smtClean="0">
+              <a:rPr lang="en-US" altLang="ja-JP" sz="1400" dirty="0">
                 <a:solidFill>
                   <a:schemeClr val="tx1"/>
                 </a:solidFill>
@@ -14741,7 +14569,7 @@
               <a:t>C</a:t>
             </a:r>
             <a:r>
-              <a:rPr lang="ja-JP" altLang="en-US" sz="1400" dirty="0" smtClean="0">
+              <a:rPr lang="ja-JP" altLang="en-US" sz="1400" dirty="0">
                 <a:solidFill>
                   <a:schemeClr val="tx1"/>
                 </a:solidFill>
@@ -14751,7 +14579,7 @@
               <a:t>、</a:t>
             </a:r>
             <a:r>
-              <a:rPr lang="en-US" altLang="ja-JP" sz="1400" dirty="0" smtClean="0">
+              <a:rPr lang="en-US" altLang="ja-JP" sz="1400" dirty="0">
                 <a:solidFill>
                   <a:schemeClr val="tx1"/>
                 </a:solidFill>
@@ -14761,7 +14589,7 @@
               <a:t>E</a:t>
             </a:r>
             <a:r>
-              <a:rPr lang="ja-JP" altLang="en-US" sz="1400" dirty="0" smtClean="0">
+              <a:rPr lang="ja-JP" altLang="en-US" sz="1400" dirty="0">
                 <a:solidFill>
                   <a:schemeClr val="tx1"/>
                 </a:solidFill>
@@ -14771,7 +14599,7 @@
               <a:t>については</a:t>
             </a:r>
             <a:r>
-              <a:rPr lang="en-US" altLang="ja-JP" sz="1400" dirty="0" smtClean="0">
+              <a:rPr lang="en-US" altLang="ja-JP" sz="1400" dirty="0">
                 <a:solidFill>
                   <a:schemeClr val="tx1"/>
                 </a:solidFill>
@@ -14781,36 +14609,16 @@
               <a:t>DPC</a:t>
             </a:r>
             <a:r>
-              <a:rPr lang="ja-JP" altLang="en-US" sz="1400" dirty="0" smtClean="0">
+              <a:rPr lang="ja-JP" altLang="en-US" sz="1400" dirty="0">
                 <a:solidFill>
                   <a:schemeClr val="tx1"/>
                 </a:solidFill>
                 <a:latin typeface="Meiryo UI" panose="020B0604030504040204" pitchFamily="50" charset="-128"/>
                 <a:ea typeface="Meiryo UI" panose="020B0604030504040204" pitchFamily="50" charset="-128"/>
               </a:rPr>
-              <a:t>やレセプトのデータが存在していそうな疾患情報だが、なぜかデータが存在しなかった。</a:t>
-            </a:r>
-            <a:r>
-              <a:rPr lang="ja-JP" altLang="en-US" sz="1400" dirty="0">
-                <a:solidFill>
-                  <a:schemeClr val="tx1"/>
-                </a:solidFill>
-                <a:latin typeface="Meiryo UI" panose="020B0604030504040204" pitchFamily="50" charset="-128"/>
-                <a:ea typeface="Meiryo UI" panose="020B0604030504040204" pitchFamily="50" charset="-128"/>
-              </a:rPr>
-              <a:t>　</a:t>
-            </a:r>
-            <a:r>
-              <a:rPr lang="ja-JP" altLang="en-US" sz="1400" dirty="0" smtClean="0">
-                <a:solidFill>
-                  <a:schemeClr val="tx1"/>
-                </a:solidFill>
-                <a:latin typeface="Meiryo UI" panose="020B0604030504040204" pitchFamily="50" charset="-128"/>
-                <a:ea typeface="Meiryo UI" panose="020B0604030504040204" pitchFamily="50" charset="-128"/>
-              </a:rPr>
-              <a:t>　</a:t>
-            </a:r>
-            <a:endParaRPr lang="en-US" altLang="ja-JP" sz="1400" dirty="0" smtClean="0">
+              <a:t>やレセプトのデータが存在していそうな疾患情報だが、なぜかデータが存在しなかった。　　</a:t>
+            </a:r>
+            <a:endParaRPr lang="en-US" altLang="ja-JP" sz="1400" dirty="0">
               <a:solidFill>
                 <a:schemeClr val="tx1"/>
               </a:solidFill>
@@ -14830,13 +14638,6 @@
   <p:clrMapOvr>
     <a:masterClrMapping/>
   </p:clrMapOvr>
-  <p:timing>
-    <p:tnLst>
-      <p:par>
-        <p:cTn id="1" dur="indefinite" restart="never" nodeType="tmRoot"/>
-      </p:par>
-    </p:tnLst>
-  </p:timing>
 </p:sld>
 </file>
 
@@ -15089,42 +14890,38 @@
           </a:lstStyle>
           <a:p>
             <a:r>
-              <a:rPr lang="ja-JP" altLang="en-US" sz="1800" dirty="0" smtClean="0">
+              <a:rPr lang="ja-JP" altLang="en-US" sz="1800" dirty="0">
                 <a:latin typeface="Meiryo UI" panose="020B0604030504040204" pitchFamily="50" charset="-128"/>
                 <a:ea typeface="Meiryo UI" panose="020B0604030504040204" pitchFamily="50" charset="-128"/>
               </a:rPr>
               <a:t>診断履歴情報の最新履歴の診療年月が遡ることにより通知済み患者から未通知患者と判定が</a:t>
             </a:r>
-            <a:endParaRPr lang="en-US" altLang="ja-JP" sz="1800" dirty="0" smtClean="0">
+            <a:endParaRPr lang="en-US" altLang="ja-JP" sz="1800" dirty="0">
               <a:latin typeface="Meiryo UI" panose="020B0604030504040204" pitchFamily="50" charset="-128"/>
               <a:ea typeface="Meiryo UI" panose="020B0604030504040204" pitchFamily="50" charset="-128"/>
             </a:endParaRPr>
           </a:p>
           <a:p>
             <a:r>
-              <a:rPr lang="ja-JP" altLang="en-US" sz="1800" dirty="0" smtClean="0">
+              <a:rPr lang="ja-JP" altLang="en-US" sz="1800" dirty="0">
                 <a:latin typeface="Meiryo UI" panose="020B0604030504040204" pitchFamily="50" charset="-128"/>
                 <a:ea typeface="Meiryo UI" panose="020B0604030504040204" pitchFamily="50" charset="-128"/>
               </a:rPr>
               <a:t>変わってしまう可能性のある患者について、本番環境で調査を行った。</a:t>
             </a:r>
-            <a:endParaRPr lang="en-US" altLang="ja-JP" sz="1800" dirty="0" smtClean="0">
+            <a:endParaRPr lang="en-US" altLang="ja-JP" sz="1800" dirty="0">
               <a:latin typeface="Meiryo UI" panose="020B0604030504040204" pitchFamily="50" charset="-128"/>
               <a:ea typeface="Meiryo UI" panose="020B0604030504040204" pitchFamily="50" charset="-128"/>
             </a:endParaRPr>
           </a:p>
           <a:p>
             <a:r>
-              <a:rPr lang="ja-JP" altLang="en-US" sz="1800" dirty="0" smtClean="0">
+              <a:rPr lang="ja-JP" altLang="en-US" sz="1800" dirty="0">
                 <a:latin typeface="Meiryo UI" panose="020B0604030504040204" pitchFamily="50" charset="-128"/>
                 <a:ea typeface="Meiryo UI" panose="020B0604030504040204" pitchFamily="50" charset="-128"/>
               </a:rPr>
               <a:t>施設別に上記対象患者数および全患者に対する割合を集計した結果は以下の通り。</a:t>
             </a:r>
-            <a:endParaRPr lang="ja-JP" altLang="en-US" sz="1800" dirty="0">
-              <a:latin typeface="Meiryo UI" panose="020B0604030504040204" pitchFamily="50" charset="-128"/>
-              <a:ea typeface="Meiryo UI" panose="020B0604030504040204" pitchFamily="50" charset="-128"/>
-            </a:endParaRPr>
           </a:p>
         </p:txBody>
       </p:sp>
@@ -15151,58 +14948,47 @@
           <a:lstStyle/>
           <a:p>
             <a:r>
-              <a:rPr lang="en-US" altLang="ja-JP" sz="1800" b="1" dirty="0" smtClean="0">
+              <a:rPr lang="en-US" altLang="ja-JP" sz="1800" b="1" dirty="0">
                 <a:latin typeface="Meiryo UI" panose="020B0604030504040204" pitchFamily="50" charset="-128"/>
                 <a:ea typeface="Meiryo UI" panose="020B0604030504040204" pitchFamily="50" charset="-128"/>
               </a:rPr>
               <a:t>【</a:t>
             </a:r>
             <a:r>
-              <a:rPr lang="ja-JP" altLang="en-US" sz="1800" b="1" dirty="0" smtClean="0">
+              <a:rPr lang="ja-JP" altLang="en-US" sz="1800" b="1" dirty="0">
                 <a:latin typeface="Meiryo UI" panose="020B0604030504040204" pitchFamily="50" charset="-128"/>
                 <a:ea typeface="Meiryo UI" panose="020B0604030504040204" pitchFamily="50" charset="-128"/>
               </a:rPr>
               <a:t>参考</a:t>
             </a:r>
             <a:r>
-              <a:rPr lang="en-US" altLang="ja-JP" sz="1800" b="1" dirty="0" smtClean="0">
+              <a:rPr lang="en-US" altLang="ja-JP" sz="1800" b="1" dirty="0">
                 <a:latin typeface="Meiryo UI" panose="020B0604030504040204" pitchFamily="50" charset="-128"/>
                 <a:ea typeface="Meiryo UI" panose="020B0604030504040204" pitchFamily="50" charset="-128"/>
               </a:rPr>
               <a:t>】</a:t>
             </a:r>
             <a:r>
-              <a:rPr lang="ja-JP" altLang="en-US" sz="1800" b="1" dirty="0" smtClean="0">
+              <a:rPr lang="ja-JP" altLang="en-US" sz="1800" b="1" dirty="0">
                 <a:latin typeface="Meiryo UI" panose="020B0604030504040204" pitchFamily="50" charset="-128"/>
                 <a:ea typeface="Meiryo UI" panose="020B0604030504040204" pitchFamily="50" charset="-128"/>
               </a:rPr>
-              <a:t>本番</a:t>
-            </a:r>
-            <a:r>
-              <a:rPr lang="ja-JP" altLang="en-US" sz="1800" b="1" dirty="0" smtClean="0">
-                <a:latin typeface="Meiryo UI" panose="020B0604030504040204" pitchFamily="50" charset="-128"/>
-                <a:ea typeface="Meiryo UI" panose="020B0604030504040204" pitchFamily="50" charset="-128"/>
-              </a:rPr>
-              <a:t>環境データ影響調査結果</a:t>
-            </a:r>
-            <a:r>
-              <a:rPr lang="en-US" altLang="ja-JP" sz="1800" b="1" dirty="0" smtClean="0">
+              <a:t>本番環境データ影響調査結果</a:t>
+            </a:r>
+            <a:r>
+              <a:rPr lang="en-US" altLang="ja-JP" sz="1800" b="1" dirty="0">
                 <a:latin typeface="Meiryo UI" panose="020B0604030504040204" pitchFamily="50" charset="-128"/>
                 <a:ea typeface="Meiryo UI" panose="020B0604030504040204" pitchFamily="50" charset="-128"/>
               </a:rPr>
               <a:t>_</a:t>
             </a:r>
             <a:r>
-              <a:rPr lang="ja-JP" altLang="en-US" sz="1800" b="1" dirty="0" smtClean="0">
+              <a:rPr lang="ja-JP" altLang="en-US" sz="1800" b="1" dirty="0">
                 <a:latin typeface="Meiryo UI" panose="020B0604030504040204" pitchFamily="50" charset="-128"/>
                 <a:ea typeface="Meiryo UI" panose="020B0604030504040204" pitchFamily="50" charset="-128"/>
               </a:rPr>
               <a:t>施設別</a:t>
             </a:r>
-            <a:endParaRPr lang="ja-JP" altLang="en-US" sz="1800" b="1" dirty="0">
-              <a:latin typeface="Meiryo UI" panose="020B0604030504040204" pitchFamily="50" charset="-128"/>
-              <a:ea typeface="Meiryo UI" panose="020B0604030504040204" pitchFamily="50" charset="-128"/>
-            </a:endParaRPr>
           </a:p>
         </p:txBody>
       </p:sp>
@@ -15257,11 +15043,7 @@
           <a:p>
             <a:r>
               <a:rPr lang="ja-JP" altLang="en-US" sz="1600" dirty="0"/>
-              <a:t>黒田先生説明時</a:t>
-            </a:r>
-            <a:r>
-              <a:rPr lang="ja-JP" altLang="en-US" sz="1600" dirty="0" smtClean="0"/>
-              <a:t>は削除を想定</a:t>
+              <a:t>黒田先生説明時は削除を想定</a:t>
             </a:r>
             <a:endParaRPr kumimoji="1" lang="ja-JP" altLang="en-US" sz="1600" dirty="0"/>
           </a:p>
@@ -24056,7 +23838,7 @@
           <a:lstStyle/>
           <a:p>
             <a:r>
-              <a:rPr lang="ja-JP" altLang="en-US" sz="1400" dirty="0" smtClean="0">
+              <a:rPr lang="ja-JP" altLang="en-US" sz="1400" dirty="0">
                 <a:solidFill>
                   <a:schemeClr val="tx1"/>
                 </a:solidFill>
@@ -24066,7 +23848,7 @@
               <a:t>⇒</a:t>
             </a:r>
             <a:r>
-              <a:rPr lang="en-US" altLang="ja-JP" sz="1400" dirty="0" smtClean="0">
+              <a:rPr lang="en-US" altLang="ja-JP" sz="1400" dirty="0">
                 <a:solidFill>
                   <a:schemeClr val="tx1"/>
                 </a:solidFill>
@@ -24076,7 +23858,7 @@
               <a:t>MML</a:t>
             </a:r>
             <a:r>
-              <a:rPr lang="ja-JP" altLang="en-US" sz="1400" dirty="0" smtClean="0">
+              <a:rPr lang="ja-JP" altLang="en-US" sz="1400" dirty="0">
                 <a:solidFill>
                   <a:schemeClr val="tx1"/>
                 </a:solidFill>
@@ -24086,7 +23868,7 @@
               <a:t>のみの施設は</a:t>
             </a:r>
             <a:r>
-              <a:rPr lang="en-US" altLang="ja-JP" sz="1400" dirty="0" smtClean="0">
+              <a:rPr lang="en-US" altLang="ja-JP" sz="1400" dirty="0">
                 <a:solidFill>
                   <a:schemeClr val="tx1"/>
                 </a:solidFill>
@@ -24096,7 +23878,7 @@
               <a:t>DPC</a:t>
             </a:r>
             <a:r>
-              <a:rPr lang="ja-JP" altLang="en-US" sz="1400" dirty="0" smtClean="0">
+              <a:rPr lang="ja-JP" altLang="en-US" sz="1400" dirty="0">
                 <a:solidFill>
                   <a:schemeClr val="tx1"/>
                 </a:solidFill>
@@ -24105,18 +23887,8 @@
               </a:rPr>
               <a:t>、レセプトでも診療年月が判定されることがないため、割合が高くなっている。</a:t>
             </a:r>
-            <a:r>
-              <a:rPr lang="en-US" altLang="ja-JP" sz="1400" dirty="0" smtClean="0">
-                <a:solidFill>
-                  <a:schemeClr val="tx1"/>
-                </a:solidFill>
-                <a:latin typeface="Meiryo UI" panose="020B0604030504040204" pitchFamily="50" charset="-128"/>
-                <a:ea typeface="Meiryo UI" panose="020B0604030504040204" pitchFamily="50" charset="-128"/>
-              </a:rPr>
-              <a:t/>
-            </a:r>
             <a:br>
-              <a:rPr lang="en-US" altLang="ja-JP" sz="1400" dirty="0" smtClean="0">
+              <a:rPr lang="en-US" altLang="ja-JP" sz="1400" dirty="0">
                 <a:solidFill>
                   <a:schemeClr val="tx1"/>
                 </a:solidFill>
@@ -24124,7 +23896,7 @@
                 <a:ea typeface="Meiryo UI" panose="020B0604030504040204" pitchFamily="50" charset="-128"/>
               </a:rPr>
             </a:br>
-            <a:endParaRPr lang="en-US" altLang="ja-JP" sz="1400" dirty="0" smtClean="0">
+            <a:endParaRPr lang="en-US" altLang="ja-JP" sz="1400" dirty="0">
               <a:solidFill>
                 <a:schemeClr val="tx1"/>
               </a:solidFill>
@@ -24134,7 +23906,7 @@
           </a:p>
           <a:p>
             <a:r>
-              <a:rPr lang="ja-JP" altLang="en-US" sz="1400" dirty="0" smtClean="0">
+              <a:rPr lang="ja-JP" altLang="en-US" sz="1400" dirty="0">
                 <a:solidFill>
                   <a:schemeClr val="tx1"/>
                 </a:solidFill>
@@ -24143,7 +23915,7 @@
               </a:rPr>
               <a:t>⇒前ページの確認結果も合わせると、歯科の患者が含まれているか、</a:t>
             </a:r>
-            <a:endParaRPr lang="en-US" altLang="ja-JP" sz="1400" dirty="0" smtClean="0">
+            <a:endParaRPr lang="en-US" altLang="ja-JP" sz="1400" dirty="0">
               <a:solidFill>
                 <a:schemeClr val="tx1"/>
               </a:solidFill>
@@ -24160,20 +23932,10 @@
                 <a:latin typeface="Meiryo UI" panose="020B0604030504040204" pitchFamily="50" charset="-128"/>
                 <a:ea typeface="Meiryo UI" panose="020B0604030504040204" pitchFamily="50" charset="-128"/>
               </a:rPr>
-              <a:t>　</a:t>
-            </a:r>
-            <a:r>
-              <a:rPr lang="ja-JP" altLang="en-US" sz="1400" dirty="0" smtClean="0">
-                <a:solidFill>
-                  <a:schemeClr val="tx1"/>
-                </a:solidFill>
-                <a:latin typeface="Meiryo UI" panose="020B0604030504040204" pitchFamily="50" charset="-128"/>
-                <a:ea typeface="Meiryo UI" panose="020B0604030504040204" pitchFamily="50" charset="-128"/>
-              </a:rPr>
-              <a:t>　</a:t>
-            </a:r>
-            <a:r>
-              <a:rPr lang="en-US" altLang="ja-JP" sz="1400" dirty="0" smtClean="0">
+              <a:t>　　</a:t>
+            </a:r>
+            <a:r>
+              <a:rPr lang="en-US" altLang="ja-JP" sz="1400" dirty="0">
                 <a:solidFill>
                   <a:schemeClr val="tx1"/>
                 </a:solidFill>
@@ -24183,7 +23945,7 @@
               <a:t>DPC</a:t>
             </a:r>
             <a:r>
-              <a:rPr lang="ja-JP" altLang="en-US" sz="1400" dirty="0" smtClean="0">
+              <a:rPr lang="ja-JP" altLang="en-US" sz="1400" dirty="0">
                 <a:solidFill>
                   <a:schemeClr val="tx1"/>
                 </a:solidFill>
@@ -24192,7 +23954,7 @@
               </a:rPr>
               <a:t>、レセプトと紐づけができるかに依存して割合が変わっていると考えられる。</a:t>
             </a:r>
-            <a:endParaRPr lang="en-US" altLang="ja-JP" sz="1400" dirty="0" smtClean="0">
+            <a:endParaRPr lang="en-US" altLang="ja-JP" sz="1400" dirty="0">
               <a:solidFill>
                 <a:schemeClr val="tx1"/>
               </a:solidFill>
@@ -24212,13 +23974,6 @@
   <p:clrMapOvr>
     <a:masterClrMapping/>
   </p:clrMapOvr>
-  <p:timing>
-    <p:tnLst>
-      <p:par>
-        <p:cTn id="1" dur="indefinite" restart="never" nodeType="tmRoot"/>
-      </p:par>
-    </p:tnLst>
-  </p:timing>
 </p:sld>
 </file>
 
@@ -24249,13 +24004,6 @@
   <p:clrMapOvr>
     <a:masterClrMapping/>
   </p:clrMapOvr>
-  <p:timing>
-    <p:tnLst>
-      <p:par>
-        <p:cTn id="1" dur="indefinite" restart="never" nodeType="tmRoot"/>
-      </p:par>
-    </p:tnLst>
-  </p:timing>
 </p:sld>
 </file>
 
@@ -24389,79 +24137,79 @@
           </a:lstStyle>
           <a:p>
             <a:r>
-              <a:rPr lang="en-US" altLang="ja-JP" dirty="0" smtClean="0">
+              <a:rPr lang="en-US" altLang="ja-JP" dirty="0">
                 <a:latin typeface="Meiryo UI" panose="020B0604030504040204" pitchFamily="50" charset="-128"/>
                 <a:ea typeface="Meiryo UI" panose="020B0604030504040204" pitchFamily="50" charset="-128"/>
               </a:rPr>
               <a:t>MML</a:t>
             </a:r>
             <a:r>
-              <a:rPr lang="ja-JP" altLang="en-US" dirty="0" smtClean="0">
+              <a:rPr lang="ja-JP" altLang="en-US" dirty="0">
                 <a:latin typeface="Meiryo UI" panose="020B0604030504040204" pitchFamily="50" charset="-128"/>
                 <a:ea typeface="Meiryo UI" panose="020B0604030504040204" pitchFamily="50" charset="-128"/>
               </a:rPr>
               <a:t>の診断履歴モジュールにおいて、医療機関によっては過去の履歴が二次利用</a:t>
             </a:r>
             <a:r>
-              <a:rPr lang="en-US" altLang="ja-JP" dirty="0" smtClean="0">
+              <a:rPr lang="en-US" altLang="ja-JP" dirty="0">
                 <a:latin typeface="Meiryo UI" panose="020B0604030504040204" pitchFamily="50" charset="-128"/>
                 <a:ea typeface="Meiryo UI" panose="020B0604030504040204" pitchFamily="50" charset="-128"/>
               </a:rPr>
               <a:t>DB</a:t>
             </a:r>
             <a:r>
-              <a:rPr lang="ja-JP" altLang="en-US" dirty="0" smtClean="0">
+              <a:rPr lang="ja-JP" altLang="en-US" dirty="0">
                 <a:latin typeface="Meiryo UI" panose="020B0604030504040204" pitchFamily="50" charset="-128"/>
                 <a:ea typeface="Meiryo UI" panose="020B0604030504040204" pitchFamily="50" charset="-128"/>
               </a:rPr>
               <a:t>に</a:t>
             </a:r>
-            <a:endParaRPr lang="en-US" altLang="ja-JP" dirty="0" smtClean="0">
+            <a:endParaRPr lang="en-US" altLang="ja-JP" dirty="0">
               <a:latin typeface="Meiryo UI" panose="020B0604030504040204" pitchFamily="50" charset="-128"/>
               <a:ea typeface="Meiryo UI" panose="020B0604030504040204" pitchFamily="50" charset="-128"/>
             </a:endParaRPr>
           </a:p>
           <a:p>
             <a:r>
-              <a:rPr lang="ja-JP" altLang="en-US" dirty="0" smtClean="0">
+              <a:rPr lang="ja-JP" altLang="en-US" dirty="0">
                 <a:latin typeface="Meiryo UI" panose="020B0604030504040204" pitchFamily="50" charset="-128"/>
                 <a:ea typeface="Meiryo UI" panose="020B0604030504040204" pitchFamily="50" charset="-128"/>
               </a:rPr>
               <a:t>存在しない事象が検知されました。</a:t>
             </a:r>
-            <a:endParaRPr lang="en-US" altLang="ja-JP" dirty="0" smtClean="0">
+            <a:endParaRPr lang="en-US" altLang="ja-JP" dirty="0">
               <a:latin typeface="Meiryo UI" panose="020B0604030504040204" pitchFamily="50" charset="-128"/>
               <a:ea typeface="Meiryo UI" panose="020B0604030504040204" pitchFamily="50" charset="-128"/>
             </a:endParaRPr>
           </a:p>
           <a:p>
             <a:r>
-              <a:rPr lang="ja-JP" altLang="en-US" dirty="0" smtClean="0">
+              <a:rPr lang="ja-JP" altLang="en-US" dirty="0">
                 <a:latin typeface="Meiryo UI" panose="020B0604030504040204" pitchFamily="50" charset="-128"/>
                 <a:ea typeface="Meiryo UI" panose="020B0604030504040204" pitchFamily="50" charset="-128"/>
               </a:rPr>
               <a:t>当資料では、その原因と取込仕様の改修案を説明させていただきます。</a:t>
             </a:r>
-            <a:endParaRPr lang="en-US" altLang="ja-JP" dirty="0" smtClean="0">
+            <a:endParaRPr lang="en-US" altLang="ja-JP" dirty="0">
               <a:latin typeface="Meiryo UI" panose="020B0604030504040204" pitchFamily="50" charset="-128"/>
               <a:ea typeface="Meiryo UI" panose="020B0604030504040204" pitchFamily="50" charset="-128"/>
             </a:endParaRPr>
           </a:p>
           <a:p>
-            <a:endParaRPr lang="en-US" altLang="ja-JP" dirty="0" smtClean="0">
+            <a:endParaRPr lang="en-US" altLang="ja-JP" dirty="0">
               <a:latin typeface="Meiryo UI" panose="020B0604030504040204" pitchFamily="50" charset="-128"/>
               <a:ea typeface="Meiryo UI" panose="020B0604030504040204" pitchFamily="50" charset="-128"/>
             </a:endParaRPr>
           </a:p>
           <a:p>
             <a:r>
-              <a:rPr lang="ja-JP" altLang="en-US" dirty="0" smtClean="0">
+              <a:rPr lang="ja-JP" altLang="en-US" dirty="0">
                 <a:latin typeface="Meiryo UI" panose="020B0604030504040204" pitchFamily="50" charset="-128"/>
                 <a:ea typeface="Meiryo UI" panose="020B0604030504040204" pitchFamily="50" charset="-128"/>
               </a:rPr>
               <a:t>また改修案を適用後に取り込んだ結果、現行仕様では未通知患者と判定される患者が、</a:t>
             </a:r>
-            <a:endParaRPr lang="en-US" altLang="ja-JP" dirty="0" smtClean="0">
+            <a:endParaRPr lang="en-US" altLang="ja-JP" dirty="0">
               <a:latin typeface="Meiryo UI" panose="020B0604030504040204" pitchFamily="50" charset="-128"/>
               <a:ea typeface="Meiryo UI" panose="020B0604030504040204" pitchFamily="50" charset="-128"/>
             </a:endParaRPr>
@@ -24472,28 +24220,21 @@
                 <a:latin typeface="Meiryo UI" panose="020B0604030504040204" pitchFamily="50" charset="-128"/>
                 <a:ea typeface="Meiryo UI" panose="020B0604030504040204" pitchFamily="50" charset="-128"/>
               </a:rPr>
-              <a:t>通知済み</a:t>
-            </a:r>
-            <a:r>
-              <a:rPr lang="ja-JP" altLang="en-US" dirty="0" smtClean="0">
-                <a:latin typeface="Meiryo UI" panose="020B0604030504040204" pitchFamily="50" charset="-128"/>
-                <a:ea typeface="Meiryo UI" panose="020B0604030504040204" pitchFamily="50" charset="-128"/>
-              </a:rPr>
-              <a:t>患者と判定される事象がある点を懸念しており、本日議論させていただきたいです。</a:t>
-            </a:r>
-            <a:endParaRPr lang="en-US" altLang="ja-JP" dirty="0" smtClean="0">
+              <a:t>通知済み患者と判定される事象がある点を懸念しており、本日議論させていただきたいです。</a:t>
+            </a:r>
+            <a:endParaRPr lang="en-US" altLang="ja-JP" dirty="0">
               <a:latin typeface="Meiryo UI" panose="020B0604030504040204" pitchFamily="50" charset="-128"/>
               <a:ea typeface="Meiryo UI" panose="020B0604030504040204" pitchFamily="50" charset="-128"/>
             </a:endParaRPr>
           </a:p>
           <a:p>
-            <a:endParaRPr lang="en-US" altLang="ja-JP" dirty="0" smtClean="0">
+            <a:endParaRPr lang="en-US" altLang="ja-JP" dirty="0">
               <a:latin typeface="Meiryo UI" panose="020B0604030504040204" pitchFamily="50" charset="-128"/>
               <a:ea typeface="Meiryo UI" panose="020B0604030504040204" pitchFamily="50" charset="-128"/>
             </a:endParaRPr>
           </a:p>
           <a:p>
-            <a:endParaRPr lang="en-US" altLang="ja-JP" dirty="0" smtClean="0">
+            <a:endParaRPr lang="en-US" altLang="ja-JP" dirty="0">
               <a:latin typeface="Meiryo UI" panose="020B0604030504040204" pitchFamily="50" charset="-128"/>
               <a:ea typeface="Meiryo UI" panose="020B0604030504040204" pitchFamily="50" charset="-128"/>
             </a:endParaRPr>
@@ -24521,14 +24262,14 @@
           <a:lstStyle/>
           <a:p>
             <a:r>
-              <a:rPr lang="ja-JP" altLang="en-US" sz="1600" dirty="0" smtClean="0">
+              <a:rPr lang="ja-JP" altLang="en-US" sz="1600" dirty="0">
                 <a:latin typeface="Meiryo UI" panose="020B0604030504040204" pitchFamily="50" charset="-128"/>
                 <a:ea typeface="Meiryo UI" panose="020B0604030504040204" pitchFamily="50" charset="-128"/>
               </a:rPr>
               <a:t>１</a:t>
             </a:r>
             <a:r>
-              <a:rPr lang="en-US" altLang="ja-JP" sz="1600" dirty="0" smtClean="0">
+              <a:rPr lang="en-US" altLang="ja-JP" sz="1600" dirty="0">
                 <a:latin typeface="Meiryo UI" panose="020B0604030504040204" pitchFamily="50" charset="-128"/>
                 <a:ea typeface="Meiryo UI" panose="020B0604030504040204" pitchFamily="50" charset="-128"/>
               </a:rPr>
@@ -24542,7 +24283,7 @@
               <a:t> </a:t>
             </a:r>
             <a:r>
-              <a:rPr lang="en-US" altLang="ja-JP" sz="1600" dirty="0" smtClean="0">
+              <a:rPr lang="en-US" altLang="ja-JP" sz="1600" dirty="0">
                 <a:latin typeface="Meiryo UI" panose="020B0604030504040204" pitchFamily="50" charset="-128"/>
                 <a:ea typeface="Meiryo UI" panose="020B0604030504040204" pitchFamily="50" charset="-128"/>
               </a:rPr>
@@ -24558,14 +24299,14 @@
               <a:t>２</a:t>
             </a:r>
             <a:r>
-              <a:rPr lang="en-US" altLang="ja-JP" sz="1600" dirty="0" smtClean="0">
+              <a:rPr lang="en-US" altLang="ja-JP" sz="1600" dirty="0">
                 <a:latin typeface="Meiryo UI" panose="020B0604030504040204" pitchFamily="50" charset="-128"/>
                 <a:ea typeface="Meiryo UI" panose="020B0604030504040204" pitchFamily="50" charset="-128"/>
               </a:rPr>
               <a:t>.</a:t>
             </a:r>
             <a:r>
-              <a:rPr lang="ja-JP" altLang="en-US" sz="1600" dirty="0" smtClean="0">
+              <a:rPr lang="ja-JP" altLang="en-US" sz="1600" dirty="0">
                 <a:latin typeface="Meiryo UI" panose="020B0604030504040204" pitchFamily="50" charset="-128"/>
                 <a:ea typeface="Meiryo UI" panose="020B0604030504040204" pitchFamily="50" charset="-128"/>
               </a:rPr>
@@ -24580,7 +24321,7 @@
             </a:r>
           </a:p>
           <a:p>
-            <a:endParaRPr lang="en-US" altLang="ja-JP" sz="1600" dirty="0" smtClean="0">
+            <a:endParaRPr lang="en-US" altLang="ja-JP" sz="1600" dirty="0">
               <a:latin typeface="Meiryo UI" panose="020B0604030504040204" pitchFamily="50" charset="-128"/>
               <a:ea typeface="Meiryo UI" panose="020B0604030504040204" pitchFamily="50" charset="-128"/>
             </a:endParaRPr>
@@ -24626,13 +24367,6 @@
   <p:clrMapOvr>
     <a:masterClrMapping/>
   </p:clrMapOvr>
-  <p:timing>
-    <p:tnLst>
-      <p:par>
-        <p:cTn id="1" dur="indefinite" restart="never" nodeType="tmRoot"/>
-      </p:par>
-    </p:tnLst>
-  </p:timing>
 </p:sld>
 </file>
 
@@ -24676,37 +24410,33 @@
           <a:lstStyle/>
           <a:p>
             <a:r>
-              <a:rPr lang="en-US" altLang="ja-JP" sz="1800" b="1" dirty="0" smtClean="0">
+              <a:rPr lang="en-US" altLang="ja-JP" sz="1800" b="1" dirty="0">
                 <a:latin typeface="Meiryo UI" panose="020B0604030504040204" pitchFamily="50" charset="-128"/>
                 <a:ea typeface="Meiryo UI" panose="020B0604030504040204" pitchFamily="50" charset="-128"/>
               </a:rPr>
               <a:t>MML</a:t>
             </a:r>
             <a:r>
-              <a:rPr lang="ja-JP" altLang="en-US" sz="1800" b="1" dirty="0" smtClean="0">
+              <a:rPr lang="ja-JP" altLang="en-US" sz="1800" b="1" dirty="0">
                 <a:latin typeface="Meiryo UI" panose="020B0604030504040204" pitchFamily="50" charset="-128"/>
                 <a:ea typeface="Meiryo UI" panose="020B0604030504040204" pitchFamily="50" charset="-128"/>
               </a:rPr>
               <a:t>ファイルの同一</a:t>
             </a:r>
             <a:r>
-              <a:rPr lang="en-US" altLang="ja-JP" sz="1800" b="1" dirty="0" smtClean="0">
+              <a:rPr lang="en-US" altLang="ja-JP" sz="1800" b="1" dirty="0">
                 <a:latin typeface="Meiryo UI" panose="020B0604030504040204" pitchFamily="50" charset="-128"/>
                 <a:ea typeface="Meiryo UI" panose="020B0604030504040204" pitchFamily="50" charset="-128"/>
               </a:rPr>
               <a:t>UID</a:t>
             </a:r>
             <a:r>
-              <a:rPr lang="ja-JP" altLang="en-US" sz="1800" b="1" dirty="0" smtClean="0">
+              <a:rPr lang="ja-JP" altLang="en-US" sz="1800" b="1" dirty="0">
                 <a:latin typeface="Meiryo UI" panose="020B0604030504040204" pitchFamily="50" charset="-128"/>
                 <a:ea typeface="Meiryo UI" panose="020B0604030504040204" pitchFamily="50" charset="-128"/>
               </a:rPr>
               <a:t>のデータ取込仕様</a:t>
             </a:r>
-            <a:endParaRPr lang="ja-JP" altLang="en-US" sz="1800" b="1" dirty="0">
-              <a:latin typeface="Meiryo UI" panose="020B0604030504040204" pitchFamily="50" charset="-128"/>
-              <a:ea typeface="Meiryo UI" panose="020B0604030504040204" pitchFamily="50" charset="-128"/>
-            </a:endParaRPr>
           </a:p>
         </p:txBody>
       </p:sp>
@@ -24719,7 +24449,7 @@
           <p:nvPr>
             <p:extLst>
               <p:ext uri="{D42A27DB-BD31-4B8C-83A1-F6EECF244321}">
-                <p14:modId xmlns:p14="http://schemas.microsoft.com/office/powerpoint/2010/main" val="3034609408"/>
+                <p14:modId xmlns:p14="http://schemas.microsoft.com/office/powerpoint/2010/main" val="652834508"/>
               </p:ext>
             </p:extLst>
           </p:nvPr>
@@ -24792,11 +24522,34 @@
                     <a:lstStyle/>
                     <a:p>
                       <a:r>
-                        <a:rPr kumimoji="1" lang="ja-JP" altLang="en-US" sz="1200" dirty="0" smtClean="0">
+                        <a:rPr kumimoji="1" lang="ja-JP" altLang="en-US" sz="1200" dirty="0">
                           <a:latin typeface="Meiryo UI" panose="020B0604030504040204" pitchFamily="50" charset="-128"/>
                           <a:ea typeface="Meiryo UI" panose="020B0604030504040204" pitchFamily="50" charset="-128"/>
                         </a:rPr>
                         <a:t>取込年月</a:t>
+                      </a:r>
+                    </a:p>
+                  </a:txBody>
+                  <a:tcPr/>
+                </a:tc>
+                <a:tc>
+                  <a:txBody>
+                    <a:bodyPr/>
+                    <a:lstStyle/>
+                    <a:p>
+                      <a:r>
+                        <a:rPr kumimoji="1" lang="ja-JP" altLang="en-US" sz="1200" dirty="0">
+                          <a:latin typeface="Meiryo UI" panose="020B0604030504040204" pitchFamily="50" charset="-128"/>
+                          <a:ea typeface="Meiryo UI" panose="020B0604030504040204" pitchFamily="50" charset="-128"/>
+                        </a:rPr>
+                        <a:t>患者</a:t>
+                      </a:r>
+                      <a:r>
+                        <a:rPr kumimoji="1" lang="en-US" altLang="ja-JP" sz="1200" dirty="0">
+                          <a:latin typeface="Meiryo UI" panose="020B0604030504040204" pitchFamily="50" charset="-128"/>
+                          <a:ea typeface="Meiryo UI" panose="020B0604030504040204" pitchFamily="50" charset="-128"/>
+                        </a:rPr>
+                        <a:t>ID</a:t>
                       </a:r>
                       <a:endParaRPr kumimoji="1" lang="ja-JP" altLang="en-US" sz="1200" dirty="0">
                         <a:latin typeface="Meiryo UI" panose="020B0604030504040204" pitchFamily="50" charset="-128"/>
@@ -24812,14 +24565,14 @@
                     <a:lstStyle/>
                     <a:p>
                       <a:r>
-                        <a:rPr kumimoji="1" lang="ja-JP" altLang="en-US" sz="1200" dirty="0" smtClean="0">
+                        <a:rPr kumimoji="1" lang="ja-JP" altLang="en-US" sz="1200" dirty="0">
                           <a:latin typeface="Meiryo UI" panose="020B0604030504040204" pitchFamily="50" charset="-128"/>
                           <a:ea typeface="Meiryo UI" panose="020B0604030504040204" pitchFamily="50" charset="-128"/>
                         </a:rPr>
-                        <a:t>患者</a:t>
-                      </a:r>
-                      <a:r>
-                        <a:rPr kumimoji="1" lang="en-US" altLang="ja-JP" sz="1200" dirty="0" smtClean="0">
+                        <a:t>文書ユニーク</a:t>
+                      </a:r>
+                      <a:r>
+                        <a:rPr kumimoji="1" lang="en-US" altLang="ja-JP" sz="1200" dirty="0">
                           <a:latin typeface="Meiryo UI" panose="020B0604030504040204" pitchFamily="50" charset="-128"/>
                           <a:ea typeface="Meiryo UI" panose="020B0604030504040204" pitchFamily="50" charset="-128"/>
                         </a:rPr>
@@ -24839,23 +24592,28 @@
                     <a:lstStyle/>
                     <a:p>
                       <a:r>
-                        <a:rPr kumimoji="1" lang="ja-JP" altLang="en-US" sz="1200" dirty="0" smtClean="0">
+                        <a:rPr kumimoji="1" lang="ja-JP" altLang="en-US" sz="1200" dirty="0">
                           <a:latin typeface="Meiryo UI" panose="020B0604030504040204" pitchFamily="50" charset="-128"/>
                           <a:ea typeface="Meiryo UI" panose="020B0604030504040204" pitchFamily="50" charset="-128"/>
                         </a:rPr>
-                        <a:t>文書ユニーク</a:t>
-                      </a:r>
-                      <a:r>
-                        <a:rPr kumimoji="1" lang="en-US" altLang="ja-JP" sz="1200" dirty="0" smtClean="0">
+                        <a:t>診療年月日</a:t>
+                      </a:r>
+                    </a:p>
+                  </a:txBody>
+                  <a:tcPr/>
+                </a:tc>
+                <a:tc>
+                  <a:txBody>
+                    <a:bodyPr/>
+                    <a:lstStyle/>
+                    <a:p>
+                      <a:r>
+                        <a:rPr kumimoji="1" lang="ja-JP" altLang="en-US" sz="1200" dirty="0">
                           <a:latin typeface="Meiryo UI" panose="020B0604030504040204" pitchFamily="50" charset="-128"/>
                           <a:ea typeface="Meiryo UI" panose="020B0604030504040204" pitchFamily="50" charset="-128"/>
                         </a:rPr>
-                        <a:t>ID</a:t>
-                      </a:r>
-                      <a:endParaRPr kumimoji="1" lang="ja-JP" altLang="en-US" sz="1200" dirty="0">
-                        <a:latin typeface="Meiryo UI" panose="020B0604030504040204" pitchFamily="50" charset="-128"/>
-                        <a:ea typeface="Meiryo UI" panose="020B0604030504040204" pitchFamily="50" charset="-128"/>
-                      </a:endParaRPr>
+                        <a:t>疾患開始日</a:t>
+                      </a:r>
                     </a:p>
                   </a:txBody>
                   <a:tcPr/>
@@ -24866,16 +24624,12 @@
                     <a:lstStyle/>
                     <a:p>
                       <a:r>
-                        <a:rPr kumimoji="1" lang="ja-JP" altLang="en-US" sz="1200" dirty="0" smtClean="0">
+                        <a:rPr kumimoji="1" lang="ja-JP" altLang="en-US" sz="1200" dirty="0">
                           <a:latin typeface="Meiryo UI" panose="020B0604030504040204" pitchFamily="50" charset="-128"/>
                           <a:ea typeface="Meiryo UI" panose="020B0604030504040204" pitchFamily="50" charset="-128"/>
                         </a:rPr>
-                        <a:t>診療年月日</a:t>
-                      </a:r>
-                      <a:endParaRPr kumimoji="1" lang="ja-JP" altLang="en-US" sz="1200" dirty="0">
-                        <a:latin typeface="Meiryo UI" panose="020B0604030504040204" pitchFamily="50" charset="-128"/>
-                        <a:ea typeface="Meiryo UI" panose="020B0604030504040204" pitchFamily="50" charset="-128"/>
-                      </a:endParaRPr>
+                        <a:t>病名</a:t>
+                      </a:r>
                     </a:p>
                   </a:txBody>
                   <a:tcPr/>
@@ -24886,56 +24640,12 @@
                     <a:lstStyle/>
                     <a:p>
                       <a:r>
-                        <a:rPr kumimoji="1" lang="ja-JP" altLang="en-US" sz="1200" dirty="0" smtClean="0">
+                        <a:rPr kumimoji="1" lang="ja-JP" altLang="en-US" sz="1200" dirty="0">
                           <a:latin typeface="Meiryo UI" panose="020B0604030504040204" pitchFamily="50" charset="-128"/>
                           <a:ea typeface="Meiryo UI" panose="020B0604030504040204" pitchFamily="50" charset="-128"/>
                         </a:rPr>
-                        <a:t>疾患開始日</a:t>
-                      </a:r>
-                      <a:endParaRPr kumimoji="1" lang="ja-JP" altLang="en-US" sz="1200" dirty="0">
-                        <a:latin typeface="Meiryo UI" panose="020B0604030504040204" pitchFamily="50" charset="-128"/>
-                        <a:ea typeface="Meiryo UI" panose="020B0604030504040204" pitchFamily="50" charset="-128"/>
-                      </a:endParaRPr>
-                    </a:p>
-                  </a:txBody>
-                  <a:tcPr/>
-                </a:tc>
-                <a:tc>
-                  <a:txBody>
-                    <a:bodyPr/>
-                    <a:lstStyle/>
-                    <a:p>
-                      <a:r>
-                        <a:rPr kumimoji="1" lang="ja-JP" altLang="en-US" sz="1200" dirty="0" smtClean="0">
-                          <a:latin typeface="Meiryo UI" panose="020B0604030504040204" pitchFamily="50" charset="-128"/>
-                          <a:ea typeface="Meiryo UI" panose="020B0604030504040204" pitchFamily="50" charset="-128"/>
-                        </a:rPr>
-                        <a:t>病名</a:t>
-                      </a:r>
-                      <a:endParaRPr kumimoji="1" lang="ja-JP" altLang="en-US" sz="1200" dirty="0">
-                        <a:latin typeface="Meiryo UI" panose="020B0604030504040204" pitchFamily="50" charset="-128"/>
-                        <a:ea typeface="Meiryo UI" panose="020B0604030504040204" pitchFamily="50" charset="-128"/>
-                      </a:endParaRPr>
-                    </a:p>
-                  </a:txBody>
-                  <a:tcPr/>
-                </a:tc>
-                <a:tc>
-                  <a:txBody>
-                    <a:bodyPr/>
-                    <a:lstStyle/>
-                    <a:p>
-                      <a:r>
-                        <a:rPr kumimoji="1" lang="ja-JP" altLang="en-US" sz="1200" dirty="0" smtClean="0">
-                          <a:latin typeface="Meiryo UI" panose="020B0604030504040204" pitchFamily="50" charset="-128"/>
-                          <a:ea typeface="Meiryo UI" panose="020B0604030504040204" pitchFamily="50" charset="-128"/>
-                        </a:rPr>
                         <a:t>行番号</a:t>
                       </a:r>
-                      <a:endParaRPr kumimoji="1" lang="ja-JP" altLang="en-US" sz="1200" dirty="0">
-                        <a:latin typeface="Meiryo UI" panose="020B0604030504040204" pitchFamily="50" charset="-128"/>
-                        <a:ea typeface="Meiryo UI" panose="020B0604030504040204" pitchFamily="50" charset="-128"/>
-                      </a:endParaRPr>
                     </a:p>
                   </a:txBody>
                   <a:tcPr/>
@@ -24953,7 +24663,7 @@
                     <a:lstStyle/>
                     <a:p>
                       <a:r>
-                        <a:rPr kumimoji="1" lang="en-US" altLang="ja-JP" sz="1200" dirty="0" smtClean="0">
+                        <a:rPr kumimoji="1" lang="en-US" altLang="ja-JP" sz="1200" dirty="0">
                           <a:latin typeface="Meiryo UI" panose="020B0604030504040204" pitchFamily="50" charset="-128"/>
                           <a:ea typeface="Meiryo UI" panose="020B0604030504040204" pitchFamily="50" charset="-128"/>
                         </a:rPr>
@@ -24973,7 +24683,7 @@
                     <a:lstStyle/>
                     <a:p>
                       <a:r>
-                        <a:rPr kumimoji="1" lang="en-US" altLang="ja-JP" sz="1200" dirty="0" smtClean="0">
+                        <a:rPr kumimoji="1" lang="en-US" altLang="ja-JP" sz="1200" dirty="0">
                           <a:latin typeface="Meiryo UI" panose="020B0604030504040204" pitchFamily="50" charset="-128"/>
                           <a:ea typeface="Meiryo UI" panose="020B0604030504040204" pitchFamily="50" charset="-128"/>
                         </a:rPr>
@@ -24993,7 +24703,7 @@
                     <a:lstStyle/>
                     <a:p>
                       <a:r>
-                        <a:rPr kumimoji="1" lang="en-US" altLang="ja-JP" sz="1200" dirty="0" smtClean="0">
+                        <a:rPr kumimoji="1" lang="en-US" altLang="ja-JP" sz="1200" dirty="0">
                           <a:latin typeface="Meiryo UI" panose="020B0604030504040204" pitchFamily="50" charset="-128"/>
                           <a:ea typeface="Meiryo UI" panose="020B0604030504040204" pitchFamily="50" charset="-128"/>
                         </a:rPr>
@@ -25013,7 +24723,7 @@
                     <a:lstStyle/>
                     <a:p>
                       <a:r>
-                        <a:rPr kumimoji="1" lang="en-US" altLang="ja-JP" sz="1200" dirty="0" smtClean="0">
+                        <a:rPr kumimoji="1" lang="en-US" altLang="ja-JP" sz="1200" dirty="0">
                           <a:latin typeface="Meiryo UI" panose="020B0604030504040204" pitchFamily="50" charset="-128"/>
                           <a:ea typeface="Meiryo UI" panose="020B0604030504040204" pitchFamily="50" charset="-128"/>
                         </a:rPr>
@@ -25033,7 +24743,7 @@
                     <a:lstStyle/>
                     <a:p>
                       <a:r>
-                        <a:rPr kumimoji="1" lang="en-US" altLang="ja-JP" sz="1200" dirty="0" smtClean="0">
+                        <a:rPr kumimoji="1" lang="en-US" altLang="ja-JP" sz="1200" dirty="0">
                           <a:latin typeface="Meiryo UI" panose="020B0604030504040204" pitchFamily="50" charset="-128"/>
                           <a:ea typeface="Meiryo UI" panose="020B0604030504040204" pitchFamily="50" charset="-128"/>
                         </a:rPr>
@@ -25070,7 +24780,7 @@
                         <a:defRPr/>
                       </a:pPr>
                       <a:r>
-                        <a:rPr kumimoji="1" lang="ja-JP" altLang="en-US" sz="1200" dirty="0" smtClean="0">
+                        <a:rPr kumimoji="1" lang="ja-JP" altLang="en-US" sz="1200" dirty="0">
                           <a:latin typeface="Meiryo UI" panose="020B0604030504040204" pitchFamily="50" charset="-128"/>
                           <a:ea typeface="Meiryo UI" panose="020B0604030504040204" pitchFamily="50" charset="-128"/>
                         </a:rPr>
@@ -25103,13 +24813,13 @@
                         <a:defRPr/>
                       </a:pPr>
                       <a:r>
-                        <a:rPr kumimoji="1" lang="en-US" altLang="ja-JP" sz="1200" dirty="0" smtClean="0">
+                        <a:rPr kumimoji="1" lang="en-US" altLang="ja-JP" sz="1200" dirty="0">
                           <a:latin typeface="Meiryo UI" panose="020B0604030504040204" pitchFamily="50" charset="-128"/>
                           <a:ea typeface="Meiryo UI" panose="020B0604030504040204" pitchFamily="50" charset="-128"/>
                         </a:rPr>
                         <a:t>1</a:t>
                       </a:r>
-                      <a:endParaRPr kumimoji="1" lang="ja-JP" altLang="en-US" sz="1200" dirty="0" smtClean="0">
+                      <a:endParaRPr kumimoji="1" lang="ja-JP" altLang="en-US" sz="1200" dirty="0">
                         <a:latin typeface="Meiryo UI" panose="020B0604030504040204" pitchFamily="50" charset="-128"/>
                         <a:ea typeface="Meiryo UI" panose="020B0604030504040204" pitchFamily="50" charset="-128"/>
                       </a:endParaRPr>
@@ -25130,11 +24840,11 @@
                     <a:lstStyle/>
                     <a:p>
                       <a:r>
-                        <a:rPr kumimoji="1" lang="en-US" altLang="ja-JP" sz="1200" dirty="0" smtClean="0">
+                        <a:rPr kumimoji="1" lang="en-US" altLang="ja-JP" sz="1200" dirty="0">
                           <a:latin typeface="Meiryo UI" panose="020B0604030504040204" pitchFamily="50" charset="-128"/>
                           <a:ea typeface="Meiryo UI" panose="020B0604030504040204" pitchFamily="50" charset="-128"/>
                         </a:rPr>
-                        <a:t>2020/10</a:t>
+                        <a:t>2020/09</a:t>
                       </a:r>
                       <a:endParaRPr kumimoji="1" lang="ja-JP" altLang="en-US" sz="1200" dirty="0">
                         <a:latin typeface="Meiryo UI" panose="020B0604030504040204" pitchFamily="50" charset="-128"/>
@@ -25150,7 +24860,7 @@
                     <a:lstStyle/>
                     <a:p>
                       <a:r>
-                        <a:rPr kumimoji="1" lang="en-US" altLang="ja-JP" sz="1200" dirty="0" smtClean="0">
+                        <a:rPr kumimoji="1" lang="en-US" altLang="ja-JP" sz="1200" dirty="0">
                           <a:latin typeface="Meiryo UI" panose="020B0604030504040204" pitchFamily="50" charset="-128"/>
                           <a:ea typeface="Meiryo UI" panose="020B0604030504040204" pitchFamily="50" charset="-128"/>
                         </a:rPr>
@@ -25170,7 +24880,7 @@
                     <a:lstStyle/>
                     <a:p>
                       <a:r>
-                        <a:rPr kumimoji="1" lang="en-US" altLang="ja-JP" sz="1200" dirty="0" smtClean="0">
+                        <a:rPr kumimoji="1" lang="en-US" altLang="ja-JP" sz="1200" dirty="0">
                           <a:latin typeface="Meiryo UI" panose="020B0604030504040204" pitchFamily="50" charset="-128"/>
                           <a:ea typeface="Meiryo UI" panose="020B0604030504040204" pitchFamily="50" charset="-128"/>
                         </a:rPr>
@@ -25190,11 +24900,11 @@
                     <a:lstStyle/>
                     <a:p>
                       <a:r>
-                        <a:rPr kumimoji="1" lang="en-US" altLang="ja-JP" sz="1200" dirty="0" smtClean="0">
+                        <a:rPr kumimoji="1" lang="en-US" altLang="ja-JP" sz="1200" dirty="0">
                           <a:latin typeface="Meiryo UI" panose="020B0604030504040204" pitchFamily="50" charset="-128"/>
                           <a:ea typeface="Meiryo UI" panose="020B0604030504040204" pitchFamily="50" charset="-128"/>
                         </a:rPr>
-                        <a:t>2020/9/1</a:t>
+                        <a:t>2020/8/24</a:t>
                       </a:r>
                       <a:endParaRPr kumimoji="1" lang="ja-JP" altLang="en-US" sz="1200" dirty="0">
                         <a:latin typeface="Meiryo UI" panose="020B0604030504040204" pitchFamily="50" charset="-128"/>
@@ -25210,11 +24920,11 @@
                     <a:lstStyle/>
                     <a:p>
                       <a:r>
-                        <a:rPr kumimoji="1" lang="en-US" altLang="ja-JP" sz="1200" dirty="0" smtClean="0">
+                        <a:rPr kumimoji="1" lang="en-US" altLang="ja-JP" sz="1200" dirty="0">
                           <a:latin typeface="Meiryo UI" panose="020B0604030504040204" pitchFamily="50" charset="-128"/>
                           <a:ea typeface="Meiryo UI" panose="020B0604030504040204" pitchFamily="50" charset="-128"/>
                         </a:rPr>
-                        <a:t>2019/5/1</a:t>
+                        <a:t>2020/8/24</a:t>
                       </a:r>
                       <a:endParaRPr kumimoji="1" lang="ja-JP" altLang="en-US" sz="1200" dirty="0">
                         <a:latin typeface="Meiryo UI" panose="020B0604030504040204" pitchFamily="50" charset="-128"/>
@@ -25229,17 +24939,30 @@
                     <a:bodyPr/>
                     <a:lstStyle/>
                     <a:p>
-                      <a:r>
-                        <a:rPr kumimoji="1" lang="ja-JP" altLang="en-US" sz="1200" dirty="0" smtClean="0">
+                      <a:pPr marL="0" marR="0" lvl="0" indent="0" algn="l" defTabSz="484862" rtl="0" eaLnBrk="1" fontAlgn="auto" latinLnBrk="0" hangingPunct="1">
+                        <a:lnSpc>
+                          <a:spcPct val="100000"/>
+                        </a:lnSpc>
+                        <a:spcBef>
+                          <a:spcPts val="0"/>
+                        </a:spcBef>
+                        <a:spcAft>
+                          <a:spcPts val="0"/>
+                        </a:spcAft>
+                        <a:buClrTx/>
+                        <a:buSzTx/>
+                        <a:buFontTx/>
+                        <a:buNone/>
+                        <a:tabLst/>
+                        <a:defRPr/>
+                      </a:pPr>
+                      <a:r>
+                        <a:rPr kumimoji="1" lang="ja-JP" altLang="en-US" sz="1200" dirty="0">
                           <a:latin typeface="Meiryo UI" panose="020B0604030504040204" pitchFamily="50" charset="-128"/>
                           <a:ea typeface="Meiryo UI" panose="020B0604030504040204" pitchFamily="50" charset="-128"/>
                         </a:rPr>
-                        <a:t>乳癌</a:t>
-                      </a:r>
-                      <a:endParaRPr kumimoji="1" lang="ja-JP" altLang="en-US" sz="1200" dirty="0">
-                        <a:latin typeface="Meiryo UI" panose="020B0604030504040204" pitchFamily="50" charset="-128"/>
-                        <a:ea typeface="Meiryo UI" panose="020B0604030504040204" pitchFamily="50" charset="-128"/>
-                      </a:endParaRPr>
+                        <a:t>リンパ浮腫</a:t>
+                      </a:r>
                     </a:p>
                   </a:txBody>
                   <a:tcPr/>
@@ -25249,12 +24972,29 @@
                     <a:bodyPr/>
                     <a:lstStyle/>
                     <a:p>
-                      <a:r>
-                        <a:rPr kumimoji="1" lang="en-US" altLang="ja-JP" sz="1200" dirty="0" smtClean="0">
+                      <a:pPr marL="0" marR="0" lvl="0" indent="0" algn="l" defTabSz="484862" rtl="0" eaLnBrk="1" fontAlgn="auto" latinLnBrk="0" hangingPunct="1">
+                        <a:lnSpc>
+                          <a:spcPct val="100000"/>
+                        </a:lnSpc>
+                        <a:spcBef>
+                          <a:spcPts val="0"/>
+                        </a:spcBef>
+                        <a:spcAft>
+                          <a:spcPts val="0"/>
+                        </a:spcAft>
+                        <a:buClrTx/>
+                        <a:buSzTx/>
+                        <a:buFontTx/>
+                        <a:buNone/>
+                        <a:tabLst/>
+                        <a:defRPr/>
+                      </a:pPr>
+                      <a:r>
+                        <a:rPr kumimoji="1" lang="en-US" altLang="ja-JP" sz="1200" dirty="0">
                           <a:latin typeface="Meiryo UI" panose="020B0604030504040204" pitchFamily="50" charset="-128"/>
                           <a:ea typeface="Meiryo UI" panose="020B0604030504040204" pitchFamily="50" charset="-128"/>
                         </a:rPr>
-                        <a:t>1</a:t>
+                        <a:t>2</a:t>
                       </a:r>
                       <a:endParaRPr kumimoji="1" lang="ja-JP" altLang="en-US" sz="1200" dirty="0">
                         <a:latin typeface="Meiryo UI" panose="020B0604030504040204" pitchFamily="50" charset="-128"/>
@@ -25277,7 +25017,7 @@
                     <a:lstStyle/>
                     <a:p>
                       <a:r>
-                        <a:rPr kumimoji="1" lang="en-US" altLang="ja-JP" sz="1200" dirty="0" smtClean="0">
+                        <a:rPr kumimoji="1" lang="en-US" altLang="ja-JP" sz="1200" dirty="0">
                           <a:latin typeface="Meiryo UI" panose="020B0604030504040204" pitchFamily="50" charset="-128"/>
                           <a:ea typeface="Meiryo UI" panose="020B0604030504040204" pitchFamily="50" charset="-128"/>
                         </a:rPr>
@@ -25297,7 +25037,7 @@
                     <a:lstStyle/>
                     <a:p>
                       <a:r>
-                        <a:rPr kumimoji="1" lang="en-US" altLang="ja-JP" sz="1200" dirty="0" smtClean="0">
+                        <a:rPr kumimoji="1" lang="en-US" altLang="ja-JP" sz="1200" dirty="0">
                           <a:latin typeface="Meiryo UI" panose="020B0604030504040204" pitchFamily="50" charset="-128"/>
                           <a:ea typeface="Meiryo UI" panose="020B0604030504040204" pitchFamily="50" charset="-128"/>
                         </a:rPr>
@@ -25317,7 +25057,7 @@
                     <a:lstStyle/>
                     <a:p>
                       <a:r>
-                        <a:rPr kumimoji="1" lang="en-US" altLang="ja-JP" sz="1200" dirty="0" smtClean="0">
+                        <a:rPr kumimoji="1" lang="en-US" altLang="ja-JP" sz="1200" dirty="0">
                           <a:latin typeface="Meiryo UI" panose="020B0604030504040204" pitchFamily="50" charset="-128"/>
                           <a:ea typeface="Meiryo UI" panose="020B0604030504040204" pitchFamily="50" charset="-128"/>
                         </a:rPr>
@@ -25337,7 +25077,7 @@
                     <a:lstStyle/>
                     <a:p>
                       <a:r>
-                        <a:rPr kumimoji="1" lang="en-US" altLang="ja-JP" sz="1200" dirty="0" smtClean="0">
+                        <a:rPr kumimoji="1" lang="en-US" altLang="ja-JP" sz="1200" dirty="0">
                           <a:latin typeface="Meiryo UI" panose="020B0604030504040204" pitchFamily="50" charset="-128"/>
                           <a:ea typeface="Meiryo UI" panose="020B0604030504040204" pitchFamily="50" charset="-128"/>
                         </a:rPr>
@@ -25357,7 +25097,7 @@
                     <a:lstStyle/>
                     <a:p>
                       <a:r>
-                        <a:rPr kumimoji="1" lang="en-US" altLang="ja-JP" sz="1200" dirty="0" smtClean="0">
+                        <a:rPr kumimoji="1" lang="en-US" altLang="ja-JP" sz="1200" dirty="0">
                           <a:latin typeface="Meiryo UI" panose="020B0604030504040204" pitchFamily="50" charset="-128"/>
                           <a:ea typeface="Meiryo UI" panose="020B0604030504040204" pitchFamily="50" charset="-128"/>
                         </a:rPr>
@@ -25377,16 +25117,12 @@
                     <a:lstStyle/>
                     <a:p>
                       <a:r>
-                        <a:rPr kumimoji="1" lang="ja-JP" altLang="en-US" sz="1200" dirty="0" smtClean="0">
+                        <a:rPr kumimoji="1" lang="ja-JP" altLang="en-US" sz="1200" dirty="0">
                           <a:latin typeface="Meiryo UI" panose="020B0604030504040204" pitchFamily="50" charset="-128"/>
                           <a:ea typeface="Meiryo UI" panose="020B0604030504040204" pitchFamily="50" charset="-128"/>
                         </a:rPr>
-                        <a:t>リンパ浮腫</a:t>
-                      </a:r>
-                      <a:endParaRPr kumimoji="1" lang="ja-JP" altLang="en-US" sz="1200" dirty="0">
-                        <a:latin typeface="Meiryo UI" panose="020B0604030504040204" pitchFamily="50" charset="-128"/>
-                        <a:ea typeface="Meiryo UI" panose="020B0604030504040204" pitchFamily="50" charset="-128"/>
-                      </a:endParaRPr>
+                        <a:t>乳癌</a:t>
+                      </a:r>
                     </a:p>
                   </a:txBody>
                   <a:tcPr/>
@@ -25397,11 +25133,11 @@
                     <a:lstStyle/>
                     <a:p>
                       <a:r>
-                        <a:rPr kumimoji="1" lang="en-US" altLang="ja-JP" sz="1200" dirty="0" smtClean="0">
+                        <a:rPr kumimoji="1" lang="en-US" altLang="ja-JP" sz="1200" dirty="0">
                           <a:latin typeface="Meiryo UI" panose="020B0604030504040204" pitchFamily="50" charset="-128"/>
                           <a:ea typeface="Meiryo UI" panose="020B0604030504040204" pitchFamily="50" charset="-128"/>
                         </a:rPr>
-                        <a:t>2</a:t>
+                        <a:t>1</a:t>
                       </a:r>
                       <a:endParaRPr kumimoji="1" lang="ja-JP" altLang="en-US" sz="1200" dirty="0">
                         <a:latin typeface="Meiryo UI" panose="020B0604030504040204" pitchFamily="50" charset="-128"/>
@@ -25465,7 +25201,7 @@
           <a:lstStyle/>
           <a:p>
             <a:r>
-              <a:rPr lang="en-US" altLang="ja-JP" sz="1200" dirty="0" smtClean="0">
+              <a:rPr lang="en-US" altLang="ja-JP" sz="1200" dirty="0">
                 <a:solidFill>
                   <a:schemeClr val="tx1"/>
                 </a:solidFill>
@@ -25485,7 +25221,7 @@
               <a:t>取込時</a:t>
             </a:r>
             <a:r>
-              <a:rPr lang="en-US" altLang="ja-JP" sz="1200" dirty="0" smtClean="0">
+              <a:rPr lang="en-US" altLang="ja-JP" sz="1200" dirty="0">
                 <a:solidFill>
                   <a:schemeClr val="tx1"/>
                 </a:solidFill>
@@ -25512,7 +25248,7 @@
         </p:nvSpPr>
         <p:spPr>
           <a:xfrm>
-            <a:off x="858761" y="2803757"/>
+            <a:off x="858761" y="2516360"/>
             <a:ext cx="966167" cy="450335"/>
           </a:xfrm>
           <a:prstGeom prst="rect">
@@ -25548,7 +25284,7 @@
           <a:lstStyle/>
           <a:p>
             <a:r>
-              <a:rPr lang="en-US" altLang="ja-JP" sz="1200" dirty="0" smtClean="0">
+              <a:rPr lang="en-US" altLang="ja-JP" sz="1200" dirty="0">
                 <a:solidFill>
                   <a:schemeClr val="tx1"/>
                 </a:solidFill>
@@ -25568,7 +25304,7 @@
               <a:t>取込時</a:t>
             </a:r>
             <a:r>
-              <a:rPr lang="en-US" altLang="ja-JP" sz="1200" dirty="0" smtClean="0">
+              <a:rPr lang="en-US" altLang="ja-JP" sz="1200" dirty="0">
                 <a:solidFill>
                   <a:schemeClr val="tx1"/>
                 </a:solidFill>
@@ -25596,7 +25332,7 @@
         <p:spPr>
           <a:xfrm>
             <a:off x="1176265" y="4555064"/>
-            <a:ext cx="6867219" cy="326039"/>
+            <a:ext cx="6867219" cy="604030"/>
           </a:xfrm>
           <a:prstGeom prst="roundRect">
             <a:avLst/>
@@ -25652,7 +25388,7 @@
         </p:nvSpPr>
         <p:spPr>
           <a:xfrm>
-            <a:off x="375678" y="2075278"/>
+            <a:off x="375678" y="1787881"/>
             <a:ext cx="966167" cy="450335"/>
           </a:xfrm>
           <a:prstGeom prst="rect">
@@ -25688,7 +25424,7 @@
           <a:lstStyle/>
           <a:p>
             <a:r>
-              <a:rPr lang="ja-JP" altLang="en-US" sz="1400" u="sng" dirty="0" smtClean="0">
+              <a:rPr lang="ja-JP" altLang="en-US" sz="1400" u="sng" dirty="0">
                 <a:solidFill>
                   <a:schemeClr val="tx1"/>
                 </a:solidFill>
@@ -25698,7 +25434,7 @@
               <a:t>同一</a:t>
             </a:r>
             <a:r>
-              <a:rPr lang="en-US" altLang="ja-JP" sz="1400" u="sng" dirty="0" smtClean="0">
+              <a:rPr lang="en-US" altLang="ja-JP" sz="1400" u="sng" dirty="0">
                 <a:solidFill>
                   <a:schemeClr val="tx1"/>
                 </a:solidFill>
@@ -25708,7 +25444,7 @@
               <a:t>UID</a:t>
             </a:r>
             <a:r>
-              <a:rPr lang="ja-JP" altLang="en-US" sz="1400" u="sng" dirty="0" smtClean="0">
+              <a:rPr lang="ja-JP" altLang="en-US" sz="1400" u="sng" dirty="0">
                 <a:solidFill>
                   <a:schemeClr val="tx1"/>
                 </a:solidFill>
@@ -25717,7 +25453,7 @@
               </a:rPr>
               <a:t>のデータ取込例</a:t>
             </a:r>
-            <a:endParaRPr lang="en-US" altLang="ja-JP" sz="1400" u="sng" dirty="0" smtClean="0">
+            <a:endParaRPr lang="en-US" altLang="ja-JP" sz="1400" u="sng" dirty="0">
               <a:solidFill>
                 <a:schemeClr val="tx1"/>
               </a:solidFill>
@@ -25728,106 +25464,66 @@
           <a:p>
             <a:pPr lvl="1"/>
             <a:r>
-              <a:rPr lang="en-US" altLang="ja-JP" sz="1400" dirty="0" smtClean="0">
+              <a:rPr lang="en-US" altLang="ja-JP" sz="1400" dirty="0">
                 <a:solidFill>
                   <a:schemeClr val="tx1"/>
                 </a:solidFill>
                 <a:latin typeface="Meiryo UI" panose="020B0604030504040204" pitchFamily="50" charset="-128"/>
                 <a:ea typeface="Meiryo UI" panose="020B0604030504040204" pitchFamily="50" charset="-128"/>
               </a:rPr>
-              <a:t>2020</a:t>
-            </a:r>
-            <a:r>
-              <a:rPr lang="ja-JP" altLang="en-US" sz="1400" dirty="0" smtClean="0">
+              <a:t>2020/8/24</a:t>
+            </a:r>
+            <a:r>
+              <a:rPr lang="ja-JP" altLang="en-US" sz="1400" dirty="0">
                 <a:solidFill>
                   <a:schemeClr val="tx1"/>
                 </a:solidFill>
                 <a:latin typeface="Meiryo UI" panose="020B0604030504040204" pitchFamily="50" charset="-128"/>
                 <a:ea typeface="Meiryo UI" panose="020B0604030504040204" pitchFamily="50" charset="-128"/>
               </a:rPr>
-              <a:t>年</a:t>
-            </a:r>
-            <a:r>
-              <a:rPr lang="en-US" altLang="ja-JP" sz="1400" dirty="0" smtClean="0">
+              <a:t>に乳癌とリンパ浮腫と診断した後、</a:t>
+            </a:r>
+            <a:r>
+              <a:rPr lang="en-US" altLang="ja-JP" sz="1400" dirty="0">
                 <a:solidFill>
                   <a:schemeClr val="tx1"/>
                 </a:solidFill>
                 <a:latin typeface="Meiryo UI" panose="020B0604030504040204" pitchFamily="50" charset="-128"/>
                 <a:ea typeface="Meiryo UI" panose="020B0604030504040204" pitchFamily="50" charset="-128"/>
               </a:rPr>
-              <a:t>9</a:t>
-            </a:r>
-            <a:r>
-              <a:rPr lang="ja-JP" altLang="en-US" sz="1400" dirty="0" smtClean="0">
+              <a:t>2020/9/1</a:t>
+            </a:r>
+            <a:r>
+              <a:rPr lang="ja-JP" altLang="en-US" sz="1400" dirty="0">
                 <a:solidFill>
                   <a:schemeClr val="tx1"/>
                 </a:solidFill>
                 <a:latin typeface="Meiryo UI" panose="020B0604030504040204" pitchFamily="50" charset="-128"/>
                 <a:ea typeface="Meiryo UI" panose="020B0604030504040204" pitchFamily="50" charset="-128"/>
               </a:rPr>
-              <a:t>月のデータ取込時に登録されたデータに対して、</a:t>
-            </a:r>
-            <a:r>
-              <a:rPr lang="en-US" altLang="ja-JP" sz="1400" dirty="0" smtClean="0">
+              <a:t>に乳癌の初診日が</a:t>
+            </a:r>
+            <a:r>
+              <a:rPr lang="en-US" altLang="ja-JP" sz="1400" dirty="0">
                 <a:solidFill>
                   <a:schemeClr val="tx1"/>
                 </a:solidFill>
                 <a:latin typeface="Meiryo UI" panose="020B0604030504040204" pitchFamily="50" charset="-128"/>
                 <a:ea typeface="Meiryo UI" panose="020B0604030504040204" pitchFamily="50" charset="-128"/>
               </a:rPr>
-              <a:t>2020</a:t>
-            </a:r>
-            <a:r>
-              <a:rPr lang="ja-JP" altLang="en-US" sz="1400" dirty="0" smtClean="0">
+              <a:t>2019/5/1</a:t>
+            </a:r>
+            <a:r>
+              <a:rPr lang="ja-JP" altLang="en-US" sz="1400" dirty="0">
                 <a:solidFill>
                   <a:schemeClr val="tx1"/>
                 </a:solidFill>
                 <a:latin typeface="Meiryo UI" panose="020B0604030504040204" pitchFamily="50" charset="-128"/>
                 <a:ea typeface="Meiryo UI" panose="020B0604030504040204" pitchFamily="50" charset="-128"/>
               </a:rPr>
-              <a:t>年</a:t>
-            </a:r>
-            <a:r>
-              <a:rPr lang="en-US" altLang="ja-JP" sz="1400" dirty="0" smtClean="0">
-                <a:solidFill>
-                  <a:schemeClr val="tx1"/>
-                </a:solidFill>
-                <a:latin typeface="Meiryo UI" panose="020B0604030504040204" pitchFamily="50" charset="-128"/>
-                <a:ea typeface="Meiryo UI" panose="020B0604030504040204" pitchFamily="50" charset="-128"/>
-              </a:rPr>
-              <a:t>10</a:t>
-            </a:r>
-            <a:r>
-              <a:rPr lang="ja-JP" altLang="en-US" sz="1400" dirty="0" smtClean="0">
-                <a:solidFill>
-                  <a:schemeClr val="tx1"/>
-                </a:solidFill>
-                <a:latin typeface="Meiryo UI" panose="020B0604030504040204" pitchFamily="50" charset="-128"/>
-                <a:ea typeface="Meiryo UI" panose="020B0604030504040204" pitchFamily="50" charset="-128"/>
-              </a:rPr>
-              <a:t>月に同一</a:t>
-            </a:r>
-            <a:r>
-              <a:rPr lang="en-US" altLang="ja-JP" sz="1400" dirty="0" smtClean="0">
-                <a:solidFill>
-                  <a:schemeClr val="tx1"/>
-                </a:solidFill>
-                <a:latin typeface="Meiryo UI" panose="020B0604030504040204" pitchFamily="50" charset="-128"/>
-                <a:ea typeface="Meiryo UI" panose="020B0604030504040204" pitchFamily="50" charset="-128"/>
-              </a:rPr>
-              <a:t>UID</a:t>
-            </a:r>
-            <a:r>
-              <a:rPr lang="ja-JP" altLang="en-US" sz="1400" dirty="0" smtClean="0">
-                <a:solidFill>
-                  <a:schemeClr val="tx1"/>
-                </a:solidFill>
-                <a:latin typeface="Meiryo UI" panose="020B0604030504040204" pitchFamily="50" charset="-128"/>
-                <a:ea typeface="Meiryo UI" panose="020B0604030504040204" pitchFamily="50" charset="-128"/>
-              </a:rPr>
-              <a:t>のデータが連携された場合、</a:t>
-            </a:r>
-            <a:endParaRPr lang="en-US" altLang="ja-JP" sz="1400" dirty="0" smtClean="0">
+              <a:t>として修正されたケースを想定。</a:t>
+            </a:r>
+            <a:endParaRPr lang="en-US" altLang="ja-JP" sz="1400" dirty="0">
               <a:solidFill>
                 <a:schemeClr val="tx1"/>
               </a:solidFill>
@@ -25838,102 +25534,45 @@
           <a:p>
             <a:pPr lvl="1"/>
             <a:r>
-              <a:rPr lang="ja-JP" altLang="en-US" sz="1400" dirty="0" smtClean="0">
+              <a:rPr lang="en-US" altLang="ja-JP" sz="1400" dirty="0">
                 <a:solidFill>
                   <a:schemeClr val="tx1"/>
                 </a:solidFill>
                 <a:latin typeface="Meiryo UI" panose="020B0604030504040204" pitchFamily="50" charset="-128"/>
                 <a:ea typeface="Meiryo UI" panose="020B0604030504040204" pitchFamily="50" charset="-128"/>
               </a:rPr>
-              <a:t>診療年月日が最新となっている</a:t>
-            </a:r>
-            <a:r>
-              <a:rPr lang="en-US" altLang="ja-JP" sz="1400" dirty="0">
+              <a:t>2020/09</a:t>
+            </a:r>
+            <a:r>
+              <a:rPr lang="ja-JP" altLang="en-US" sz="1400" dirty="0">
                 <a:solidFill>
                   <a:schemeClr val="tx1"/>
                 </a:solidFill>
                 <a:latin typeface="Meiryo UI" panose="020B0604030504040204" pitchFamily="50" charset="-128"/>
                 <a:ea typeface="Meiryo UI" panose="020B0604030504040204" pitchFamily="50" charset="-128"/>
               </a:rPr>
-              <a:t>2020</a:t>
-            </a:r>
-            <a:r>
-              <a:rPr lang="ja-JP" altLang="en-US" sz="1400" dirty="0">
+              <a:t>の取込データは、</a:t>
+            </a:r>
+            <a:r>
+              <a:rPr lang="en-US" altLang="ja-JP" sz="1400" dirty="0">
                 <a:solidFill>
                   <a:schemeClr val="tx1"/>
                 </a:solidFill>
                 <a:latin typeface="Meiryo UI" panose="020B0604030504040204" pitchFamily="50" charset="-128"/>
                 <a:ea typeface="Meiryo UI" panose="020B0604030504040204" pitchFamily="50" charset="-128"/>
               </a:rPr>
-              <a:t>年</a:t>
-            </a:r>
-            <a:r>
-              <a:rPr lang="en-US" altLang="ja-JP" sz="1400" dirty="0">
+              <a:t>2020/10</a:t>
+            </a:r>
+            <a:r>
+              <a:rPr lang="ja-JP" altLang="en-US" sz="1400" dirty="0">
                 <a:solidFill>
                   <a:schemeClr val="tx1"/>
                 </a:solidFill>
                 <a:latin typeface="Meiryo UI" panose="020B0604030504040204" pitchFamily="50" charset="-128"/>
                 <a:ea typeface="Meiryo UI" panose="020B0604030504040204" pitchFamily="50" charset="-128"/>
               </a:rPr>
-              <a:t>10</a:t>
-            </a:r>
-            <a:r>
-              <a:rPr lang="ja-JP" altLang="en-US" sz="1400" dirty="0" smtClean="0">
-                <a:solidFill>
-                  <a:schemeClr val="tx1"/>
-                </a:solidFill>
-                <a:latin typeface="Meiryo UI" panose="020B0604030504040204" pitchFamily="50" charset="-128"/>
-                <a:ea typeface="Meiryo UI" panose="020B0604030504040204" pitchFamily="50" charset="-128"/>
-              </a:rPr>
-              <a:t>月取込分のレコードが残り、</a:t>
-            </a:r>
-            <a:r>
-              <a:rPr lang="en-US" altLang="ja-JP" sz="1400" dirty="0">
-                <a:solidFill>
-                  <a:schemeClr val="tx1"/>
-                </a:solidFill>
-                <a:latin typeface="Meiryo UI" panose="020B0604030504040204" pitchFamily="50" charset="-128"/>
-                <a:ea typeface="Meiryo UI" panose="020B0604030504040204" pitchFamily="50" charset="-128"/>
-              </a:rPr>
-              <a:t> 2020</a:t>
-            </a:r>
-            <a:r>
-              <a:rPr lang="ja-JP" altLang="en-US" sz="1400" dirty="0">
-                <a:solidFill>
-                  <a:schemeClr val="tx1"/>
-                </a:solidFill>
-                <a:latin typeface="Meiryo UI" panose="020B0604030504040204" pitchFamily="50" charset="-128"/>
-                <a:ea typeface="Meiryo UI" panose="020B0604030504040204" pitchFamily="50" charset="-128"/>
-              </a:rPr>
-              <a:t>年</a:t>
-            </a:r>
-            <a:r>
-              <a:rPr lang="en-US" altLang="ja-JP" sz="1400" dirty="0">
-                <a:solidFill>
-                  <a:schemeClr val="tx1"/>
-                </a:solidFill>
-                <a:latin typeface="Meiryo UI" panose="020B0604030504040204" pitchFamily="50" charset="-128"/>
-                <a:ea typeface="Meiryo UI" panose="020B0604030504040204" pitchFamily="50" charset="-128"/>
-              </a:rPr>
-              <a:t>9</a:t>
-            </a:r>
-            <a:r>
-              <a:rPr lang="ja-JP" altLang="en-US" sz="1400" dirty="0" smtClean="0">
-                <a:solidFill>
-                  <a:schemeClr val="tx1"/>
-                </a:solidFill>
-                <a:latin typeface="Meiryo UI" panose="020B0604030504040204" pitchFamily="50" charset="-128"/>
-                <a:ea typeface="Meiryo UI" panose="020B0604030504040204" pitchFamily="50" charset="-128"/>
-              </a:rPr>
-              <a:t>月取込分のレコードは削除される。</a:t>
-            </a:r>
-            <a:endParaRPr lang="ja-JP" altLang="en-US" sz="1400" dirty="0">
-              <a:solidFill>
-                <a:schemeClr val="tx1"/>
-              </a:solidFill>
-              <a:latin typeface="Meiryo UI" panose="020B0604030504040204" pitchFamily="50" charset="-128"/>
-              <a:ea typeface="Meiryo UI" panose="020B0604030504040204" pitchFamily="50" charset="-128"/>
-            </a:endParaRPr>
+              <a:t>の取込データより診療年月日が古いため削除される。</a:t>
+            </a:r>
           </a:p>
         </p:txBody>
       </p:sp>
@@ -25945,15 +25584,15 @@
         </p:nvSpPr>
         <p:spPr>
           <a:xfrm>
-            <a:off x="1687997" y="5646802"/>
-            <a:ext cx="3525552" cy="686800"/>
+            <a:off x="2243920" y="5637723"/>
+            <a:ext cx="6867218" cy="686800"/>
           </a:xfrm>
           <a:prstGeom prst="borderCallout1">
             <a:avLst>
               <a:gd name="adj1" fmla="val 47508"/>
               <a:gd name="adj2" fmla="val -260"/>
-              <a:gd name="adj3" fmla="val -115226"/>
-              <a:gd name="adj4" fmla="val -11857"/>
+              <a:gd name="adj3" fmla="val -70846"/>
+              <a:gd name="adj4" fmla="val -3266"/>
             </a:avLst>
           </a:prstGeom>
           <a:solidFill>
@@ -25985,7 +25624,7 @@
           <a:lstStyle/>
           <a:p>
             <a:r>
-              <a:rPr kumimoji="1" lang="en-US" altLang="ja-JP" sz="1200" dirty="0" smtClean="0">
+              <a:rPr kumimoji="1" lang="en-US" altLang="ja-JP" sz="1200" dirty="0">
                 <a:solidFill>
                   <a:schemeClr val="tx1"/>
                 </a:solidFill>
@@ -25995,7 +25634,7 @@
               <a:t>2020/09</a:t>
             </a:r>
             <a:r>
-              <a:rPr kumimoji="1" lang="ja-JP" altLang="en-US" sz="1200" dirty="0" smtClean="0">
+              <a:rPr kumimoji="1" lang="ja-JP" altLang="en-US" sz="1200" dirty="0">
                 <a:solidFill>
                   <a:schemeClr val="tx1"/>
                 </a:solidFill>
@@ -26005,7 +25644,7 @@
               <a:t>の取込データは、</a:t>
             </a:r>
             <a:r>
-              <a:rPr lang="en-US" altLang="ja-JP" sz="1200" dirty="0" smtClean="0">
+              <a:rPr lang="en-US" altLang="ja-JP" sz="1200" dirty="0">
                 <a:solidFill>
                   <a:schemeClr val="tx1"/>
                 </a:solidFill>
@@ -26015,36 +25654,36 @@
               <a:t>2020/10</a:t>
             </a:r>
             <a:r>
-              <a:rPr lang="ja-JP" altLang="en-US" sz="1200" dirty="0" smtClean="0">
+              <a:rPr lang="ja-JP" altLang="en-US" sz="1200" dirty="0">
                 <a:solidFill>
                   <a:schemeClr val="tx1"/>
                 </a:solidFill>
                 <a:latin typeface="Meiryo UI" panose="020B0604030504040204" pitchFamily="50" charset="-128"/>
                 <a:ea typeface="Meiryo UI" panose="020B0604030504040204" pitchFamily="50" charset="-128"/>
               </a:rPr>
-              <a:t>の</a:t>
-            </a:r>
-            <a:r>
-              <a:rPr lang="ja-JP" altLang="en-US" sz="1200" dirty="0">
+              <a:t>の取込データより</a:t>
+            </a:r>
+            <a:r>
+              <a:rPr kumimoji="1" lang="ja-JP" altLang="en-US" sz="1200" dirty="0">
                 <a:solidFill>
                   <a:schemeClr val="tx1"/>
                 </a:solidFill>
                 <a:latin typeface="Meiryo UI" panose="020B0604030504040204" pitchFamily="50" charset="-128"/>
                 <a:ea typeface="Meiryo UI" panose="020B0604030504040204" pitchFamily="50" charset="-128"/>
               </a:rPr>
-              <a:t>取込</a:t>
-            </a:r>
-            <a:r>
-              <a:rPr lang="ja-JP" altLang="en-US" sz="1200" dirty="0" smtClean="0">
+              <a:t>診療年月日が古いため削除</a:t>
+            </a:r>
+            <a:r>
+              <a:rPr lang="ja-JP" altLang="en-US" sz="1200" dirty="0">
                 <a:solidFill>
                   <a:schemeClr val="tx1"/>
                 </a:solidFill>
                 <a:latin typeface="Meiryo UI" panose="020B0604030504040204" pitchFamily="50" charset="-128"/>
                 <a:ea typeface="Meiryo UI" panose="020B0604030504040204" pitchFamily="50" charset="-128"/>
               </a:rPr>
-              <a:t>データより</a:t>
-            </a:r>
-            <a:endParaRPr kumimoji="1" lang="en-US" altLang="ja-JP" sz="1200" dirty="0" smtClean="0">
+              <a:t>される。</a:t>
+            </a:r>
+            <a:endParaRPr lang="en-US" altLang="ja-JP" sz="1200" dirty="0">
               <a:solidFill>
                 <a:schemeClr val="tx1"/>
               </a:solidFill>
@@ -26054,32 +25693,25 @@
           </a:p>
           <a:p>
             <a:r>
-              <a:rPr kumimoji="1" lang="ja-JP" altLang="en-US" sz="1200" dirty="0" smtClean="0">
+              <a:rPr kumimoji="1" lang="ja-JP" altLang="en-US" sz="1400" dirty="0">
                 <a:solidFill>
                   <a:schemeClr val="tx1"/>
                 </a:solidFill>
                 <a:latin typeface="Meiryo UI" panose="020B0604030504040204" pitchFamily="50" charset="-128"/>
                 <a:ea typeface="Meiryo UI" panose="020B0604030504040204" pitchFamily="50" charset="-128"/>
               </a:rPr>
-              <a:t>診療年月日が古いため削除</a:t>
-            </a:r>
-            <a:r>
-              <a:rPr lang="ja-JP" altLang="en-US" sz="1200" dirty="0" smtClean="0">
-                <a:solidFill>
-                  <a:schemeClr val="tx1"/>
+              <a:t>⇒</a:t>
+            </a:r>
+            <a:r>
+              <a:rPr kumimoji="1" lang="ja-JP" altLang="en-US" sz="1400" dirty="0">
+                <a:solidFill>
+                  <a:srgbClr val="FF0000"/>
                 </a:solidFill>
                 <a:latin typeface="Meiryo UI" panose="020B0604030504040204" pitchFamily="50" charset="-128"/>
                 <a:ea typeface="Meiryo UI" panose="020B0604030504040204" pitchFamily="50" charset="-128"/>
               </a:rPr>
-              <a:t>される。</a:t>
-            </a:r>
-            <a:endParaRPr kumimoji="1" lang="ja-JP" altLang="en-US" sz="1200" dirty="0" smtClean="0">
-              <a:solidFill>
-                <a:schemeClr val="tx1"/>
-              </a:solidFill>
-              <a:latin typeface="Meiryo UI" panose="020B0604030504040204" pitchFamily="50" charset="-128"/>
-              <a:ea typeface="Meiryo UI" panose="020B0604030504040204" pitchFamily="50" charset="-128"/>
-            </a:endParaRPr>
+              <a:t>リンパ浮腫の診断履歴データが削除されてしまう。</a:t>
+            </a:r>
           </a:p>
         </p:txBody>
       </p:sp>
@@ -26141,14 +25773,14 @@
           <p:nvPr>
             <p:extLst>
               <p:ext uri="{D42A27DB-BD31-4B8C-83A1-F6EECF244321}">
-                <p14:modId xmlns:p14="http://schemas.microsoft.com/office/powerpoint/2010/main" val="280399213"/>
+                <p14:modId xmlns:p14="http://schemas.microsoft.com/office/powerpoint/2010/main" val="3706436186"/>
               </p:ext>
             </p:extLst>
           </p:nvPr>
         </p:nvGraphicFramePr>
         <p:xfrm>
-          <a:off x="1176263" y="3146354"/>
-          <a:ext cx="6867220" cy="614708"/>
+          <a:off x="1176263" y="2858957"/>
+          <a:ext cx="6867220" cy="922062"/>
         </p:xfrm>
         <a:graphic>
           <a:graphicData uri="http://schemas.openxmlformats.org/drawingml/2006/table">
@@ -26214,11 +25846,34 @@
                     <a:lstStyle/>
                     <a:p>
                       <a:r>
-                        <a:rPr kumimoji="1" lang="ja-JP" altLang="en-US" sz="1200" dirty="0" smtClean="0">
+                        <a:rPr kumimoji="1" lang="ja-JP" altLang="en-US" sz="1200" dirty="0">
                           <a:latin typeface="Meiryo UI" panose="020B0604030504040204" pitchFamily="50" charset="-128"/>
                           <a:ea typeface="Meiryo UI" panose="020B0604030504040204" pitchFamily="50" charset="-128"/>
                         </a:rPr>
                         <a:t>取込年月</a:t>
+                      </a:r>
+                    </a:p>
+                  </a:txBody>
+                  <a:tcPr/>
+                </a:tc>
+                <a:tc>
+                  <a:txBody>
+                    <a:bodyPr/>
+                    <a:lstStyle/>
+                    <a:p>
+                      <a:r>
+                        <a:rPr kumimoji="1" lang="ja-JP" altLang="en-US" sz="1200" dirty="0">
+                          <a:latin typeface="Meiryo UI" panose="020B0604030504040204" pitchFamily="50" charset="-128"/>
+                          <a:ea typeface="Meiryo UI" panose="020B0604030504040204" pitchFamily="50" charset="-128"/>
+                        </a:rPr>
+                        <a:t>患者</a:t>
+                      </a:r>
+                      <a:r>
+                        <a:rPr kumimoji="1" lang="en-US" altLang="ja-JP" sz="1200" dirty="0">
+                          <a:latin typeface="Meiryo UI" panose="020B0604030504040204" pitchFamily="50" charset="-128"/>
+                          <a:ea typeface="Meiryo UI" panose="020B0604030504040204" pitchFamily="50" charset="-128"/>
+                        </a:rPr>
+                        <a:t>ID</a:t>
                       </a:r>
                       <a:endParaRPr kumimoji="1" lang="ja-JP" altLang="en-US" sz="1200" dirty="0">
                         <a:latin typeface="Meiryo UI" panose="020B0604030504040204" pitchFamily="50" charset="-128"/>
@@ -26234,14 +25889,14 @@
                     <a:lstStyle/>
                     <a:p>
                       <a:r>
-                        <a:rPr kumimoji="1" lang="ja-JP" altLang="en-US" sz="1200" dirty="0" smtClean="0">
+                        <a:rPr kumimoji="1" lang="ja-JP" altLang="en-US" sz="1200" dirty="0">
                           <a:latin typeface="Meiryo UI" panose="020B0604030504040204" pitchFamily="50" charset="-128"/>
                           <a:ea typeface="Meiryo UI" panose="020B0604030504040204" pitchFamily="50" charset="-128"/>
                         </a:rPr>
-                        <a:t>患者</a:t>
-                      </a:r>
-                      <a:r>
-                        <a:rPr kumimoji="1" lang="en-US" altLang="ja-JP" sz="1200" dirty="0" smtClean="0">
+                        <a:t>文書ユニーク</a:t>
+                      </a:r>
+                      <a:r>
+                        <a:rPr kumimoji="1" lang="en-US" altLang="ja-JP" sz="1200" dirty="0">
                           <a:latin typeface="Meiryo UI" panose="020B0604030504040204" pitchFamily="50" charset="-128"/>
                           <a:ea typeface="Meiryo UI" panose="020B0604030504040204" pitchFamily="50" charset="-128"/>
                         </a:rPr>
@@ -26261,23 +25916,28 @@
                     <a:lstStyle/>
                     <a:p>
                       <a:r>
-                        <a:rPr kumimoji="1" lang="ja-JP" altLang="en-US" sz="1200" dirty="0" smtClean="0">
+                        <a:rPr kumimoji="1" lang="ja-JP" altLang="en-US" sz="1200" dirty="0">
                           <a:latin typeface="Meiryo UI" panose="020B0604030504040204" pitchFamily="50" charset="-128"/>
                           <a:ea typeface="Meiryo UI" panose="020B0604030504040204" pitchFamily="50" charset="-128"/>
                         </a:rPr>
-                        <a:t>文書ユニーク</a:t>
-                      </a:r>
-                      <a:r>
-                        <a:rPr kumimoji="1" lang="en-US" altLang="ja-JP" sz="1200" dirty="0" smtClean="0">
+                        <a:t>診療年月日</a:t>
+                      </a:r>
+                    </a:p>
+                  </a:txBody>
+                  <a:tcPr/>
+                </a:tc>
+                <a:tc>
+                  <a:txBody>
+                    <a:bodyPr/>
+                    <a:lstStyle/>
+                    <a:p>
+                      <a:r>
+                        <a:rPr kumimoji="1" lang="ja-JP" altLang="en-US" sz="1200" dirty="0">
                           <a:latin typeface="Meiryo UI" panose="020B0604030504040204" pitchFamily="50" charset="-128"/>
                           <a:ea typeface="Meiryo UI" panose="020B0604030504040204" pitchFamily="50" charset="-128"/>
                         </a:rPr>
-                        <a:t>ID</a:t>
-                      </a:r>
-                      <a:endParaRPr kumimoji="1" lang="ja-JP" altLang="en-US" sz="1200" dirty="0">
-                        <a:latin typeface="Meiryo UI" panose="020B0604030504040204" pitchFamily="50" charset="-128"/>
-                        <a:ea typeface="Meiryo UI" panose="020B0604030504040204" pitchFamily="50" charset="-128"/>
-                      </a:endParaRPr>
+                        <a:t>疾患開始日</a:t>
+                      </a:r>
                     </a:p>
                   </a:txBody>
                   <a:tcPr/>
@@ -26288,16 +25948,12 @@
                     <a:lstStyle/>
                     <a:p>
                       <a:r>
-                        <a:rPr kumimoji="1" lang="ja-JP" altLang="en-US" sz="1200" dirty="0" smtClean="0">
+                        <a:rPr kumimoji="1" lang="ja-JP" altLang="en-US" sz="1200" dirty="0">
                           <a:latin typeface="Meiryo UI" panose="020B0604030504040204" pitchFamily="50" charset="-128"/>
                           <a:ea typeface="Meiryo UI" panose="020B0604030504040204" pitchFamily="50" charset="-128"/>
                         </a:rPr>
-                        <a:t>診療年月日</a:t>
-                      </a:r>
-                      <a:endParaRPr kumimoji="1" lang="ja-JP" altLang="en-US" sz="1200" dirty="0">
-                        <a:latin typeface="Meiryo UI" panose="020B0604030504040204" pitchFamily="50" charset="-128"/>
-                        <a:ea typeface="Meiryo UI" panose="020B0604030504040204" pitchFamily="50" charset="-128"/>
-                      </a:endParaRPr>
+                        <a:t>病名</a:t>
+                      </a:r>
                     </a:p>
                   </a:txBody>
                   <a:tcPr/>
@@ -26308,56 +25964,12 @@
                     <a:lstStyle/>
                     <a:p>
                       <a:r>
-                        <a:rPr kumimoji="1" lang="ja-JP" altLang="en-US" sz="1200" dirty="0" smtClean="0">
+                        <a:rPr kumimoji="1" lang="ja-JP" altLang="en-US" sz="1200" dirty="0">
                           <a:latin typeface="Meiryo UI" panose="020B0604030504040204" pitchFamily="50" charset="-128"/>
                           <a:ea typeface="Meiryo UI" panose="020B0604030504040204" pitchFamily="50" charset="-128"/>
                         </a:rPr>
-                        <a:t>疾患開始日</a:t>
-                      </a:r>
-                      <a:endParaRPr kumimoji="1" lang="ja-JP" altLang="en-US" sz="1200" dirty="0">
-                        <a:latin typeface="Meiryo UI" panose="020B0604030504040204" pitchFamily="50" charset="-128"/>
-                        <a:ea typeface="Meiryo UI" panose="020B0604030504040204" pitchFamily="50" charset="-128"/>
-                      </a:endParaRPr>
-                    </a:p>
-                  </a:txBody>
-                  <a:tcPr/>
-                </a:tc>
-                <a:tc>
-                  <a:txBody>
-                    <a:bodyPr/>
-                    <a:lstStyle/>
-                    <a:p>
-                      <a:r>
-                        <a:rPr kumimoji="1" lang="ja-JP" altLang="en-US" sz="1200" dirty="0" smtClean="0">
-                          <a:latin typeface="Meiryo UI" panose="020B0604030504040204" pitchFamily="50" charset="-128"/>
-                          <a:ea typeface="Meiryo UI" panose="020B0604030504040204" pitchFamily="50" charset="-128"/>
-                        </a:rPr>
-                        <a:t>病名</a:t>
-                      </a:r>
-                      <a:endParaRPr kumimoji="1" lang="ja-JP" altLang="en-US" sz="1200" dirty="0">
-                        <a:latin typeface="Meiryo UI" panose="020B0604030504040204" pitchFamily="50" charset="-128"/>
-                        <a:ea typeface="Meiryo UI" panose="020B0604030504040204" pitchFamily="50" charset="-128"/>
-                      </a:endParaRPr>
-                    </a:p>
-                  </a:txBody>
-                  <a:tcPr/>
-                </a:tc>
-                <a:tc>
-                  <a:txBody>
-                    <a:bodyPr/>
-                    <a:lstStyle/>
-                    <a:p>
-                      <a:r>
-                        <a:rPr kumimoji="1" lang="ja-JP" altLang="en-US" sz="1200" dirty="0" smtClean="0">
-                          <a:latin typeface="Meiryo UI" panose="020B0604030504040204" pitchFamily="50" charset="-128"/>
-                          <a:ea typeface="Meiryo UI" panose="020B0604030504040204" pitchFamily="50" charset="-128"/>
-                        </a:rPr>
                         <a:t>行番号</a:t>
                       </a:r>
-                      <a:endParaRPr kumimoji="1" lang="ja-JP" altLang="en-US" sz="1200" dirty="0">
-                        <a:latin typeface="Meiryo UI" panose="020B0604030504040204" pitchFamily="50" charset="-128"/>
-                        <a:ea typeface="Meiryo UI" panose="020B0604030504040204" pitchFamily="50" charset="-128"/>
-                      </a:endParaRPr>
                     </a:p>
                   </a:txBody>
                   <a:tcPr/>
@@ -26375,7 +25987,7 @@
                     <a:lstStyle/>
                     <a:p>
                       <a:r>
-                        <a:rPr kumimoji="1" lang="en-US" altLang="ja-JP" sz="1200" dirty="0" smtClean="0">
+                        <a:rPr kumimoji="1" lang="en-US" altLang="ja-JP" sz="1200" dirty="0">
                           <a:latin typeface="Meiryo UI" panose="020B0604030504040204" pitchFamily="50" charset="-128"/>
                           <a:ea typeface="Meiryo UI" panose="020B0604030504040204" pitchFamily="50" charset="-128"/>
                         </a:rPr>
@@ -26395,7 +26007,7 @@
                     <a:lstStyle/>
                     <a:p>
                       <a:r>
-                        <a:rPr kumimoji="1" lang="en-US" altLang="ja-JP" sz="1200" dirty="0" smtClean="0">
+                        <a:rPr kumimoji="1" lang="en-US" altLang="ja-JP" sz="1200" dirty="0">
                           <a:latin typeface="Meiryo UI" panose="020B0604030504040204" pitchFamily="50" charset="-128"/>
                           <a:ea typeface="Meiryo UI" panose="020B0604030504040204" pitchFamily="50" charset="-128"/>
                         </a:rPr>
@@ -26415,7 +26027,7 @@
                     <a:lstStyle/>
                     <a:p>
                       <a:r>
-                        <a:rPr kumimoji="1" lang="en-US" altLang="ja-JP" sz="1200" dirty="0" smtClean="0">
+                        <a:rPr kumimoji="1" lang="en-US" altLang="ja-JP" sz="1200" dirty="0">
                           <a:latin typeface="Meiryo UI" panose="020B0604030504040204" pitchFamily="50" charset="-128"/>
                           <a:ea typeface="Meiryo UI" panose="020B0604030504040204" pitchFamily="50" charset="-128"/>
                         </a:rPr>
@@ -26435,7 +26047,7 @@
                     <a:lstStyle/>
                     <a:p>
                       <a:r>
-                        <a:rPr kumimoji="1" lang="en-US" altLang="ja-JP" sz="1200" dirty="0" smtClean="0">
+                        <a:rPr kumimoji="1" lang="en-US" altLang="ja-JP" sz="1200" dirty="0">
                           <a:latin typeface="Meiryo UI" panose="020B0604030504040204" pitchFamily="50" charset="-128"/>
                           <a:ea typeface="Meiryo UI" panose="020B0604030504040204" pitchFamily="50" charset="-128"/>
                         </a:rPr>
@@ -26455,7 +26067,7 @@
                     <a:lstStyle/>
                     <a:p>
                       <a:r>
-                        <a:rPr kumimoji="1" lang="en-US" altLang="ja-JP" sz="1200" dirty="0" smtClean="0">
+                        <a:rPr kumimoji="1" lang="en-US" altLang="ja-JP" sz="1200" dirty="0">
                           <a:latin typeface="Meiryo UI" panose="020B0604030504040204" pitchFamily="50" charset="-128"/>
                           <a:ea typeface="Meiryo UI" panose="020B0604030504040204" pitchFamily="50" charset="-128"/>
                         </a:rPr>
@@ -26492,7 +26104,7 @@
                         <a:defRPr/>
                       </a:pPr>
                       <a:r>
-                        <a:rPr kumimoji="1" lang="ja-JP" altLang="en-US" sz="1200" dirty="0" smtClean="0">
+                        <a:rPr kumimoji="1" lang="ja-JP" altLang="en-US" sz="1200" dirty="0">
                           <a:latin typeface="Meiryo UI" panose="020B0604030504040204" pitchFamily="50" charset="-128"/>
                           <a:ea typeface="Meiryo UI" panose="020B0604030504040204" pitchFamily="50" charset="-128"/>
                         </a:rPr>
@@ -26525,13 +26137,13 @@
                         <a:defRPr/>
                       </a:pPr>
                       <a:r>
-                        <a:rPr kumimoji="1" lang="en-US" altLang="ja-JP" sz="1200" dirty="0" smtClean="0">
+                        <a:rPr kumimoji="1" lang="en-US" altLang="ja-JP" sz="1200" dirty="0">
                           <a:latin typeface="Meiryo UI" panose="020B0604030504040204" pitchFamily="50" charset="-128"/>
                           <a:ea typeface="Meiryo UI" panose="020B0604030504040204" pitchFamily="50" charset="-128"/>
                         </a:rPr>
                         <a:t>1</a:t>
                       </a:r>
-                      <a:endParaRPr kumimoji="1" lang="ja-JP" altLang="en-US" sz="1200" dirty="0" smtClean="0">
+                      <a:endParaRPr kumimoji="1" lang="ja-JP" altLang="en-US" sz="1200" dirty="0">
                         <a:latin typeface="Meiryo UI" panose="020B0604030504040204" pitchFamily="50" charset="-128"/>
                         <a:ea typeface="Meiryo UI" panose="020B0604030504040204" pitchFamily="50" charset="-128"/>
                       </a:endParaRPr>
@@ -26542,6 +26154,183 @@
                 <a:extLst>
                   <a:ext uri="{0D108BD9-81ED-4DB2-BD59-A6C34878D82A}">
                     <a16:rowId xmlns:a16="http://schemas.microsoft.com/office/drawing/2014/main" val="1248380757"/>
+                  </a:ext>
+                </a:extLst>
+              </a:tr>
+              <a:tr h="307354">
+                <a:tc>
+                  <a:txBody>
+                    <a:bodyPr/>
+                    <a:lstStyle/>
+                    <a:p>
+                      <a:r>
+                        <a:rPr kumimoji="1" lang="en-US" altLang="ja-JP" sz="1200" dirty="0">
+                          <a:latin typeface="Meiryo UI" panose="020B0604030504040204" pitchFamily="50" charset="-128"/>
+                          <a:ea typeface="Meiryo UI" panose="020B0604030504040204" pitchFamily="50" charset="-128"/>
+                        </a:rPr>
+                        <a:t>2020/09</a:t>
+                      </a:r>
+                      <a:endParaRPr kumimoji="1" lang="ja-JP" altLang="en-US" sz="1200" dirty="0">
+                        <a:latin typeface="Meiryo UI" panose="020B0604030504040204" pitchFamily="50" charset="-128"/>
+                        <a:ea typeface="Meiryo UI" panose="020B0604030504040204" pitchFamily="50" charset="-128"/>
+                      </a:endParaRPr>
+                    </a:p>
+                  </a:txBody>
+                  <a:tcPr/>
+                </a:tc>
+                <a:tc>
+                  <a:txBody>
+                    <a:bodyPr/>
+                    <a:lstStyle/>
+                    <a:p>
+                      <a:r>
+                        <a:rPr kumimoji="1" lang="en-US" altLang="ja-JP" sz="1200" dirty="0">
+                          <a:latin typeface="Meiryo UI" panose="020B0604030504040204" pitchFamily="50" charset="-128"/>
+                          <a:ea typeface="Meiryo UI" panose="020B0604030504040204" pitchFamily="50" charset="-128"/>
+                        </a:rPr>
+                        <a:t>300</a:t>
+                      </a:r>
+                      <a:endParaRPr kumimoji="1" lang="ja-JP" altLang="en-US" sz="1200" dirty="0">
+                        <a:latin typeface="Meiryo UI" panose="020B0604030504040204" pitchFamily="50" charset="-128"/>
+                        <a:ea typeface="Meiryo UI" panose="020B0604030504040204" pitchFamily="50" charset="-128"/>
+                      </a:endParaRPr>
+                    </a:p>
+                  </a:txBody>
+                  <a:tcPr/>
+                </a:tc>
+                <a:tc>
+                  <a:txBody>
+                    <a:bodyPr/>
+                    <a:lstStyle/>
+                    <a:p>
+                      <a:r>
+                        <a:rPr kumimoji="1" lang="en-US" altLang="ja-JP" sz="1200" dirty="0">
+                          <a:latin typeface="Meiryo UI" panose="020B0604030504040204" pitchFamily="50" charset="-128"/>
+                          <a:ea typeface="Meiryo UI" panose="020B0604030504040204" pitchFamily="50" charset="-128"/>
+                        </a:rPr>
+                        <a:t>UID_300_01</a:t>
+                      </a:r>
+                      <a:endParaRPr kumimoji="1" lang="ja-JP" altLang="en-US" sz="1200" dirty="0">
+                        <a:latin typeface="Meiryo UI" panose="020B0604030504040204" pitchFamily="50" charset="-128"/>
+                        <a:ea typeface="Meiryo UI" panose="020B0604030504040204" pitchFamily="50" charset="-128"/>
+                      </a:endParaRPr>
+                    </a:p>
+                  </a:txBody>
+                  <a:tcPr/>
+                </a:tc>
+                <a:tc>
+                  <a:txBody>
+                    <a:bodyPr/>
+                    <a:lstStyle/>
+                    <a:p>
+                      <a:r>
+                        <a:rPr kumimoji="1" lang="en-US" altLang="ja-JP" sz="1200" dirty="0">
+                          <a:latin typeface="Meiryo UI" panose="020B0604030504040204" pitchFamily="50" charset="-128"/>
+                          <a:ea typeface="Meiryo UI" panose="020B0604030504040204" pitchFamily="50" charset="-128"/>
+                        </a:rPr>
+                        <a:t>2020/8/24</a:t>
+                      </a:r>
+                      <a:endParaRPr kumimoji="1" lang="ja-JP" altLang="en-US" sz="1200" dirty="0">
+                        <a:latin typeface="Meiryo UI" panose="020B0604030504040204" pitchFamily="50" charset="-128"/>
+                        <a:ea typeface="Meiryo UI" panose="020B0604030504040204" pitchFamily="50" charset="-128"/>
+                      </a:endParaRPr>
+                    </a:p>
+                  </a:txBody>
+                  <a:tcPr/>
+                </a:tc>
+                <a:tc>
+                  <a:txBody>
+                    <a:bodyPr/>
+                    <a:lstStyle/>
+                    <a:p>
+                      <a:r>
+                        <a:rPr kumimoji="1" lang="en-US" altLang="ja-JP" sz="1200" dirty="0">
+                          <a:latin typeface="Meiryo UI" panose="020B0604030504040204" pitchFamily="50" charset="-128"/>
+                          <a:ea typeface="Meiryo UI" panose="020B0604030504040204" pitchFamily="50" charset="-128"/>
+                        </a:rPr>
+                        <a:t>2020/8/24</a:t>
+                      </a:r>
+                      <a:endParaRPr kumimoji="1" lang="ja-JP" altLang="en-US" sz="1200" dirty="0">
+                        <a:latin typeface="Meiryo UI" panose="020B0604030504040204" pitchFamily="50" charset="-128"/>
+                        <a:ea typeface="Meiryo UI" panose="020B0604030504040204" pitchFamily="50" charset="-128"/>
+                      </a:endParaRPr>
+                    </a:p>
+                  </a:txBody>
+                  <a:tcPr/>
+                </a:tc>
+                <a:tc>
+                  <a:txBody>
+                    <a:bodyPr/>
+                    <a:lstStyle/>
+                    <a:p>
+                      <a:pPr marL="0" marR="0" lvl="0" indent="0" algn="l" defTabSz="484862" rtl="0" eaLnBrk="1" fontAlgn="auto" latinLnBrk="0" hangingPunct="1">
+                        <a:lnSpc>
+                          <a:spcPct val="100000"/>
+                        </a:lnSpc>
+                        <a:spcBef>
+                          <a:spcPts val="0"/>
+                        </a:spcBef>
+                        <a:spcAft>
+                          <a:spcPts val="0"/>
+                        </a:spcAft>
+                        <a:buClrTx/>
+                        <a:buSzTx/>
+                        <a:buFontTx/>
+                        <a:buNone/>
+                        <a:tabLst/>
+                        <a:defRPr/>
+                      </a:pPr>
+                      <a:r>
+                        <a:rPr kumimoji="1" lang="ja-JP" altLang="en-US" sz="1200" dirty="0">
+                          <a:latin typeface="Meiryo UI" panose="020B0604030504040204" pitchFamily="50" charset="-128"/>
+                          <a:ea typeface="Meiryo UI" panose="020B0604030504040204" pitchFamily="50" charset="-128"/>
+                        </a:rPr>
+                        <a:t>リンパ浮腫</a:t>
+                      </a:r>
+                    </a:p>
+                  </a:txBody>
+                  <a:tcPr/>
+                </a:tc>
+                <a:tc>
+                  <a:txBody>
+                    <a:bodyPr/>
+                    <a:lstStyle/>
+                    <a:p>
+                      <a:pPr marL="0" marR="0" lvl="0" indent="0" algn="l" defTabSz="484862" rtl="0" eaLnBrk="1" fontAlgn="auto" latinLnBrk="0" hangingPunct="1">
+                        <a:lnSpc>
+                          <a:spcPct val="100000"/>
+                        </a:lnSpc>
+                        <a:spcBef>
+                          <a:spcPts val="0"/>
+                        </a:spcBef>
+                        <a:spcAft>
+                          <a:spcPts val="0"/>
+                        </a:spcAft>
+                        <a:buClrTx/>
+                        <a:buSzTx/>
+                        <a:buFontTx/>
+                        <a:buNone/>
+                        <a:tabLst/>
+                        <a:defRPr/>
+                      </a:pPr>
+                      <a:r>
+                        <a:rPr kumimoji="1" lang="en-US" altLang="ja-JP" sz="1200" dirty="0">
+                          <a:latin typeface="Meiryo UI" panose="020B0604030504040204" pitchFamily="50" charset="-128"/>
+                          <a:ea typeface="Meiryo UI" panose="020B0604030504040204" pitchFamily="50" charset="-128"/>
+                        </a:rPr>
+                        <a:t>2</a:t>
+                      </a:r>
+                      <a:endParaRPr kumimoji="1" lang="ja-JP" altLang="en-US" sz="1200" dirty="0">
+                        <a:latin typeface="Meiryo UI" panose="020B0604030504040204" pitchFamily="50" charset="-128"/>
+                        <a:ea typeface="Meiryo UI" panose="020B0604030504040204" pitchFamily="50" charset="-128"/>
+                      </a:endParaRPr>
+                    </a:p>
+                  </a:txBody>
+                  <a:tcPr/>
+                </a:tc>
+                <a:extLst>
+                  <a:ext uri="{0D108BD9-81ED-4DB2-BD59-A6C34878D82A}">
+                    <a16:rowId xmlns:a16="http://schemas.microsoft.com/office/drawing/2014/main" val="1398292975"/>
                   </a:ext>
                 </a:extLst>
               </a:tr>
@@ -26557,8 +26346,8 @@
         </p:nvSpPr>
         <p:spPr>
           <a:xfrm>
-            <a:off x="2761663" y="3435023"/>
-            <a:ext cx="2490067" cy="336343"/>
+            <a:off x="2761663" y="3147626"/>
+            <a:ext cx="2490067" cy="633393"/>
           </a:xfrm>
           <a:prstGeom prst="rect">
             <a:avLst/>
@@ -26606,15 +26395,15 @@
         </p:nvSpPr>
         <p:spPr>
           <a:xfrm>
-            <a:off x="6136189" y="5668193"/>
-            <a:ext cx="3056363" cy="686800"/>
+            <a:off x="7855823" y="3438122"/>
+            <a:ext cx="1988086" cy="884660"/>
           </a:xfrm>
           <a:prstGeom prst="borderCallout1">
             <a:avLst>
-              <a:gd name="adj1" fmla="val -799"/>
-              <a:gd name="adj2" fmla="val 12978"/>
-              <a:gd name="adj3" fmla="val -43354"/>
-              <a:gd name="adj4" fmla="val 32623"/>
+              <a:gd name="adj1" fmla="val 29633"/>
+              <a:gd name="adj2" fmla="val -698"/>
+              <a:gd name="adj3" fmla="val -12570"/>
+              <a:gd name="adj4" fmla="val -4244"/>
             </a:avLst>
           </a:prstGeom>
           <a:solidFill>
@@ -26646,7 +26435,7 @@
           <a:lstStyle/>
           <a:p>
             <a:r>
-              <a:rPr kumimoji="1" lang="ja-JP" altLang="en-US" sz="1200" dirty="0" smtClean="0">
+              <a:rPr kumimoji="1" lang="ja-JP" altLang="en-US" sz="1200" dirty="0">
                 <a:solidFill>
                   <a:schemeClr val="tx1"/>
                 </a:solidFill>
@@ -26656,7 +26445,7 @@
               <a:t>同一</a:t>
             </a:r>
             <a:r>
-              <a:rPr kumimoji="1" lang="en-US" altLang="ja-JP" sz="1200" dirty="0" smtClean="0">
+              <a:rPr kumimoji="1" lang="en-US" altLang="ja-JP" sz="1200" dirty="0">
                 <a:solidFill>
                   <a:schemeClr val="tx1"/>
                 </a:solidFill>
@@ -26666,16 +26455,16 @@
               <a:t>MML</a:t>
             </a:r>
             <a:r>
-              <a:rPr kumimoji="1" lang="ja-JP" altLang="en-US" sz="1200" dirty="0" smtClean="0">
+              <a:rPr kumimoji="1" lang="ja-JP" altLang="en-US" sz="1200" dirty="0">
                 <a:solidFill>
                   <a:schemeClr val="tx1"/>
                 </a:solidFill>
                 <a:latin typeface="Meiryo UI" panose="020B0604030504040204" pitchFamily="50" charset="-128"/>
                 <a:ea typeface="Meiryo UI" panose="020B0604030504040204" pitchFamily="50" charset="-128"/>
               </a:rPr>
-              <a:t>ファイルに複数レコード存在した場合、</a:t>
-            </a:r>
-            <a:endParaRPr kumimoji="1" lang="en-US" altLang="ja-JP" sz="1200" dirty="0" smtClean="0">
+              <a:t>ファイルに</a:t>
+            </a:r>
+            <a:endParaRPr kumimoji="1" lang="en-US" altLang="ja-JP" sz="1200" dirty="0">
               <a:solidFill>
                 <a:schemeClr val="tx1"/>
               </a:solidFill>
@@ -26685,7 +26474,26 @@
           </a:p>
           <a:p>
             <a:r>
-              <a:rPr kumimoji="1" lang="ja-JP" altLang="en-US" sz="1200" dirty="0" smtClean="0">
+              <a:rPr kumimoji="1" lang="ja-JP" altLang="en-US" sz="1200" dirty="0">
+                <a:solidFill>
+                  <a:schemeClr val="tx1"/>
+                </a:solidFill>
+                <a:latin typeface="Meiryo UI" panose="020B0604030504040204" pitchFamily="50" charset="-128"/>
+                <a:ea typeface="Meiryo UI" panose="020B0604030504040204" pitchFamily="50" charset="-128"/>
+              </a:rPr>
+              <a:t>複数レコード存在した場合、</a:t>
+            </a:r>
+            <a:endParaRPr kumimoji="1" lang="en-US" altLang="ja-JP" sz="1200" dirty="0">
+              <a:solidFill>
+                <a:schemeClr val="tx1"/>
+              </a:solidFill>
+              <a:latin typeface="Meiryo UI" panose="020B0604030504040204" pitchFamily="50" charset="-128"/>
+              <a:ea typeface="Meiryo UI" panose="020B0604030504040204" pitchFamily="50" charset="-128"/>
+            </a:endParaRPr>
+          </a:p>
+          <a:p>
+            <a:r>
+              <a:rPr kumimoji="1" lang="ja-JP" altLang="en-US" sz="1200" dirty="0">
                 <a:solidFill>
                   <a:schemeClr val="tx1"/>
                 </a:solidFill>
@@ -26705,7 +26513,7 @@
         </p:nvSpPr>
         <p:spPr>
           <a:xfrm>
-            <a:off x="7171671" y="4892921"/>
+            <a:off x="7171671" y="3170090"/>
             <a:ext cx="572407" cy="610929"/>
           </a:xfrm>
           <a:prstGeom prst="rect">
@@ -26905,17 +26713,10 @@
                 <a:latin typeface="Meiryo UI" panose="020B0604030504040204" pitchFamily="50" charset="-128"/>
                 <a:ea typeface="Meiryo UI" panose="020B0604030504040204" pitchFamily="50" charset="-128"/>
               </a:rPr>
-              <a:t>）で別の診療年月日</a:t>
-            </a:r>
-            <a:r>
-              <a:rPr lang="ja-JP" altLang="en-US" dirty="0" smtClean="0">
-                <a:latin typeface="Meiryo UI" panose="020B0604030504040204" pitchFamily="50" charset="-128"/>
-                <a:ea typeface="Meiryo UI" panose="020B0604030504040204" pitchFamily="50" charset="-128"/>
-              </a:rPr>
-              <a:t>（</a:t>
-            </a:r>
-            <a:r>
-              <a:rPr lang="en-US" altLang="ja-JP" dirty="0" smtClean="0">
+              <a:t>）で別の診療年月日（</a:t>
+            </a:r>
+            <a:r>
+              <a:rPr lang="en-US" altLang="ja-JP" dirty="0">
                 <a:latin typeface="Meiryo UI" panose="020B0604030504040204" pitchFamily="50" charset="-128"/>
                 <a:ea typeface="Meiryo UI" panose="020B0604030504040204" pitchFamily="50" charset="-128"/>
               </a:rPr>
@@ -26926,133 +26727,45 @@
                 <a:latin typeface="Meiryo UI" panose="020B0604030504040204" pitchFamily="50" charset="-128"/>
                 <a:ea typeface="Meiryo UI" panose="020B0604030504040204" pitchFamily="50" charset="-128"/>
               </a:rPr>
-              <a:t>）</a:t>
-            </a:r>
-            <a:r>
-              <a:rPr lang="ja-JP" altLang="en-US" dirty="0" smtClean="0">
-                <a:latin typeface="Meiryo UI" panose="020B0604030504040204" pitchFamily="50" charset="-128"/>
-                <a:ea typeface="Meiryo UI" panose="020B0604030504040204" pitchFamily="50" charset="-128"/>
-              </a:rPr>
-              <a:t>の</a:t>
-            </a:r>
-            <a:r>
-              <a:rPr lang="en-US" altLang="ja-JP" dirty="0" smtClean="0">
+              <a:t>）の</a:t>
+            </a:r>
+            <a:r>
+              <a:rPr lang="en-US" altLang="ja-JP" dirty="0">
                 <a:latin typeface="Meiryo UI" panose="020B0604030504040204" pitchFamily="50" charset="-128"/>
                 <a:ea typeface="Meiryo UI" panose="020B0604030504040204" pitchFamily="50" charset="-128"/>
               </a:rPr>
               <a:t>MML</a:t>
             </a:r>
             <a:r>
-              <a:rPr lang="ja-JP" altLang="en-US" dirty="0" smtClean="0">
-                <a:latin typeface="Meiryo UI" panose="020B0604030504040204" pitchFamily="50" charset="-128"/>
-                <a:ea typeface="Meiryo UI" panose="020B0604030504040204" pitchFamily="50" charset="-128"/>
-              </a:rPr>
-              <a:t>ファイルが</a:t>
-            </a:r>
-            <a:r>
               <a:rPr lang="ja-JP" altLang="en-US" dirty="0">
                 <a:latin typeface="Meiryo UI" panose="020B0604030504040204" pitchFamily="50" charset="-128"/>
                 <a:ea typeface="Meiryo UI" panose="020B0604030504040204" pitchFamily="50" charset="-128"/>
               </a:rPr>
-              <a:t>連携</a:t>
-            </a:r>
-            <a:r>
-              <a:rPr lang="ja-JP" altLang="en-US" dirty="0" smtClean="0">
-                <a:latin typeface="Meiryo UI" panose="020B0604030504040204" pitchFamily="50" charset="-128"/>
-                <a:ea typeface="Meiryo UI" panose="020B0604030504040204" pitchFamily="50" charset="-128"/>
-              </a:rPr>
-              <a:t>された場合は、最新</a:t>
-            </a:r>
-            <a:r>
-              <a:rPr lang="ja-JP" altLang="en-US" dirty="0">
-                <a:latin typeface="Meiryo UI" panose="020B0604030504040204" pitchFamily="50" charset="-128"/>
-                <a:ea typeface="Meiryo UI" panose="020B0604030504040204" pitchFamily="50" charset="-128"/>
-              </a:rPr>
-              <a:t>の診療</a:t>
-            </a:r>
-            <a:r>
-              <a:rPr lang="ja-JP" altLang="en-US" dirty="0" smtClean="0">
-                <a:latin typeface="Meiryo UI" panose="020B0604030504040204" pitchFamily="50" charset="-128"/>
-                <a:ea typeface="Meiryo UI" panose="020B0604030504040204" pitchFamily="50" charset="-128"/>
-              </a:rPr>
-              <a:t>年月日が</a:t>
-            </a:r>
-            <a:endParaRPr lang="en-US" altLang="ja-JP" dirty="0" smtClean="0">
+              <a:t>ファイルが連携された場合は、最新の診療年月日となっている</a:t>
+            </a:r>
+            <a:endParaRPr lang="en-US" altLang="ja-JP" dirty="0">
               <a:latin typeface="Meiryo UI" panose="020B0604030504040204" pitchFamily="50" charset="-128"/>
               <a:ea typeface="Meiryo UI" panose="020B0604030504040204" pitchFamily="50" charset="-128"/>
             </a:endParaRPr>
           </a:p>
           <a:p>
             <a:r>
-              <a:rPr lang="ja-JP" altLang="en-US" dirty="0" smtClean="0">
-                <a:latin typeface="Meiryo UI" panose="020B0604030504040204" pitchFamily="50" charset="-128"/>
-                <a:ea typeface="Meiryo UI" panose="020B0604030504040204" pitchFamily="50" charset="-128"/>
-              </a:rPr>
-              <a:t>設定されている</a:t>
-            </a:r>
-            <a:r>
-              <a:rPr lang="en-US" altLang="ja-JP" dirty="0" smtClean="0">
+              <a:rPr lang="en-US" altLang="ja-JP" dirty="0">
                 <a:latin typeface="Meiryo UI" panose="020B0604030504040204" pitchFamily="50" charset="-128"/>
                 <a:ea typeface="Meiryo UI" panose="020B0604030504040204" pitchFamily="50" charset="-128"/>
               </a:rPr>
               <a:t>MML</a:t>
             </a:r>
             <a:r>
-              <a:rPr lang="ja-JP" altLang="en-US" dirty="0" smtClean="0">
-                <a:latin typeface="Meiryo UI" panose="020B0604030504040204" pitchFamily="50" charset="-128"/>
-                <a:ea typeface="Meiryo UI" panose="020B0604030504040204" pitchFamily="50" charset="-128"/>
-              </a:rPr>
-              <a:t>ファイルを</a:t>
-            </a:r>
-            <a:r>
               <a:rPr lang="ja-JP" altLang="en-US" dirty="0">
                 <a:latin typeface="Meiryo UI" panose="020B0604030504040204" pitchFamily="50" charset="-128"/>
                 <a:ea typeface="Meiryo UI" panose="020B0604030504040204" pitchFamily="50" charset="-128"/>
               </a:rPr>
-              <a:t>取り込み</a:t>
-            </a:r>
-            <a:r>
-              <a:rPr lang="ja-JP" altLang="en-US" dirty="0" smtClean="0">
-                <a:latin typeface="Meiryo UI" panose="020B0604030504040204" pitchFamily="50" charset="-128"/>
-                <a:ea typeface="Meiryo UI" panose="020B0604030504040204" pitchFamily="50" charset="-128"/>
-              </a:rPr>
-              <a:t>、最新</a:t>
-            </a:r>
-            <a:r>
-              <a:rPr lang="ja-JP" altLang="en-US" dirty="0">
-                <a:latin typeface="Meiryo UI" panose="020B0604030504040204" pitchFamily="50" charset="-128"/>
-                <a:ea typeface="Meiryo UI" panose="020B0604030504040204" pitchFamily="50" charset="-128"/>
-              </a:rPr>
-              <a:t>以外</a:t>
-            </a:r>
-            <a:r>
-              <a:rPr lang="ja-JP" altLang="en-US" dirty="0" smtClean="0">
-                <a:latin typeface="Meiryo UI" panose="020B0604030504040204" pitchFamily="50" charset="-128"/>
-                <a:ea typeface="Meiryo UI" panose="020B0604030504040204" pitchFamily="50" charset="-128"/>
-              </a:rPr>
-              <a:t>の取込結果は</a:t>
-            </a:r>
-            <a:r>
-              <a:rPr lang="ja-JP" altLang="en-US" dirty="0">
-                <a:latin typeface="Meiryo UI" panose="020B0604030504040204" pitchFamily="50" charset="-128"/>
-                <a:ea typeface="Meiryo UI" panose="020B0604030504040204" pitchFamily="50" charset="-128"/>
-              </a:rPr>
-              <a:t>削除する仕様となっている</a:t>
-            </a:r>
-            <a:r>
-              <a:rPr lang="ja-JP" altLang="en-US" dirty="0" smtClean="0">
-                <a:latin typeface="Meiryo UI" panose="020B0604030504040204" pitchFamily="50" charset="-128"/>
-                <a:ea typeface="Meiryo UI" panose="020B0604030504040204" pitchFamily="50" charset="-128"/>
-              </a:rPr>
-              <a:t>。</a:t>
-            </a:r>
-            <a:endParaRPr lang="ja-JP" altLang="en-US" dirty="0">
-              <a:latin typeface="Meiryo UI" panose="020B0604030504040204" pitchFamily="50" charset="-128"/>
-              <a:ea typeface="Meiryo UI" panose="020B0604030504040204" pitchFamily="50" charset="-128"/>
-            </a:endParaRPr>
+              <a:t>ファイルを取り込み、最新以外の過去履歴は削除する仕様となっている。</a:t>
+            </a:r>
           </a:p>
           <a:p>
-            <a:endParaRPr lang="en-US" altLang="ja-JP" dirty="0" smtClean="0">
+            <a:endParaRPr lang="en-US" altLang="ja-JP" dirty="0">
               <a:latin typeface="Meiryo UI" panose="020B0604030504040204" pitchFamily="50" charset="-128"/>
               <a:ea typeface="Meiryo UI" panose="020B0604030504040204" pitchFamily="50" charset="-128"/>
             </a:endParaRPr>
@@ -27075,13 +26788,6 @@
   <p:clrMapOvr>
     <a:masterClrMapping/>
   </p:clrMapOvr>
-  <p:timing>
-    <p:tnLst>
-      <p:par>
-        <p:cTn id="1" dur="indefinite" restart="never" nodeType="tmRoot"/>
-      </p:par>
-    </p:tnLst>
-  </p:timing>
 </p:sld>
 </file>
 
@@ -27111,7 +26817,7 @@
           <p:nvPr>
             <p:extLst>
               <p:ext uri="{D42A27DB-BD31-4B8C-83A1-F6EECF244321}">
-                <p14:modId xmlns:p14="http://schemas.microsoft.com/office/powerpoint/2010/main" val="2224941018"/>
+                <p14:modId xmlns:p14="http://schemas.microsoft.com/office/powerpoint/2010/main" val="3630440540"/>
               </p:ext>
             </p:extLst>
           </p:nvPr>
@@ -27184,11 +26890,34 @@
                     <a:lstStyle/>
                     <a:p>
                       <a:r>
-                        <a:rPr kumimoji="1" lang="ja-JP" altLang="en-US" sz="1200" dirty="0" smtClean="0">
+                        <a:rPr kumimoji="1" lang="ja-JP" altLang="en-US" sz="1200" dirty="0">
                           <a:latin typeface="Meiryo UI" panose="020B0604030504040204" pitchFamily="50" charset="-128"/>
                           <a:ea typeface="Meiryo UI" panose="020B0604030504040204" pitchFamily="50" charset="-128"/>
                         </a:rPr>
                         <a:t>取込年月</a:t>
+                      </a:r>
+                    </a:p>
+                  </a:txBody>
+                  <a:tcPr/>
+                </a:tc>
+                <a:tc>
+                  <a:txBody>
+                    <a:bodyPr/>
+                    <a:lstStyle/>
+                    <a:p>
+                      <a:r>
+                        <a:rPr kumimoji="1" lang="ja-JP" altLang="en-US" sz="1200" dirty="0">
+                          <a:latin typeface="Meiryo UI" panose="020B0604030504040204" pitchFamily="50" charset="-128"/>
+                          <a:ea typeface="Meiryo UI" panose="020B0604030504040204" pitchFamily="50" charset="-128"/>
+                        </a:rPr>
+                        <a:t>患者</a:t>
+                      </a:r>
+                      <a:r>
+                        <a:rPr kumimoji="1" lang="en-US" altLang="ja-JP" sz="1200" dirty="0">
+                          <a:latin typeface="Meiryo UI" panose="020B0604030504040204" pitchFamily="50" charset="-128"/>
+                          <a:ea typeface="Meiryo UI" panose="020B0604030504040204" pitchFamily="50" charset="-128"/>
+                        </a:rPr>
+                        <a:t>ID</a:t>
                       </a:r>
                       <a:endParaRPr kumimoji="1" lang="ja-JP" altLang="en-US" sz="1200" dirty="0">
                         <a:latin typeface="Meiryo UI" panose="020B0604030504040204" pitchFamily="50" charset="-128"/>
@@ -27204,14 +26933,14 @@
                     <a:lstStyle/>
                     <a:p>
                       <a:r>
-                        <a:rPr kumimoji="1" lang="ja-JP" altLang="en-US" sz="1200" dirty="0" smtClean="0">
+                        <a:rPr kumimoji="1" lang="ja-JP" altLang="en-US" sz="1200" dirty="0">
                           <a:latin typeface="Meiryo UI" panose="020B0604030504040204" pitchFamily="50" charset="-128"/>
                           <a:ea typeface="Meiryo UI" panose="020B0604030504040204" pitchFamily="50" charset="-128"/>
                         </a:rPr>
-                        <a:t>患者</a:t>
-                      </a:r>
-                      <a:r>
-                        <a:rPr kumimoji="1" lang="en-US" altLang="ja-JP" sz="1200" dirty="0" smtClean="0">
+                        <a:t>文書ユニーク</a:t>
+                      </a:r>
+                      <a:r>
+                        <a:rPr kumimoji="1" lang="en-US" altLang="ja-JP" sz="1200" dirty="0">
                           <a:latin typeface="Meiryo UI" panose="020B0604030504040204" pitchFamily="50" charset="-128"/>
                           <a:ea typeface="Meiryo UI" panose="020B0604030504040204" pitchFamily="50" charset="-128"/>
                         </a:rPr>
@@ -27231,23 +26960,28 @@
                     <a:lstStyle/>
                     <a:p>
                       <a:r>
-                        <a:rPr kumimoji="1" lang="ja-JP" altLang="en-US" sz="1200" dirty="0" smtClean="0">
+                        <a:rPr kumimoji="1" lang="ja-JP" altLang="en-US" sz="1200" dirty="0">
                           <a:latin typeface="Meiryo UI" panose="020B0604030504040204" pitchFamily="50" charset="-128"/>
                           <a:ea typeface="Meiryo UI" panose="020B0604030504040204" pitchFamily="50" charset="-128"/>
                         </a:rPr>
-                        <a:t>文書ユニーク</a:t>
-                      </a:r>
-                      <a:r>
-                        <a:rPr kumimoji="1" lang="en-US" altLang="ja-JP" sz="1200" dirty="0" smtClean="0">
+                        <a:t>診療年月日</a:t>
+                      </a:r>
+                    </a:p>
+                  </a:txBody>
+                  <a:tcPr/>
+                </a:tc>
+                <a:tc>
+                  <a:txBody>
+                    <a:bodyPr/>
+                    <a:lstStyle/>
+                    <a:p>
+                      <a:r>
+                        <a:rPr kumimoji="1" lang="ja-JP" altLang="en-US" sz="1200" dirty="0">
                           <a:latin typeface="Meiryo UI" panose="020B0604030504040204" pitchFamily="50" charset="-128"/>
                           <a:ea typeface="Meiryo UI" panose="020B0604030504040204" pitchFamily="50" charset="-128"/>
                         </a:rPr>
-                        <a:t>ID</a:t>
-                      </a:r>
-                      <a:endParaRPr kumimoji="1" lang="ja-JP" altLang="en-US" sz="1200" dirty="0">
-                        <a:latin typeface="Meiryo UI" panose="020B0604030504040204" pitchFamily="50" charset="-128"/>
-                        <a:ea typeface="Meiryo UI" panose="020B0604030504040204" pitchFamily="50" charset="-128"/>
-                      </a:endParaRPr>
+                        <a:t>疾患開始日</a:t>
+                      </a:r>
                     </a:p>
                   </a:txBody>
                   <a:tcPr/>
@@ -27258,16 +26992,12 @@
                     <a:lstStyle/>
                     <a:p>
                       <a:r>
-                        <a:rPr kumimoji="1" lang="ja-JP" altLang="en-US" sz="1200" dirty="0" smtClean="0">
+                        <a:rPr kumimoji="1" lang="ja-JP" altLang="en-US" sz="1200" dirty="0">
                           <a:latin typeface="Meiryo UI" panose="020B0604030504040204" pitchFamily="50" charset="-128"/>
                           <a:ea typeface="Meiryo UI" panose="020B0604030504040204" pitchFamily="50" charset="-128"/>
                         </a:rPr>
-                        <a:t>診療年月日</a:t>
-                      </a:r>
-                      <a:endParaRPr kumimoji="1" lang="ja-JP" altLang="en-US" sz="1200" dirty="0">
-                        <a:latin typeface="Meiryo UI" panose="020B0604030504040204" pitchFamily="50" charset="-128"/>
-                        <a:ea typeface="Meiryo UI" panose="020B0604030504040204" pitchFamily="50" charset="-128"/>
-                      </a:endParaRPr>
+                        <a:t>病名</a:t>
+                      </a:r>
                     </a:p>
                   </a:txBody>
                   <a:tcPr/>
@@ -27278,56 +27008,12 @@
                     <a:lstStyle/>
                     <a:p>
                       <a:r>
-                        <a:rPr kumimoji="1" lang="ja-JP" altLang="en-US" sz="1200" dirty="0" smtClean="0">
+                        <a:rPr kumimoji="1" lang="ja-JP" altLang="en-US" sz="1200" dirty="0">
                           <a:latin typeface="Meiryo UI" panose="020B0604030504040204" pitchFamily="50" charset="-128"/>
                           <a:ea typeface="Meiryo UI" panose="020B0604030504040204" pitchFamily="50" charset="-128"/>
                         </a:rPr>
-                        <a:t>疾患開始日</a:t>
-                      </a:r>
-                      <a:endParaRPr kumimoji="1" lang="ja-JP" altLang="en-US" sz="1200" dirty="0">
-                        <a:latin typeface="Meiryo UI" panose="020B0604030504040204" pitchFamily="50" charset="-128"/>
-                        <a:ea typeface="Meiryo UI" panose="020B0604030504040204" pitchFamily="50" charset="-128"/>
-                      </a:endParaRPr>
-                    </a:p>
-                  </a:txBody>
-                  <a:tcPr/>
-                </a:tc>
-                <a:tc>
-                  <a:txBody>
-                    <a:bodyPr/>
-                    <a:lstStyle/>
-                    <a:p>
-                      <a:r>
-                        <a:rPr kumimoji="1" lang="ja-JP" altLang="en-US" sz="1200" dirty="0" smtClean="0">
-                          <a:latin typeface="Meiryo UI" panose="020B0604030504040204" pitchFamily="50" charset="-128"/>
-                          <a:ea typeface="Meiryo UI" panose="020B0604030504040204" pitchFamily="50" charset="-128"/>
-                        </a:rPr>
-                        <a:t>病名</a:t>
-                      </a:r>
-                      <a:endParaRPr kumimoji="1" lang="ja-JP" altLang="en-US" sz="1200" dirty="0">
-                        <a:latin typeface="Meiryo UI" panose="020B0604030504040204" pitchFamily="50" charset="-128"/>
-                        <a:ea typeface="Meiryo UI" panose="020B0604030504040204" pitchFamily="50" charset="-128"/>
-                      </a:endParaRPr>
-                    </a:p>
-                  </a:txBody>
-                  <a:tcPr/>
-                </a:tc>
-                <a:tc>
-                  <a:txBody>
-                    <a:bodyPr/>
-                    <a:lstStyle/>
-                    <a:p>
-                      <a:r>
-                        <a:rPr kumimoji="1" lang="ja-JP" altLang="en-US" sz="1200" dirty="0" smtClean="0">
-                          <a:latin typeface="Meiryo UI" panose="020B0604030504040204" pitchFamily="50" charset="-128"/>
-                          <a:ea typeface="Meiryo UI" panose="020B0604030504040204" pitchFamily="50" charset="-128"/>
-                        </a:rPr>
                         <a:t>行番号</a:t>
                       </a:r>
-                      <a:endParaRPr kumimoji="1" lang="ja-JP" altLang="en-US" sz="1200" dirty="0">
-                        <a:latin typeface="Meiryo UI" panose="020B0604030504040204" pitchFamily="50" charset="-128"/>
-                        <a:ea typeface="Meiryo UI" panose="020B0604030504040204" pitchFamily="50" charset="-128"/>
-                      </a:endParaRPr>
                     </a:p>
                   </a:txBody>
                   <a:tcPr/>
@@ -27345,7 +27031,7 @@
                     <a:lstStyle/>
                     <a:p>
                       <a:r>
-                        <a:rPr kumimoji="1" lang="en-US" altLang="ja-JP" sz="1200" dirty="0" smtClean="0">
+                        <a:rPr kumimoji="1" lang="en-US" altLang="ja-JP" sz="1200" dirty="0">
                           <a:latin typeface="Meiryo UI" panose="020B0604030504040204" pitchFamily="50" charset="-128"/>
                           <a:ea typeface="Meiryo UI" panose="020B0604030504040204" pitchFamily="50" charset="-128"/>
                         </a:rPr>
@@ -27365,7 +27051,7 @@
                     <a:lstStyle/>
                     <a:p>
                       <a:r>
-                        <a:rPr kumimoji="1" lang="en-US" altLang="ja-JP" sz="1200" dirty="0" smtClean="0">
+                        <a:rPr kumimoji="1" lang="en-US" altLang="ja-JP" sz="1200" dirty="0">
                           <a:latin typeface="Meiryo UI" panose="020B0604030504040204" pitchFamily="50" charset="-128"/>
                           <a:ea typeface="Meiryo UI" panose="020B0604030504040204" pitchFamily="50" charset="-128"/>
                         </a:rPr>
@@ -27385,7 +27071,7 @@
                     <a:lstStyle/>
                     <a:p>
                       <a:r>
-                        <a:rPr kumimoji="1" lang="en-US" altLang="ja-JP" sz="1200" dirty="0" smtClean="0">
+                        <a:rPr kumimoji="1" lang="en-US" altLang="ja-JP" sz="1200" dirty="0">
                           <a:latin typeface="Meiryo UI" panose="020B0604030504040204" pitchFamily="50" charset="-128"/>
                           <a:ea typeface="Meiryo UI" panose="020B0604030504040204" pitchFamily="50" charset="-128"/>
                         </a:rPr>
@@ -27405,7 +27091,7 @@
                     <a:lstStyle/>
                     <a:p>
                       <a:r>
-                        <a:rPr kumimoji="1" lang="en-US" altLang="ja-JP" sz="1200" dirty="0" smtClean="0">
+                        <a:rPr kumimoji="1" lang="en-US" altLang="ja-JP" sz="1200" dirty="0">
                           <a:latin typeface="Meiryo UI" panose="020B0604030504040204" pitchFamily="50" charset="-128"/>
                           <a:ea typeface="Meiryo UI" panose="020B0604030504040204" pitchFamily="50" charset="-128"/>
                         </a:rPr>
@@ -27425,7 +27111,7 @@
                     <a:lstStyle/>
                     <a:p>
                       <a:r>
-                        <a:rPr kumimoji="1" lang="en-US" altLang="ja-JP" sz="1200" dirty="0" smtClean="0">
+                        <a:rPr kumimoji="1" lang="en-US" altLang="ja-JP" sz="1200" dirty="0">
                           <a:latin typeface="Meiryo UI" panose="020B0604030504040204" pitchFamily="50" charset="-128"/>
                           <a:ea typeface="Meiryo UI" panose="020B0604030504040204" pitchFamily="50" charset="-128"/>
                         </a:rPr>
@@ -27462,7 +27148,7 @@
                         <a:defRPr/>
                       </a:pPr>
                       <a:r>
-                        <a:rPr kumimoji="1" lang="ja-JP" altLang="en-US" sz="1200" dirty="0" smtClean="0">
+                        <a:rPr kumimoji="1" lang="ja-JP" altLang="en-US" sz="1200" dirty="0">
                           <a:latin typeface="Meiryo UI" panose="020B0604030504040204" pitchFamily="50" charset="-128"/>
                           <a:ea typeface="Meiryo UI" panose="020B0604030504040204" pitchFamily="50" charset="-128"/>
                         </a:rPr>
@@ -27495,13 +27181,13 @@
                         <a:defRPr/>
                       </a:pPr>
                       <a:r>
-                        <a:rPr kumimoji="1" lang="en-US" altLang="ja-JP" sz="1200" dirty="0" smtClean="0">
+                        <a:rPr kumimoji="1" lang="en-US" altLang="ja-JP" sz="1200" dirty="0">
                           <a:latin typeface="Meiryo UI" panose="020B0604030504040204" pitchFamily="50" charset="-128"/>
                           <a:ea typeface="Meiryo UI" panose="020B0604030504040204" pitchFamily="50" charset="-128"/>
                         </a:rPr>
                         <a:t>1</a:t>
                       </a:r>
-                      <a:endParaRPr kumimoji="1" lang="ja-JP" altLang="en-US" sz="1200" dirty="0" smtClean="0">
+                      <a:endParaRPr kumimoji="1" lang="ja-JP" altLang="en-US" sz="1200" dirty="0">
                         <a:latin typeface="Meiryo UI" panose="020B0604030504040204" pitchFamily="50" charset="-128"/>
                         <a:ea typeface="Meiryo UI" panose="020B0604030504040204" pitchFamily="50" charset="-128"/>
                       </a:endParaRPr>
@@ -27522,11 +27208,11 @@
                     <a:lstStyle/>
                     <a:p>
                       <a:r>
-                        <a:rPr kumimoji="1" lang="en-US" altLang="ja-JP" sz="1200" dirty="0" smtClean="0">
+                        <a:rPr kumimoji="1" lang="en-US" altLang="ja-JP" sz="1200" dirty="0">
                           <a:latin typeface="Meiryo UI" panose="020B0604030504040204" pitchFamily="50" charset="-128"/>
                           <a:ea typeface="Meiryo UI" panose="020B0604030504040204" pitchFamily="50" charset="-128"/>
                         </a:rPr>
-                        <a:t>2020/10</a:t>
+                        <a:t>2020/09</a:t>
                       </a:r>
                       <a:endParaRPr kumimoji="1" lang="ja-JP" altLang="en-US" sz="1200" dirty="0">
                         <a:latin typeface="Meiryo UI" panose="020B0604030504040204" pitchFamily="50" charset="-128"/>
@@ -27542,7 +27228,7 @@
                     <a:lstStyle/>
                     <a:p>
                       <a:r>
-                        <a:rPr kumimoji="1" lang="en-US" altLang="ja-JP" sz="1200" dirty="0" smtClean="0">
+                        <a:rPr kumimoji="1" lang="en-US" altLang="ja-JP" sz="1200" dirty="0">
                           <a:latin typeface="Meiryo UI" panose="020B0604030504040204" pitchFamily="50" charset="-128"/>
                           <a:ea typeface="Meiryo UI" panose="020B0604030504040204" pitchFamily="50" charset="-128"/>
                         </a:rPr>
@@ -27562,7 +27248,7 @@
                     <a:lstStyle/>
                     <a:p>
                       <a:r>
-                        <a:rPr kumimoji="1" lang="en-US" altLang="ja-JP" sz="1200" dirty="0" smtClean="0">
+                        <a:rPr kumimoji="1" lang="en-US" altLang="ja-JP" sz="1200" dirty="0">
                           <a:latin typeface="Meiryo UI" panose="020B0604030504040204" pitchFamily="50" charset="-128"/>
                           <a:ea typeface="Meiryo UI" panose="020B0604030504040204" pitchFamily="50" charset="-128"/>
                         </a:rPr>
@@ -27582,11 +27268,11 @@
                     <a:lstStyle/>
                     <a:p>
                       <a:r>
-                        <a:rPr kumimoji="1" lang="en-US" altLang="ja-JP" sz="1200" dirty="0" smtClean="0">
+                        <a:rPr kumimoji="1" lang="en-US" altLang="ja-JP" sz="1200" dirty="0">
                           <a:latin typeface="Meiryo UI" panose="020B0604030504040204" pitchFamily="50" charset="-128"/>
                           <a:ea typeface="Meiryo UI" panose="020B0604030504040204" pitchFamily="50" charset="-128"/>
                         </a:rPr>
-                        <a:t>2020/9/1</a:t>
+                        <a:t>2020/8/24</a:t>
                       </a:r>
                       <a:endParaRPr kumimoji="1" lang="ja-JP" altLang="en-US" sz="1200" dirty="0">
                         <a:latin typeface="Meiryo UI" panose="020B0604030504040204" pitchFamily="50" charset="-128"/>
@@ -27602,11 +27288,11 @@
                     <a:lstStyle/>
                     <a:p>
                       <a:r>
-                        <a:rPr kumimoji="1" lang="en-US" altLang="ja-JP" sz="1200" dirty="0" smtClean="0">
+                        <a:rPr kumimoji="1" lang="en-US" altLang="ja-JP" sz="1200" dirty="0">
                           <a:latin typeface="Meiryo UI" panose="020B0604030504040204" pitchFamily="50" charset="-128"/>
                           <a:ea typeface="Meiryo UI" panose="020B0604030504040204" pitchFamily="50" charset="-128"/>
                         </a:rPr>
-                        <a:t>2019/5/1</a:t>
+                        <a:t>2020/8/24</a:t>
                       </a:r>
                       <a:endParaRPr kumimoji="1" lang="ja-JP" altLang="en-US" sz="1200" dirty="0">
                         <a:latin typeface="Meiryo UI" panose="020B0604030504040204" pitchFamily="50" charset="-128"/>
@@ -27621,17 +27307,30 @@
                     <a:bodyPr/>
                     <a:lstStyle/>
                     <a:p>
-                      <a:r>
-                        <a:rPr kumimoji="1" lang="ja-JP" altLang="en-US" sz="1200" dirty="0" smtClean="0">
+                      <a:pPr marL="0" marR="0" lvl="0" indent="0" algn="l" defTabSz="484862" rtl="0" eaLnBrk="1" fontAlgn="auto" latinLnBrk="0" hangingPunct="1">
+                        <a:lnSpc>
+                          <a:spcPct val="100000"/>
+                        </a:lnSpc>
+                        <a:spcBef>
+                          <a:spcPts val="0"/>
+                        </a:spcBef>
+                        <a:spcAft>
+                          <a:spcPts val="0"/>
+                        </a:spcAft>
+                        <a:buClrTx/>
+                        <a:buSzTx/>
+                        <a:buFontTx/>
+                        <a:buNone/>
+                        <a:tabLst/>
+                        <a:defRPr/>
+                      </a:pPr>
+                      <a:r>
+                        <a:rPr kumimoji="1" lang="ja-JP" altLang="en-US" sz="1200" dirty="0">
                           <a:latin typeface="Meiryo UI" panose="020B0604030504040204" pitchFamily="50" charset="-128"/>
                           <a:ea typeface="Meiryo UI" panose="020B0604030504040204" pitchFamily="50" charset="-128"/>
                         </a:rPr>
-                        <a:t>乳癌</a:t>
-                      </a:r>
-                      <a:endParaRPr kumimoji="1" lang="ja-JP" altLang="en-US" sz="1200" dirty="0">
-                        <a:latin typeface="Meiryo UI" panose="020B0604030504040204" pitchFamily="50" charset="-128"/>
-                        <a:ea typeface="Meiryo UI" panose="020B0604030504040204" pitchFamily="50" charset="-128"/>
-                      </a:endParaRPr>
+                        <a:t>リンパ浮腫</a:t>
+                      </a:r>
                     </a:p>
                   </a:txBody>
                   <a:tcPr/>
@@ -27641,12 +27340,29 @@
                     <a:bodyPr/>
                     <a:lstStyle/>
                     <a:p>
-                      <a:r>
-                        <a:rPr kumimoji="1" lang="en-US" altLang="ja-JP" sz="1200" dirty="0" smtClean="0">
+                      <a:pPr marL="0" marR="0" lvl="0" indent="0" algn="l" defTabSz="484862" rtl="0" eaLnBrk="1" fontAlgn="auto" latinLnBrk="0" hangingPunct="1">
+                        <a:lnSpc>
+                          <a:spcPct val="100000"/>
+                        </a:lnSpc>
+                        <a:spcBef>
+                          <a:spcPts val="0"/>
+                        </a:spcBef>
+                        <a:spcAft>
+                          <a:spcPts val="0"/>
+                        </a:spcAft>
+                        <a:buClrTx/>
+                        <a:buSzTx/>
+                        <a:buFontTx/>
+                        <a:buNone/>
+                        <a:tabLst/>
+                        <a:defRPr/>
+                      </a:pPr>
+                      <a:r>
+                        <a:rPr kumimoji="1" lang="en-US" altLang="ja-JP" sz="1200" dirty="0">
                           <a:latin typeface="Meiryo UI" panose="020B0604030504040204" pitchFamily="50" charset="-128"/>
                           <a:ea typeface="Meiryo UI" panose="020B0604030504040204" pitchFamily="50" charset="-128"/>
                         </a:rPr>
-                        <a:t>1</a:t>
+                        <a:t>2</a:t>
                       </a:r>
                       <a:endParaRPr kumimoji="1" lang="ja-JP" altLang="en-US" sz="1200" dirty="0">
                         <a:latin typeface="Meiryo UI" panose="020B0604030504040204" pitchFamily="50" charset="-128"/>
@@ -27669,7 +27385,7 @@
                     <a:lstStyle/>
                     <a:p>
                       <a:r>
-                        <a:rPr kumimoji="1" lang="en-US" altLang="ja-JP" sz="1200" dirty="0" smtClean="0">
+                        <a:rPr kumimoji="1" lang="en-US" altLang="ja-JP" sz="1200" dirty="0">
                           <a:latin typeface="Meiryo UI" panose="020B0604030504040204" pitchFamily="50" charset="-128"/>
                           <a:ea typeface="Meiryo UI" panose="020B0604030504040204" pitchFamily="50" charset="-128"/>
                         </a:rPr>
@@ -27689,7 +27405,7 @@
                     <a:lstStyle/>
                     <a:p>
                       <a:r>
-                        <a:rPr kumimoji="1" lang="en-US" altLang="ja-JP" sz="1200" dirty="0" smtClean="0">
+                        <a:rPr kumimoji="1" lang="en-US" altLang="ja-JP" sz="1200" dirty="0">
                           <a:latin typeface="Meiryo UI" panose="020B0604030504040204" pitchFamily="50" charset="-128"/>
                           <a:ea typeface="Meiryo UI" panose="020B0604030504040204" pitchFamily="50" charset="-128"/>
                         </a:rPr>
@@ -27709,7 +27425,7 @@
                     <a:lstStyle/>
                     <a:p>
                       <a:r>
-                        <a:rPr kumimoji="1" lang="en-US" altLang="ja-JP" sz="1200" b="1" dirty="0" smtClean="0">
+                        <a:rPr kumimoji="1" lang="en-US" altLang="ja-JP" sz="1200" b="1" dirty="0">
                           <a:solidFill>
                             <a:srgbClr val="FF0000"/>
                           </a:solidFill>
@@ -27718,29 +27434,6 @@
                         </a:rPr>
                         <a:t>UID_300_02</a:t>
                       </a:r>
-                      <a:endParaRPr kumimoji="1" lang="ja-JP" altLang="en-US" sz="1200" b="1" dirty="0">
-                        <a:solidFill>
-                          <a:srgbClr val="FF0000"/>
-                        </a:solidFill>
-                        <a:latin typeface="Meiryo UI" panose="020B0604030504040204" pitchFamily="50" charset="-128"/>
-                        <a:ea typeface="Meiryo UI" panose="020B0604030504040204" pitchFamily="50" charset="-128"/>
-                      </a:endParaRPr>
-                    </a:p>
-                  </a:txBody>
-                  <a:tcPr/>
-                </a:tc>
-                <a:tc>
-                  <a:txBody>
-                    <a:bodyPr/>
-                    <a:lstStyle/>
-                    <a:p>
-                      <a:r>
-                        <a:rPr kumimoji="1" lang="en-US" altLang="ja-JP" sz="1200" dirty="0" smtClean="0">
-                          <a:latin typeface="Meiryo UI" panose="020B0604030504040204" pitchFamily="50" charset="-128"/>
-                          <a:ea typeface="Meiryo UI" panose="020B0604030504040204" pitchFamily="50" charset="-128"/>
-                        </a:rPr>
-                        <a:t>2020/9/1</a:t>
-                      </a:r>
                       <a:endParaRPr kumimoji="1" lang="ja-JP" altLang="en-US" sz="1200" dirty="0">
                         <a:latin typeface="Meiryo UI" panose="020B0604030504040204" pitchFamily="50" charset="-128"/>
                         <a:ea typeface="Meiryo UI" panose="020B0604030504040204" pitchFamily="50" charset="-128"/>
@@ -27755,11 +27448,11 @@
                     <a:lstStyle/>
                     <a:p>
                       <a:r>
-                        <a:rPr kumimoji="1" lang="en-US" altLang="ja-JP" sz="1200" dirty="0" smtClean="0">
+                        <a:rPr kumimoji="1" lang="en-US" altLang="ja-JP" sz="1200" dirty="0">
                           <a:latin typeface="Meiryo UI" panose="020B0604030504040204" pitchFamily="50" charset="-128"/>
                           <a:ea typeface="Meiryo UI" panose="020B0604030504040204" pitchFamily="50" charset="-128"/>
                         </a:rPr>
-                        <a:t>2019/5/1</a:t>
+                        <a:t>2020/9/1</a:t>
                       </a:r>
                       <a:endParaRPr kumimoji="1" lang="ja-JP" altLang="en-US" sz="1200" dirty="0">
                         <a:latin typeface="Meiryo UI" panose="020B0604030504040204" pitchFamily="50" charset="-128"/>
@@ -27775,11 +27468,11 @@
                     <a:lstStyle/>
                     <a:p>
                       <a:r>
-                        <a:rPr kumimoji="1" lang="ja-JP" altLang="en-US" sz="1200" dirty="0" smtClean="0">
+                        <a:rPr kumimoji="1" lang="en-US" altLang="ja-JP" sz="1200" dirty="0">
                           <a:latin typeface="Meiryo UI" panose="020B0604030504040204" pitchFamily="50" charset="-128"/>
                           <a:ea typeface="Meiryo UI" panose="020B0604030504040204" pitchFamily="50" charset="-128"/>
                         </a:rPr>
-                        <a:t>リンパ浮腫</a:t>
+                        <a:t>2019/5/1</a:t>
                       </a:r>
                       <a:endParaRPr kumimoji="1" lang="ja-JP" altLang="en-US" sz="1200" dirty="0">
                         <a:latin typeface="Meiryo UI" panose="020B0604030504040204" pitchFamily="50" charset="-128"/>
@@ -27795,11 +27488,27 @@
                     <a:lstStyle/>
                     <a:p>
                       <a:r>
-                        <a:rPr kumimoji="1" lang="en-US" altLang="ja-JP" sz="1200" dirty="0" smtClean="0">
+                        <a:rPr kumimoji="1" lang="ja-JP" altLang="en-US" sz="1200" dirty="0">
                           <a:latin typeface="Meiryo UI" panose="020B0604030504040204" pitchFamily="50" charset="-128"/>
                           <a:ea typeface="Meiryo UI" panose="020B0604030504040204" pitchFamily="50" charset="-128"/>
                         </a:rPr>
-                        <a:t>2</a:t>
+                        <a:t>乳癌</a:t>
+                      </a:r>
+                    </a:p>
+                  </a:txBody>
+                  <a:tcPr/>
+                </a:tc>
+                <a:tc>
+                  <a:txBody>
+                    <a:bodyPr/>
+                    <a:lstStyle/>
+                    <a:p>
+                      <a:r>
+                        <a:rPr kumimoji="1" lang="en-US" altLang="ja-JP" sz="1200" dirty="0">
+                          <a:latin typeface="Meiryo UI" panose="020B0604030504040204" pitchFamily="50" charset="-128"/>
+                          <a:ea typeface="Meiryo UI" panose="020B0604030504040204" pitchFamily="50" charset="-128"/>
+                        </a:rPr>
+                        <a:t>1</a:t>
                       </a:r>
                       <a:endParaRPr kumimoji="1" lang="ja-JP" altLang="en-US" sz="1200" dirty="0">
                         <a:latin typeface="Meiryo UI" panose="020B0604030504040204" pitchFamily="50" charset="-128"/>
@@ -27932,7 +27641,7 @@
           </a:lstStyle>
           <a:p>
             <a:r>
-              <a:rPr lang="en-US" altLang="ja-JP" dirty="0" smtClean="0">
+              <a:rPr lang="en-US" altLang="ja-JP" dirty="0">
                 <a:latin typeface="Meiryo UI" panose="020B0604030504040204" pitchFamily="50" charset="-128"/>
                 <a:ea typeface="Meiryo UI" panose="020B0604030504040204" pitchFamily="50" charset="-128"/>
               </a:rPr>
@@ -27943,21 +27652,7 @@
                 <a:latin typeface="Meiryo UI" panose="020B0604030504040204" pitchFamily="50" charset="-128"/>
                 <a:ea typeface="Meiryo UI" panose="020B0604030504040204" pitchFamily="50" charset="-128"/>
               </a:rPr>
-              <a:t>の採番方法は医療機関によって異なり</a:t>
-            </a:r>
-            <a:r>
-              <a:rPr lang="ja-JP" altLang="en-US" dirty="0" smtClean="0">
-                <a:latin typeface="Meiryo UI" panose="020B0604030504040204" pitchFamily="50" charset="-128"/>
-                <a:ea typeface="Meiryo UI" panose="020B0604030504040204" pitchFamily="50" charset="-128"/>
-              </a:rPr>
-              <a:t>、診断</a:t>
-            </a:r>
-            <a:r>
-              <a:rPr lang="ja-JP" altLang="en-US" dirty="0">
-                <a:latin typeface="Meiryo UI" panose="020B0604030504040204" pitchFamily="50" charset="-128"/>
-                <a:ea typeface="Meiryo UI" panose="020B0604030504040204" pitchFamily="50" charset="-128"/>
-              </a:rPr>
-              <a:t>履歴情報（</a:t>
+              <a:t>の採番方法は医療機関によって異なり、診断履歴情報（</a:t>
             </a:r>
             <a:r>
               <a:rPr lang="en-US" altLang="ja-JP" dirty="0">
@@ -27971,7 +27666,7 @@
                 <a:latin typeface="Meiryo UI" panose="020B0604030504040204" pitchFamily="50" charset="-128"/>
                 <a:ea typeface="Meiryo UI" panose="020B0604030504040204" pitchFamily="50" charset="-128"/>
               </a:rPr>
-              <a:t>）モジュールにおいては、以下のようなパターンが存在している。</a:t>
+              <a:t>）モジュールにおいては、以下のようなパターンが存在しており、そのパターンによって過去履歴の削除対象が異なる。</a:t>
             </a:r>
           </a:p>
           <a:p>
@@ -27987,17 +27682,10 @@
                 <a:latin typeface="Meiryo UI" panose="020B0604030504040204" pitchFamily="50" charset="-128"/>
                 <a:ea typeface="Meiryo UI" panose="020B0604030504040204" pitchFamily="50" charset="-128"/>
               </a:rPr>
-              <a:t>①患者ごとに</a:t>
-            </a:r>
-            <a:r>
-              <a:rPr lang="ja-JP" altLang="en-US" dirty="0" smtClean="0">
-                <a:latin typeface="Meiryo UI" panose="020B0604030504040204" pitchFamily="50" charset="-128"/>
-                <a:ea typeface="Meiryo UI" panose="020B0604030504040204" pitchFamily="50" charset="-128"/>
-              </a:rPr>
-              <a:t>同一</a:t>
-            </a:r>
-            <a:r>
-              <a:rPr lang="en-US" altLang="ja-JP" dirty="0" smtClean="0">
+              <a:t>①患者ごとに同一</a:t>
+            </a:r>
+            <a:r>
+              <a:rPr lang="en-US" altLang="ja-JP" dirty="0">
                 <a:latin typeface="Meiryo UI" panose="020B0604030504040204" pitchFamily="50" charset="-128"/>
                 <a:ea typeface="Meiryo UI" panose="020B0604030504040204" pitchFamily="50" charset="-128"/>
               </a:rPr>
@@ -28008,120 +27696,91 @@
                 <a:latin typeface="Meiryo UI" panose="020B0604030504040204" pitchFamily="50" charset="-128"/>
                 <a:ea typeface="Meiryo UI" panose="020B0604030504040204" pitchFamily="50" charset="-128"/>
               </a:rPr>
-              <a:t>を採</a:t>
-            </a:r>
-            <a:r>
-              <a:rPr lang="ja-JP" altLang="en-US" dirty="0" smtClean="0">
-                <a:latin typeface="Meiryo UI" panose="020B0604030504040204" pitchFamily="50" charset="-128"/>
-                <a:ea typeface="Meiryo UI" panose="020B0604030504040204" pitchFamily="50" charset="-128"/>
-              </a:rPr>
-              <a:t>番　</a:t>
-            </a:r>
-            <a:r>
-              <a:rPr lang="en-US" altLang="ja-JP" dirty="0" smtClean="0">
+              <a:t>を採番　</a:t>
+            </a:r>
+            <a:r>
+              <a:rPr lang="en-US" altLang="ja-JP" dirty="0">
                 <a:latin typeface="Meiryo UI" panose="020B0604030504040204" pitchFamily="50" charset="-128"/>
                 <a:ea typeface="Meiryo UI" panose="020B0604030504040204" pitchFamily="50" charset="-128"/>
               </a:rPr>
               <a:t>※</a:t>
             </a:r>
             <a:r>
-              <a:rPr lang="ja-JP" altLang="en-US" dirty="0" smtClean="0">
+              <a:rPr lang="ja-JP" altLang="en-US" dirty="0">
                 <a:latin typeface="Meiryo UI" panose="020B0604030504040204" pitchFamily="50" charset="-128"/>
                 <a:ea typeface="Meiryo UI" panose="020B0604030504040204" pitchFamily="50" charset="-128"/>
               </a:rPr>
               <a:t>前スライドの出力例が該当</a:t>
             </a:r>
-            <a:endParaRPr lang="ja-JP" altLang="en-US" dirty="0">
+          </a:p>
+          <a:p>
+            <a:pPr lvl="1"/>
+            <a:r>
+              <a:rPr lang="ja-JP" altLang="en-US" dirty="0">
+                <a:latin typeface="Meiryo UI" panose="020B0604030504040204" pitchFamily="50" charset="-128"/>
+                <a:ea typeface="Meiryo UI" panose="020B0604030504040204" pitchFamily="50" charset="-128"/>
+              </a:rPr>
+              <a:t>②患者＋病名ごとに</a:t>
+            </a:r>
+            <a:r>
+              <a:rPr lang="en-US" altLang="ja-JP" dirty="0">
+                <a:latin typeface="Meiryo UI" panose="020B0604030504040204" pitchFamily="50" charset="-128"/>
+                <a:ea typeface="Meiryo UI" panose="020B0604030504040204" pitchFamily="50" charset="-128"/>
+              </a:rPr>
+              <a:t>UID</a:t>
+            </a:r>
+            <a:r>
+              <a:rPr lang="ja-JP" altLang="en-US" dirty="0">
+                <a:latin typeface="Meiryo UI" panose="020B0604030504040204" pitchFamily="50" charset="-128"/>
+                <a:ea typeface="Meiryo UI" panose="020B0604030504040204" pitchFamily="50" charset="-128"/>
+              </a:rPr>
+              <a:t>を採番</a:t>
+            </a:r>
+          </a:p>
+          <a:p>
+            <a:pPr lvl="1"/>
+            <a:r>
+              <a:rPr lang="ja-JP" altLang="en-US" dirty="0">
+                <a:latin typeface="Meiryo UI" panose="020B0604030504040204" pitchFamily="50" charset="-128"/>
+                <a:ea typeface="Meiryo UI" panose="020B0604030504040204" pitchFamily="50" charset="-128"/>
+              </a:rPr>
+              <a:t>③患者＋病名＋疾患開始日</a:t>
+            </a:r>
+            <a:r>
+              <a:rPr lang="en-US" altLang="ja-JP" dirty="0">
+                <a:latin typeface="Meiryo UI" panose="020B0604030504040204" pitchFamily="50" charset="-128"/>
+                <a:ea typeface="Meiryo UI" panose="020B0604030504040204" pitchFamily="50" charset="-128"/>
+              </a:rPr>
+              <a:t>/</a:t>
+            </a:r>
+            <a:r>
+              <a:rPr lang="ja-JP" altLang="en-US" dirty="0">
+                <a:latin typeface="Meiryo UI" panose="020B0604030504040204" pitchFamily="50" charset="-128"/>
+                <a:ea typeface="Meiryo UI" panose="020B0604030504040204" pitchFamily="50" charset="-128"/>
+              </a:rPr>
+              <a:t>終了日など変更があった際に都度</a:t>
+            </a:r>
+            <a:r>
+              <a:rPr lang="en-US" altLang="ja-JP" dirty="0">
+                <a:latin typeface="Meiryo UI" panose="020B0604030504040204" pitchFamily="50" charset="-128"/>
+                <a:ea typeface="Meiryo UI" panose="020B0604030504040204" pitchFamily="50" charset="-128"/>
+              </a:rPr>
+              <a:t>UID</a:t>
+            </a:r>
+            <a:r>
+              <a:rPr lang="ja-JP" altLang="en-US" dirty="0">
+                <a:latin typeface="Meiryo UI" panose="020B0604030504040204" pitchFamily="50" charset="-128"/>
+                <a:ea typeface="Meiryo UI" panose="020B0604030504040204" pitchFamily="50" charset="-128"/>
+              </a:rPr>
+              <a:t>を採番</a:t>
+            </a:r>
+            <a:endParaRPr lang="en-US" altLang="ja-JP" dirty="0">
               <a:latin typeface="Meiryo UI" panose="020B0604030504040204" pitchFamily="50" charset="-128"/>
               <a:ea typeface="Meiryo UI" panose="020B0604030504040204" pitchFamily="50" charset="-128"/>
             </a:endParaRPr>
           </a:p>
           <a:p>
-            <a:pPr lvl="1"/>
-            <a:r>
-              <a:rPr lang="ja-JP" altLang="en-US" dirty="0">
-                <a:latin typeface="Meiryo UI" panose="020B0604030504040204" pitchFamily="50" charset="-128"/>
-                <a:ea typeface="Meiryo UI" panose="020B0604030504040204" pitchFamily="50" charset="-128"/>
-              </a:rPr>
-              <a:t>②患者＋病名ごと</a:t>
-            </a:r>
-            <a:r>
-              <a:rPr lang="ja-JP" altLang="en-US" dirty="0" smtClean="0">
-                <a:latin typeface="Meiryo UI" panose="020B0604030504040204" pitchFamily="50" charset="-128"/>
-                <a:ea typeface="Meiryo UI" panose="020B0604030504040204" pitchFamily="50" charset="-128"/>
-              </a:rPr>
-              <a:t>に</a:t>
-            </a:r>
-            <a:r>
-              <a:rPr lang="en-US" altLang="ja-JP" dirty="0" smtClean="0">
-                <a:latin typeface="Meiryo UI" panose="020B0604030504040204" pitchFamily="50" charset="-128"/>
-                <a:ea typeface="Meiryo UI" panose="020B0604030504040204" pitchFamily="50" charset="-128"/>
-              </a:rPr>
-              <a:t>UID</a:t>
-            </a:r>
-            <a:r>
-              <a:rPr lang="ja-JP" altLang="en-US" dirty="0" smtClean="0">
-                <a:latin typeface="Meiryo UI" panose="020B0604030504040204" pitchFamily="50" charset="-128"/>
-                <a:ea typeface="Meiryo UI" panose="020B0604030504040204" pitchFamily="50" charset="-128"/>
-              </a:rPr>
-              <a:t>を採番</a:t>
-            </a:r>
-            <a:endParaRPr lang="ja-JP" altLang="en-US" dirty="0">
-              <a:latin typeface="Meiryo UI" panose="020B0604030504040204" pitchFamily="50" charset="-128"/>
-              <a:ea typeface="Meiryo UI" panose="020B0604030504040204" pitchFamily="50" charset="-128"/>
-            </a:endParaRPr>
-          </a:p>
-          <a:p>
-            <a:pPr lvl="1"/>
-            <a:r>
-              <a:rPr lang="ja-JP" altLang="en-US" dirty="0">
-                <a:latin typeface="Meiryo UI" panose="020B0604030504040204" pitchFamily="50" charset="-128"/>
-                <a:ea typeface="Meiryo UI" panose="020B0604030504040204" pitchFamily="50" charset="-128"/>
-              </a:rPr>
-              <a:t>③患者＋病名＋疾患開始日</a:t>
-            </a:r>
-            <a:r>
-              <a:rPr lang="en-US" altLang="ja-JP" dirty="0">
-                <a:latin typeface="Meiryo UI" panose="020B0604030504040204" pitchFamily="50" charset="-128"/>
-                <a:ea typeface="Meiryo UI" panose="020B0604030504040204" pitchFamily="50" charset="-128"/>
-              </a:rPr>
-              <a:t>/</a:t>
-            </a:r>
-            <a:r>
-              <a:rPr lang="ja-JP" altLang="en-US" dirty="0">
-                <a:latin typeface="Meiryo UI" panose="020B0604030504040204" pitchFamily="50" charset="-128"/>
-                <a:ea typeface="Meiryo UI" panose="020B0604030504040204" pitchFamily="50" charset="-128"/>
-              </a:rPr>
-              <a:t>終了日など変更があった際に</a:t>
-            </a:r>
-            <a:r>
-              <a:rPr lang="ja-JP" altLang="en-US" dirty="0" smtClean="0">
-                <a:latin typeface="Meiryo UI" panose="020B0604030504040204" pitchFamily="50" charset="-128"/>
-                <a:ea typeface="Meiryo UI" panose="020B0604030504040204" pitchFamily="50" charset="-128"/>
-              </a:rPr>
-              <a:t>都度</a:t>
-            </a:r>
-            <a:r>
-              <a:rPr lang="en-US" altLang="ja-JP" dirty="0" smtClean="0">
-                <a:latin typeface="Meiryo UI" panose="020B0604030504040204" pitchFamily="50" charset="-128"/>
-                <a:ea typeface="Meiryo UI" panose="020B0604030504040204" pitchFamily="50" charset="-128"/>
-              </a:rPr>
-              <a:t>UID</a:t>
-            </a:r>
-            <a:r>
-              <a:rPr lang="ja-JP" altLang="en-US" dirty="0" smtClean="0">
-                <a:latin typeface="Meiryo UI" panose="020B0604030504040204" pitchFamily="50" charset="-128"/>
-                <a:ea typeface="Meiryo UI" panose="020B0604030504040204" pitchFamily="50" charset="-128"/>
-              </a:rPr>
-              <a:t>を採番</a:t>
-            </a:r>
-            <a:endParaRPr lang="en-US" altLang="ja-JP" dirty="0" smtClean="0">
-              <a:latin typeface="Meiryo UI" panose="020B0604030504040204" pitchFamily="50" charset="-128"/>
-              <a:ea typeface="Meiryo UI" panose="020B0604030504040204" pitchFamily="50" charset="-128"/>
-            </a:endParaRPr>
-          </a:p>
-          <a:p>
-            <a:endParaRPr lang="en-US" altLang="ja-JP" dirty="0" smtClean="0">
+            <a:endParaRPr lang="en-US" altLang="ja-JP" dirty="0">
               <a:latin typeface="Meiryo UI" panose="020B0604030504040204" pitchFamily="50" charset="-128"/>
               <a:ea typeface="Meiryo UI" panose="020B0604030504040204" pitchFamily="50" charset="-128"/>
             </a:endParaRPr>
@@ -28157,30 +27816,26 @@
           <a:lstStyle/>
           <a:p>
             <a:r>
-              <a:rPr lang="ja-JP" altLang="en-US" sz="1800" b="1" dirty="0" smtClean="0">
+              <a:rPr lang="ja-JP" altLang="en-US" sz="1800" b="1" dirty="0">
                 <a:latin typeface="Meiryo UI" panose="020B0604030504040204" pitchFamily="50" charset="-128"/>
                 <a:ea typeface="Meiryo UI" panose="020B0604030504040204" pitchFamily="50" charset="-128"/>
               </a:rPr>
               <a:t>医療機関ごとの</a:t>
             </a:r>
             <a:r>
-              <a:rPr lang="en-US" altLang="ja-JP" sz="1800" b="1" dirty="0" smtClean="0">
+              <a:rPr lang="en-US" altLang="ja-JP" sz="1800" b="1" dirty="0">
                 <a:latin typeface="Meiryo UI" panose="020B0604030504040204" pitchFamily="50" charset="-128"/>
                 <a:ea typeface="Meiryo UI" panose="020B0604030504040204" pitchFamily="50" charset="-128"/>
               </a:rPr>
               <a:t>UID</a:t>
             </a:r>
             <a:r>
-              <a:rPr lang="ja-JP" altLang="en-US" sz="1800" b="1" dirty="0" smtClean="0">
+              <a:rPr lang="ja-JP" altLang="en-US" sz="1800" b="1" dirty="0">
                 <a:latin typeface="Meiryo UI" panose="020B0604030504040204" pitchFamily="50" charset="-128"/>
                 <a:ea typeface="Meiryo UI" panose="020B0604030504040204" pitchFamily="50" charset="-128"/>
               </a:rPr>
               <a:t>の採番パターン</a:t>
             </a:r>
-            <a:endParaRPr lang="ja-JP" altLang="en-US" sz="1800" b="1" dirty="0">
-              <a:latin typeface="Meiryo UI" panose="020B0604030504040204" pitchFamily="50" charset="-128"/>
-              <a:ea typeface="Meiryo UI" panose="020B0604030504040204" pitchFamily="50" charset="-128"/>
-            </a:endParaRPr>
           </a:p>
         </p:txBody>
       </p:sp>
@@ -28228,7 +27883,7 @@
           <a:lstStyle/>
           <a:p>
             <a:r>
-              <a:rPr lang="ja-JP" altLang="en-US" sz="1400" u="sng" dirty="0" smtClean="0">
+              <a:rPr lang="ja-JP" altLang="en-US" sz="1400" u="sng" dirty="0">
                 <a:solidFill>
                   <a:schemeClr val="tx1"/>
                 </a:solidFill>
@@ -28238,7 +27893,7 @@
               <a:t>パターン②患者</a:t>
             </a:r>
             <a:r>
-              <a:rPr lang="en-US" altLang="ja-JP" sz="1400" u="sng" dirty="0" smtClean="0">
+              <a:rPr lang="en-US" altLang="ja-JP" sz="1400" u="sng" dirty="0">
                 <a:solidFill>
                   <a:schemeClr val="tx1"/>
                 </a:solidFill>
@@ -28248,7 +27903,7 @@
               <a:t>+</a:t>
             </a:r>
             <a:r>
-              <a:rPr lang="ja-JP" altLang="en-US" sz="1400" u="sng" dirty="0" smtClean="0">
+              <a:rPr lang="ja-JP" altLang="en-US" sz="1400" u="sng" dirty="0">
                 <a:solidFill>
                   <a:schemeClr val="tx1"/>
                 </a:solidFill>
@@ -28258,7 +27913,7 @@
               <a:t>病名ごとに</a:t>
             </a:r>
             <a:r>
-              <a:rPr lang="en-US" altLang="ja-JP" sz="1400" u="sng" dirty="0" smtClean="0">
+              <a:rPr lang="en-US" altLang="ja-JP" sz="1400" u="sng" dirty="0">
                 <a:solidFill>
                   <a:schemeClr val="tx1"/>
                 </a:solidFill>
@@ -28268,7 +27923,7 @@
               <a:t>UID</a:t>
             </a:r>
             <a:r>
-              <a:rPr lang="ja-JP" altLang="en-US" sz="1400" u="sng" dirty="0" smtClean="0">
+              <a:rPr lang="ja-JP" altLang="en-US" sz="1400" u="sng" dirty="0">
                 <a:solidFill>
                   <a:schemeClr val="tx1"/>
                 </a:solidFill>
@@ -28284,63 +27939,6 @@
               <a:latin typeface="Meiryo UI" panose="020B0604030504040204" pitchFamily="50" charset="-128"/>
               <a:ea typeface="Meiryo UI" panose="020B0604030504040204" pitchFamily="50" charset="-128"/>
             </a:endParaRPr>
-          </a:p>
-        </p:txBody>
-      </p:sp>
-      <p:sp>
-        <p:nvSpPr>
-          <p:cNvPr id="17" name="角丸四角形 16"/>
-          <p:cNvSpPr/>
-          <p:nvPr/>
-        </p:nvSpPr>
-        <p:spPr>
-          <a:xfrm>
-            <a:off x="757524" y="3077280"/>
-            <a:ext cx="6867219" cy="326039"/>
-          </a:xfrm>
-          <a:prstGeom prst="roundRect">
-            <a:avLst/>
-          </a:prstGeom>
-          <a:solidFill>
-            <a:schemeClr val="bg1">
-              <a:lumMod val="65000"/>
-              <a:alpha val="40000"/>
-            </a:schemeClr>
-          </a:solidFill>
-          <a:ln>
-            <a:solidFill>
-              <a:schemeClr val="accent1">
-                <a:lumMod val="75000"/>
-              </a:schemeClr>
-            </a:solidFill>
-          </a:ln>
-          <a:effectLst/>
-        </p:spPr>
-        <p:style>
-          <a:lnRef idx="1">
-            <a:schemeClr val="accent1"/>
-          </a:lnRef>
-          <a:fillRef idx="3">
-            <a:schemeClr val="accent1"/>
-          </a:fillRef>
-          <a:effectRef idx="2">
-            <a:schemeClr val="accent1"/>
-          </a:effectRef>
-          <a:fontRef idx="minor">
-            <a:schemeClr val="lt1"/>
-          </a:fontRef>
-        </p:style>
-        <p:txBody>
-          <a:bodyPr rot="0" spcFirstLastPara="0" vertOverflow="overflow" horzOverflow="overflow" vert="horz" wrap="square" lIns="91440" tIns="45720" rIns="91440" bIns="45720" numCol="1" spcCol="0" rtlCol="0" fromWordArt="0" anchor="ctr" anchorCtr="0" forceAA="0" compatLnSpc="1">
-            <a:prstTxWarp prst="textNoShape">
-              <a:avLst/>
-            </a:prstTxWarp>
-            <a:noAutofit/>
-          </a:bodyPr>
-          <a:lstStyle/>
-          <a:p>
-            <a:pPr algn="ctr"/>
-            <a:endParaRPr kumimoji="1" lang="ja-JP" altLang="en-US" dirty="0"/>
           </a:p>
         </p:txBody>
       </p:sp>
@@ -28402,7 +28000,7 @@
           <p:nvPr>
             <p:extLst>
               <p:ext uri="{D42A27DB-BD31-4B8C-83A1-F6EECF244321}">
-                <p14:modId xmlns:p14="http://schemas.microsoft.com/office/powerpoint/2010/main" val="1304109995"/>
+                <p14:modId xmlns:p14="http://schemas.microsoft.com/office/powerpoint/2010/main" val="3402663340"/>
               </p:ext>
             </p:extLst>
           </p:nvPr>
@@ -28475,11 +28073,34 @@
                     <a:lstStyle/>
                     <a:p>
                       <a:r>
-                        <a:rPr kumimoji="1" lang="ja-JP" altLang="en-US" sz="1200" dirty="0" smtClean="0">
+                        <a:rPr kumimoji="1" lang="ja-JP" altLang="en-US" sz="1200" dirty="0">
                           <a:latin typeface="Meiryo UI" panose="020B0604030504040204" pitchFamily="50" charset="-128"/>
                           <a:ea typeface="Meiryo UI" panose="020B0604030504040204" pitchFamily="50" charset="-128"/>
                         </a:rPr>
                         <a:t>取込年月</a:t>
+                      </a:r>
+                    </a:p>
+                  </a:txBody>
+                  <a:tcPr/>
+                </a:tc>
+                <a:tc>
+                  <a:txBody>
+                    <a:bodyPr/>
+                    <a:lstStyle/>
+                    <a:p>
+                      <a:r>
+                        <a:rPr kumimoji="1" lang="ja-JP" altLang="en-US" sz="1200" dirty="0">
+                          <a:latin typeface="Meiryo UI" panose="020B0604030504040204" pitchFamily="50" charset="-128"/>
+                          <a:ea typeface="Meiryo UI" panose="020B0604030504040204" pitchFamily="50" charset="-128"/>
+                        </a:rPr>
+                        <a:t>患者</a:t>
+                      </a:r>
+                      <a:r>
+                        <a:rPr kumimoji="1" lang="en-US" altLang="ja-JP" sz="1200" dirty="0">
+                          <a:latin typeface="Meiryo UI" panose="020B0604030504040204" pitchFamily="50" charset="-128"/>
+                          <a:ea typeface="Meiryo UI" panose="020B0604030504040204" pitchFamily="50" charset="-128"/>
+                        </a:rPr>
+                        <a:t>ID</a:t>
                       </a:r>
                       <a:endParaRPr kumimoji="1" lang="ja-JP" altLang="en-US" sz="1200" dirty="0">
                         <a:latin typeface="Meiryo UI" panose="020B0604030504040204" pitchFamily="50" charset="-128"/>
@@ -28495,14 +28116,14 @@
                     <a:lstStyle/>
                     <a:p>
                       <a:r>
-                        <a:rPr kumimoji="1" lang="ja-JP" altLang="en-US" sz="1200" dirty="0" smtClean="0">
+                        <a:rPr kumimoji="1" lang="ja-JP" altLang="en-US" sz="1200" dirty="0">
                           <a:latin typeface="Meiryo UI" panose="020B0604030504040204" pitchFamily="50" charset="-128"/>
                           <a:ea typeface="Meiryo UI" panose="020B0604030504040204" pitchFamily="50" charset="-128"/>
                         </a:rPr>
-                        <a:t>患者</a:t>
-                      </a:r>
-                      <a:r>
-                        <a:rPr kumimoji="1" lang="en-US" altLang="ja-JP" sz="1200" dirty="0" smtClean="0">
+                        <a:t>文書ユニーク</a:t>
+                      </a:r>
+                      <a:r>
+                        <a:rPr kumimoji="1" lang="en-US" altLang="ja-JP" sz="1200" dirty="0">
                           <a:latin typeface="Meiryo UI" panose="020B0604030504040204" pitchFamily="50" charset="-128"/>
                           <a:ea typeface="Meiryo UI" panose="020B0604030504040204" pitchFamily="50" charset="-128"/>
                         </a:rPr>
@@ -28522,23 +28143,28 @@
                     <a:lstStyle/>
                     <a:p>
                       <a:r>
-                        <a:rPr kumimoji="1" lang="ja-JP" altLang="en-US" sz="1200" dirty="0" smtClean="0">
+                        <a:rPr kumimoji="1" lang="ja-JP" altLang="en-US" sz="1200" dirty="0">
                           <a:latin typeface="Meiryo UI" panose="020B0604030504040204" pitchFamily="50" charset="-128"/>
                           <a:ea typeface="Meiryo UI" panose="020B0604030504040204" pitchFamily="50" charset="-128"/>
                         </a:rPr>
-                        <a:t>文書ユニーク</a:t>
-                      </a:r>
-                      <a:r>
-                        <a:rPr kumimoji="1" lang="en-US" altLang="ja-JP" sz="1200" dirty="0" smtClean="0">
+                        <a:t>診療年月日</a:t>
+                      </a:r>
+                    </a:p>
+                  </a:txBody>
+                  <a:tcPr/>
+                </a:tc>
+                <a:tc>
+                  <a:txBody>
+                    <a:bodyPr/>
+                    <a:lstStyle/>
+                    <a:p>
+                      <a:r>
+                        <a:rPr kumimoji="1" lang="ja-JP" altLang="en-US" sz="1200" dirty="0">
                           <a:latin typeface="Meiryo UI" panose="020B0604030504040204" pitchFamily="50" charset="-128"/>
                           <a:ea typeface="Meiryo UI" panose="020B0604030504040204" pitchFamily="50" charset="-128"/>
                         </a:rPr>
-                        <a:t>ID</a:t>
-                      </a:r>
-                      <a:endParaRPr kumimoji="1" lang="ja-JP" altLang="en-US" sz="1200" dirty="0">
-                        <a:latin typeface="Meiryo UI" panose="020B0604030504040204" pitchFamily="50" charset="-128"/>
-                        <a:ea typeface="Meiryo UI" panose="020B0604030504040204" pitchFamily="50" charset="-128"/>
-                      </a:endParaRPr>
+                        <a:t>疾患開始日</a:t>
+                      </a:r>
                     </a:p>
                   </a:txBody>
                   <a:tcPr/>
@@ -28549,16 +28175,12 @@
                     <a:lstStyle/>
                     <a:p>
                       <a:r>
-                        <a:rPr kumimoji="1" lang="ja-JP" altLang="en-US" sz="1200" dirty="0" smtClean="0">
+                        <a:rPr kumimoji="1" lang="ja-JP" altLang="en-US" sz="1200" dirty="0">
                           <a:latin typeface="Meiryo UI" panose="020B0604030504040204" pitchFamily="50" charset="-128"/>
                           <a:ea typeface="Meiryo UI" panose="020B0604030504040204" pitchFamily="50" charset="-128"/>
                         </a:rPr>
-                        <a:t>診療年月日</a:t>
-                      </a:r>
-                      <a:endParaRPr kumimoji="1" lang="ja-JP" altLang="en-US" sz="1200" dirty="0">
-                        <a:latin typeface="Meiryo UI" panose="020B0604030504040204" pitchFamily="50" charset="-128"/>
-                        <a:ea typeface="Meiryo UI" panose="020B0604030504040204" pitchFamily="50" charset="-128"/>
-                      </a:endParaRPr>
+                        <a:t>病名</a:t>
+                      </a:r>
                     </a:p>
                   </a:txBody>
                   <a:tcPr/>
@@ -28569,56 +28191,12 @@
                     <a:lstStyle/>
                     <a:p>
                       <a:r>
-                        <a:rPr kumimoji="1" lang="ja-JP" altLang="en-US" sz="1200" dirty="0" smtClean="0">
+                        <a:rPr kumimoji="1" lang="ja-JP" altLang="en-US" sz="1200" dirty="0">
                           <a:latin typeface="Meiryo UI" panose="020B0604030504040204" pitchFamily="50" charset="-128"/>
                           <a:ea typeface="Meiryo UI" panose="020B0604030504040204" pitchFamily="50" charset="-128"/>
                         </a:rPr>
-                        <a:t>疾患開始日</a:t>
-                      </a:r>
-                      <a:endParaRPr kumimoji="1" lang="ja-JP" altLang="en-US" sz="1200" dirty="0">
-                        <a:latin typeface="Meiryo UI" panose="020B0604030504040204" pitchFamily="50" charset="-128"/>
-                        <a:ea typeface="Meiryo UI" panose="020B0604030504040204" pitchFamily="50" charset="-128"/>
-                      </a:endParaRPr>
-                    </a:p>
-                  </a:txBody>
-                  <a:tcPr/>
-                </a:tc>
-                <a:tc>
-                  <a:txBody>
-                    <a:bodyPr/>
-                    <a:lstStyle/>
-                    <a:p>
-                      <a:r>
-                        <a:rPr kumimoji="1" lang="ja-JP" altLang="en-US" sz="1200" dirty="0" smtClean="0">
-                          <a:latin typeface="Meiryo UI" panose="020B0604030504040204" pitchFamily="50" charset="-128"/>
-                          <a:ea typeface="Meiryo UI" panose="020B0604030504040204" pitchFamily="50" charset="-128"/>
-                        </a:rPr>
-                        <a:t>病名</a:t>
-                      </a:r>
-                      <a:endParaRPr kumimoji="1" lang="ja-JP" altLang="en-US" sz="1200" dirty="0">
-                        <a:latin typeface="Meiryo UI" panose="020B0604030504040204" pitchFamily="50" charset="-128"/>
-                        <a:ea typeface="Meiryo UI" panose="020B0604030504040204" pitchFamily="50" charset="-128"/>
-                      </a:endParaRPr>
-                    </a:p>
-                  </a:txBody>
-                  <a:tcPr/>
-                </a:tc>
-                <a:tc>
-                  <a:txBody>
-                    <a:bodyPr/>
-                    <a:lstStyle/>
-                    <a:p>
-                      <a:r>
-                        <a:rPr kumimoji="1" lang="ja-JP" altLang="en-US" sz="1200" dirty="0" smtClean="0">
-                          <a:latin typeface="Meiryo UI" panose="020B0604030504040204" pitchFamily="50" charset="-128"/>
-                          <a:ea typeface="Meiryo UI" panose="020B0604030504040204" pitchFamily="50" charset="-128"/>
-                        </a:rPr>
                         <a:t>行番号</a:t>
                       </a:r>
-                      <a:endParaRPr kumimoji="1" lang="ja-JP" altLang="en-US" sz="1200" dirty="0">
-                        <a:latin typeface="Meiryo UI" panose="020B0604030504040204" pitchFamily="50" charset="-128"/>
-                        <a:ea typeface="Meiryo UI" panose="020B0604030504040204" pitchFamily="50" charset="-128"/>
-                      </a:endParaRPr>
                     </a:p>
                   </a:txBody>
                   <a:tcPr/>
@@ -28636,7 +28214,7 @@
                     <a:lstStyle/>
                     <a:p>
                       <a:r>
-                        <a:rPr kumimoji="1" lang="en-US" altLang="ja-JP" sz="1200" dirty="0" smtClean="0">
+                        <a:rPr kumimoji="1" lang="en-US" altLang="ja-JP" sz="1200" dirty="0">
                           <a:latin typeface="Meiryo UI" panose="020B0604030504040204" pitchFamily="50" charset="-128"/>
                           <a:ea typeface="Meiryo UI" panose="020B0604030504040204" pitchFamily="50" charset="-128"/>
                         </a:rPr>
@@ -28656,7 +28234,7 @@
                     <a:lstStyle/>
                     <a:p>
                       <a:r>
-                        <a:rPr kumimoji="1" lang="en-US" altLang="ja-JP" sz="1200" dirty="0" smtClean="0">
+                        <a:rPr kumimoji="1" lang="en-US" altLang="ja-JP" sz="1200" dirty="0">
                           <a:latin typeface="Meiryo UI" panose="020B0604030504040204" pitchFamily="50" charset="-128"/>
                           <a:ea typeface="Meiryo UI" panose="020B0604030504040204" pitchFamily="50" charset="-128"/>
                         </a:rPr>
@@ -28676,7 +28254,7 @@
                     <a:lstStyle/>
                     <a:p>
                       <a:r>
-                        <a:rPr kumimoji="1" lang="en-US" altLang="ja-JP" sz="1200" dirty="0" smtClean="0">
+                        <a:rPr kumimoji="1" lang="en-US" altLang="ja-JP" sz="1200" dirty="0">
                           <a:latin typeface="Meiryo UI" panose="020B0604030504040204" pitchFamily="50" charset="-128"/>
                           <a:ea typeface="Meiryo UI" panose="020B0604030504040204" pitchFamily="50" charset="-128"/>
                         </a:rPr>
@@ -28696,7 +28274,7 @@
                     <a:lstStyle/>
                     <a:p>
                       <a:r>
-                        <a:rPr kumimoji="1" lang="en-US" altLang="ja-JP" sz="1200" dirty="0" smtClean="0">
+                        <a:rPr kumimoji="1" lang="en-US" altLang="ja-JP" sz="1200" dirty="0">
                           <a:latin typeface="Meiryo UI" panose="020B0604030504040204" pitchFamily="50" charset="-128"/>
                           <a:ea typeface="Meiryo UI" panose="020B0604030504040204" pitchFamily="50" charset="-128"/>
                         </a:rPr>
@@ -28716,7 +28294,7 @@
                     <a:lstStyle/>
                     <a:p>
                       <a:r>
-                        <a:rPr kumimoji="1" lang="en-US" altLang="ja-JP" sz="1200" dirty="0" smtClean="0">
+                        <a:rPr kumimoji="1" lang="en-US" altLang="ja-JP" sz="1200" dirty="0">
                           <a:latin typeface="Meiryo UI" panose="020B0604030504040204" pitchFamily="50" charset="-128"/>
                           <a:ea typeface="Meiryo UI" panose="020B0604030504040204" pitchFamily="50" charset="-128"/>
                         </a:rPr>
@@ -28753,7 +28331,7 @@
                         <a:defRPr/>
                       </a:pPr>
                       <a:r>
-                        <a:rPr kumimoji="1" lang="ja-JP" altLang="en-US" sz="1200" dirty="0" smtClean="0">
+                        <a:rPr kumimoji="1" lang="ja-JP" altLang="en-US" sz="1200" dirty="0">
                           <a:latin typeface="Meiryo UI" panose="020B0604030504040204" pitchFamily="50" charset="-128"/>
                           <a:ea typeface="Meiryo UI" panose="020B0604030504040204" pitchFamily="50" charset="-128"/>
                         </a:rPr>
@@ -28786,13 +28364,13 @@
                         <a:defRPr/>
                       </a:pPr>
                       <a:r>
-                        <a:rPr kumimoji="1" lang="en-US" altLang="ja-JP" sz="1200" dirty="0" smtClean="0">
+                        <a:rPr kumimoji="1" lang="en-US" altLang="ja-JP" sz="1200" dirty="0">
                           <a:latin typeface="Meiryo UI" panose="020B0604030504040204" pitchFamily="50" charset="-128"/>
                           <a:ea typeface="Meiryo UI" panose="020B0604030504040204" pitchFamily="50" charset="-128"/>
                         </a:rPr>
                         <a:t>1</a:t>
                       </a:r>
-                      <a:endParaRPr kumimoji="1" lang="ja-JP" altLang="en-US" sz="1200" dirty="0" smtClean="0">
+                      <a:endParaRPr kumimoji="1" lang="ja-JP" altLang="en-US" sz="1200" dirty="0">
                         <a:latin typeface="Meiryo UI" panose="020B0604030504040204" pitchFamily="50" charset="-128"/>
                         <a:ea typeface="Meiryo UI" panose="020B0604030504040204" pitchFamily="50" charset="-128"/>
                       </a:endParaRPr>
@@ -28813,11 +28391,11 @@
                     <a:lstStyle/>
                     <a:p>
                       <a:r>
-                        <a:rPr kumimoji="1" lang="en-US" altLang="ja-JP" sz="1200" dirty="0" smtClean="0">
+                        <a:rPr kumimoji="1" lang="en-US" altLang="ja-JP" sz="1200" dirty="0">
                           <a:latin typeface="Meiryo UI" panose="020B0604030504040204" pitchFamily="50" charset="-128"/>
                           <a:ea typeface="Meiryo UI" panose="020B0604030504040204" pitchFamily="50" charset="-128"/>
                         </a:rPr>
-                        <a:t>2020/10</a:t>
+                        <a:t>2020/09</a:t>
                       </a:r>
                       <a:endParaRPr kumimoji="1" lang="ja-JP" altLang="en-US" sz="1200" dirty="0">
                         <a:latin typeface="Meiryo UI" panose="020B0604030504040204" pitchFamily="50" charset="-128"/>
@@ -28833,7 +28411,7 @@
                     <a:lstStyle/>
                     <a:p>
                       <a:r>
-                        <a:rPr kumimoji="1" lang="en-US" altLang="ja-JP" sz="1200" dirty="0" smtClean="0">
+                        <a:rPr kumimoji="1" lang="en-US" altLang="ja-JP" sz="1200" dirty="0">
                           <a:latin typeface="Meiryo UI" panose="020B0604030504040204" pitchFamily="50" charset="-128"/>
                           <a:ea typeface="Meiryo UI" panose="020B0604030504040204" pitchFamily="50" charset="-128"/>
                         </a:rPr>
@@ -28853,7 +28431,7 @@
                     <a:lstStyle/>
                     <a:p>
                       <a:r>
-                        <a:rPr kumimoji="1" lang="en-US" altLang="ja-JP" sz="1200" b="1" dirty="0" smtClean="0">
+                        <a:rPr kumimoji="1" lang="en-US" altLang="ja-JP" sz="1200" b="1" dirty="0">
                           <a:solidFill>
                             <a:srgbClr val="FF0000"/>
                           </a:solidFill>
@@ -28879,11 +28457,11 @@
                     <a:lstStyle/>
                     <a:p>
                       <a:r>
-                        <a:rPr kumimoji="1" lang="en-US" altLang="ja-JP" sz="1200" dirty="0" smtClean="0">
+                        <a:rPr kumimoji="1" lang="en-US" altLang="ja-JP" sz="1200" dirty="0">
                           <a:latin typeface="Meiryo UI" panose="020B0604030504040204" pitchFamily="50" charset="-128"/>
                           <a:ea typeface="Meiryo UI" panose="020B0604030504040204" pitchFamily="50" charset="-128"/>
                         </a:rPr>
-                        <a:t>2020/9/1</a:t>
+                        <a:t>2020/8/24</a:t>
                       </a:r>
                       <a:endParaRPr kumimoji="1" lang="ja-JP" altLang="en-US" sz="1200" dirty="0">
                         <a:latin typeface="Meiryo UI" panose="020B0604030504040204" pitchFamily="50" charset="-128"/>
@@ -28899,11 +28477,11 @@
                     <a:lstStyle/>
                     <a:p>
                       <a:r>
-                        <a:rPr kumimoji="1" lang="en-US" altLang="ja-JP" sz="1200" dirty="0" smtClean="0">
+                        <a:rPr kumimoji="1" lang="en-US" altLang="ja-JP" sz="1200" dirty="0">
                           <a:latin typeface="Meiryo UI" panose="020B0604030504040204" pitchFamily="50" charset="-128"/>
                           <a:ea typeface="Meiryo UI" panose="020B0604030504040204" pitchFamily="50" charset="-128"/>
                         </a:rPr>
-                        <a:t>2019/5/1</a:t>
+                        <a:t>2020/8/24</a:t>
                       </a:r>
                       <a:endParaRPr kumimoji="1" lang="ja-JP" altLang="en-US" sz="1200" dirty="0">
                         <a:latin typeface="Meiryo UI" panose="020B0604030504040204" pitchFamily="50" charset="-128"/>
@@ -28918,17 +28496,30 @@
                     <a:bodyPr/>
                     <a:lstStyle/>
                     <a:p>
-                      <a:r>
-                        <a:rPr kumimoji="1" lang="ja-JP" altLang="en-US" sz="1200" dirty="0" smtClean="0">
+                      <a:pPr marL="0" marR="0" lvl="0" indent="0" algn="l" defTabSz="484862" rtl="0" eaLnBrk="1" fontAlgn="auto" latinLnBrk="0" hangingPunct="1">
+                        <a:lnSpc>
+                          <a:spcPct val="100000"/>
+                        </a:lnSpc>
+                        <a:spcBef>
+                          <a:spcPts val="0"/>
+                        </a:spcBef>
+                        <a:spcAft>
+                          <a:spcPts val="0"/>
+                        </a:spcAft>
+                        <a:buClrTx/>
+                        <a:buSzTx/>
+                        <a:buFontTx/>
+                        <a:buNone/>
+                        <a:tabLst/>
+                        <a:defRPr/>
+                      </a:pPr>
+                      <a:r>
+                        <a:rPr kumimoji="1" lang="ja-JP" altLang="en-US" sz="1200" dirty="0">
                           <a:latin typeface="Meiryo UI" panose="020B0604030504040204" pitchFamily="50" charset="-128"/>
                           <a:ea typeface="Meiryo UI" panose="020B0604030504040204" pitchFamily="50" charset="-128"/>
                         </a:rPr>
-                        <a:t>乳癌</a:t>
-                      </a:r>
-                      <a:endParaRPr kumimoji="1" lang="ja-JP" altLang="en-US" sz="1200" dirty="0">
-                        <a:latin typeface="Meiryo UI" panose="020B0604030504040204" pitchFamily="50" charset="-128"/>
-                        <a:ea typeface="Meiryo UI" panose="020B0604030504040204" pitchFamily="50" charset="-128"/>
-                      </a:endParaRPr>
+                        <a:t>リンパ浮腫</a:t>
+                      </a:r>
                     </a:p>
                   </a:txBody>
                   <a:tcPr/>
@@ -28938,12 +28529,29 @@
                     <a:bodyPr/>
                     <a:lstStyle/>
                     <a:p>
-                      <a:r>
-                        <a:rPr kumimoji="1" lang="en-US" altLang="ja-JP" sz="1200" dirty="0" smtClean="0">
+                      <a:pPr marL="0" marR="0" lvl="0" indent="0" algn="l" defTabSz="484862" rtl="0" eaLnBrk="1" fontAlgn="auto" latinLnBrk="0" hangingPunct="1">
+                        <a:lnSpc>
+                          <a:spcPct val="100000"/>
+                        </a:lnSpc>
+                        <a:spcBef>
+                          <a:spcPts val="0"/>
+                        </a:spcBef>
+                        <a:spcAft>
+                          <a:spcPts val="0"/>
+                        </a:spcAft>
+                        <a:buClrTx/>
+                        <a:buSzTx/>
+                        <a:buFontTx/>
+                        <a:buNone/>
+                        <a:tabLst/>
+                        <a:defRPr/>
+                      </a:pPr>
+                      <a:r>
+                        <a:rPr kumimoji="1" lang="en-US" altLang="ja-JP" sz="1200" dirty="0">
                           <a:latin typeface="Meiryo UI" panose="020B0604030504040204" pitchFamily="50" charset="-128"/>
                           <a:ea typeface="Meiryo UI" panose="020B0604030504040204" pitchFamily="50" charset="-128"/>
                         </a:rPr>
-                        <a:t>1</a:t>
+                        <a:t>2</a:t>
                       </a:r>
                       <a:endParaRPr kumimoji="1" lang="ja-JP" altLang="en-US" sz="1200" dirty="0">
                         <a:latin typeface="Meiryo UI" panose="020B0604030504040204" pitchFamily="50" charset="-128"/>
@@ -28966,7 +28574,7 @@
                     <a:lstStyle/>
                     <a:p>
                       <a:r>
-                        <a:rPr kumimoji="1" lang="en-US" altLang="ja-JP" sz="1200" dirty="0" smtClean="0">
+                        <a:rPr kumimoji="1" lang="en-US" altLang="ja-JP" sz="1200" dirty="0">
                           <a:latin typeface="Meiryo UI" panose="020B0604030504040204" pitchFamily="50" charset="-128"/>
                           <a:ea typeface="Meiryo UI" panose="020B0604030504040204" pitchFamily="50" charset="-128"/>
                         </a:rPr>
@@ -28986,7 +28594,7 @@
                     <a:lstStyle/>
                     <a:p>
                       <a:r>
-                        <a:rPr kumimoji="1" lang="en-US" altLang="ja-JP" sz="1200" dirty="0" smtClean="0">
+                        <a:rPr kumimoji="1" lang="en-US" altLang="ja-JP" sz="1200" dirty="0">
                           <a:latin typeface="Meiryo UI" panose="020B0604030504040204" pitchFamily="50" charset="-128"/>
                           <a:ea typeface="Meiryo UI" panose="020B0604030504040204" pitchFamily="50" charset="-128"/>
                         </a:rPr>
@@ -29006,7 +28614,7 @@
                     <a:lstStyle/>
                     <a:p>
                       <a:r>
-                        <a:rPr kumimoji="1" lang="en-US" altLang="ja-JP" sz="1200" b="1" dirty="0" smtClean="0">
+                        <a:rPr kumimoji="1" lang="en-US" altLang="ja-JP" sz="1200" b="1" dirty="0">
                           <a:solidFill>
                             <a:srgbClr val="FF0000"/>
                           </a:solidFill>
@@ -29032,7 +28640,7 @@
                     <a:lstStyle/>
                     <a:p>
                       <a:r>
-                        <a:rPr kumimoji="1" lang="en-US" altLang="ja-JP" sz="1200" dirty="0" smtClean="0">
+                        <a:rPr kumimoji="1" lang="en-US" altLang="ja-JP" sz="1200" dirty="0">
                           <a:latin typeface="Meiryo UI" panose="020B0604030504040204" pitchFamily="50" charset="-128"/>
                           <a:ea typeface="Meiryo UI" panose="020B0604030504040204" pitchFamily="50" charset="-128"/>
                         </a:rPr>
@@ -29052,7 +28660,7 @@
                     <a:lstStyle/>
                     <a:p>
                       <a:r>
-                        <a:rPr kumimoji="1" lang="en-US" altLang="ja-JP" sz="1200" dirty="0" smtClean="0">
+                        <a:rPr kumimoji="1" lang="en-US" altLang="ja-JP" sz="1200" dirty="0">
                           <a:latin typeface="Meiryo UI" panose="020B0604030504040204" pitchFamily="50" charset="-128"/>
                           <a:ea typeface="Meiryo UI" panose="020B0604030504040204" pitchFamily="50" charset="-128"/>
                         </a:rPr>
@@ -29072,16 +28680,12 @@
                     <a:lstStyle/>
                     <a:p>
                       <a:r>
-                        <a:rPr kumimoji="1" lang="ja-JP" altLang="en-US" sz="1200" dirty="0" smtClean="0">
+                        <a:rPr kumimoji="1" lang="ja-JP" altLang="en-US" sz="1200" dirty="0">
                           <a:latin typeface="Meiryo UI" panose="020B0604030504040204" pitchFamily="50" charset="-128"/>
                           <a:ea typeface="Meiryo UI" panose="020B0604030504040204" pitchFamily="50" charset="-128"/>
                         </a:rPr>
-                        <a:t>リンパ浮腫</a:t>
-                      </a:r>
-                      <a:endParaRPr kumimoji="1" lang="ja-JP" altLang="en-US" sz="1200" dirty="0">
-                        <a:latin typeface="Meiryo UI" panose="020B0604030504040204" pitchFamily="50" charset="-128"/>
-                        <a:ea typeface="Meiryo UI" panose="020B0604030504040204" pitchFamily="50" charset="-128"/>
-                      </a:endParaRPr>
+                        <a:t>乳癌</a:t>
+                      </a:r>
                     </a:p>
                   </a:txBody>
                   <a:tcPr/>
@@ -29092,11 +28696,11 @@
                     <a:lstStyle/>
                     <a:p>
                       <a:r>
-                        <a:rPr kumimoji="1" lang="en-US" altLang="ja-JP" sz="1200" dirty="0" smtClean="0">
+                        <a:rPr kumimoji="1" lang="en-US" altLang="ja-JP" sz="1200" dirty="0">
                           <a:latin typeface="Meiryo UI" panose="020B0604030504040204" pitchFamily="50" charset="-128"/>
                           <a:ea typeface="Meiryo UI" panose="020B0604030504040204" pitchFamily="50" charset="-128"/>
                         </a:rPr>
-                        <a:t>2</a:t>
+                        <a:t>1</a:t>
                       </a:r>
                       <a:endParaRPr kumimoji="1" lang="ja-JP" altLang="en-US" sz="1200" dirty="0">
                         <a:latin typeface="Meiryo UI" panose="020B0604030504040204" pitchFamily="50" charset="-128"/>
@@ -29160,7 +28764,7 @@
           <a:lstStyle/>
           <a:p>
             <a:r>
-              <a:rPr lang="ja-JP" altLang="en-US" sz="1400" u="sng" dirty="0" smtClean="0">
+              <a:rPr lang="ja-JP" altLang="en-US" sz="1400" u="sng" dirty="0">
                 <a:solidFill>
                   <a:schemeClr val="tx1"/>
                 </a:solidFill>
@@ -29170,7 +28774,7 @@
               <a:t>パターン③患者</a:t>
             </a:r>
             <a:r>
-              <a:rPr lang="en-US" altLang="ja-JP" sz="1400" u="sng" dirty="0" smtClean="0">
+              <a:rPr lang="en-US" altLang="ja-JP" sz="1400" u="sng" dirty="0">
                 <a:solidFill>
                   <a:schemeClr val="tx1"/>
                 </a:solidFill>
@@ -29180,7 +28784,7 @@
               <a:t>+</a:t>
             </a:r>
             <a:r>
-              <a:rPr lang="ja-JP" altLang="en-US" sz="1400" u="sng" dirty="0" smtClean="0">
+              <a:rPr lang="ja-JP" altLang="en-US" sz="1400" u="sng" dirty="0">
                 <a:solidFill>
                   <a:schemeClr val="tx1"/>
                 </a:solidFill>
@@ -29190,7 +28794,7 @@
               <a:t>病名＋疾患開始日</a:t>
             </a:r>
             <a:r>
-              <a:rPr lang="en-US" altLang="ja-JP" sz="1400" u="sng" dirty="0" smtClean="0">
+              <a:rPr lang="en-US" altLang="ja-JP" sz="1400" u="sng" dirty="0">
                 <a:solidFill>
                   <a:schemeClr val="tx1"/>
                 </a:solidFill>
@@ -29200,7 +28804,7 @@
               <a:t>/</a:t>
             </a:r>
             <a:r>
-              <a:rPr lang="ja-JP" altLang="en-US" sz="1400" u="sng" dirty="0" smtClean="0">
+              <a:rPr lang="ja-JP" altLang="en-US" sz="1400" u="sng" dirty="0">
                 <a:solidFill>
                   <a:schemeClr val="tx1"/>
                 </a:solidFill>
@@ -29210,7 +28814,7 @@
               <a:t>終了日など変更があった際に都度</a:t>
             </a:r>
             <a:r>
-              <a:rPr lang="en-US" altLang="ja-JP" sz="1400" u="sng" dirty="0" smtClean="0">
+              <a:rPr lang="en-US" altLang="ja-JP" sz="1400" u="sng" dirty="0">
                 <a:solidFill>
                   <a:schemeClr val="tx1"/>
                 </a:solidFill>
@@ -29220,7 +28824,7 @@
               <a:t>UID</a:t>
             </a:r>
             <a:r>
-              <a:rPr lang="ja-JP" altLang="en-US" sz="1400" u="sng" dirty="0" smtClean="0">
+              <a:rPr lang="ja-JP" altLang="en-US" sz="1400" u="sng" dirty="0">
                 <a:solidFill>
                   <a:schemeClr val="tx1"/>
                 </a:solidFill>
@@ -29288,6 +28892,395 @@
           </a:p>
         </p:txBody>
       </p:sp>
+      <p:sp>
+        <p:nvSpPr>
+          <p:cNvPr id="14" name="線吹き出し 1 (枠付き) 26">
+            <a:extLst>
+              <a:ext uri="{FF2B5EF4-FFF2-40B4-BE49-F238E27FC236}">
+                <a16:creationId xmlns:a16="http://schemas.microsoft.com/office/drawing/2014/main" id="{B00D0904-8A80-4805-A64C-D5D4EE625317}"/>
+              </a:ext>
+            </a:extLst>
+          </p:cNvPr>
+          <p:cNvSpPr/>
+          <p:nvPr/>
+        </p:nvSpPr>
+        <p:spPr>
+          <a:xfrm>
+            <a:off x="7713094" y="3141719"/>
+            <a:ext cx="2084049" cy="1180539"/>
+          </a:xfrm>
+          <a:prstGeom prst="borderCallout1">
+            <a:avLst>
+              <a:gd name="adj1" fmla="val 47508"/>
+              <a:gd name="adj2" fmla="val -260"/>
+              <a:gd name="adj3" fmla="val 23773"/>
+              <a:gd name="adj4" fmla="val -20334"/>
+            </a:avLst>
+          </a:prstGeom>
+          <a:solidFill>
+            <a:schemeClr val="bg1"/>
+          </a:solidFill>
+          <a:ln w="19050">
+            <a:solidFill>
+              <a:srgbClr val="FF0000"/>
+            </a:solidFill>
+          </a:ln>
+          <a:effectLst/>
+        </p:spPr>
+        <p:style>
+          <a:lnRef idx="1">
+            <a:schemeClr val="accent1"/>
+          </a:lnRef>
+          <a:fillRef idx="3">
+            <a:schemeClr val="accent1"/>
+          </a:fillRef>
+          <a:effectRef idx="2">
+            <a:schemeClr val="accent1"/>
+          </a:effectRef>
+          <a:fontRef idx="minor">
+            <a:schemeClr val="lt1"/>
+          </a:fontRef>
+        </p:style>
+        <p:txBody>
+          <a:bodyPr rtlCol="0" anchor="ctr"/>
+          <a:lstStyle/>
+          <a:p>
+            <a:r>
+              <a:rPr kumimoji="1" lang="en-US" altLang="ja-JP" sz="1200" dirty="0">
+                <a:solidFill>
+                  <a:schemeClr val="tx1"/>
+                </a:solidFill>
+                <a:latin typeface="Meiryo UI" panose="020B0604030504040204" pitchFamily="50" charset="-128"/>
+                <a:ea typeface="Meiryo UI" panose="020B0604030504040204" pitchFamily="50" charset="-128"/>
+              </a:rPr>
+              <a:t>2020/09</a:t>
+            </a:r>
+            <a:r>
+              <a:rPr kumimoji="1" lang="ja-JP" altLang="en-US" sz="1200" dirty="0">
+                <a:solidFill>
+                  <a:schemeClr val="tx1"/>
+                </a:solidFill>
+                <a:latin typeface="Meiryo UI" panose="020B0604030504040204" pitchFamily="50" charset="-128"/>
+                <a:ea typeface="Meiryo UI" panose="020B0604030504040204" pitchFamily="50" charset="-128"/>
+              </a:rPr>
+              <a:t>の取込データは、</a:t>
+            </a:r>
+            <a:endParaRPr kumimoji="1" lang="en-US" altLang="ja-JP" sz="1200" dirty="0">
+              <a:solidFill>
+                <a:schemeClr val="tx1"/>
+              </a:solidFill>
+              <a:latin typeface="Meiryo UI" panose="020B0604030504040204" pitchFamily="50" charset="-128"/>
+              <a:ea typeface="Meiryo UI" panose="020B0604030504040204" pitchFamily="50" charset="-128"/>
+            </a:endParaRPr>
+          </a:p>
+          <a:p>
+            <a:r>
+              <a:rPr lang="en-US" altLang="ja-JP" sz="1200" dirty="0">
+                <a:solidFill>
+                  <a:schemeClr val="tx1"/>
+                </a:solidFill>
+                <a:latin typeface="Meiryo UI" panose="020B0604030504040204" pitchFamily="50" charset="-128"/>
+                <a:ea typeface="Meiryo UI" panose="020B0604030504040204" pitchFamily="50" charset="-128"/>
+              </a:rPr>
+              <a:t>2020/10</a:t>
+            </a:r>
+            <a:r>
+              <a:rPr lang="ja-JP" altLang="en-US" sz="1200" dirty="0">
+                <a:solidFill>
+                  <a:schemeClr val="tx1"/>
+                </a:solidFill>
+                <a:latin typeface="Meiryo UI" panose="020B0604030504040204" pitchFamily="50" charset="-128"/>
+                <a:ea typeface="Meiryo UI" panose="020B0604030504040204" pitchFamily="50" charset="-128"/>
+              </a:rPr>
+              <a:t>の取込データより</a:t>
+            </a:r>
+            <a:endParaRPr kumimoji="1" lang="en-US" altLang="ja-JP" sz="1200" dirty="0">
+              <a:solidFill>
+                <a:schemeClr val="tx1"/>
+              </a:solidFill>
+              <a:latin typeface="Meiryo UI" panose="020B0604030504040204" pitchFamily="50" charset="-128"/>
+              <a:ea typeface="Meiryo UI" panose="020B0604030504040204" pitchFamily="50" charset="-128"/>
+            </a:endParaRPr>
+          </a:p>
+          <a:p>
+            <a:r>
+              <a:rPr kumimoji="1" lang="ja-JP" altLang="en-US" sz="1200" dirty="0">
+                <a:solidFill>
+                  <a:schemeClr val="tx1"/>
+                </a:solidFill>
+                <a:latin typeface="Meiryo UI" panose="020B0604030504040204" pitchFamily="50" charset="-128"/>
+                <a:ea typeface="Meiryo UI" panose="020B0604030504040204" pitchFamily="50" charset="-128"/>
+              </a:rPr>
+              <a:t>診療年月日が古いためが、</a:t>
+            </a:r>
+            <a:endParaRPr kumimoji="1" lang="en-US" altLang="ja-JP" sz="1200" dirty="0">
+              <a:solidFill>
+                <a:schemeClr val="tx1"/>
+              </a:solidFill>
+              <a:latin typeface="Meiryo UI" panose="020B0604030504040204" pitchFamily="50" charset="-128"/>
+              <a:ea typeface="Meiryo UI" panose="020B0604030504040204" pitchFamily="50" charset="-128"/>
+            </a:endParaRPr>
+          </a:p>
+          <a:p>
+            <a:r>
+              <a:rPr lang="ja-JP" altLang="en-US" sz="1200" dirty="0">
+                <a:solidFill>
+                  <a:schemeClr val="tx1"/>
+                </a:solidFill>
+                <a:latin typeface="Meiryo UI" panose="020B0604030504040204" pitchFamily="50" charset="-128"/>
+                <a:ea typeface="Meiryo UI" panose="020B0604030504040204" pitchFamily="50" charset="-128"/>
+              </a:rPr>
+              <a:t>別</a:t>
+            </a:r>
+            <a:r>
+              <a:rPr lang="en-US" altLang="ja-JP" sz="1200" dirty="0">
+                <a:solidFill>
+                  <a:schemeClr val="tx1"/>
+                </a:solidFill>
+                <a:latin typeface="Meiryo UI" panose="020B0604030504040204" pitchFamily="50" charset="-128"/>
+                <a:ea typeface="Meiryo UI" panose="020B0604030504040204" pitchFamily="50" charset="-128"/>
+              </a:rPr>
+              <a:t>UID</a:t>
+            </a:r>
+            <a:r>
+              <a:rPr lang="ja-JP" altLang="en-US" sz="1200" dirty="0" err="1">
+                <a:solidFill>
+                  <a:schemeClr val="tx1"/>
+                </a:solidFill>
+                <a:latin typeface="Meiryo UI" panose="020B0604030504040204" pitchFamily="50" charset="-128"/>
+                <a:ea typeface="Meiryo UI" panose="020B0604030504040204" pitchFamily="50" charset="-128"/>
+              </a:rPr>
+              <a:t>が採</a:t>
+            </a:r>
+            <a:r>
+              <a:rPr lang="ja-JP" altLang="en-US" sz="1200" dirty="0">
+                <a:solidFill>
+                  <a:schemeClr val="tx1"/>
+                </a:solidFill>
+                <a:latin typeface="Meiryo UI" panose="020B0604030504040204" pitchFamily="50" charset="-128"/>
+                <a:ea typeface="Meiryo UI" panose="020B0604030504040204" pitchFamily="50" charset="-128"/>
+              </a:rPr>
+              <a:t>番されているため、</a:t>
+            </a:r>
+            <a:endParaRPr lang="en-US" altLang="ja-JP" sz="1200" dirty="0">
+              <a:solidFill>
+                <a:schemeClr val="tx1"/>
+              </a:solidFill>
+              <a:latin typeface="Meiryo UI" panose="020B0604030504040204" pitchFamily="50" charset="-128"/>
+              <a:ea typeface="Meiryo UI" panose="020B0604030504040204" pitchFamily="50" charset="-128"/>
+            </a:endParaRPr>
+          </a:p>
+          <a:p>
+            <a:r>
+              <a:rPr kumimoji="1" lang="ja-JP" altLang="en-US" sz="1200" dirty="0">
+                <a:solidFill>
+                  <a:schemeClr val="tx1"/>
+                </a:solidFill>
+                <a:latin typeface="Meiryo UI" panose="020B0604030504040204" pitchFamily="50" charset="-128"/>
+                <a:ea typeface="Meiryo UI" panose="020B0604030504040204" pitchFamily="50" charset="-128"/>
+              </a:rPr>
+              <a:t>削除</a:t>
+            </a:r>
+            <a:r>
+              <a:rPr lang="ja-JP" altLang="en-US" sz="1200" dirty="0">
+                <a:solidFill>
+                  <a:schemeClr val="tx1"/>
+                </a:solidFill>
+                <a:latin typeface="Meiryo UI" panose="020B0604030504040204" pitchFamily="50" charset="-128"/>
+                <a:ea typeface="Meiryo UI" panose="020B0604030504040204" pitchFamily="50" charset="-128"/>
+              </a:rPr>
+              <a:t>されない。</a:t>
+            </a:r>
+            <a:endParaRPr kumimoji="1" lang="ja-JP" altLang="en-US" sz="1200" dirty="0">
+              <a:solidFill>
+                <a:schemeClr val="tx1"/>
+              </a:solidFill>
+              <a:latin typeface="Meiryo UI" panose="020B0604030504040204" pitchFamily="50" charset="-128"/>
+              <a:ea typeface="Meiryo UI" panose="020B0604030504040204" pitchFamily="50" charset="-128"/>
+            </a:endParaRPr>
+          </a:p>
+        </p:txBody>
+      </p:sp>
+      <p:sp>
+        <p:nvSpPr>
+          <p:cNvPr id="15" name="線吹き出し 1 (枠付き) 26">
+            <a:extLst>
+              <a:ext uri="{FF2B5EF4-FFF2-40B4-BE49-F238E27FC236}">
+                <a16:creationId xmlns:a16="http://schemas.microsoft.com/office/drawing/2014/main" id="{F1582F29-EBA1-4191-B22F-68FEEE534C36}"/>
+              </a:ext>
+            </a:extLst>
+          </p:cNvPr>
+          <p:cNvSpPr/>
+          <p:nvPr/>
+        </p:nvSpPr>
+        <p:spPr>
+          <a:xfrm>
+            <a:off x="7719307" y="5056532"/>
+            <a:ext cx="2084049" cy="1180539"/>
+          </a:xfrm>
+          <a:prstGeom prst="borderCallout1">
+            <a:avLst>
+              <a:gd name="adj1" fmla="val 47508"/>
+              <a:gd name="adj2" fmla="val -260"/>
+              <a:gd name="adj3" fmla="val 23773"/>
+              <a:gd name="adj4" fmla="val -20334"/>
+            </a:avLst>
+          </a:prstGeom>
+          <a:solidFill>
+            <a:schemeClr val="bg1"/>
+          </a:solidFill>
+          <a:ln w="19050">
+            <a:solidFill>
+              <a:srgbClr val="FF0000"/>
+            </a:solidFill>
+          </a:ln>
+          <a:effectLst/>
+        </p:spPr>
+        <p:style>
+          <a:lnRef idx="1">
+            <a:schemeClr val="accent1"/>
+          </a:lnRef>
+          <a:fillRef idx="3">
+            <a:schemeClr val="accent1"/>
+          </a:fillRef>
+          <a:effectRef idx="2">
+            <a:schemeClr val="accent1"/>
+          </a:effectRef>
+          <a:fontRef idx="minor">
+            <a:schemeClr val="lt1"/>
+          </a:fontRef>
+        </p:style>
+        <p:txBody>
+          <a:bodyPr rtlCol="0" anchor="ctr"/>
+          <a:lstStyle/>
+          <a:p>
+            <a:r>
+              <a:rPr kumimoji="1" lang="ja-JP" altLang="en-US" sz="1200" dirty="0">
+                <a:solidFill>
+                  <a:schemeClr val="tx1"/>
+                </a:solidFill>
+                <a:latin typeface="Meiryo UI" panose="020B0604030504040204" pitchFamily="50" charset="-128"/>
+                <a:ea typeface="Meiryo UI" panose="020B0604030504040204" pitchFamily="50" charset="-128"/>
+              </a:rPr>
+              <a:t>上記の例と同様に</a:t>
+            </a:r>
+            <a:endParaRPr kumimoji="1" lang="en-US" altLang="ja-JP" sz="1200" dirty="0">
+              <a:solidFill>
+                <a:schemeClr val="tx1"/>
+              </a:solidFill>
+              <a:latin typeface="Meiryo UI" panose="020B0604030504040204" pitchFamily="50" charset="-128"/>
+              <a:ea typeface="Meiryo UI" panose="020B0604030504040204" pitchFamily="50" charset="-128"/>
+            </a:endParaRPr>
+          </a:p>
+          <a:p>
+            <a:r>
+              <a:rPr kumimoji="1" lang="en-US" altLang="ja-JP" sz="1200" dirty="0">
+                <a:solidFill>
+                  <a:schemeClr val="tx1"/>
+                </a:solidFill>
+                <a:latin typeface="Meiryo UI" panose="020B0604030504040204" pitchFamily="50" charset="-128"/>
+                <a:ea typeface="Meiryo UI" panose="020B0604030504040204" pitchFamily="50" charset="-128"/>
+              </a:rPr>
+              <a:t>2020/09</a:t>
+            </a:r>
+            <a:r>
+              <a:rPr kumimoji="1" lang="ja-JP" altLang="en-US" sz="1200" dirty="0">
+                <a:solidFill>
+                  <a:schemeClr val="tx1"/>
+                </a:solidFill>
+                <a:latin typeface="Meiryo UI" panose="020B0604030504040204" pitchFamily="50" charset="-128"/>
+                <a:ea typeface="Meiryo UI" panose="020B0604030504040204" pitchFamily="50" charset="-128"/>
+              </a:rPr>
+              <a:t>の取込データは、</a:t>
+            </a:r>
+            <a:endParaRPr kumimoji="1" lang="en-US" altLang="ja-JP" sz="1200" dirty="0">
+              <a:solidFill>
+                <a:schemeClr val="tx1"/>
+              </a:solidFill>
+              <a:latin typeface="Meiryo UI" panose="020B0604030504040204" pitchFamily="50" charset="-128"/>
+              <a:ea typeface="Meiryo UI" panose="020B0604030504040204" pitchFamily="50" charset="-128"/>
+            </a:endParaRPr>
+          </a:p>
+          <a:p>
+            <a:r>
+              <a:rPr lang="ja-JP" altLang="en-US" sz="1200" dirty="0">
+                <a:solidFill>
+                  <a:schemeClr val="tx1"/>
+                </a:solidFill>
+                <a:latin typeface="Meiryo UI" panose="020B0604030504040204" pitchFamily="50" charset="-128"/>
+                <a:ea typeface="Meiryo UI" panose="020B0604030504040204" pitchFamily="50" charset="-128"/>
+              </a:rPr>
+              <a:t>別</a:t>
+            </a:r>
+            <a:r>
+              <a:rPr lang="en-US" altLang="ja-JP" sz="1200" dirty="0">
+                <a:solidFill>
+                  <a:schemeClr val="tx1"/>
+                </a:solidFill>
+                <a:latin typeface="Meiryo UI" panose="020B0604030504040204" pitchFamily="50" charset="-128"/>
+                <a:ea typeface="Meiryo UI" panose="020B0604030504040204" pitchFamily="50" charset="-128"/>
+              </a:rPr>
+              <a:t>UID</a:t>
+            </a:r>
+            <a:r>
+              <a:rPr lang="ja-JP" altLang="en-US" sz="1200" dirty="0" err="1">
+                <a:solidFill>
+                  <a:schemeClr val="tx1"/>
+                </a:solidFill>
+                <a:latin typeface="Meiryo UI" panose="020B0604030504040204" pitchFamily="50" charset="-128"/>
+                <a:ea typeface="Meiryo UI" panose="020B0604030504040204" pitchFamily="50" charset="-128"/>
+              </a:rPr>
+              <a:t>が採</a:t>
+            </a:r>
+            <a:r>
+              <a:rPr lang="ja-JP" altLang="en-US" sz="1200" dirty="0">
+                <a:solidFill>
+                  <a:schemeClr val="tx1"/>
+                </a:solidFill>
+                <a:latin typeface="Meiryo UI" panose="020B0604030504040204" pitchFamily="50" charset="-128"/>
+                <a:ea typeface="Meiryo UI" panose="020B0604030504040204" pitchFamily="50" charset="-128"/>
+              </a:rPr>
+              <a:t>番されているため、</a:t>
+            </a:r>
+            <a:endParaRPr lang="en-US" altLang="ja-JP" sz="1200" dirty="0">
+              <a:solidFill>
+                <a:schemeClr val="tx1"/>
+              </a:solidFill>
+              <a:latin typeface="Meiryo UI" panose="020B0604030504040204" pitchFamily="50" charset="-128"/>
+              <a:ea typeface="Meiryo UI" panose="020B0604030504040204" pitchFamily="50" charset="-128"/>
+            </a:endParaRPr>
+          </a:p>
+          <a:p>
+            <a:r>
+              <a:rPr kumimoji="1" lang="ja-JP" altLang="en-US" sz="1200" dirty="0">
+                <a:solidFill>
+                  <a:schemeClr val="tx1"/>
+                </a:solidFill>
+                <a:latin typeface="Meiryo UI" panose="020B0604030504040204" pitchFamily="50" charset="-128"/>
+                <a:ea typeface="Meiryo UI" panose="020B0604030504040204" pitchFamily="50" charset="-128"/>
+              </a:rPr>
+              <a:t>削除</a:t>
+            </a:r>
+            <a:r>
+              <a:rPr lang="ja-JP" altLang="en-US" sz="1200" dirty="0">
+                <a:solidFill>
+                  <a:schemeClr val="tx1"/>
+                </a:solidFill>
+                <a:latin typeface="Meiryo UI" panose="020B0604030504040204" pitchFamily="50" charset="-128"/>
+                <a:ea typeface="Meiryo UI" panose="020B0604030504040204" pitchFamily="50" charset="-128"/>
+              </a:rPr>
+              <a:t>されない。</a:t>
+            </a:r>
+            <a:endParaRPr kumimoji="1" lang="ja-JP" altLang="en-US" sz="1200" dirty="0">
+              <a:solidFill>
+                <a:schemeClr val="tx1"/>
+              </a:solidFill>
+              <a:latin typeface="Meiryo UI" panose="020B0604030504040204" pitchFamily="50" charset="-128"/>
+              <a:ea typeface="Meiryo UI" panose="020B0604030504040204" pitchFamily="50" charset="-128"/>
+            </a:endParaRPr>
+          </a:p>
+        </p:txBody>
+      </p:sp>
     </p:spTree>
     <p:extLst>
       <p:ext uri="{BB962C8B-B14F-4D97-AF65-F5344CB8AC3E}">
@@ -29298,13 +29291,6 @@
   <p:clrMapOvr>
     <a:masterClrMapping/>
   </p:clrMapOvr>
-  <p:timing>
-    <p:tnLst>
-      <p:par>
-        <p:cTn id="1" dur="indefinite" restart="never" nodeType="tmRoot"/>
-      </p:par>
-    </p:tnLst>
-  </p:timing>
 </p:sld>
 </file>
 
@@ -29479,19 +29465,8 @@
                 <a:latin typeface="Meiryo UI" panose="020B0604030504040204" pitchFamily="50" charset="-128"/>
                 <a:ea typeface="Meiryo UI" panose="020B0604030504040204" pitchFamily="50" charset="-128"/>
               </a:rPr>
-              <a:t>現行</a:t>
-            </a:r>
-            <a:r>
-              <a:rPr lang="ja-JP" altLang="en-US" sz="1800" b="1" dirty="0" smtClean="0">
-                <a:latin typeface="Meiryo UI" panose="020B0604030504040204" pitchFamily="50" charset="-128"/>
-                <a:ea typeface="Meiryo UI" panose="020B0604030504040204" pitchFamily="50" charset="-128"/>
-              </a:rPr>
-              <a:t>仕様での問題点と改修案</a:t>
-            </a:r>
-            <a:endParaRPr lang="ja-JP" altLang="en-US" sz="1800" b="1" dirty="0">
-              <a:latin typeface="Meiryo UI" panose="020B0604030504040204" pitchFamily="50" charset="-128"/>
-              <a:ea typeface="Meiryo UI" panose="020B0604030504040204" pitchFamily="50" charset="-128"/>
-            </a:endParaRPr>
+              <a:t>現行仕様での問題点と改修案</a:t>
+            </a:r>
           </a:p>
         </p:txBody>
       </p:sp>
@@ -29608,21 +29583,21 @@
           </a:lstStyle>
           <a:p>
             <a:r>
-              <a:rPr lang="en-US" altLang="ja-JP" dirty="0" smtClean="0">
+              <a:rPr lang="en-US" altLang="ja-JP" dirty="0">
                 <a:latin typeface="Meiryo UI" panose="020B0604030504040204" pitchFamily="50" charset="-128"/>
                 <a:ea typeface="Meiryo UI" panose="020B0604030504040204" pitchFamily="50" charset="-128"/>
               </a:rPr>
               <a:t>【</a:t>
             </a:r>
             <a:r>
-              <a:rPr lang="ja-JP" altLang="en-US" dirty="0" smtClean="0">
+              <a:rPr lang="ja-JP" altLang="en-US" dirty="0">
                 <a:latin typeface="Meiryo UI" panose="020B0604030504040204" pitchFamily="50" charset="-128"/>
                 <a:ea typeface="Meiryo UI" panose="020B0604030504040204" pitchFamily="50" charset="-128"/>
               </a:rPr>
               <a:t>現行仕様での問題点</a:t>
             </a:r>
             <a:r>
-              <a:rPr lang="en-US" altLang="ja-JP" dirty="0" smtClean="0">
+              <a:rPr lang="en-US" altLang="ja-JP" dirty="0">
                 <a:latin typeface="Meiryo UI" panose="020B0604030504040204" pitchFamily="50" charset="-128"/>
                 <a:ea typeface="Meiryo UI" panose="020B0604030504040204" pitchFamily="50" charset="-128"/>
               </a:rPr>
@@ -29632,20 +29607,20 @@
           <a:p>
             <a:pPr lvl="1"/>
             <a:r>
-              <a:rPr lang="en-US" altLang="ja-JP" dirty="0" smtClean="0">
+              <a:rPr lang="en-US" altLang="ja-JP" dirty="0">
                 <a:latin typeface="Meiryo UI" panose="020B0604030504040204" pitchFamily="50" charset="-128"/>
                 <a:ea typeface="Meiryo UI" panose="020B0604030504040204" pitchFamily="50" charset="-128"/>
               </a:rPr>
               <a:t>UID</a:t>
             </a:r>
             <a:r>
-              <a:rPr lang="ja-JP" altLang="en-US" dirty="0" smtClean="0">
+              <a:rPr lang="ja-JP" altLang="en-US" dirty="0">
                 <a:latin typeface="Meiryo UI" panose="020B0604030504040204" pitchFamily="50" charset="-128"/>
                 <a:ea typeface="Meiryo UI" panose="020B0604030504040204" pitchFamily="50" charset="-128"/>
               </a:rPr>
               <a:t>の採番パターンによっては、現状の取込仕様では過去の診断履歴情報が</a:t>
             </a:r>
-            <a:endParaRPr lang="en-US" altLang="ja-JP" dirty="0" smtClean="0">
+            <a:endParaRPr lang="en-US" altLang="ja-JP" dirty="0">
               <a:latin typeface="Meiryo UI" panose="020B0604030504040204" pitchFamily="50" charset="-128"/>
               <a:ea typeface="Meiryo UI" panose="020B0604030504040204" pitchFamily="50" charset="-128"/>
             </a:endParaRPr>
@@ -29653,13 +29628,13 @@
           <a:p>
             <a:pPr lvl="1"/>
             <a:r>
-              <a:rPr lang="ja-JP" altLang="en-US" dirty="0" smtClean="0">
+              <a:rPr lang="ja-JP" altLang="en-US" dirty="0">
                 <a:latin typeface="Meiryo UI" panose="020B0604030504040204" pitchFamily="50" charset="-128"/>
                 <a:ea typeface="Meiryo UI" panose="020B0604030504040204" pitchFamily="50" charset="-128"/>
               </a:rPr>
               <a:t>削除されてしまう事象が発生しており、データ利活用の観点で正確性に問題がある。</a:t>
             </a:r>
-            <a:endParaRPr lang="en-US" altLang="ja-JP" dirty="0" smtClean="0">
+            <a:endParaRPr lang="en-US" altLang="ja-JP" dirty="0">
               <a:latin typeface="Meiryo UI" panose="020B0604030504040204" pitchFamily="50" charset="-128"/>
               <a:ea typeface="Meiryo UI" panose="020B0604030504040204" pitchFamily="50" charset="-128"/>
             </a:endParaRPr>
@@ -29667,26 +29642,20 @@
           <a:p>
             <a:pPr lvl="1"/>
             <a:r>
-              <a:rPr lang="en-US" altLang="ja-JP" dirty="0" smtClean="0">
+              <a:rPr lang="en-US" altLang="ja-JP" dirty="0">
                 <a:latin typeface="Meiryo UI" panose="020B0604030504040204" pitchFamily="50" charset="-128"/>
                 <a:ea typeface="Meiryo UI" panose="020B0604030504040204" pitchFamily="50" charset="-128"/>
               </a:rPr>
               <a:t>※DPC</a:t>
             </a:r>
             <a:r>
-              <a:rPr lang="ja-JP" altLang="en-US" dirty="0" smtClean="0">
+              <a:rPr lang="ja-JP" altLang="en-US" dirty="0">
                 <a:latin typeface="Meiryo UI" panose="020B0604030504040204" pitchFamily="50" charset="-128"/>
                 <a:ea typeface="Meiryo UI" panose="020B0604030504040204" pitchFamily="50" charset="-128"/>
               </a:rPr>
               <a:t>と比較した際に対象患者の疾患情報に差異が発生しているケースが存在</a:t>
             </a:r>
-            <a:endParaRPr lang="en-US" altLang="ja-JP" dirty="0" smtClean="0">
-              <a:latin typeface="Meiryo UI" panose="020B0604030504040204" pitchFamily="50" charset="-128"/>
-              <a:ea typeface="Meiryo UI" panose="020B0604030504040204" pitchFamily="50" charset="-128"/>
-            </a:endParaRPr>
-          </a:p>
-          <a:p>
-            <a:endParaRPr lang="en-US" altLang="ja-JP" dirty="0" smtClean="0">
+            <a:endParaRPr lang="en-US" altLang="ja-JP" dirty="0">
               <a:latin typeface="Meiryo UI" panose="020B0604030504040204" pitchFamily="50" charset="-128"/>
               <a:ea typeface="Meiryo UI" panose="020B0604030504040204" pitchFamily="50" charset="-128"/>
             </a:endParaRPr>
@@ -29698,13 +29667,7 @@
             </a:endParaRPr>
           </a:p>
           <a:p>
-            <a:endParaRPr lang="en-US" altLang="ja-JP" dirty="0" smtClean="0">
-              <a:latin typeface="Meiryo UI" panose="020B0604030504040204" pitchFamily="50" charset="-128"/>
-              <a:ea typeface="Meiryo UI" panose="020B0604030504040204" pitchFamily="50" charset="-128"/>
-            </a:endParaRPr>
-          </a:p>
-          <a:p>
-            <a:endParaRPr lang="en-US" altLang="ja-JP" dirty="0" smtClean="0">
+            <a:endParaRPr lang="en-US" altLang="ja-JP" dirty="0">
               <a:latin typeface="Meiryo UI" panose="020B0604030504040204" pitchFamily="50" charset="-128"/>
               <a:ea typeface="Meiryo UI" panose="020B0604030504040204" pitchFamily="50" charset="-128"/>
             </a:endParaRPr>
@@ -29716,7 +29679,7 @@
             </a:endParaRPr>
           </a:p>
           <a:p>
-            <a:endParaRPr lang="en-US" altLang="ja-JP" dirty="0" smtClean="0">
+            <a:endParaRPr lang="en-US" altLang="ja-JP" dirty="0">
               <a:latin typeface="Meiryo UI" panose="020B0604030504040204" pitchFamily="50" charset="-128"/>
               <a:ea typeface="Meiryo UI" panose="020B0604030504040204" pitchFamily="50" charset="-128"/>
             </a:endParaRPr>
@@ -29728,22 +29691,34 @@
             </a:endParaRPr>
           </a:p>
           <a:p>
-            <a:r>
-              <a:rPr lang="en-US" altLang="ja-JP" dirty="0" smtClean="0">
+            <a:endParaRPr lang="en-US" altLang="ja-JP" dirty="0">
+              <a:latin typeface="Meiryo UI" panose="020B0604030504040204" pitchFamily="50" charset="-128"/>
+              <a:ea typeface="Meiryo UI" panose="020B0604030504040204" pitchFamily="50" charset="-128"/>
+            </a:endParaRPr>
+          </a:p>
+          <a:p>
+            <a:endParaRPr lang="en-US" altLang="ja-JP" dirty="0">
+              <a:latin typeface="Meiryo UI" panose="020B0604030504040204" pitchFamily="50" charset="-128"/>
+              <a:ea typeface="Meiryo UI" panose="020B0604030504040204" pitchFamily="50" charset="-128"/>
+            </a:endParaRPr>
+          </a:p>
+          <a:p>
+            <a:r>
+              <a:rPr lang="en-US" altLang="ja-JP" dirty="0">
                 <a:latin typeface="Meiryo UI" panose="020B0604030504040204" pitchFamily="50" charset="-128"/>
                 <a:ea typeface="Meiryo UI" panose="020B0604030504040204" pitchFamily="50" charset="-128"/>
               </a:rPr>
               <a:t>【</a:t>
             </a:r>
             <a:r>
-              <a:rPr lang="ja-JP" altLang="en-US" dirty="0" smtClean="0">
+              <a:rPr lang="ja-JP" altLang="en-US" dirty="0">
                 <a:latin typeface="Meiryo UI" panose="020B0604030504040204" pitchFamily="50" charset="-128"/>
                 <a:ea typeface="Meiryo UI" panose="020B0604030504040204" pitchFamily="50" charset="-128"/>
               </a:rPr>
               <a:t>改修案</a:t>
             </a:r>
             <a:r>
-              <a:rPr lang="en-US" altLang="ja-JP" dirty="0" smtClean="0">
+              <a:rPr lang="en-US" altLang="ja-JP" dirty="0">
                 <a:latin typeface="Meiryo UI" panose="020B0604030504040204" pitchFamily="50" charset="-128"/>
                 <a:ea typeface="Meiryo UI" panose="020B0604030504040204" pitchFamily="50" charset="-128"/>
               </a:rPr>
@@ -29753,41 +29728,41 @@
           <a:p>
             <a:pPr lvl="1"/>
             <a:r>
-              <a:rPr lang="ja-JP" altLang="en-US" dirty="0" smtClean="0">
+              <a:rPr lang="ja-JP" altLang="en-US" dirty="0">
                 <a:latin typeface="Meiryo UI" panose="020B0604030504040204" pitchFamily="50" charset="-128"/>
                 <a:ea typeface="Meiryo UI" panose="020B0604030504040204" pitchFamily="50" charset="-128"/>
               </a:rPr>
               <a:t>そのため、同一</a:t>
             </a:r>
             <a:r>
-              <a:rPr lang="en-US" altLang="ja-JP" dirty="0" smtClean="0">
+              <a:rPr lang="en-US" altLang="ja-JP" dirty="0">
                 <a:latin typeface="Meiryo UI" panose="020B0604030504040204" pitchFamily="50" charset="-128"/>
                 <a:ea typeface="Meiryo UI" panose="020B0604030504040204" pitchFamily="50" charset="-128"/>
               </a:rPr>
               <a:t>UID</a:t>
             </a:r>
             <a:r>
-              <a:rPr lang="ja-JP" altLang="en-US" dirty="0" smtClean="0">
+              <a:rPr lang="ja-JP" altLang="en-US" dirty="0">
                 <a:latin typeface="Meiryo UI" panose="020B0604030504040204" pitchFamily="50" charset="-128"/>
                 <a:ea typeface="Meiryo UI" panose="020B0604030504040204" pitchFamily="50" charset="-128"/>
               </a:rPr>
               <a:t>の</a:t>
             </a:r>
             <a:r>
-              <a:rPr lang="en-US" altLang="ja-JP" dirty="0" smtClean="0">
+              <a:rPr lang="en-US" altLang="ja-JP" dirty="0">
                 <a:latin typeface="Meiryo UI" panose="020B0604030504040204" pitchFamily="50" charset="-128"/>
                 <a:ea typeface="Meiryo UI" panose="020B0604030504040204" pitchFamily="50" charset="-128"/>
               </a:rPr>
               <a:t>MML</a:t>
             </a:r>
             <a:r>
-              <a:rPr lang="ja-JP" altLang="en-US" dirty="0" smtClean="0">
+              <a:rPr lang="ja-JP" altLang="en-US" dirty="0">
                 <a:latin typeface="Meiryo UI" panose="020B0604030504040204" pitchFamily="50" charset="-128"/>
                 <a:ea typeface="Meiryo UI" panose="020B0604030504040204" pitchFamily="50" charset="-128"/>
               </a:rPr>
               <a:t>ファイルを取り込む場合、最新以外のレコードも削除しない</a:t>
             </a:r>
-            <a:endParaRPr lang="en-US" altLang="ja-JP" dirty="0" smtClean="0">
+            <a:endParaRPr lang="en-US" altLang="ja-JP" dirty="0">
               <a:latin typeface="Meiryo UI" panose="020B0604030504040204" pitchFamily="50" charset="-128"/>
               <a:ea typeface="Meiryo UI" panose="020B0604030504040204" pitchFamily="50" charset="-128"/>
             </a:endParaRPr>
@@ -29799,19 +29774,8 @@
                 <a:latin typeface="Meiryo UI" panose="020B0604030504040204" pitchFamily="50" charset="-128"/>
                 <a:ea typeface="Meiryo UI" panose="020B0604030504040204" pitchFamily="50" charset="-128"/>
               </a:rPr>
-              <a:t>仕様</a:t>
-            </a:r>
-            <a:r>
-              <a:rPr lang="ja-JP" altLang="en-US" dirty="0" smtClean="0">
-                <a:latin typeface="Meiryo UI" panose="020B0604030504040204" pitchFamily="50" charset="-128"/>
-                <a:ea typeface="Meiryo UI" panose="020B0604030504040204" pitchFamily="50" charset="-128"/>
-              </a:rPr>
-              <a:t>とさせていただきたい。</a:t>
-            </a:r>
-            <a:endParaRPr lang="ja-JP" altLang="en-US" dirty="0">
-              <a:latin typeface="Meiryo UI" panose="020B0604030504040204" pitchFamily="50" charset="-128"/>
-              <a:ea typeface="Meiryo UI" panose="020B0604030504040204" pitchFamily="50" charset="-128"/>
-            </a:endParaRPr>
+              <a:t>仕様とさせていただきたい。</a:t>
+            </a:r>
           </a:p>
         </p:txBody>
       </p:sp>
@@ -29897,11 +29861,34 @@
                     <a:lstStyle/>
                     <a:p>
                       <a:r>
-                        <a:rPr kumimoji="1" lang="ja-JP" altLang="en-US" sz="1200" dirty="0" smtClean="0">
+                        <a:rPr kumimoji="1" lang="ja-JP" altLang="en-US" sz="1200" dirty="0">
                           <a:latin typeface="Meiryo UI" panose="020B0604030504040204" pitchFamily="50" charset="-128"/>
                           <a:ea typeface="Meiryo UI" panose="020B0604030504040204" pitchFamily="50" charset="-128"/>
                         </a:rPr>
                         <a:t>取込年月</a:t>
+                      </a:r>
+                    </a:p>
+                  </a:txBody>
+                  <a:tcPr/>
+                </a:tc>
+                <a:tc>
+                  <a:txBody>
+                    <a:bodyPr/>
+                    <a:lstStyle/>
+                    <a:p>
+                      <a:r>
+                        <a:rPr kumimoji="1" lang="ja-JP" altLang="en-US" sz="1200" dirty="0">
+                          <a:latin typeface="Meiryo UI" panose="020B0604030504040204" pitchFamily="50" charset="-128"/>
+                          <a:ea typeface="Meiryo UI" panose="020B0604030504040204" pitchFamily="50" charset="-128"/>
+                        </a:rPr>
+                        <a:t>患者</a:t>
+                      </a:r>
+                      <a:r>
+                        <a:rPr kumimoji="1" lang="en-US" altLang="ja-JP" sz="1200" dirty="0">
+                          <a:latin typeface="Meiryo UI" panose="020B0604030504040204" pitchFamily="50" charset="-128"/>
+                          <a:ea typeface="Meiryo UI" panose="020B0604030504040204" pitchFamily="50" charset="-128"/>
+                        </a:rPr>
+                        <a:t>ID</a:t>
                       </a:r>
                       <a:endParaRPr kumimoji="1" lang="ja-JP" altLang="en-US" sz="1200" dirty="0">
                         <a:latin typeface="Meiryo UI" panose="020B0604030504040204" pitchFamily="50" charset="-128"/>
@@ -29917,14 +29904,14 @@
                     <a:lstStyle/>
                     <a:p>
                       <a:r>
-                        <a:rPr kumimoji="1" lang="ja-JP" altLang="en-US" sz="1200" dirty="0" smtClean="0">
+                        <a:rPr kumimoji="1" lang="ja-JP" altLang="en-US" sz="1200" dirty="0">
                           <a:latin typeface="Meiryo UI" panose="020B0604030504040204" pitchFamily="50" charset="-128"/>
                           <a:ea typeface="Meiryo UI" panose="020B0604030504040204" pitchFamily="50" charset="-128"/>
                         </a:rPr>
-                        <a:t>患者</a:t>
-                      </a:r>
-                      <a:r>
-                        <a:rPr kumimoji="1" lang="en-US" altLang="ja-JP" sz="1200" dirty="0" smtClean="0">
+                        <a:t>文書ユニーク</a:t>
+                      </a:r>
+                      <a:r>
+                        <a:rPr kumimoji="1" lang="en-US" altLang="ja-JP" sz="1200" dirty="0">
                           <a:latin typeface="Meiryo UI" panose="020B0604030504040204" pitchFamily="50" charset="-128"/>
                           <a:ea typeface="Meiryo UI" panose="020B0604030504040204" pitchFamily="50" charset="-128"/>
                         </a:rPr>
@@ -29944,23 +29931,28 @@
                     <a:lstStyle/>
                     <a:p>
                       <a:r>
-                        <a:rPr kumimoji="1" lang="ja-JP" altLang="en-US" sz="1200" dirty="0" smtClean="0">
+                        <a:rPr kumimoji="1" lang="ja-JP" altLang="en-US" sz="1200" dirty="0">
                           <a:latin typeface="Meiryo UI" panose="020B0604030504040204" pitchFamily="50" charset="-128"/>
                           <a:ea typeface="Meiryo UI" panose="020B0604030504040204" pitchFamily="50" charset="-128"/>
                         </a:rPr>
-                        <a:t>文書ユニーク</a:t>
-                      </a:r>
-                      <a:r>
-                        <a:rPr kumimoji="1" lang="en-US" altLang="ja-JP" sz="1200" dirty="0" smtClean="0">
+                        <a:t>診療年月日</a:t>
+                      </a:r>
+                    </a:p>
+                  </a:txBody>
+                  <a:tcPr/>
+                </a:tc>
+                <a:tc>
+                  <a:txBody>
+                    <a:bodyPr/>
+                    <a:lstStyle/>
+                    <a:p>
+                      <a:r>
+                        <a:rPr kumimoji="1" lang="ja-JP" altLang="en-US" sz="1200" dirty="0">
                           <a:latin typeface="Meiryo UI" panose="020B0604030504040204" pitchFamily="50" charset="-128"/>
                           <a:ea typeface="Meiryo UI" panose="020B0604030504040204" pitchFamily="50" charset="-128"/>
                         </a:rPr>
-                        <a:t>ID</a:t>
-                      </a:r>
-                      <a:endParaRPr kumimoji="1" lang="ja-JP" altLang="en-US" sz="1200" dirty="0">
-                        <a:latin typeface="Meiryo UI" panose="020B0604030504040204" pitchFamily="50" charset="-128"/>
-                        <a:ea typeface="Meiryo UI" panose="020B0604030504040204" pitchFamily="50" charset="-128"/>
-                      </a:endParaRPr>
+                        <a:t>疾患開始日</a:t>
+                      </a:r>
                     </a:p>
                   </a:txBody>
                   <a:tcPr/>
@@ -29971,16 +29963,12 @@
                     <a:lstStyle/>
                     <a:p>
                       <a:r>
-                        <a:rPr kumimoji="1" lang="ja-JP" altLang="en-US" sz="1200" dirty="0" smtClean="0">
+                        <a:rPr kumimoji="1" lang="ja-JP" altLang="en-US" sz="1200" dirty="0">
                           <a:latin typeface="Meiryo UI" panose="020B0604030504040204" pitchFamily="50" charset="-128"/>
                           <a:ea typeface="Meiryo UI" panose="020B0604030504040204" pitchFamily="50" charset="-128"/>
                         </a:rPr>
-                        <a:t>診療年月日</a:t>
-                      </a:r>
-                      <a:endParaRPr kumimoji="1" lang="ja-JP" altLang="en-US" sz="1200" dirty="0">
-                        <a:latin typeface="Meiryo UI" panose="020B0604030504040204" pitchFamily="50" charset="-128"/>
-                        <a:ea typeface="Meiryo UI" panose="020B0604030504040204" pitchFamily="50" charset="-128"/>
-                      </a:endParaRPr>
+                        <a:t>病名</a:t>
+                      </a:r>
                     </a:p>
                   </a:txBody>
                   <a:tcPr/>
@@ -29991,56 +29979,12 @@
                     <a:lstStyle/>
                     <a:p>
                       <a:r>
-                        <a:rPr kumimoji="1" lang="ja-JP" altLang="en-US" sz="1200" dirty="0" smtClean="0">
+                        <a:rPr kumimoji="1" lang="ja-JP" altLang="en-US" sz="1200" dirty="0">
                           <a:latin typeface="Meiryo UI" panose="020B0604030504040204" pitchFamily="50" charset="-128"/>
                           <a:ea typeface="Meiryo UI" panose="020B0604030504040204" pitchFamily="50" charset="-128"/>
                         </a:rPr>
-                        <a:t>疾患開始日</a:t>
-                      </a:r>
-                      <a:endParaRPr kumimoji="1" lang="ja-JP" altLang="en-US" sz="1200" dirty="0">
-                        <a:latin typeface="Meiryo UI" panose="020B0604030504040204" pitchFamily="50" charset="-128"/>
-                        <a:ea typeface="Meiryo UI" panose="020B0604030504040204" pitchFamily="50" charset="-128"/>
-                      </a:endParaRPr>
-                    </a:p>
-                  </a:txBody>
-                  <a:tcPr/>
-                </a:tc>
-                <a:tc>
-                  <a:txBody>
-                    <a:bodyPr/>
-                    <a:lstStyle/>
-                    <a:p>
-                      <a:r>
-                        <a:rPr kumimoji="1" lang="ja-JP" altLang="en-US" sz="1200" dirty="0" smtClean="0">
-                          <a:latin typeface="Meiryo UI" panose="020B0604030504040204" pitchFamily="50" charset="-128"/>
-                          <a:ea typeface="Meiryo UI" panose="020B0604030504040204" pitchFamily="50" charset="-128"/>
-                        </a:rPr>
-                        <a:t>病名</a:t>
-                      </a:r>
-                      <a:endParaRPr kumimoji="1" lang="ja-JP" altLang="en-US" sz="1200" dirty="0">
-                        <a:latin typeface="Meiryo UI" panose="020B0604030504040204" pitchFamily="50" charset="-128"/>
-                        <a:ea typeface="Meiryo UI" panose="020B0604030504040204" pitchFamily="50" charset="-128"/>
-                      </a:endParaRPr>
-                    </a:p>
-                  </a:txBody>
-                  <a:tcPr/>
-                </a:tc>
-                <a:tc>
-                  <a:txBody>
-                    <a:bodyPr/>
-                    <a:lstStyle/>
-                    <a:p>
-                      <a:r>
-                        <a:rPr kumimoji="1" lang="ja-JP" altLang="en-US" sz="1200" dirty="0" smtClean="0">
-                          <a:latin typeface="Meiryo UI" panose="020B0604030504040204" pitchFamily="50" charset="-128"/>
-                          <a:ea typeface="Meiryo UI" panose="020B0604030504040204" pitchFamily="50" charset="-128"/>
-                        </a:rPr>
                         <a:t>行番号</a:t>
                       </a:r>
-                      <a:endParaRPr kumimoji="1" lang="ja-JP" altLang="en-US" sz="1200" dirty="0">
-                        <a:latin typeface="Meiryo UI" panose="020B0604030504040204" pitchFamily="50" charset="-128"/>
-                        <a:ea typeface="Meiryo UI" panose="020B0604030504040204" pitchFamily="50" charset="-128"/>
-                      </a:endParaRPr>
                     </a:p>
                   </a:txBody>
                   <a:tcPr/>
@@ -30058,7 +30002,7 @@
                     <a:lstStyle/>
                     <a:p>
                       <a:r>
-                        <a:rPr kumimoji="1" lang="en-US" altLang="ja-JP" sz="1200" dirty="0" smtClean="0">
+                        <a:rPr kumimoji="1" lang="en-US" altLang="ja-JP" sz="1200" dirty="0">
                           <a:latin typeface="Meiryo UI" panose="020B0604030504040204" pitchFamily="50" charset="-128"/>
                           <a:ea typeface="Meiryo UI" panose="020B0604030504040204" pitchFamily="50" charset="-128"/>
                         </a:rPr>
@@ -30078,7 +30022,7 @@
                     <a:lstStyle/>
                     <a:p>
                       <a:r>
-                        <a:rPr kumimoji="1" lang="en-US" altLang="ja-JP" sz="1200" dirty="0" smtClean="0">
+                        <a:rPr kumimoji="1" lang="en-US" altLang="ja-JP" sz="1200" dirty="0">
                           <a:latin typeface="Meiryo UI" panose="020B0604030504040204" pitchFamily="50" charset="-128"/>
                           <a:ea typeface="Meiryo UI" panose="020B0604030504040204" pitchFamily="50" charset="-128"/>
                         </a:rPr>
@@ -30098,7 +30042,7 @@
                     <a:lstStyle/>
                     <a:p>
                       <a:r>
-                        <a:rPr kumimoji="1" lang="en-US" altLang="ja-JP" sz="1200" dirty="0" smtClean="0">
+                        <a:rPr kumimoji="1" lang="en-US" altLang="ja-JP" sz="1200" dirty="0">
                           <a:latin typeface="Meiryo UI" panose="020B0604030504040204" pitchFamily="50" charset="-128"/>
                           <a:ea typeface="Meiryo UI" panose="020B0604030504040204" pitchFamily="50" charset="-128"/>
                         </a:rPr>
@@ -30118,7 +30062,7 @@
                     <a:lstStyle/>
                     <a:p>
                       <a:r>
-                        <a:rPr kumimoji="1" lang="en-US" altLang="ja-JP" sz="1200" dirty="0" smtClean="0">
+                        <a:rPr kumimoji="1" lang="en-US" altLang="ja-JP" sz="1200" dirty="0">
                           <a:latin typeface="Meiryo UI" panose="020B0604030504040204" pitchFamily="50" charset="-128"/>
                           <a:ea typeface="Meiryo UI" panose="020B0604030504040204" pitchFamily="50" charset="-128"/>
                         </a:rPr>
@@ -30138,7 +30082,7 @@
                     <a:lstStyle/>
                     <a:p>
                       <a:r>
-                        <a:rPr kumimoji="1" lang="en-US" altLang="ja-JP" sz="1200" dirty="0" smtClean="0">
+                        <a:rPr kumimoji="1" lang="en-US" altLang="ja-JP" sz="1200" dirty="0">
                           <a:latin typeface="Meiryo UI" panose="020B0604030504040204" pitchFamily="50" charset="-128"/>
                           <a:ea typeface="Meiryo UI" panose="020B0604030504040204" pitchFamily="50" charset="-128"/>
                         </a:rPr>
@@ -30175,7 +30119,7 @@
                         <a:defRPr/>
                       </a:pPr>
                       <a:r>
-                        <a:rPr kumimoji="1" lang="ja-JP" altLang="en-US" sz="1200" dirty="0" smtClean="0">
+                        <a:rPr kumimoji="1" lang="ja-JP" altLang="en-US" sz="1200" dirty="0">
                           <a:latin typeface="Meiryo UI" panose="020B0604030504040204" pitchFamily="50" charset="-128"/>
                           <a:ea typeface="Meiryo UI" panose="020B0604030504040204" pitchFamily="50" charset="-128"/>
                         </a:rPr>
@@ -30208,13 +30152,13 @@
                         <a:defRPr/>
                       </a:pPr>
                       <a:r>
-                        <a:rPr kumimoji="1" lang="en-US" altLang="ja-JP" sz="1200" dirty="0" smtClean="0">
+                        <a:rPr kumimoji="1" lang="en-US" altLang="ja-JP" sz="1200" dirty="0">
                           <a:latin typeface="Meiryo UI" panose="020B0604030504040204" pitchFamily="50" charset="-128"/>
                           <a:ea typeface="Meiryo UI" panose="020B0604030504040204" pitchFamily="50" charset="-128"/>
                         </a:rPr>
                         <a:t>1</a:t>
                       </a:r>
-                      <a:endParaRPr kumimoji="1" lang="ja-JP" altLang="en-US" sz="1200" dirty="0" smtClean="0">
+                      <a:endParaRPr kumimoji="1" lang="ja-JP" altLang="en-US" sz="1200" dirty="0">
                         <a:latin typeface="Meiryo UI" panose="020B0604030504040204" pitchFamily="50" charset="-128"/>
                         <a:ea typeface="Meiryo UI" panose="020B0604030504040204" pitchFamily="50" charset="-128"/>
                       </a:endParaRPr>
@@ -30235,7 +30179,7 @@
                     <a:lstStyle/>
                     <a:p>
                       <a:r>
-                        <a:rPr kumimoji="1" lang="en-US" altLang="ja-JP" sz="1200" dirty="0" smtClean="0">
+                        <a:rPr kumimoji="1" lang="en-US" altLang="ja-JP" sz="1200" dirty="0">
                           <a:latin typeface="Meiryo UI" panose="020B0604030504040204" pitchFamily="50" charset="-128"/>
                           <a:ea typeface="Meiryo UI" panose="020B0604030504040204" pitchFamily="50" charset="-128"/>
                         </a:rPr>
@@ -30255,7 +30199,7 @@
                     <a:lstStyle/>
                     <a:p>
                       <a:r>
-                        <a:rPr kumimoji="1" lang="en-US" altLang="ja-JP" sz="1200" dirty="0" smtClean="0">
+                        <a:rPr kumimoji="1" lang="en-US" altLang="ja-JP" sz="1200" dirty="0">
                           <a:latin typeface="Meiryo UI" panose="020B0604030504040204" pitchFamily="50" charset="-128"/>
                           <a:ea typeface="Meiryo UI" panose="020B0604030504040204" pitchFamily="50" charset="-128"/>
                         </a:rPr>
@@ -30275,7 +30219,7 @@
                     <a:lstStyle/>
                     <a:p>
                       <a:r>
-                        <a:rPr kumimoji="1" lang="en-US" altLang="ja-JP" sz="1200" dirty="0" smtClean="0">
+                        <a:rPr kumimoji="1" lang="en-US" altLang="ja-JP" sz="1200" dirty="0">
                           <a:latin typeface="Meiryo UI" panose="020B0604030504040204" pitchFamily="50" charset="-128"/>
                           <a:ea typeface="Meiryo UI" panose="020B0604030504040204" pitchFamily="50" charset="-128"/>
                         </a:rPr>
@@ -30295,7 +30239,7 @@
                     <a:lstStyle/>
                     <a:p>
                       <a:r>
-                        <a:rPr kumimoji="1" lang="en-US" altLang="ja-JP" sz="1200" dirty="0" smtClean="0">
+                        <a:rPr kumimoji="1" lang="en-US" altLang="ja-JP" sz="1200" dirty="0">
                           <a:latin typeface="Meiryo UI" panose="020B0604030504040204" pitchFamily="50" charset="-128"/>
                           <a:ea typeface="Meiryo UI" panose="020B0604030504040204" pitchFamily="50" charset="-128"/>
                         </a:rPr>
@@ -30315,7 +30259,7 @@
                     <a:lstStyle/>
                     <a:p>
                       <a:r>
-                        <a:rPr kumimoji="1" lang="en-US" altLang="ja-JP" sz="1200" dirty="0" smtClean="0">
+                        <a:rPr kumimoji="1" lang="en-US" altLang="ja-JP" sz="1200" dirty="0">
                           <a:latin typeface="Meiryo UI" panose="020B0604030504040204" pitchFamily="50" charset="-128"/>
                           <a:ea typeface="Meiryo UI" panose="020B0604030504040204" pitchFamily="50" charset="-128"/>
                         </a:rPr>
@@ -30335,16 +30279,12 @@
                     <a:lstStyle/>
                     <a:p>
                       <a:r>
-                        <a:rPr kumimoji="1" lang="ja-JP" altLang="en-US" sz="1200" dirty="0" smtClean="0">
+                        <a:rPr kumimoji="1" lang="ja-JP" altLang="en-US" sz="1200" dirty="0">
                           <a:latin typeface="Meiryo UI" panose="020B0604030504040204" pitchFamily="50" charset="-128"/>
                           <a:ea typeface="Meiryo UI" panose="020B0604030504040204" pitchFamily="50" charset="-128"/>
                         </a:rPr>
                         <a:t>乳癌</a:t>
                       </a:r>
-                      <a:endParaRPr kumimoji="1" lang="ja-JP" altLang="en-US" sz="1200" dirty="0">
-                        <a:latin typeface="Meiryo UI" panose="020B0604030504040204" pitchFamily="50" charset="-128"/>
-                        <a:ea typeface="Meiryo UI" panose="020B0604030504040204" pitchFamily="50" charset="-128"/>
-                      </a:endParaRPr>
                     </a:p>
                   </a:txBody>
                   <a:tcPr/>
@@ -30355,7 +30295,7 @@
                     <a:lstStyle/>
                     <a:p>
                       <a:r>
-                        <a:rPr kumimoji="1" lang="en-US" altLang="ja-JP" sz="1200" dirty="0" smtClean="0">
+                        <a:rPr kumimoji="1" lang="en-US" altLang="ja-JP" sz="1200" dirty="0">
                           <a:latin typeface="Meiryo UI" panose="020B0604030504040204" pitchFamily="50" charset="-128"/>
                           <a:ea typeface="Meiryo UI" panose="020B0604030504040204" pitchFamily="50" charset="-128"/>
                         </a:rPr>
@@ -30382,7 +30322,7 @@
                     <a:lstStyle/>
                     <a:p>
                       <a:r>
-                        <a:rPr kumimoji="1" lang="en-US" altLang="ja-JP" sz="1200" dirty="0" smtClean="0">
+                        <a:rPr kumimoji="1" lang="en-US" altLang="ja-JP" sz="1200" dirty="0">
                           <a:latin typeface="Meiryo UI" panose="020B0604030504040204" pitchFamily="50" charset="-128"/>
                           <a:ea typeface="Meiryo UI" panose="020B0604030504040204" pitchFamily="50" charset="-128"/>
                         </a:rPr>
@@ -30402,7 +30342,7 @@
                     <a:lstStyle/>
                     <a:p>
                       <a:r>
-                        <a:rPr kumimoji="1" lang="en-US" altLang="ja-JP" sz="1200" dirty="0" smtClean="0">
+                        <a:rPr kumimoji="1" lang="en-US" altLang="ja-JP" sz="1200" dirty="0">
                           <a:latin typeface="Meiryo UI" panose="020B0604030504040204" pitchFamily="50" charset="-128"/>
                           <a:ea typeface="Meiryo UI" panose="020B0604030504040204" pitchFamily="50" charset="-128"/>
                         </a:rPr>
@@ -30422,7 +30362,7 @@
                     <a:lstStyle/>
                     <a:p>
                       <a:r>
-                        <a:rPr kumimoji="1" lang="en-US" altLang="ja-JP" sz="1200" dirty="0" smtClean="0">
+                        <a:rPr kumimoji="1" lang="en-US" altLang="ja-JP" sz="1200" dirty="0">
                           <a:latin typeface="Meiryo UI" panose="020B0604030504040204" pitchFamily="50" charset="-128"/>
                           <a:ea typeface="Meiryo UI" panose="020B0604030504040204" pitchFamily="50" charset="-128"/>
                         </a:rPr>
@@ -30442,7 +30382,7 @@
                     <a:lstStyle/>
                     <a:p>
                       <a:r>
-                        <a:rPr kumimoji="1" lang="en-US" altLang="ja-JP" sz="1200" dirty="0" smtClean="0">
+                        <a:rPr kumimoji="1" lang="en-US" altLang="ja-JP" sz="1200" dirty="0">
                           <a:latin typeface="Meiryo UI" panose="020B0604030504040204" pitchFamily="50" charset="-128"/>
                           <a:ea typeface="Meiryo UI" panose="020B0604030504040204" pitchFamily="50" charset="-128"/>
                         </a:rPr>
@@ -30462,7 +30402,7 @@
                     <a:lstStyle/>
                     <a:p>
                       <a:r>
-                        <a:rPr kumimoji="1" lang="en-US" altLang="ja-JP" sz="1200" dirty="0" smtClean="0">
+                        <a:rPr kumimoji="1" lang="en-US" altLang="ja-JP" sz="1200" dirty="0">
                           <a:latin typeface="Meiryo UI" panose="020B0604030504040204" pitchFamily="50" charset="-128"/>
                           <a:ea typeface="Meiryo UI" panose="020B0604030504040204" pitchFamily="50" charset="-128"/>
                         </a:rPr>
@@ -30482,16 +30422,12 @@
                     <a:lstStyle/>
                     <a:p>
                       <a:r>
-                        <a:rPr kumimoji="1" lang="ja-JP" altLang="en-US" sz="1200" dirty="0" smtClean="0">
+                        <a:rPr kumimoji="1" lang="ja-JP" altLang="en-US" sz="1200" dirty="0">
                           <a:latin typeface="Meiryo UI" panose="020B0604030504040204" pitchFamily="50" charset="-128"/>
                           <a:ea typeface="Meiryo UI" panose="020B0604030504040204" pitchFamily="50" charset="-128"/>
                         </a:rPr>
                         <a:t>リンパ浮腫</a:t>
                       </a:r>
-                      <a:endParaRPr kumimoji="1" lang="ja-JP" altLang="en-US" sz="1200" dirty="0">
-                        <a:latin typeface="Meiryo UI" panose="020B0604030504040204" pitchFamily="50" charset="-128"/>
-                        <a:ea typeface="Meiryo UI" panose="020B0604030504040204" pitchFamily="50" charset="-128"/>
-                      </a:endParaRPr>
                     </a:p>
                   </a:txBody>
                   <a:tcPr/>
@@ -30502,7 +30438,7 @@
                     <a:lstStyle/>
                     <a:p>
                       <a:r>
-                        <a:rPr kumimoji="1" lang="en-US" altLang="ja-JP" sz="1200" dirty="0" smtClean="0">
+                        <a:rPr kumimoji="1" lang="en-US" altLang="ja-JP" sz="1200" dirty="0">
                           <a:latin typeface="Meiryo UI" panose="020B0604030504040204" pitchFamily="50" charset="-128"/>
                           <a:ea typeface="Meiryo UI" panose="020B0604030504040204" pitchFamily="50" charset="-128"/>
                         </a:rPr>
@@ -30623,7 +30559,7 @@
           <a:lstStyle/>
           <a:p>
             <a:r>
-              <a:rPr kumimoji="1" lang="en-US" altLang="ja-JP" sz="1200" dirty="0" smtClean="0">
+              <a:rPr kumimoji="1" lang="en-US" altLang="ja-JP" sz="1200" dirty="0">
                 <a:solidFill>
                   <a:schemeClr val="tx1"/>
                 </a:solidFill>
@@ -30633,7 +30569,7 @@
               <a:t>UID</a:t>
             </a:r>
             <a:r>
-              <a:rPr kumimoji="1" lang="ja-JP" altLang="en-US" sz="1200" dirty="0" smtClean="0">
+              <a:rPr kumimoji="1" lang="ja-JP" altLang="en-US" sz="1200" dirty="0">
                 <a:solidFill>
                   <a:schemeClr val="tx1"/>
                 </a:solidFill>
@@ -30642,7 +30578,7 @@
               </a:rPr>
               <a:t>の採番パターン①と②のケースでは削除されていた</a:t>
             </a:r>
-            <a:endParaRPr kumimoji="1" lang="en-US" altLang="ja-JP" sz="1200" dirty="0" smtClean="0">
+            <a:endParaRPr kumimoji="1" lang="en-US" altLang="ja-JP" sz="1200" dirty="0">
               <a:solidFill>
                 <a:schemeClr val="tx1"/>
               </a:solidFill>
@@ -30652,7 +30588,7 @@
           </a:p>
           <a:p>
             <a:r>
-              <a:rPr kumimoji="1" lang="ja-JP" altLang="en-US" sz="1200" dirty="0" smtClean="0">
+              <a:rPr kumimoji="1" lang="ja-JP" altLang="en-US" sz="1200" dirty="0">
                 <a:solidFill>
                   <a:schemeClr val="tx1"/>
                 </a:solidFill>
@@ -30725,14 +30661,14 @@
                     <a:lstStyle/>
                     <a:p>
                       <a:r>
-                        <a:rPr kumimoji="1" lang="ja-JP" altLang="en-US" sz="1200" dirty="0" smtClean="0">
+                        <a:rPr kumimoji="1" lang="ja-JP" altLang="en-US" sz="1200" dirty="0">
                           <a:latin typeface="Meiryo UI" panose="020B0604030504040204" pitchFamily="50" charset="-128"/>
                           <a:ea typeface="Meiryo UI" panose="020B0604030504040204" pitchFamily="50" charset="-128"/>
                         </a:rPr>
                         <a:t>患者</a:t>
                       </a:r>
                       <a:r>
-                        <a:rPr kumimoji="1" lang="en-US" altLang="ja-JP" sz="1200" dirty="0" smtClean="0">
+                        <a:rPr kumimoji="1" lang="en-US" altLang="ja-JP" sz="1200" dirty="0">
                           <a:latin typeface="Meiryo UI" panose="020B0604030504040204" pitchFamily="50" charset="-128"/>
                           <a:ea typeface="Meiryo UI" panose="020B0604030504040204" pitchFamily="50" charset="-128"/>
                         </a:rPr>
@@ -30752,16 +30688,12 @@
                     <a:lstStyle/>
                     <a:p>
                       <a:r>
-                        <a:rPr kumimoji="1" lang="ja-JP" altLang="en-US" sz="1200" dirty="0" smtClean="0">
+                        <a:rPr kumimoji="1" lang="ja-JP" altLang="en-US" sz="1200" dirty="0">
                           <a:latin typeface="Meiryo UI" panose="020B0604030504040204" pitchFamily="50" charset="-128"/>
                           <a:ea typeface="Meiryo UI" panose="020B0604030504040204" pitchFamily="50" charset="-128"/>
                         </a:rPr>
                         <a:t>診療年月</a:t>
                       </a:r>
-                      <a:endParaRPr kumimoji="1" lang="ja-JP" altLang="en-US" sz="1200" dirty="0">
-                        <a:latin typeface="Meiryo UI" panose="020B0604030504040204" pitchFamily="50" charset="-128"/>
-                        <a:ea typeface="Meiryo UI" panose="020B0604030504040204" pitchFamily="50" charset="-128"/>
-                      </a:endParaRPr>
                     </a:p>
                   </a:txBody>
                   <a:tcPr/>
@@ -30772,16 +30704,12 @@
                     <a:lstStyle/>
                     <a:p>
                       <a:r>
-                        <a:rPr kumimoji="1" lang="ja-JP" altLang="en-US" sz="1200" dirty="0" smtClean="0">
+                        <a:rPr kumimoji="1" lang="ja-JP" altLang="en-US" sz="1200" dirty="0">
                           <a:latin typeface="Meiryo UI" panose="020B0604030504040204" pitchFamily="50" charset="-128"/>
                           <a:ea typeface="Meiryo UI" panose="020B0604030504040204" pitchFamily="50" charset="-128"/>
                         </a:rPr>
                         <a:t>疾患開始日</a:t>
                       </a:r>
-                      <a:endParaRPr kumimoji="1" lang="ja-JP" altLang="en-US" sz="1200" dirty="0">
-                        <a:latin typeface="Meiryo UI" panose="020B0604030504040204" pitchFamily="50" charset="-128"/>
-                        <a:ea typeface="Meiryo UI" panose="020B0604030504040204" pitchFamily="50" charset="-128"/>
-                      </a:endParaRPr>
                     </a:p>
                   </a:txBody>
                   <a:tcPr/>
@@ -30792,16 +30720,12 @@
                     <a:lstStyle/>
                     <a:p>
                       <a:r>
-                        <a:rPr kumimoji="1" lang="ja-JP" altLang="en-US" sz="1200" dirty="0" smtClean="0">
+                        <a:rPr kumimoji="1" lang="ja-JP" altLang="en-US" sz="1200" dirty="0">
                           <a:latin typeface="Meiryo UI" panose="020B0604030504040204" pitchFamily="50" charset="-128"/>
                           <a:ea typeface="Meiryo UI" panose="020B0604030504040204" pitchFamily="50" charset="-128"/>
                         </a:rPr>
                         <a:t>病名</a:t>
                       </a:r>
-                      <a:endParaRPr kumimoji="1" lang="ja-JP" altLang="en-US" sz="1200" dirty="0">
-                        <a:latin typeface="Meiryo UI" panose="020B0604030504040204" pitchFamily="50" charset="-128"/>
-                        <a:ea typeface="Meiryo UI" panose="020B0604030504040204" pitchFamily="50" charset="-128"/>
-                      </a:endParaRPr>
                     </a:p>
                   </a:txBody>
                   <a:tcPr/>
@@ -30819,7 +30743,7 @@
                     <a:lstStyle/>
                     <a:p>
                       <a:r>
-                        <a:rPr kumimoji="1" lang="en-US" altLang="ja-JP" sz="1200" dirty="0" smtClean="0">
+                        <a:rPr kumimoji="1" lang="en-US" altLang="ja-JP" sz="1200" dirty="0">
                           <a:latin typeface="Meiryo UI" panose="020B0604030504040204" pitchFamily="50" charset="-128"/>
                           <a:ea typeface="Meiryo UI" panose="020B0604030504040204" pitchFamily="50" charset="-128"/>
                         </a:rPr>
@@ -30856,13 +30780,13 @@
                         <a:defRPr/>
                       </a:pPr>
                       <a:r>
-                        <a:rPr kumimoji="1" lang="en-US" altLang="ja-JP" sz="1200" dirty="0" smtClean="0">
+                        <a:rPr kumimoji="1" lang="en-US" altLang="ja-JP" sz="1200" dirty="0">
                           <a:latin typeface="Meiryo UI" panose="020B0604030504040204" pitchFamily="50" charset="-128"/>
                           <a:ea typeface="Meiryo UI" panose="020B0604030504040204" pitchFamily="50" charset="-128"/>
                         </a:rPr>
                         <a:t>201905</a:t>
                       </a:r>
-                      <a:endParaRPr kumimoji="1" lang="ja-JP" altLang="en-US" sz="1200" dirty="0" smtClean="0">
+                      <a:endParaRPr kumimoji="1" lang="ja-JP" altLang="en-US" sz="1200" dirty="0">
                         <a:latin typeface="Meiryo UI" panose="020B0604030504040204" pitchFamily="50" charset="-128"/>
                         <a:ea typeface="Meiryo UI" panose="020B0604030504040204" pitchFamily="50" charset="-128"/>
                       </a:endParaRPr>
@@ -30876,7 +30800,7 @@
                     <a:lstStyle/>
                     <a:p>
                       <a:r>
-                        <a:rPr kumimoji="1" lang="en-US" altLang="ja-JP" sz="1200" dirty="0" smtClean="0">
+                        <a:rPr kumimoji="1" lang="en-US" altLang="ja-JP" sz="1200" dirty="0">
                           <a:latin typeface="Meiryo UI" panose="020B0604030504040204" pitchFamily="50" charset="-128"/>
                           <a:ea typeface="Meiryo UI" panose="020B0604030504040204" pitchFamily="50" charset="-128"/>
                         </a:rPr>
@@ -30913,7 +30837,7 @@
                         <a:defRPr/>
                       </a:pPr>
                       <a:r>
-                        <a:rPr kumimoji="1" lang="ja-JP" altLang="en-US" sz="1200" dirty="0" smtClean="0">
+                        <a:rPr kumimoji="1" lang="ja-JP" altLang="en-US" sz="1200" dirty="0">
                           <a:latin typeface="Meiryo UI" panose="020B0604030504040204" pitchFamily="50" charset="-128"/>
                           <a:ea typeface="Meiryo UI" panose="020B0604030504040204" pitchFamily="50" charset="-128"/>
                         </a:rPr>
@@ -30936,7 +30860,7 @@
                     <a:lstStyle/>
                     <a:p>
                       <a:r>
-                        <a:rPr kumimoji="1" lang="en-US" altLang="ja-JP" sz="1200" dirty="0" smtClean="0">
+                        <a:rPr kumimoji="1" lang="en-US" altLang="ja-JP" sz="1200" dirty="0">
                           <a:latin typeface="Meiryo UI" panose="020B0604030504040204" pitchFamily="50" charset="-128"/>
                           <a:ea typeface="Meiryo UI" panose="020B0604030504040204" pitchFamily="50" charset="-128"/>
                         </a:rPr>
@@ -30973,31 +30897,11 @@
                         <a:defRPr/>
                       </a:pPr>
                       <a:r>
-                        <a:rPr kumimoji="1" lang="en-US" altLang="ja-JP" sz="1200" dirty="0" smtClean="0">
+                        <a:rPr kumimoji="1" lang="en-US" altLang="ja-JP" sz="1200" dirty="0">
                           <a:latin typeface="Meiryo UI" panose="020B0604030504040204" pitchFamily="50" charset="-128"/>
                           <a:ea typeface="Meiryo UI" panose="020B0604030504040204" pitchFamily="50" charset="-128"/>
                         </a:rPr>
                         <a:t>201905</a:t>
-                      </a:r>
-                      <a:endParaRPr kumimoji="1" lang="ja-JP" altLang="en-US" sz="1200" dirty="0" smtClean="0">
-                        <a:latin typeface="Meiryo UI" panose="020B0604030504040204" pitchFamily="50" charset="-128"/>
-                        <a:ea typeface="Meiryo UI" panose="020B0604030504040204" pitchFamily="50" charset="-128"/>
-                      </a:endParaRPr>
-                    </a:p>
-                  </a:txBody>
-                  <a:tcPr/>
-                </a:tc>
-                <a:tc>
-                  <a:txBody>
-                    <a:bodyPr/>
-                    <a:lstStyle/>
-                    <a:p>
-                      <a:r>
-                        <a:rPr kumimoji="1" lang="en-US" altLang="ja-JP" sz="1200" dirty="0" smtClean="0">
-                          <a:latin typeface="Meiryo UI" panose="020B0604030504040204" pitchFamily="50" charset="-128"/>
-                          <a:ea typeface="Meiryo UI" panose="020B0604030504040204" pitchFamily="50" charset="-128"/>
-                        </a:rPr>
-                        <a:t>2019/5/1</a:t>
                       </a:r>
                       <a:endParaRPr kumimoji="1" lang="ja-JP" altLang="en-US" sz="1200" dirty="0">
                         <a:latin typeface="Meiryo UI" panose="020B0604030504040204" pitchFamily="50" charset="-128"/>
@@ -31013,16 +30917,32 @@
                     <a:lstStyle/>
                     <a:p>
                       <a:r>
-                        <a:rPr kumimoji="1" lang="ja-JP" altLang="en-US" sz="1200" dirty="0" smtClean="0">
+                        <a:rPr kumimoji="1" lang="en-US" altLang="ja-JP" sz="1200" dirty="0">
                           <a:latin typeface="Meiryo UI" panose="020B0604030504040204" pitchFamily="50" charset="-128"/>
                           <a:ea typeface="Meiryo UI" panose="020B0604030504040204" pitchFamily="50" charset="-128"/>
                         </a:rPr>
-                        <a:t>リンパ浮腫</a:t>
+                        <a:t>2019/5/1</a:t>
                       </a:r>
                       <a:endParaRPr kumimoji="1" lang="ja-JP" altLang="en-US" sz="1200" dirty="0">
                         <a:latin typeface="Meiryo UI" panose="020B0604030504040204" pitchFamily="50" charset="-128"/>
                         <a:ea typeface="Meiryo UI" panose="020B0604030504040204" pitchFamily="50" charset="-128"/>
                       </a:endParaRPr>
+                    </a:p>
+                  </a:txBody>
+                  <a:tcPr/>
+                </a:tc>
+                <a:tc>
+                  <a:txBody>
+                    <a:bodyPr/>
+                    <a:lstStyle/>
+                    <a:p>
+                      <a:r>
+                        <a:rPr kumimoji="1" lang="ja-JP" altLang="en-US" sz="1200" dirty="0">
+                          <a:latin typeface="Meiryo UI" panose="020B0604030504040204" pitchFamily="50" charset="-128"/>
+                          <a:ea typeface="Meiryo UI" panose="020B0604030504040204" pitchFamily="50" charset="-128"/>
+                        </a:rPr>
+                        <a:t>リンパ浮腫</a:t>
+                      </a:r>
                     </a:p>
                   </a:txBody>
                   <a:tcPr/>
@@ -31040,7 +30960,7 @@
                     <a:lstStyle/>
                     <a:p>
                       <a:r>
-                        <a:rPr kumimoji="1" lang="en-US" altLang="ja-JP" sz="1200" dirty="0" smtClean="0">
+                        <a:rPr kumimoji="1" lang="en-US" altLang="ja-JP" sz="1200" dirty="0">
                           <a:latin typeface="Meiryo UI" panose="020B0604030504040204" pitchFamily="50" charset="-128"/>
                           <a:ea typeface="Meiryo UI" panose="020B0604030504040204" pitchFamily="50" charset="-128"/>
                         </a:rPr>
@@ -31077,31 +30997,11 @@
                         <a:defRPr/>
                       </a:pPr>
                       <a:r>
-                        <a:rPr kumimoji="1" lang="en-US" altLang="ja-JP" sz="1200" dirty="0" smtClean="0">
+                        <a:rPr kumimoji="1" lang="en-US" altLang="ja-JP" sz="1200" dirty="0">
                           <a:latin typeface="Meiryo UI" panose="020B0604030504040204" pitchFamily="50" charset="-128"/>
                           <a:ea typeface="Meiryo UI" panose="020B0604030504040204" pitchFamily="50" charset="-128"/>
                         </a:rPr>
                         <a:t>202008</a:t>
-                      </a:r>
-                      <a:endParaRPr kumimoji="1" lang="ja-JP" altLang="en-US" sz="1200" dirty="0" smtClean="0">
-                        <a:latin typeface="Meiryo UI" panose="020B0604030504040204" pitchFamily="50" charset="-128"/>
-                        <a:ea typeface="Meiryo UI" panose="020B0604030504040204" pitchFamily="50" charset="-128"/>
-                      </a:endParaRPr>
-                    </a:p>
-                  </a:txBody>
-                  <a:tcPr/>
-                </a:tc>
-                <a:tc>
-                  <a:txBody>
-                    <a:bodyPr/>
-                    <a:lstStyle/>
-                    <a:p>
-                      <a:r>
-                        <a:rPr kumimoji="1" lang="en-US" altLang="ja-JP" sz="1200" dirty="0" smtClean="0">
-                          <a:latin typeface="Meiryo UI" panose="020B0604030504040204" pitchFamily="50" charset="-128"/>
-                          <a:ea typeface="Meiryo UI" panose="020B0604030504040204" pitchFamily="50" charset="-128"/>
-                        </a:rPr>
-                        <a:t>2020/8/24</a:t>
                       </a:r>
                       <a:endParaRPr kumimoji="1" lang="ja-JP" altLang="en-US" sz="1200" dirty="0">
                         <a:latin typeface="Meiryo UI" panose="020B0604030504040204" pitchFamily="50" charset="-128"/>
@@ -31117,16 +31017,32 @@
                     <a:lstStyle/>
                     <a:p>
                       <a:r>
-                        <a:rPr kumimoji="1" lang="ja-JP" altLang="en-US" sz="1200" dirty="0" smtClean="0">
+                        <a:rPr kumimoji="1" lang="en-US" altLang="ja-JP" sz="1200" dirty="0">
                           <a:latin typeface="Meiryo UI" panose="020B0604030504040204" pitchFamily="50" charset="-128"/>
                           <a:ea typeface="Meiryo UI" panose="020B0604030504040204" pitchFamily="50" charset="-128"/>
                         </a:rPr>
-                        <a:t>乳癌</a:t>
+                        <a:t>2020/8/24</a:t>
                       </a:r>
                       <a:endParaRPr kumimoji="1" lang="ja-JP" altLang="en-US" sz="1200" dirty="0">
                         <a:latin typeface="Meiryo UI" panose="020B0604030504040204" pitchFamily="50" charset="-128"/>
                         <a:ea typeface="Meiryo UI" panose="020B0604030504040204" pitchFamily="50" charset="-128"/>
                       </a:endParaRPr>
+                    </a:p>
+                  </a:txBody>
+                  <a:tcPr/>
+                </a:tc>
+                <a:tc>
+                  <a:txBody>
+                    <a:bodyPr/>
+                    <a:lstStyle/>
+                    <a:p>
+                      <a:r>
+                        <a:rPr kumimoji="1" lang="ja-JP" altLang="en-US" sz="1200" dirty="0">
+                          <a:latin typeface="Meiryo UI" panose="020B0604030504040204" pitchFamily="50" charset="-128"/>
+                          <a:ea typeface="Meiryo UI" panose="020B0604030504040204" pitchFamily="50" charset="-128"/>
+                        </a:rPr>
+                        <a:t>乳癌</a:t>
+                      </a:r>
                     </a:p>
                   </a:txBody>
                   <a:tcPr/>
@@ -31185,7 +31101,7 @@
           <a:lstStyle/>
           <a:p>
             <a:r>
-              <a:rPr lang="en-US" altLang="ja-JP" sz="1200" dirty="0" smtClean="0">
+              <a:rPr lang="en-US" altLang="ja-JP" sz="1200" dirty="0">
                 <a:solidFill>
                   <a:schemeClr val="tx1"/>
                 </a:solidFill>
@@ -31195,7 +31111,7 @@
               <a:t>【DPC</a:t>
             </a:r>
             <a:r>
-              <a:rPr lang="ja-JP" altLang="en-US" sz="1200" dirty="0" err="1" smtClean="0">
+              <a:rPr lang="ja-JP" altLang="en-US" sz="1200" dirty="0" err="1">
                 <a:solidFill>
                   <a:schemeClr val="tx1"/>
                 </a:solidFill>
@@ -31205,7 +31121,7 @@
               <a:t>での抽</a:t>
             </a:r>
             <a:r>
-              <a:rPr lang="ja-JP" altLang="en-US" sz="1200" dirty="0" smtClean="0">
+              <a:rPr lang="ja-JP" altLang="en-US" sz="1200" dirty="0">
                 <a:solidFill>
                   <a:schemeClr val="tx1"/>
                 </a:solidFill>
@@ -31215,7 +31131,7 @@
               <a:t>出結果</a:t>
             </a:r>
             <a:r>
-              <a:rPr lang="en-US" altLang="ja-JP" sz="1200" dirty="0" smtClean="0">
+              <a:rPr lang="en-US" altLang="ja-JP" sz="1200" dirty="0">
                 <a:solidFill>
                   <a:schemeClr val="tx1"/>
                 </a:solidFill>
@@ -31278,7 +31194,7 @@
           <a:lstStyle/>
           <a:p>
             <a:r>
-              <a:rPr lang="en-US" altLang="ja-JP" sz="1200" dirty="0" smtClean="0">
+              <a:rPr lang="en-US" altLang="ja-JP" sz="1200" dirty="0">
                 <a:solidFill>
                   <a:schemeClr val="tx1"/>
                 </a:solidFill>
@@ -31288,7 +31204,7 @@
               <a:t>【MML</a:t>
             </a:r>
             <a:r>
-              <a:rPr lang="ja-JP" altLang="en-US" sz="1200" dirty="0" err="1" smtClean="0">
+              <a:rPr lang="ja-JP" altLang="en-US" sz="1200" dirty="0" err="1">
                 <a:solidFill>
                   <a:schemeClr val="tx1"/>
                 </a:solidFill>
@@ -31298,7 +31214,7 @@
               <a:t>での抽</a:t>
             </a:r>
             <a:r>
-              <a:rPr lang="ja-JP" altLang="en-US" sz="1200" dirty="0" smtClean="0">
+              <a:rPr lang="ja-JP" altLang="en-US" sz="1200" dirty="0">
                 <a:solidFill>
                   <a:schemeClr val="tx1"/>
                 </a:solidFill>
@@ -31308,7 +31224,7 @@
               <a:t>出結果</a:t>
             </a:r>
             <a:r>
-              <a:rPr lang="en-US" altLang="ja-JP" sz="1200" dirty="0" smtClean="0">
+              <a:rPr lang="en-US" altLang="ja-JP" sz="1200" dirty="0">
                 <a:solidFill>
                   <a:schemeClr val="tx1"/>
                 </a:solidFill>
@@ -31402,14 +31318,14 @@
                     <a:lstStyle/>
                     <a:p>
                       <a:r>
-                        <a:rPr kumimoji="1" lang="ja-JP" altLang="en-US" sz="1200" dirty="0" smtClean="0">
+                        <a:rPr kumimoji="1" lang="ja-JP" altLang="en-US" sz="1200" dirty="0">
                           <a:latin typeface="Meiryo UI" panose="020B0604030504040204" pitchFamily="50" charset="-128"/>
                           <a:ea typeface="Meiryo UI" panose="020B0604030504040204" pitchFamily="50" charset="-128"/>
                         </a:rPr>
                         <a:t>患者</a:t>
                       </a:r>
                       <a:r>
-                        <a:rPr kumimoji="1" lang="en-US" altLang="ja-JP" sz="1200" dirty="0" smtClean="0">
+                        <a:rPr kumimoji="1" lang="en-US" altLang="ja-JP" sz="1200" dirty="0">
                           <a:latin typeface="Meiryo UI" panose="020B0604030504040204" pitchFamily="50" charset="-128"/>
                           <a:ea typeface="Meiryo UI" panose="020B0604030504040204" pitchFamily="50" charset="-128"/>
                         </a:rPr>
@@ -31429,14 +31345,14 @@
                     <a:lstStyle/>
                     <a:p>
                       <a:r>
-                        <a:rPr kumimoji="1" lang="ja-JP" altLang="en-US" sz="1200" dirty="0" smtClean="0">
+                        <a:rPr kumimoji="1" lang="ja-JP" altLang="en-US" sz="1200" dirty="0">
                           <a:latin typeface="Meiryo UI" panose="020B0604030504040204" pitchFamily="50" charset="-128"/>
                           <a:ea typeface="Meiryo UI" panose="020B0604030504040204" pitchFamily="50" charset="-128"/>
                         </a:rPr>
                         <a:t>文書ユニーク</a:t>
                       </a:r>
                       <a:r>
-                        <a:rPr kumimoji="1" lang="en-US" altLang="ja-JP" sz="1200" dirty="0" smtClean="0">
+                        <a:rPr kumimoji="1" lang="en-US" altLang="ja-JP" sz="1200" dirty="0">
                           <a:latin typeface="Meiryo UI" panose="020B0604030504040204" pitchFamily="50" charset="-128"/>
                           <a:ea typeface="Meiryo UI" panose="020B0604030504040204" pitchFamily="50" charset="-128"/>
                         </a:rPr>
@@ -31456,16 +31372,12 @@
                     <a:lstStyle/>
                     <a:p>
                       <a:r>
-                        <a:rPr kumimoji="1" lang="ja-JP" altLang="en-US" sz="1200" dirty="0" smtClean="0">
+                        <a:rPr kumimoji="1" lang="ja-JP" altLang="en-US" sz="1200" dirty="0">
                           <a:latin typeface="Meiryo UI" panose="020B0604030504040204" pitchFamily="50" charset="-128"/>
                           <a:ea typeface="Meiryo UI" panose="020B0604030504040204" pitchFamily="50" charset="-128"/>
                         </a:rPr>
                         <a:t>診療年月日</a:t>
                       </a:r>
-                      <a:endParaRPr kumimoji="1" lang="ja-JP" altLang="en-US" sz="1200" dirty="0">
-                        <a:latin typeface="Meiryo UI" panose="020B0604030504040204" pitchFamily="50" charset="-128"/>
-                        <a:ea typeface="Meiryo UI" panose="020B0604030504040204" pitchFamily="50" charset="-128"/>
-                      </a:endParaRPr>
                     </a:p>
                   </a:txBody>
                   <a:tcPr/>
@@ -31476,16 +31388,12 @@
                     <a:lstStyle/>
                     <a:p>
                       <a:r>
-                        <a:rPr kumimoji="1" lang="ja-JP" altLang="en-US" sz="1200" dirty="0" smtClean="0">
+                        <a:rPr kumimoji="1" lang="ja-JP" altLang="en-US" sz="1200" dirty="0">
                           <a:latin typeface="Meiryo UI" panose="020B0604030504040204" pitchFamily="50" charset="-128"/>
                           <a:ea typeface="Meiryo UI" panose="020B0604030504040204" pitchFamily="50" charset="-128"/>
                         </a:rPr>
                         <a:t>疾患開始日</a:t>
                       </a:r>
-                      <a:endParaRPr kumimoji="1" lang="ja-JP" altLang="en-US" sz="1200" dirty="0">
-                        <a:latin typeface="Meiryo UI" panose="020B0604030504040204" pitchFamily="50" charset="-128"/>
-                        <a:ea typeface="Meiryo UI" panose="020B0604030504040204" pitchFamily="50" charset="-128"/>
-                      </a:endParaRPr>
                     </a:p>
                   </a:txBody>
                   <a:tcPr/>
@@ -31496,16 +31404,12 @@
                     <a:lstStyle/>
                     <a:p>
                       <a:r>
-                        <a:rPr kumimoji="1" lang="ja-JP" altLang="en-US" sz="1200" dirty="0" smtClean="0">
+                        <a:rPr kumimoji="1" lang="ja-JP" altLang="en-US" sz="1200" dirty="0">
                           <a:latin typeface="Meiryo UI" panose="020B0604030504040204" pitchFamily="50" charset="-128"/>
                           <a:ea typeface="Meiryo UI" panose="020B0604030504040204" pitchFamily="50" charset="-128"/>
                         </a:rPr>
                         <a:t>病名</a:t>
                       </a:r>
-                      <a:endParaRPr kumimoji="1" lang="ja-JP" altLang="en-US" sz="1200" dirty="0">
-                        <a:latin typeface="Meiryo UI" panose="020B0604030504040204" pitchFamily="50" charset="-128"/>
-                        <a:ea typeface="Meiryo UI" panose="020B0604030504040204" pitchFamily="50" charset="-128"/>
-                      </a:endParaRPr>
                     </a:p>
                   </a:txBody>
                   <a:tcPr/>
@@ -31516,16 +31420,12 @@
                     <a:lstStyle/>
                     <a:p>
                       <a:r>
-                        <a:rPr kumimoji="1" lang="ja-JP" altLang="en-US" sz="1200" dirty="0" smtClean="0">
+                        <a:rPr kumimoji="1" lang="ja-JP" altLang="en-US" sz="1200" dirty="0">
                           <a:latin typeface="Meiryo UI" panose="020B0604030504040204" pitchFamily="50" charset="-128"/>
                           <a:ea typeface="Meiryo UI" panose="020B0604030504040204" pitchFamily="50" charset="-128"/>
                         </a:rPr>
                         <a:t>行番号</a:t>
                       </a:r>
-                      <a:endParaRPr kumimoji="1" lang="ja-JP" altLang="en-US" sz="1200" dirty="0">
-                        <a:latin typeface="Meiryo UI" panose="020B0604030504040204" pitchFamily="50" charset="-128"/>
-                        <a:ea typeface="Meiryo UI" panose="020B0604030504040204" pitchFamily="50" charset="-128"/>
-                      </a:endParaRPr>
                     </a:p>
                   </a:txBody>
                   <a:tcPr/>
@@ -31543,7 +31443,7 @@
                     <a:lstStyle/>
                     <a:p>
                       <a:r>
-                        <a:rPr kumimoji="1" lang="en-US" altLang="ja-JP" sz="1200" dirty="0" smtClean="0">
+                        <a:rPr kumimoji="1" lang="en-US" altLang="ja-JP" sz="1200" dirty="0">
                           <a:latin typeface="Meiryo UI" panose="020B0604030504040204" pitchFamily="50" charset="-128"/>
                           <a:ea typeface="Meiryo UI" panose="020B0604030504040204" pitchFamily="50" charset="-128"/>
                         </a:rPr>
@@ -31563,7 +31463,7 @@
                     <a:lstStyle/>
                     <a:p>
                       <a:r>
-                        <a:rPr kumimoji="1" lang="en-US" altLang="ja-JP" sz="1200" dirty="0" smtClean="0">
+                        <a:rPr kumimoji="1" lang="en-US" altLang="ja-JP" sz="1200" dirty="0">
                           <a:latin typeface="Meiryo UI" panose="020B0604030504040204" pitchFamily="50" charset="-128"/>
                           <a:ea typeface="Meiryo UI" panose="020B0604030504040204" pitchFamily="50" charset="-128"/>
                         </a:rPr>
@@ -31583,7 +31483,7 @@
                     <a:lstStyle/>
                     <a:p>
                       <a:r>
-                        <a:rPr kumimoji="1" lang="en-US" altLang="ja-JP" sz="1200" dirty="0" smtClean="0">
+                        <a:rPr kumimoji="1" lang="en-US" altLang="ja-JP" sz="1200" dirty="0">
                           <a:latin typeface="Meiryo UI" panose="020B0604030504040204" pitchFamily="50" charset="-128"/>
                           <a:ea typeface="Meiryo UI" panose="020B0604030504040204" pitchFamily="50" charset="-128"/>
                         </a:rPr>
@@ -31603,7 +31503,7 @@
                     <a:lstStyle/>
                     <a:p>
                       <a:r>
-                        <a:rPr kumimoji="1" lang="en-US" altLang="ja-JP" sz="1200" dirty="0" smtClean="0">
+                        <a:rPr kumimoji="1" lang="en-US" altLang="ja-JP" sz="1200" dirty="0">
                           <a:latin typeface="Meiryo UI" panose="020B0604030504040204" pitchFamily="50" charset="-128"/>
                           <a:ea typeface="Meiryo UI" panose="020B0604030504040204" pitchFamily="50" charset="-128"/>
                         </a:rPr>
@@ -31640,7 +31540,7 @@
                         <a:defRPr/>
                       </a:pPr>
                       <a:r>
-                        <a:rPr kumimoji="1" lang="ja-JP" altLang="en-US" sz="1200" dirty="0" smtClean="0">
+                        <a:rPr kumimoji="1" lang="ja-JP" altLang="en-US" sz="1200" dirty="0">
                           <a:latin typeface="Meiryo UI" panose="020B0604030504040204" pitchFamily="50" charset="-128"/>
                           <a:ea typeface="Meiryo UI" panose="020B0604030504040204" pitchFamily="50" charset="-128"/>
                         </a:rPr>
@@ -31673,13 +31573,13 @@
                         <a:defRPr/>
                       </a:pPr>
                       <a:r>
-                        <a:rPr kumimoji="1" lang="en-US" altLang="ja-JP" sz="1200" dirty="0" smtClean="0">
+                        <a:rPr kumimoji="1" lang="en-US" altLang="ja-JP" sz="1200" dirty="0">
                           <a:latin typeface="Meiryo UI" panose="020B0604030504040204" pitchFamily="50" charset="-128"/>
                           <a:ea typeface="Meiryo UI" panose="020B0604030504040204" pitchFamily="50" charset="-128"/>
                         </a:rPr>
                         <a:t>1</a:t>
                       </a:r>
-                      <a:endParaRPr kumimoji="1" lang="ja-JP" altLang="en-US" sz="1200" dirty="0" smtClean="0">
+                      <a:endParaRPr kumimoji="1" lang="ja-JP" altLang="en-US" sz="1200" dirty="0">
                         <a:latin typeface="Meiryo UI" panose="020B0604030504040204" pitchFamily="50" charset="-128"/>
                         <a:ea typeface="Meiryo UI" panose="020B0604030504040204" pitchFamily="50" charset="-128"/>
                       </a:endParaRPr>
@@ -31700,7 +31600,7 @@
                     <a:lstStyle/>
                     <a:p>
                       <a:r>
-                        <a:rPr kumimoji="1" lang="en-US" altLang="ja-JP" sz="1200" dirty="0" smtClean="0">
+                        <a:rPr kumimoji="1" lang="en-US" altLang="ja-JP" sz="1200" dirty="0">
                           <a:latin typeface="Meiryo UI" panose="020B0604030504040204" pitchFamily="50" charset="-128"/>
                           <a:ea typeface="Meiryo UI" panose="020B0604030504040204" pitchFamily="50" charset="-128"/>
                         </a:rPr>
@@ -31720,7 +31620,7 @@
                     <a:lstStyle/>
                     <a:p>
                       <a:r>
-                        <a:rPr kumimoji="1" lang="en-US" altLang="ja-JP" sz="1200" dirty="0" smtClean="0">
+                        <a:rPr kumimoji="1" lang="en-US" altLang="ja-JP" sz="1200" dirty="0">
                           <a:latin typeface="Meiryo UI" panose="020B0604030504040204" pitchFamily="50" charset="-128"/>
                           <a:ea typeface="Meiryo UI" panose="020B0604030504040204" pitchFamily="50" charset="-128"/>
                         </a:rPr>
@@ -31740,7 +31640,7 @@
                     <a:lstStyle/>
                     <a:p>
                       <a:r>
-                        <a:rPr kumimoji="1" lang="en-US" altLang="ja-JP" sz="1200" dirty="0" smtClean="0">
+                        <a:rPr kumimoji="1" lang="en-US" altLang="ja-JP" sz="1200" dirty="0">
                           <a:latin typeface="Meiryo UI" panose="020B0604030504040204" pitchFamily="50" charset="-128"/>
                           <a:ea typeface="Meiryo UI" panose="020B0604030504040204" pitchFamily="50" charset="-128"/>
                         </a:rPr>
@@ -31760,7 +31660,7 @@
                     <a:lstStyle/>
                     <a:p>
                       <a:r>
-                        <a:rPr kumimoji="1" lang="en-US" altLang="ja-JP" sz="1200" dirty="0" smtClean="0">
+                        <a:rPr kumimoji="1" lang="en-US" altLang="ja-JP" sz="1200" dirty="0">
                           <a:latin typeface="Meiryo UI" panose="020B0604030504040204" pitchFamily="50" charset="-128"/>
                           <a:ea typeface="Meiryo UI" panose="020B0604030504040204" pitchFamily="50" charset="-128"/>
                         </a:rPr>
@@ -31780,16 +31680,12 @@
                     <a:lstStyle/>
                     <a:p>
                       <a:r>
-                        <a:rPr kumimoji="1" lang="ja-JP" altLang="en-US" sz="1200" dirty="0" smtClean="0">
+                        <a:rPr kumimoji="1" lang="ja-JP" altLang="en-US" sz="1200" dirty="0">
                           <a:latin typeface="Meiryo UI" panose="020B0604030504040204" pitchFamily="50" charset="-128"/>
                           <a:ea typeface="Meiryo UI" panose="020B0604030504040204" pitchFamily="50" charset="-128"/>
                         </a:rPr>
                         <a:t>乳癌</a:t>
                       </a:r>
-                      <a:endParaRPr kumimoji="1" lang="ja-JP" altLang="en-US" sz="1200" dirty="0">
-                        <a:latin typeface="Meiryo UI" panose="020B0604030504040204" pitchFamily="50" charset="-128"/>
-                        <a:ea typeface="Meiryo UI" panose="020B0604030504040204" pitchFamily="50" charset="-128"/>
-                      </a:endParaRPr>
                     </a:p>
                   </a:txBody>
                   <a:tcPr/>
@@ -31800,7 +31696,7 @@
                     <a:lstStyle/>
                     <a:p>
                       <a:r>
-                        <a:rPr kumimoji="1" lang="en-US" altLang="ja-JP" sz="1200" dirty="0" smtClean="0">
+                        <a:rPr kumimoji="1" lang="en-US" altLang="ja-JP" sz="1200" dirty="0">
                           <a:latin typeface="Meiryo UI" panose="020B0604030504040204" pitchFamily="50" charset="-128"/>
                           <a:ea typeface="Meiryo UI" panose="020B0604030504040204" pitchFamily="50" charset="-128"/>
                         </a:rPr>
@@ -31827,7 +31723,7 @@
                     <a:lstStyle/>
                     <a:p>
                       <a:r>
-                        <a:rPr kumimoji="1" lang="en-US" altLang="ja-JP" sz="1200" dirty="0" smtClean="0">
+                        <a:rPr kumimoji="1" lang="en-US" altLang="ja-JP" sz="1200" dirty="0">
                           <a:latin typeface="Meiryo UI" panose="020B0604030504040204" pitchFamily="50" charset="-128"/>
                           <a:ea typeface="Meiryo UI" panose="020B0604030504040204" pitchFamily="50" charset="-128"/>
                         </a:rPr>
@@ -31847,7 +31743,7 @@
                     <a:lstStyle/>
                     <a:p>
                       <a:r>
-                        <a:rPr kumimoji="1" lang="en-US" altLang="ja-JP" sz="1200" dirty="0" smtClean="0">
+                        <a:rPr kumimoji="1" lang="en-US" altLang="ja-JP" sz="1200" dirty="0">
                           <a:latin typeface="Meiryo UI" panose="020B0604030504040204" pitchFamily="50" charset="-128"/>
                           <a:ea typeface="Meiryo UI" panose="020B0604030504040204" pitchFamily="50" charset="-128"/>
                         </a:rPr>
@@ -31867,7 +31763,7 @@
                     <a:lstStyle/>
                     <a:p>
                       <a:r>
-                        <a:rPr kumimoji="1" lang="en-US" altLang="ja-JP" sz="1200" dirty="0" smtClean="0">
+                        <a:rPr kumimoji="1" lang="en-US" altLang="ja-JP" sz="1200" dirty="0">
                           <a:latin typeface="Meiryo UI" panose="020B0604030504040204" pitchFamily="50" charset="-128"/>
                           <a:ea typeface="Meiryo UI" panose="020B0604030504040204" pitchFamily="50" charset="-128"/>
                         </a:rPr>
@@ -31887,7 +31783,7 @@
                     <a:lstStyle/>
                     <a:p>
                       <a:r>
-                        <a:rPr kumimoji="1" lang="en-US" altLang="ja-JP" sz="1200" dirty="0" smtClean="0">
+                        <a:rPr kumimoji="1" lang="en-US" altLang="ja-JP" sz="1200" dirty="0">
                           <a:latin typeface="Meiryo UI" panose="020B0604030504040204" pitchFamily="50" charset="-128"/>
                           <a:ea typeface="Meiryo UI" panose="020B0604030504040204" pitchFamily="50" charset="-128"/>
                         </a:rPr>
@@ -31907,16 +31803,12 @@
                     <a:lstStyle/>
                     <a:p>
                       <a:r>
-                        <a:rPr kumimoji="1" lang="ja-JP" altLang="en-US" sz="1200" dirty="0" smtClean="0">
+                        <a:rPr kumimoji="1" lang="ja-JP" altLang="en-US" sz="1200" dirty="0">
                           <a:latin typeface="Meiryo UI" panose="020B0604030504040204" pitchFamily="50" charset="-128"/>
                           <a:ea typeface="Meiryo UI" panose="020B0604030504040204" pitchFamily="50" charset="-128"/>
                         </a:rPr>
                         <a:t>リンパ浮腫</a:t>
                       </a:r>
-                      <a:endParaRPr kumimoji="1" lang="ja-JP" altLang="en-US" sz="1200" dirty="0">
-                        <a:latin typeface="Meiryo UI" panose="020B0604030504040204" pitchFamily="50" charset="-128"/>
-                        <a:ea typeface="Meiryo UI" panose="020B0604030504040204" pitchFamily="50" charset="-128"/>
-                      </a:endParaRPr>
                     </a:p>
                   </a:txBody>
                   <a:tcPr/>
@@ -31927,7 +31819,7 @@
                     <a:lstStyle/>
                     <a:p>
                       <a:r>
-                        <a:rPr kumimoji="1" lang="en-US" altLang="ja-JP" sz="1200" dirty="0" smtClean="0">
+                        <a:rPr kumimoji="1" lang="en-US" altLang="ja-JP" sz="1200" dirty="0">
                           <a:latin typeface="Meiryo UI" panose="020B0604030504040204" pitchFamily="50" charset="-128"/>
                           <a:ea typeface="Meiryo UI" panose="020B0604030504040204" pitchFamily="50" charset="-128"/>
                         </a:rPr>
@@ -31961,13 +31853,6 @@
   <p:clrMapOvr>
     <a:masterClrMapping/>
   </p:clrMapOvr>
-  <p:timing>
-    <p:tnLst>
-      <p:par>
-        <p:cTn id="1" dur="indefinite" restart="never" nodeType="tmRoot"/>
-      </p:par>
-    </p:tnLst>
-  </p:timing>
 </p:sld>
 </file>
 
@@ -32220,61 +32105,47 @@
           </a:lstStyle>
           <a:p>
             <a:r>
-              <a:rPr lang="ja-JP" altLang="en-US" sz="1800" dirty="0" smtClean="0">
+              <a:rPr lang="ja-JP" altLang="en-US" sz="1800" dirty="0">
                 <a:latin typeface="Meiryo UI" panose="020B0604030504040204" pitchFamily="50" charset="-128"/>
                 <a:ea typeface="Meiryo UI" panose="020B0604030504040204" pitchFamily="50" charset="-128"/>
               </a:rPr>
               <a:t>疾患開始日は未通知患者の判定のため参照する項目の</a:t>
             </a:r>
             <a:r>
-              <a:rPr lang="en-US" altLang="ja-JP" sz="1800" dirty="0" smtClean="0">
+              <a:rPr lang="en-US" altLang="ja-JP" sz="1800" dirty="0">
                 <a:latin typeface="Meiryo UI" panose="020B0604030504040204" pitchFamily="50" charset="-128"/>
                 <a:ea typeface="Meiryo UI" panose="020B0604030504040204" pitchFamily="50" charset="-128"/>
               </a:rPr>
               <a:t>1</a:t>
             </a:r>
             <a:r>
-              <a:rPr lang="ja-JP" altLang="en-US" sz="1800" dirty="0" smtClean="0">
+              <a:rPr lang="ja-JP" altLang="en-US" sz="1800" dirty="0">
                 <a:latin typeface="Meiryo UI" panose="020B0604030504040204" pitchFamily="50" charset="-128"/>
                 <a:ea typeface="Meiryo UI" panose="020B0604030504040204" pitchFamily="50" charset="-128"/>
               </a:rPr>
               <a:t>つである。</a:t>
             </a:r>
-            <a:endParaRPr lang="en-US" altLang="ja-JP" sz="1800" dirty="0" smtClean="0">
+            <a:endParaRPr lang="en-US" altLang="ja-JP" sz="1800" dirty="0">
               <a:latin typeface="Meiryo UI" panose="020B0604030504040204" pitchFamily="50" charset="-128"/>
               <a:ea typeface="Meiryo UI" panose="020B0604030504040204" pitchFamily="50" charset="-128"/>
             </a:endParaRPr>
           </a:p>
           <a:p>
             <a:r>
-              <a:rPr lang="ja-JP" altLang="en-US" sz="1800" dirty="0" smtClean="0">
-                <a:latin typeface="Meiryo UI" panose="020B0604030504040204" pitchFamily="50" charset="-128"/>
-                <a:ea typeface="Meiryo UI" panose="020B0604030504040204" pitchFamily="50" charset="-128"/>
-              </a:rPr>
-              <a:t>もし</a:t>
-            </a:r>
-            <a:r>
               <a:rPr lang="ja-JP" altLang="en-US" sz="1800" dirty="0">
                 <a:latin typeface="Meiryo UI" panose="020B0604030504040204" pitchFamily="50" charset="-128"/>
                 <a:ea typeface="Meiryo UI" panose="020B0604030504040204" pitchFamily="50" charset="-128"/>
               </a:rPr>
-              <a:t>、疾患開始日以外の診療年月が全てオプトアウト通知前の日付が設定されていた場合、</a:t>
+              <a:t>もし、疾患開始日以外の診療年月が全てオプトアウト通知前の日付が設定されていた場合、</a:t>
             </a:r>
           </a:p>
           <a:p>
-            <a:r>
-              <a:rPr lang="ja-JP" altLang="en-US" sz="1800" dirty="0" smtClean="0">
-                <a:latin typeface="Meiryo UI" panose="020B0604030504040204" pitchFamily="50" charset="-128"/>
-                <a:ea typeface="Meiryo UI" panose="020B0604030504040204" pitchFamily="50" charset="-128"/>
-              </a:rPr>
-              <a:t>現行</a:t>
-            </a:r>
             <a:r>
               <a:rPr lang="ja-JP" altLang="en-US" sz="1800" dirty="0">
                 <a:latin typeface="Meiryo UI" panose="020B0604030504040204" pitchFamily="50" charset="-128"/>
                 <a:ea typeface="Meiryo UI" panose="020B0604030504040204" pitchFamily="50" charset="-128"/>
               </a:rPr>
-              <a:t>仕様では通知済み患者から未通知患者へと判定が変わることになる。</a:t>
+              <a:t>現行仕様では通知済み患者から未通知患者へと判定が変わることになる。</a:t>
             </a:r>
           </a:p>
         </p:txBody>
@@ -32354,11 +32225,34 @@
                     <a:lstStyle/>
                     <a:p>
                       <a:r>
-                        <a:rPr kumimoji="1" lang="ja-JP" altLang="en-US" sz="1200" dirty="0" smtClean="0">
+                        <a:rPr kumimoji="1" lang="ja-JP" altLang="en-US" sz="1200" dirty="0">
                           <a:latin typeface="Meiryo UI" panose="020B0604030504040204" pitchFamily="50" charset="-128"/>
                           <a:ea typeface="Meiryo UI" panose="020B0604030504040204" pitchFamily="50" charset="-128"/>
                         </a:rPr>
                         <a:t>取込年月</a:t>
+                      </a:r>
+                    </a:p>
+                  </a:txBody>
+                  <a:tcPr/>
+                </a:tc>
+                <a:tc>
+                  <a:txBody>
+                    <a:bodyPr/>
+                    <a:lstStyle/>
+                    <a:p>
+                      <a:r>
+                        <a:rPr kumimoji="1" lang="ja-JP" altLang="en-US" sz="1200" dirty="0">
+                          <a:latin typeface="Meiryo UI" panose="020B0604030504040204" pitchFamily="50" charset="-128"/>
+                          <a:ea typeface="Meiryo UI" panose="020B0604030504040204" pitchFamily="50" charset="-128"/>
+                        </a:rPr>
+                        <a:t>患者</a:t>
+                      </a:r>
+                      <a:r>
+                        <a:rPr kumimoji="1" lang="en-US" altLang="ja-JP" sz="1200" dirty="0">
+                          <a:latin typeface="Meiryo UI" panose="020B0604030504040204" pitchFamily="50" charset="-128"/>
+                          <a:ea typeface="Meiryo UI" panose="020B0604030504040204" pitchFamily="50" charset="-128"/>
+                        </a:rPr>
+                        <a:t>ID</a:t>
                       </a:r>
                       <a:endParaRPr kumimoji="1" lang="ja-JP" altLang="en-US" sz="1200" dirty="0">
                         <a:latin typeface="Meiryo UI" panose="020B0604030504040204" pitchFamily="50" charset="-128"/>
@@ -32374,14 +32268,14 @@
                     <a:lstStyle/>
                     <a:p>
                       <a:r>
-                        <a:rPr kumimoji="1" lang="ja-JP" altLang="en-US" sz="1200" dirty="0" smtClean="0">
+                        <a:rPr kumimoji="1" lang="ja-JP" altLang="en-US" sz="1200" dirty="0">
                           <a:latin typeface="Meiryo UI" panose="020B0604030504040204" pitchFamily="50" charset="-128"/>
                           <a:ea typeface="Meiryo UI" panose="020B0604030504040204" pitchFamily="50" charset="-128"/>
                         </a:rPr>
-                        <a:t>患者</a:t>
-                      </a:r>
-                      <a:r>
-                        <a:rPr kumimoji="1" lang="en-US" altLang="ja-JP" sz="1200" dirty="0" smtClean="0">
+                        <a:t>文書ユニーク</a:t>
+                      </a:r>
+                      <a:r>
+                        <a:rPr kumimoji="1" lang="en-US" altLang="ja-JP" sz="1200" dirty="0">
                           <a:latin typeface="Meiryo UI" panose="020B0604030504040204" pitchFamily="50" charset="-128"/>
                           <a:ea typeface="Meiryo UI" panose="020B0604030504040204" pitchFamily="50" charset="-128"/>
                         </a:rPr>
@@ -32401,23 +32295,28 @@
                     <a:lstStyle/>
                     <a:p>
                       <a:r>
-                        <a:rPr kumimoji="1" lang="ja-JP" altLang="en-US" sz="1200" dirty="0" smtClean="0">
+                        <a:rPr kumimoji="1" lang="ja-JP" altLang="en-US" sz="1200" dirty="0">
                           <a:latin typeface="Meiryo UI" panose="020B0604030504040204" pitchFamily="50" charset="-128"/>
                           <a:ea typeface="Meiryo UI" panose="020B0604030504040204" pitchFamily="50" charset="-128"/>
                         </a:rPr>
-                        <a:t>文書ユニーク</a:t>
-                      </a:r>
-                      <a:r>
-                        <a:rPr kumimoji="1" lang="en-US" altLang="ja-JP" sz="1200" dirty="0" smtClean="0">
+                        <a:t>診療年月日</a:t>
+                      </a:r>
+                    </a:p>
+                  </a:txBody>
+                  <a:tcPr/>
+                </a:tc>
+                <a:tc>
+                  <a:txBody>
+                    <a:bodyPr/>
+                    <a:lstStyle/>
+                    <a:p>
+                      <a:r>
+                        <a:rPr kumimoji="1" lang="ja-JP" altLang="en-US" sz="1200" dirty="0">
                           <a:latin typeface="Meiryo UI" panose="020B0604030504040204" pitchFamily="50" charset="-128"/>
                           <a:ea typeface="Meiryo UI" panose="020B0604030504040204" pitchFamily="50" charset="-128"/>
                         </a:rPr>
-                        <a:t>ID</a:t>
-                      </a:r>
-                      <a:endParaRPr kumimoji="1" lang="ja-JP" altLang="en-US" sz="1200" dirty="0">
-                        <a:latin typeface="Meiryo UI" panose="020B0604030504040204" pitchFamily="50" charset="-128"/>
-                        <a:ea typeface="Meiryo UI" panose="020B0604030504040204" pitchFamily="50" charset="-128"/>
-                      </a:endParaRPr>
+                        <a:t>疾患開始日</a:t>
+                      </a:r>
                     </a:p>
                   </a:txBody>
                   <a:tcPr/>
@@ -32428,56 +32327,12 @@
                     <a:lstStyle/>
                     <a:p>
                       <a:r>
-                        <a:rPr kumimoji="1" lang="ja-JP" altLang="en-US" sz="1200" dirty="0" smtClean="0">
+                        <a:rPr kumimoji="1" lang="ja-JP" altLang="en-US" sz="1200" dirty="0">
                           <a:latin typeface="Meiryo UI" panose="020B0604030504040204" pitchFamily="50" charset="-128"/>
                           <a:ea typeface="Meiryo UI" panose="020B0604030504040204" pitchFamily="50" charset="-128"/>
                         </a:rPr>
-                        <a:t>診療年月日</a:t>
-                      </a:r>
-                      <a:endParaRPr kumimoji="1" lang="ja-JP" altLang="en-US" sz="1200" dirty="0">
-                        <a:latin typeface="Meiryo UI" panose="020B0604030504040204" pitchFamily="50" charset="-128"/>
-                        <a:ea typeface="Meiryo UI" panose="020B0604030504040204" pitchFamily="50" charset="-128"/>
-                      </a:endParaRPr>
-                    </a:p>
-                  </a:txBody>
-                  <a:tcPr/>
-                </a:tc>
-                <a:tc>
-                  <a:txBody>
-                    <a:bodyPr/>
-                    <a:lstStyle/>
-                    <a:p>
-                      <a:r>
-                        <a:rPr kumimoji="1" lang="ja-JP" altLang="en-US" sz="1200" dirty="0" smtClean="0">
-                          <a:latin typeface="Meiryo UI" panose="020B0604030504040204" pitchFamily="50" charset="-128"/>
-                          <a:ea typeface="Meiryo UI" panose="020B0604030504040204" pitchFamily="50" charset="-128"/>
-                        </a:rPr>
-                        <a:t>疾患開始日</a:t>
-                      </a:r>
-                      <a:endParaRPr kumimoji="1" lang="ja-JP" altLang="en-US" sz="1200" dirty="0">
-                        <a:latin typeface="Meiryo UI" panose="020B0604030504040204" pitchFamily="50" charset="-128"/>
-                        <a:ea typeface="Meiryo UI" panose="020B0604030504040204" pitchFamily="50" charset="-128"/>
-                      </a:endParaRPr>
-                    </a:p>
-                  </a:txBody>
-                  <a:tcPr/>
-                </a:tc>
-                <a:tc>
-                  <a:txBody>
-                    <a:bodyPr/>
-                    <a:lstStyle/>
-                    <a:p>
-                      <a:r>
-                        <a:rPr kumimoji="1" lang="ja-JP" altLang="en-US" sz="1200" dirty="0" smtClean="0">
-                          <a:latin typeface="Meiryo UI" panose="020B0604030504040204" pitchFamily="50" charset="-128"/>
-                          <a:ea typeface="Meiryo UI" panose="020B0604030504040204" pitchFamily="50" charset="-128"/>
-                        </a:rPr>
                         <a:t>病名</a:t>
                       </a:r>
-                      <a:endParaRPr kumimoji="1" lang="ja-JP" altLang="en-US" sz="1200" dirty="0">
-                        <a:latin typeface="Meiryo UI" panose="020B0604030504040204" pitchFamily="50" charset="-128"/>
-                        <a:ea typeface="Meiryo UI" panose="020B0604030504040204" pitchFamily="50" charset="-128"/>
-                      </a:endParaRPr>
                     </a:p>
                   </a:txBody>
                   <a:tcPr/>
@@ -32495,7 +32350,7 @@
                     <a:lstStyle/>
                     <a:p>
                       <a:r>
-                        <a:rPr kumimoji="1" lang="en-US" altLang="ja-JP" sz="1200" dirty="0" smtClean="0">
+                        <a:rPr kumimoji="1" lang="en-US" altLang="ja-JP" sz="1200" dirty="0">
                           <a:latin typeface="Meiryo UI" panose="020B0604030504040204" pitchFamily="50" charset="-128"/>
                           <a:ea typeface="Meiryo UI" panose="020B0604030504040204" pitchFamily="50" charset="-128"/>
                         </a:rPr>
@@ -32515,7 +32370,7 @@
                     <a:lstStyle/>
                     <a:p>
                       <a:r>
-                        <a:rPr kumimoji="1" lang="en-US" altLang="ja-JP" sz="1200" dirty="0" smtClean="0">
+                        <a:rPr kumimoji="1" lang="en-US" altLang="ja-JP" sz="1200" dirty="0">
                           <a:latin typeface="Meiryo UI" panose="020B0604030504040204" pitchFamily="50" charset="-128"/>
                           <a:ea typeface="Meiryo UI" panose="020B0604030504040204" pitchFamily="50" charset="-128"/>
                         </a:rPr>
@@ -32535,7 +32390,7 @@
                     <a:lstStyle/>
                     <a:p>
                       <a:r>
-                        <a:rPr kumimoji="1" lang="en-US" altLang="ja-JP" sz="1200" dirty="0" smtClean="0">
+                        <a:rPr kumimoji="1" lang="en-US" altLang="ja-JP" sz="1200" dirty="0">
                           <a:latin typeface="Meiryo UI" panose="020B0604030504040204" pitchFamily="50" charset="-128"/>
                           <a:ea typeface="Meiryo UI" panose="020B0604030504040204" pitchFamily="50" charset="-128"/>
                         </a:rPr>
@@ -32555,7 +32410,7 @@
                     <a:lstStyle/>
                     <a:p>
                       <a:r>
-                        <a:rPr kumimoji="1" lang="en-US" altLang="ja-JP" sz="1200" dirty="0" smtClean="0">
+                        <a:rPr kumimoji="1" lang="en-US" altLang="ja-JP" sz="1200" dirty="0">
                           <a:latin typeface="Meiryo UI" panose="020B0604030504040204" pitchFamily="50" charset="-128"/>
                           <a:ea typeface="Meiryo UI" panose="020B0604030504040204" pitchFamily="50" charset="-128"/>
                         </a:rPr>
@@ -32575,7 +32430,7 @@
                     <a:lstStyle/>
                     <a:p>
                       <a:r>
-                        <a:rPr kumimoji="1" lang="en-US" altLang="ja-JP" sz="1200" dirty="0" smtClean="0">
+                        <a:rPr kumimoji="1" lang="en-US" altLang="ja-JP" sz="1200" dirty="0">
                           <a:latin typeface="Meiryo UI" panose="020B0604030504040204" pitchFamily="50" charset="-128"/>
                           <a:ea typeface="Meiryo UI" panose="020B0604030504040204" pitchFamily="50" charset="-128"/>
                         </a:rPr>
@@ -32612,7 +32467,7 @@
                         <a:defRPr/>
                       </a:pPr>
                       <a:r>
-                        <a:rPr kumimoji="1" lang="ja-JP" altLang="en-US" sz="1200" dirty="0" smtClean="0">
+                        <a:rPr kumimoji="1" lang="ja-JP" altLang="en-US" sz="1200" dirty="0">
                           <a:latin typeface="Meiryo UI" panose="020B0604030504040204" pitchFamily="50" charset="-128"/>
                           <a:ea typeface="Meiryo UI" panose="020B0604030504040204" pitchFamily="50" charset="-128"/>
                         </a:rPr>
@@ -32635,7 +32490,7 @@
                     <a:lstStyle/>
                     <a:p>
                       <a:r>
-                        <a:rPr kumimoji="1" lang="en-US" altLang="ja-JP" sz="1200" dirty="0" smtClean="0">
+                        <a:rPr kumimoji="1" lang="en-US" altLang="ja-JP" sz="1200" dirty="0">
                           <a:latin typeface="Meiryo UI" panose="020B0604030504040204" pitchFamily="50" charset="-128"/>
                           <a:ea typeface="Meiryo UI" panose="020B0604030504040204" pitchFamily="50" charset="-128"/>
                         </a:rPr>
@@ -32655,7 +32510,7 @@
                     <a:lstStyle/>
                     <a:p>
                       <a:r>
-                        <a:rPr kumimoji="1" lang="en-US" altLang="ja-JP" sz="1200" dirty="0" smtClean="0">
+                        <a:rPr kumimoji="1" lang="en-US" altLang="ja-JP" sz="1200" dirty="0">
                           <a:latin typeface="Meiryo UI" panose="020B0604030504040204" pitchFamily="50" charset="-128"/>
                           <a:ea typeface="Meiryo UI" panose="020B0604030504040204" pitchFamily="50" charset="-128"/>
                         </a:rPr>
@@ -32675,7 +32530,7 @@
                     <a:lstStyle/>
                     <a:p>
                       <a:r>
-                        <a:rPr kumimoji="1" lang="en-US" altLang="ja-JP" sz="1200" dirty="0" smtClean="0">
+                        <a:rPr kumimoji="1" lang="en-US" altLang="ja-JP" sz="1200" dirty="0">
                           <a:latin typeface="Meiryo UI" panose="020B0604030504040204" pitchFamily="50" charset="-128"/>
                           <a:ea typeface="Meiryo UI" panose="020B0604030504040204" pitchFamily="50" charset="-128"/>
                         </a:rPr>
@@ -32695,7 +32550,7 @@
                     <a:lstStyle/>
                     <a:p>
                       <a:r>
-                        <a:rPr kumimoji="1" lang="en-US" altLang="ja-JP" sz="1200" dirty="0" smtClean="0">
+                        <a:rPr kumimoji="1" lang="en-US" altLang="ja-JP" sz="1200" dirty="0">
                           <a:latin typeface="Meiryo UI" panose="020B0604030504040204" pitchFamily="50" charset="-128"/>
                           <a:ea typeface="Meiryo UI" panose="020B0604030504040204" pitchFamily="50" charset="-128"/>
                         </a:rPr>
@@ -32715,7 +32570,7 @@
                     <a:lstStyle/>
                     <a:p>
                       <a:r>
-                        <a:rPr kumimoji="1" lang="en-US" altLang="ja-JP" sz="1200" dirty="0" smtClean="0">
+                        <a:rPr kumimoji="1" lang="en-US" altLang="ja-JP" sz="1200" dirty="0">
                           <a:latin typeface="Meiryo UI" panose="020B0604030504040204" pitchFamily="50" charset="-128"/>
                           <a:ea typeface="Meiryo UI" panose="020B0604030504040204" pitchFamily="50" charset="-128"/>
                         </a:rPr>
@@ -32735,16 +32590,12 @@
                     <a:lstStyle/>
                     <a:p>
                       <a:r>
-                        <a:rPr kumimoji="1" lang="ja-JP" altLang="en-US" sz="1200" dirty="0" smtClean="0">
+                        <a:rPr kumimoji="1" lang="ja-JP" altLang="en-US" sz="1200" dirty="0">
                           <a:latin typeface="Meiryo UI" panose="020B0604030504040204" pitchFamily="50" charset="-128"/>
                           <a:ea typeface="Meiryo UI" panose="020B0604030504040204" pitchFamily="50" charset="-128"/>
                         </a:rPr>
                         <a:t>乳癌</a:t>
                       </a:r>
-                      <a:endParaRPr kumimoji="1" lang="ja-JP" altLang="en-US" sz="1200" dirty="0">
-                        <a:latin typeface="Meiryo UI" panose="020B0604030504040204" pitchFamily="50" charset="-128"/>
-                        <a:ea typeface="Meiryo UI" panose="020B0604030504040204" pitchFamily="50" charset="-128"/>
-                      </a:endParaRPr>
                     </a:p>
                   </a:txBody>
                   <a:tcPr/>
@@ -32806,7 +32657,7 @@
           <a:p>
             <a:pPr algn="ctr"/>
             <a:r>
-              <a:rPr lang="en-US" altLang="ja-JP" sz="1200" dirty="0" smtClean="0">
+              <a:rPr lang="en-US" altLang="ja-JP" sz="1200" dirty="0">
                 <a:solidFill>
                   <a:schemeClr val="tx1"/>
                 </a:solidFill>
@@ -32879,25 +32730,8 @@
                 <a:latin typeface="Meiryo UI" panose="020B0604030504040204" pitchFamily="50" charset="-128"/>
                 <a:ea typeface="Meiryo UI" panose="020B0604030504040204" pitchFamily="50" charset="-128"/>
               </a:rPr>
-              <a:t>オプトアウト</a:t>
-            </a:r>
-            <a:r>
-              <a:rPr lang="ja-JP" altLang="en-US" sz="1200" dirty="0" smtClean="0">
-                <a:solidFill>
-                  <a:schemeClr val="tx1"/>
-                </a:solidFill>
-                <a:latin typeface="Meiryo UI" panose="020B0604030504040204" pitchFamily="50" charset="-128"/>
-                <a:ea typeface="Meiryo UI" panose="020B0604030504040204" pitchFamily="50" charset="-128"/>
-              </a:rPr>
-              <a:t>通知開始日</a:t>
-            </a:r>
-            <a:endParaRPr lang="ja-JP" altLang="en-US" sz="1200" dirty="0">
-              <a:solidFill>
-                <a:schemeClr val="tx1"/>
-              </a:solidFill>
-              <a:latin typeface="Meiryo UI" panose="020B0604030504040204" pitchFamily="50" charset="-128"/>
-              <a:ea typeface="Meiryo UI" panose="020B0604030504040204" pitchFamily="50" charset="-128"/>
-            </a:endParaRPr>
+              <a:t>オプトアウト通知開始日</a:t>
+            </a:r>
           </a:p>
         </p:txBody>
       </p:sp>
@@ -32948,7 +32782,7 @@
           <a:p>
             <a:pPr algn="ctr"/>
             <a:r>
-              <a:rPr lang="en-US" altLang="ja-JP" sz="1200" dirty="0" smtClean="0">
+              <a:rPr lang="en-US" altLang="ja-JP" sz="1200" dirty="0">
                 <a:solidFill>
                   <a:schemeClr val="tx1"/>
                 </a:solidFill>
@@ -33014,7 +32848,7 @@
           <a:p>
             <a:pPr algn="ctr"/>
             <a:r>
-              <a:rPr lang="ja-JP" altLang="en-US" sz="1200" dirty="0" smtClean="0">
+              <a:rPr lang="ja-JP" altLang="en-US" sz="1200" dirty="0">
                 <a:solidFill>
                   <a:schemeClr val="tx1"/>
                 </a:solidFill>
@@ -33023,13 +32857,6 @@
               </a:rPr>
               <a:t>疾患開始日</a:t>
             </a:r>
-            <a:endParaRPr lang="ja-JP" altLang="en-US" sz="1200" dirty="0">
-              <a:solidFill>
-                <a:schemeClr val="tx1"/>
-              </a:solidFill>
-              <a:latin typeface="Meiryo UI" panose="020B0604030504040204" pitchFamily="50" charset="-128"/>
-              <a:ea typeface="Meiryo UI" panose="020B0604030504040204" pitchFamily="50" charset="-128"/>
-            </a:endParaRPr>
           </a:p>
         </p:txBody>
       </p:sp>
@@ -33151,7 +32978,7 @@
           <a:lstStyle/>
           <a:p>
             <a:r>
-              <a:rPr lang="en-US" altLang="ja-JP" sz="1200" dirty="0" smtClean="0">
+              <a:rPr lang="en-US" altLang="ja-JP" sz="1200" dirty="0">
                 <a:solidFill>
                   <a:schemeClr val="tx1"/>
                 </a:solidFill>
@@ -33161,7 +32988,7 @@
               <a:t>【</a:t>
             </a:r>
             <a:r>
-              <a:rPr lang="ja-JP" altLang="en-US" sz="1200" dirty="0" smtClean="0">
+              <a:rPr lang="ja-JP" altLang="en-US" sz="1200" dirty="0">
                 <a:solidFill>
                   <a:schemeClr val="tx1"/>
                 </a:solidFill>
@@ -33171,7 +32998,7 @@
               <a:t>現行仕様　</a:t>
             </a:r>
             <a:r>
-              <a:rPr lang="en-US" altLang="ja-JP" sz="1200" dirty="0" smtClean="0">
+              <a:rPr lang="en-US" altLang="ja-JP" sz="1200" dirty="0">
                 <a:solidFill>
                   <a:schemeClr val="tx1"/>
                 </a:solidFill>
@@ -33191,7 +33018,7 @@
               <a:t>取込時</a:t>
             </a:r>
             <a:r>
-              <a:rPr lang="en-US" altLang="ja-JP" sz="1200" dirty="0" smtClean="0">
+              <a:rPr lang="en-US" altLang="ja-JP" sz="1200" dirty="0">
                 <a:solidFill>
                   <a:schemeClr val="tx1"/>
                 </a:solidFill>
@@ -33254,7 +33081,7 @@
           <a:lstStyle/>
           <a:p>
             <a:r>
-              <a:rPr lang="en-US" altLang="ja-JP" sz="1200" dirty="0" smtClean="0">
+              <a:rPr lang="en-US" altLang="ja-JP" sz="1200" dirty="0">
                 <a:solidFill>
                   <a:schemeClr val="tx1"/>
                 </a:solidFill>
@@ -33264,7 +33091,7 @@
               <a:t>【</a:t>
             </a:r>
             <a:r>
-              <a:rPr lang="ja-JP" altLang="en-US" sz="1200" dirty="0" smtClean="0">
+              <a:rPr lang="ja-JP" altLang="en-US" sz="1200" dirty="0">
                 <a:solidFill>
                   <a:schemeClr val="tx1"/>
                 </a:solidFill>
@@ -33274,7 +33101,7 @@
               <a:t>現行仕様　</a:t>
             </a:r>
             <a:r>
-              <a:rPr lang="en-US" altLang="ja-JP" sz="1200" dirty="0" smtClean="0">
+              <a:rPr lang="en-US" altLang="ja-JP" sz="1200" dirty="0">
                 <a:solidFill>
                   <a:schemeClr val="tx1"/>
                 </a:solidFill>
@@ -33294,7 +33121,7 @@
               <a:t>取込時</a:t>
             </a:r>
             <a:r>
-              <a:rPr lang="en-US" altLang="ja-JP" sz="1200" dirty="0" smtClean="0">
+              <a:rPr lang="en-US" altLang="ja-JP" sz="1200" dirty="0">
                 <a:solidFill>
                   <a:schemeClr val="tx1"/>
                 </a:solidFill>
@@ -33398,7 +33225,7 @@
           <a:p>
             <a:pPr algn="ctr"/>
             <a:r>
-              <a:rPr lang="en-US" altLang="ja-JP" sz="1200" dirty="0" smtClean="0">
+              <a:rPr lang="en-US" altLang="ja-JP" sz="1200" dirty="0">
                 <a:solidFill>
                   <a:schemeClr val="tx1"/>
                 </a:solidFill>
@@ -33464,7 +33291,7 @@
           <a:p>
             <a:pPr algn="ctr"/>
             <a:r>
-              <a:rPr lang="ja-JP" altLang="en-US" sz="1200" dirty="0" smtClean="0">
+              <a:rPr lang="ja-JP" altLang="en-US" sz="1200" dirty="0">
                 <a:solidFill>
                   <a:schemeClr val="tx1"/>
                 </a:solidFill>
@@ -33473,13 +33300,6 @@
               </a:rPr>
               <a:t>疾患開始日</a:t>
             </a:r>
-            <a:endParaRPr lang="ja-JP" altLang="en-US" sz="1200" dirty="0">
-              <a:solidFill>
-                <a:schemeClr val="tx1"/>
-              </a:solidFill>
-              <a:latin typeface="Meiryo UI" panose="020B0604030504040204" pitchFamily="50" charset="-128"/>
-              <a:ea typeface="Meiryo UI" panose="020B0604030504040204" pitchFamily="50" charset="-128"/>
-            </a:endParaRPr>
           </a:p>
         </p:txBody>
       </p:sp>
@@ -33530,7 +33350,7 @@
           <a:p>
             <a:pPr algn="ctr"/>
             <a:r>
-              <a:rPr lang="en-US" altLang="ja-JP" sz="1200" dirty="0" smtClean="0">
+              <a:rPr lang="en-US" altLang="ja-JP" sz="1200" dirty="0">
                 <a:solidFill>
                   <a:schemeClr val="tx1"/>
                 </a:solidFill>
@@ -33767,7 +33587,7 @@
           <a:lstStyle/>
           <a:p>
             <a:r>
-              <a:rPr kumimoji="1" lang="en-US" altLang="ja-JP" sz="1200" dirty="0" smtClean="0">
+              <a:rPr kumimoji="1" lang="en-US" altLang="ja-JP" sz="1200" dirty="0">
                 <a:solidFill>
                   <a:schemeClr val="tx1"/>
                 </a:solidFill>
@@ -33777,7 +33597,7 @@
               <a:t>2020/09</a:t>
             </a:r>
             <a:r>
-              <a:rPr kumimoji="1" lang="ja-JP" altLang="en-US" sz="1200" dirty="0" smtClean="0">
+              <a:rPr kumimoji="1" lang="ja-JP" altLang="en-US" sz="1200" dirty="0">
                 <a:solidFill>
                   <a:schemeClr val="tx1"/>
                 </a:solidFill>
@@ -33786,7 +33606,7 @@
               </a:rPr>
               <a:t>の取り込み時点のデータでは、</a:t>
             </a:r>
-            <a:endParaRPr kumimoji="1" lang="en-US" altLang="ja-JP" sz="1200" dirty="0" smtClean="0">
+            <a:endParaRPr kumimoji="1" lang="en-US" altLang="ja-JP" sz="1200" dirty="0">
               <a:solidFill>
                 <a:schemeClr val="tx1"/>
               </a:solidFill>
@@ -33796,7 +33616,7 @@
           </a:p>
           <a:p>
             <a:r>
-              <a:rPr kumimoji="1" lang="ja-JP" altLang="en-US" sz="1200" dirty="0" smtClean="0">
+              <a:rPr kumimoji="1" lang="ja-JP" altLang="en-US" sz="1200" dirty="0">
                 <a:solidFill>
                   <a:schemeClr val="tx1"/>
                 </a:solidFill>
@@ -33805,7 +33625,7 @@
               </a:rPr>
               <a:t>疾患開始日がオプトアウト通知開始日以降となっているため、</a:t>
             </a:r>
-            <a:endParaRPr kumimoji="1" lang="en-US" altLang="ja-JP" sz="1200" dirty="0" smtClean="0">
+            <a:endParaRPr kumimoji="1" lang="en-US" altLang="ja-JP" sz="1200" dirty="0">
               <a:solidFill>
                 <a:schemeClr val="tx1"/>
               </a:solidFill>
@@ -33815,7 +33635,7 @@
           </a:p>
           <a:p>
             <a:r>
-              <a:rPr lang="ja-JP" altLang="en-US" sz="1200" b="1" dirty="0" smtClean="0">
+              <a:rPr lang="ja-JP" altLang="en-US" sz="1200" b="1" dirty="0">
                 <a:solidFill>
                   <a:srgbClr val="FF0000"/>
                 </a:solidFill>
@@ -33825,7 +33645,7 @@
               <a:t>通知済み患者</a:t>
             </a:r>
             <a:r>
-              <a:rPr lang="ja-JP" altLang="en-US" sz="1200" dirty="0" smtClean="0">
+              <a:rPr lang="ja-JP" altLang="en-US" sz="1200" dirty="0">
                 <a:solidFill>
                   <a:schemeClr val="tx1"/>
                 </a:solidFill>
@@ -33834,7 +33654,7 @@
               </a:rPr>
               <a:t>と判定される。</a:t>
             </a:r>
-            <a:endParaRPr kumimoji="1" lang="ja-JP" altLang="en-US" sz="1200" dirty="0" smtClean="0">
+            <a:endParaRPr kumimoji="1" lang="ja-JP" altLang="en-US" sz="1200" dirty="0">
               <a:solidFill>
                 <a:schemeClr val="tx1"/>
               </a:solidFill>
@@ -33949,7 +33769,7 @@
           <a:lstStyle/>
           <a:p>
             <a:r>
-              <a:rPr kumimoji="1" lang="en-US" altLang="ja-JP" sz="1200" dirty="0" smtClean="0">
+              <a:rPr kumimoji="1" lang="en-US" altLang="ja-JP" sz="1200" dirty="0">
                 <a:solidFill>
                   <a:schemeClr val="tx1"/>
                 </a:solidFill>
@@ -33959,7 +33779,7 @@
               <a:t>2020/10</a:t>
             </a:r>
             <a:r>
-              <a:rPr kumimoji="1" lang="ja-JP" altLang="en-US" sz="1200" dirty="0" smtClean="0">
+              <a:rPr kumimoji="1" lang="ja-JP" altLang="en-US" sz="1200" dirty="0">
                 <a:solidFill>
                   <a:schemeClr val="tx1"/>
                 </a:solidFill>
@@ -33968,7 +33788,7 @@
               </a:rPr>
               <a:t>の取り込み時点のデータでは、</a:t>
             </a:r>
-            <a:endParaRPr kumimoji="1" lang="en-US" altLang="ja-JP" sz="1200" dirty="0" smtClean="0">
+            <a:endParaRPr kumimoji="1" lang="en-US" altLang="ja-JP" sz="1200" dirty="0">
               <a:solidFill>
                 <a:schemeClr val="tx1"/>
               </a:solidFill>
@@ -33978,7 +33798,7 @@
           </a:p>
           <a:p>
             <a:r>
-              <a:rPr kumimoji="1" lang="ja-JP" altLang="en-US" sz="1200" dirty="0" smtClean="0">
+              <a:rPr kumimoji="1" lang="ja-JP" altLang="en-US" sz="1200" dirty="0">
                 <a:solidFill>
                   <a:schemeClr val="tx1"/>
                 </a:solidFill>
@@ -33987,7 +33807,7 @@
               </a:rPr>
               <a:t>疾患開始日がオプトアウト通知開始日より前となっているため、</a:t>
             </a:r>
-            <a:endParaRPr kumimoji="1" lang="en-US" altLang="ja-JP" sz="1200" dirty="0" smtClean="0">
+            <a:endParaRPr kumimoji="1" lang="en-US" altLang="ja-JP" sz="1200" dirty="0">
               <a:solidFill>
                 <a:schemeClr val="tx1"/>
               </a:solidFill>
@@ -33997,7 +33817,7 @@
           </a:p>
           <a:p>
             <a:r>
-              <a:rPr lang="ja-JP" altLang="en-US" sz="1200" b="1" dirty="0" smtClean="0">
+              <a:rPr lang="ja-JP" altLang="en-US" sz="1200" b="1" dirty="0">
                 <a:solidFill>
                   <a:srgbClr val="FF0000"/>
                 </a:solidFill>
@@ -34007,7 +33827,7 @@
               <a:t>未通知患者</a:t>
             </a:r>
             <a:r>
-              <a:rPr lang="ja-JP" altLang="en-US" sz="1200" dirty="0" smtClean="0">
+              <a:rPr lang="ja-JP" altLang="en-US" sz="1200" dirty="0">
                 <a:solidFill>
                   <a:schemeClr val="tx1"/>
                 </a:solidFill>
@@ -34016,7 +33836,7 @@
               </a:rPr>
               <a:t>と判定される。</a:t>
             </a:r>
-            <a:endParaRPr kumimoji="1" lang="ja-JP" altLang="en-US" sz="1200" dirty="0" smtClean="0">
+            <a:endParaRPr kumimoji="1" lang="ja-JP" altLang="en-US" sz="1200" dirty="0">
               <a:solidFill>
                 <a:schemeClr val="tx1"/>
               </a:solidFill>
@@ -34101,11 +33921,34 @@
                     <a:lstStyle/>
                     <a:p>
                       <a:r>
-                        <a:rPr kumimoji="1" lang="ja-JP" altLang="en-US" sz="1200" dirty="0" smtClean="0">
+                        <a:rPr kumimoji="1" lang="ja-JP" altLang="en-US" sz="1200" dirty="0">
                           <a:latin typeface="Meiryo UI" panose="020B0604030504040204" pitchFamily="50" charset="-128"/>
                           <a:ea typeface="Meiryo UI" panose="020B0604030504040204" pitchFamily="50" charset="-128"/>
                         </a:rPr>
                         <a:t>取込年月</a:t>
+                      </a:r>
+                    </a:p>
+                  </a:txBody>
+                  <a:tcPr/>
+                </a:tc>
+                <a:tc>
+                  <a:txBody>
+                    <a:bodyPr/>
+                    <a:lstStyle/>
+                    <a:p>
+                      <a:r>
+                        <a:rPr kumimoji="1" lang="ja-JP" altLang="en-US" sz="1200" dirty="0">
+                          <a:latin typeface="Meiryo UI" panose="020B0604030504040204" pitchFamily="50" charset="-128"/>
+                          <a:ea typeface="Meiryo UI" panose="020B0604030504040204" pitchFamily="50" charset="-128"/>
+                        </a:rPr>
+                        <a:t>患者</a:t>
+                      </a:r>
+                      <a:r>
+                        <a:rPr kumimoji="1" lang="en-US" altLang="ja-JP" sz="1200" dirty="0">
+                          <a:latin typeface="Meiryo UI" panose="020B0604030504040204" pitchFamily="50" charset="-128"/>
+                          <a:ea typeface="Meiryo UI" panose="020B0604030504040204" pitchFamily="50" charset="-128"/>
+                        </a:rPr>
+                        <a:t>ID</a:t>
                       </a:r>
                       <a:endParaRPr kumimoji="1" lang="ja-JP" altLang="en-US" sz="1200" dirty="0">
                         <a:latin typeface="Meiryo UI" panose="020B0604030504040204" pitchFamily="50" charset="-128"/>
@@ -34121,14 +33964,14 @@
                     <a:lstStyle/>
                     <a:p>
                       <a:r>
-                        <a:rPr kumimoji="1" lang="ja-JP" altLang="en-US" sz="1200" dirty="0" smtClean="0">
+                        <a:rPr kumimoji="1" lang="ja-JP" altLang="en-US" sz="1200" dirty="0">
                           <a:latin typeface="Meiryo UI" panose="020B0604030504040204" pitchFamily="50" charset="-128"/>
                           <a:ea typeface="Meiryo UI" panose="020B0604030504040204" pitchFamily="50" charset="-128"/>
                         </a:rPr>
-                        <a:t>患者</a:t>
-                      </a:r>
-                      <a:r>
-                        <a:rPr kumimoji="1" lang="en-US" altLang="ja-JP" sz="1200" dirty="0" smtClean="0">
+                        <a:t>文書ユニーク</a:t>
+                      </a:r>
+                      <a:r>
+                        <a:rPr kumimoji="1" lang="en-US" altLang="ja-JP" sz="1200" dirty="0">
                           <a:latin typeface="Meiryo UI" panose="020B0604030504040204" pitchFamily="50" charset="-128"/>
                           <a:ea typeface="Meiryo UI" panose="020B0604030504040204" pitchFamily="50" charset="-128"/>
                         </a:rPr>
@@ -34148,23 +33991,28 @@
                     <a:lstStyle/>
                     <a:p>
                       <a:r>
-                        <a:rPr kumimoji="1" lang="ja-JP" altLang="en-US" sz="1200" dirty="0" smtClean="0">
+                        <a:rPr kumimoji="1" lang="ja-JP" altLang="en-US" sz="1200" dirty="0">
                           <a:latin typeface="Meiryo UI" panose="020B0604030504040204" pitchFamily="50" charset="-128"/>
                           <a:ea typeface="Meiryo UI" panose="020B0604030504040204" pitchFamily="50" charset="-128"/>
                         </a:rPr>
-                        <a:t>文書ユニーク</a:t>
-                      </a:r>
-                      <a:r>
-                        <a:rPr kumimoji="1" lang="en-US" altLang="ja-JP" sz="1200" dirty="0" smtClean="0">
+                        <a:t>診療年月日</a:t>
+                      </a:r>
+                    </a:p>
+                  </a:txBody>
+                  <a:tcPr/>
+                </a:tc>
+                <a:tc>
+                  <a:txBody>
+                    <a:bodyPr/>
+                    <a:lstStyle/>
+                    <a:p>
+                      <a:r>
+                        <a:rPr kumimoji="1" lang="ja-JP" altLang="en-US" sz="1200" dirty="0">
                           <a:latin typeface="Meiryo UI" panose="020B0604030504040204" pitchFamily="50" charset="-128"/>
                           <a:ea typeface="Meiryo UI" panose="020B0604030504040204" pitchFamily="50" charset="-128"/>
                         </a:rPr>
-                        <a:t>ID</a:t>
-                      </a:r>
-                      <a:endParaRPr kumimoji="1" lang="ja-JP" altLang="en-US" sz="1200" dirty="0">
-                        <a:latin typeface="Meiryo UI" panose="020B0604030504040204" pitchFamily="50" charset="-128"/>
-                        <a:ea typeface="Meiryo UI" panose="020B0604030504040204" pitchFamily="50" charset="-128"/>
-                      </a:endParaRPr>
+                        <a:t>疾患開始日</a:t>
+                      </a:r>
                     </a:p>
                   </a:txBody>
                   <a:tcPr/>
@@ -34175,56 +34023,12 @@
                     <a:lstStyle/>
                     <a:p>
                       <a:r>
-                        <a:rPr kumimoji="1" lang="ja-JP" altLang="en-US" sz="1200" dirty="0" smtClean="0">
+                        <a:rPr kumimoji="1" lang="ja-JP" altLang="en-US" sz="1200" dirty="0">
                           <a:latin typeface="Meiryo UI" panose="020B0604030504040204" pitchFamily="50" charset="-128"/>
                           <a:ea typeface="Meiryo UI" panose="020B0604030504040204" pitchFamily="50" charset="-128"/>
                         </a:rPr>
-                        <a:t>診療年月日</a:t>
-                      </a:r>
-                      <a:endParaRPr kumimoji="1" lang="ja-JP" altLang="en-US" sz="1200" dirty="0">
-                        <a:latin typeface="Meiryo UI" panose="020B0604030504040204" pitchFamily="50" charset="-128"/>
-                        <a:ea typeface="Meiryo UI" panose="020B0604030504040204" pitchFamily="50" charset="-128"/>
-                      </a:endParaRPr>
-                    </a:p>
-                  </a:txBody>
-                  <a:tcPr/>
-                </a:tc>
-                <a:tc>
-                  <a:txBody>
-                    <a:bodyPr/>
-                    <a:lstStyle/>
-                    <a:p>
-                      <a:r>
-                        <a:rPr kumimoji="1" lang="ja-JP" altLang="en-US" sz="1200" dirty="0" smtClean="0">
-                          <a:latin typeface="Meiryo UI" panose="020B0604030504040204" pitchFamily="50" charset="-128"/>
-                          <a:ea typeface="Meiryo UI" panose="020B0604030504040204" pitchFamily="50" charset="-128"/>
-                        </a:rPr>
-                        <a:t>疾患開始日</a:t>
-                      </a:r>
-                      <a:endParaRPr kumimoji="1" lang="ja-JP" altLang="en-US" sz="1200" dirty="0">
-                        <a:latin typeface="Meiryo UI" panose="020B0604030504040204" pitchFamily="50" charset="-128"/>
-                        <a:ea typeface="Meiryo UI" panose="020B0604030504040204" pitchFamily="50" charset="-128"/>
-                      </a:endParaRPr>
-                    </a:p>
-                  </a:txBody>
-                  <a:tcPr/>
-                </a:tc>
-                <a:tc>
-                  <a:txBody>
-                    <a:bodyPr/>
-                    <a:lstStyle/>
-                    <a:p>
-                      <a:r>
-                        <a:rPr kumimoji="1" lang="ja-JP" altLang="en-US" sz="1200" dirty="0" smtClean="0">
-                          <a:latin typeface="Meiryo UI" panose="020B0604030504040204" pitchFamily="50" charset="-128"/>
-                          <a:ea typeface="Meiryo UI" panose="020B0604030504040204" pitchFamily="50" charset="-128"/>
-                        </a:rPr>
                         <a:t>病名</a:t>
                       </a:r>
-                      <a:endParaRPr kumimoji="1" lang="ja-JP" altLang="en-US" sz="1200" dirty="0">
-                        <a:latin typeface="Meiryo UI" panose="020B0604030504040204" pitchFamily="50" charset="-128"/>
-                        <a:ea typeface="Meiryo UI" panose="020B0604030504040204" pitchFamily="50" charset="-128"/>
-                      </a:endParaRPr>
                     </a:p>
                   </a:txBody>
                   <a:tcPr/>
@@ -34242,7 +34046,7 @@
                     <a:lstStyle/>
                     <a:p>
                       <a:r>
-                        <a:rPr kumimoji="1" lang="en-US" altLang="ja-JP" sz="1200" dirty="0" smtClean="0">
+                        <a:rPr kumimoji="1" lang="en-US" altLang="ja-JP" sz="1200" dirty="0">
                           <a:latin typeface="Meiryo UI" panose="020B0604030504040204" pitchFamily="50" charset="-128"/>
                           <a:ea typeface="Meiryo UI" panose="020B0604030504040204" pitchFamily="50" charset="-128"/>
                         </a:rPr>
@@ -34262,7 +34066,7 @@
                     <a:lstStyle/>
                     <a:p>
                       <a:r>
-                        <a:rPr kumimoji="1" lang="en-US" altLang="ja-JP" sz="1200" dirty="0" smtClean="0">
+                        <a:rPr kumimoji="1" lang="en-US" altLang="ja-JP" sz="1200" dirty="0">
                           <a:latin typeface="Meiryo UI" panose="020B0604030504040204" pitchFamily="50" charset="-128"/>
                           <a:ea typeface="Meiryo UI" panose="020B0604030504040204" pitchFamily="50" charset="-128"/>
                         </a:rPr>
@@ -34282,7 +34086,7 @@
                     <a:lstStyle/>
                     <a:p>
                       <a:r>
-                        <a:rPr kumimoji="1" lang="en-US" altLang="ja-JP" sz="1200" dirty="0" smtClean="0">
+                        <a:rPr kumimoji="1" lang="en-US" altLang="ja-JP" sz="1200" dirty="0">
                           <a:latin typeface="Meiryo UI" panose="020B0604030504040204" pitchFamily="50" charset="-128"/>
                           <a:ea typeface="Meiryo UI" panose="020B0604030504040204" pitchFamily="50" charset="-128"/>
                         </a:rPr>
@@ -34302,7 +34106,7 @@
                     <a:lstStyle/>
                     <a:p>
                       <a:r>
-                        <a:rPr kumimoji="1" lang="en-US" altLang="ja-JP" sz="1200" dirty="0" smtClean="0">
+                        <a:rPr kumimoji="1" lang="en-US" altLang="ja-JP" sz="1200" dirty="0">
                           <a:latin typeface="Meiryo UI" panose="020B0604030504040204" pitchFamily="50" charset="-128"/>
                           <a:ea typeface="Meiryo UI" panose="020B0604030504040204" pitchFamily="50" charset="-128"/>
                         </a:rPr>
@@ -34322,7 +34126,7 @@
                     <a:lstStyle/>
                     <a:p>
                       <a:r>
-                        <a:rPr kumimoji="1" lang="en-US" altLang="ja-JP" sz="1200" dirty="0" smtClean="0">
+                        <a:rPr kumimoji="1" lang="en-US" altLang="ja-JP" sz="1200" dirty="0">
                           <a:latin typeface="Meiryo UI" panose="020B0604030504040204" pitchFamily="50" charset="-128"/>
                           <a:ea typeface="Meiryo UI" panose="020B0604030504040204" pitchFamily="50" charset="-128"/>
                         </a:rPr>
@@ -34359,7 +34163,7 @@
                         <a:defRPr/>
                       </a:pPr>
                       <a:r>
-                        <a:rPr kumimoji="1" lang="ja-JP" altLang="en-US" sz="1200" dirty="0" smtClean="0">
+                        <a:rPr kumimoji="1" lang="ja-JP" altLang="en-US" sz="1200" dirty="0">
                           <a:latin typeface="Meiryo UI" panose="020B0604030504040204" pitchFamily="50" charset="-128"/>
                           <a:ea typeface="Meiryo UI" panose="020B0604030504040204" pitchFamily="50" charset="-128"/>
                         </a:rPr>
@@ -34459,30 +34263,26 @@
           <a:lstStyle/>
           <a:p>
             <a:r>
-              <a:rPr lang="ja-JP" altLang="en-US" sz="1800" b="1" dirty="0" smtClean="0">
+              <a:rPr lang="ja-JP" altLang="en-US" sz="1800" b="1" dirty="0">
                 <a:latin typeface="Meiryo UI" panose="020B0604030504040204" pitchFamily="50" charset="-128"/>
                 <a:ea typeface="Meiryo UI" panose="020B0604030504040204" pitchFamily="50" charset="-128"/>
               </a:rPr>
               <a:t>改修案を適用した際の懸念事項（</a:t>
             </a:r>
             <a:r>
-              <a:rPr lang="en-US" altLang="ja-JP" sz="1800" b="1" dirty="0" smtClean="0">
+              <a:rPr lang="en-US" altLang="ja-JP" sz="1800" b="1" dirty="0">
                 <a:latin typeface="Meiryo UI" panose="020B0604030504040204" pitchFamily="50" charset="-128"/>
                 <a:ea typeface="Meiryo UI" panose="020B0604030504040204" pitchFamily="50" charset="-128"/>
               </a:rPr>
               <a:t>1/2</a:t>
             </a:r>
             <a:r>
-              <a:rPr lang="ja-JP" altLang="en-US" sz="1800" b="1" dirty="0" smtClean="0">
+              <a:rPr lang="ja-JP" altLang="en-US" sz="1800" b="1" dirty="0">
                 <a:latin typeface="Meiryo UI" panose="020B0604030504040204" pitchFamily="50" charset="-128"/>
                 <a:ea typeface="Meiryo UI" panose="020B0604030504040204" pitchFamily="50" charset="-128"/>
               </a:rPr>
               <a:t>）</a:t>
             </a:r>
-            <a:endParaRPr lang="ja-JP" altLang="en-US" sz="1800" b="1" dirty="0">
-              <a:latin typeface="Meiryo UI" panose="020B0604030504040204" pitchFamily="50" charset="-128"/>
-              <a:ea typeface="Meiryo UI" panose="020B0604030504040204" pitchFamily="50" charset="-128"/>
-            </a:endParaRPr>
           </a:p>
         </p:txBody>
       </p:sp>
@@ -34540,25 +34340,8 @@
                 <a:latin typeface="Meiryo UI" panose="020B0604030504040204" pitchFamily="50" charset="-128"/>
                 <a:ea typeface="Meiryo UI" panose="020B0604030504040204" pitchFamily="50" charset="-128"/>
               </a:rPr>
-              <a:t>オプトアウト</a:t>
-            </a:r>
-            <a:r>
-              <a:rPr lang="ja-JP" altLang="en-US" sz="1200" dirty="0" smtClean="0">
-                <a:solidFill>
-                  <a:schemeClr val="tx1"/>
-                </a:solidFill>
-                <a:latin typeface="Meiryo UI" panose="020B0604030504040204" pitchFamily="50" charset="-128"/>
-                <a:ea typeface="Meiryo UI" panose="020B0604030504040204" pitchFamily="50" charset="-128"/>
-              </a:rPr>
-              <a:t>通知開始日</a:t>
-            </a:r>
-            <a:endParaRPr lang="ja-JP" altLang="en-US" sz="1200" dirty="0">
-              <a:solidFill>
-                <a:schemeClr val="tx1"/>
-              </a:solidFill>
-              <a:latin typeface="Meiryo UI" panose="020B0604030504040204" pitchFamily="50" charset="-128"/>
-              <a:ea typeface="Meiryo UI" panose="020B0604030504040204" pitchFamily="50" charset="-128"/>
-            </a:endParaRPr>
+              <a:t>オプトアウト通知開始日</a:t>
+            </a:r>
           </a:p>
         </p:txBody>
       </p:sp>
@@ -34610,7 +34393,7 @@
           <a:lstStyle/>
           <a:p>
             <a:r>
-              <a:rPr kumimoji="1" lang="ja-JP" altLang="en-US" sz="1200" dirty="0" smtClean="0">
+              <a:rPr kumimoji="1" lang="ja-JP" altLang="en-US" sz="1200" dirty="0">
                 <a:solidFill>
                   <a:schemeClr val="tx1"/>
                 </a:solidFill>
@@ -34620,7 +34403,7 @@
               <a:t>現行仕様では同一</a:t>
             </a:r>
             <a:r>
-              <a:rPr kumimoji="1" lang="en-US" altLang="ja-JP" sz="1200" dirty="0" smtClean="0">
+              <a:rPr kumimoji="1" lang="en-US" altLang="ja-JP" sz="1200" dirty="0">
                 <a:solidFill>
                   <a:schemeClr val="tx1"/>
                 </a:solidFill>
@@ -34630,7 +34413,7 @@
               <a:t>UID</a:t>
             </a:r>
             <a:r>
-              <a:rPr lang="ja-JP" altLang="en-US" sz="1200" dirty="0" smtClean="0">
+              <a:rPr lang="ja-JP" altLang="en-US" sz="1200" dirty="0">
                 <a:solidFill>
                   <a:schemeClr val="tx1"/>
                 </a:solidFill>
@@ -34639,7 +34422,7 @@
               </a:rPr>
               <a:t>のため</a:t>
             </a:r>
-            <a:endParaRPr kumimoji="1" lang="en-US" altLang="ja-JP" sz="1200" dirty="0" smtClean="0">
+            <a:endParaRPr kumimoji="1" lang="en-US" altLang="ja-JP" sz="1200" dirty="0">
               <a:solidFill>
                 <a:schemeClr val="tx1"/>
               </a:solidFill>
@@ -34649,7 +34432,7 @@
           </a:p>
           <a:p>
             <a:r>
-              <a:rPr kumimoji="1" lang="ja-JP" altLang="en-US" sz="1200" dirty="0" smtClean="0">
+              <a:rPr kumimoji="1" lang="ja-JP" altLang="en-US" sz="1200" dirty="0">
                 <a:solidFill>
                   <a:schemeClr val="tx1"/>
                 </a:solidFill>
@@ -34658,7 +34441,7 @@
               </a:rPr>
               <a:t>削除される</a:t>
             </a:r>
-            <a:endParaRPr kumimoji="1" lang="en-US" altLang="ja-JP" sz="1200" dirty="0" smtClean="0">
+            <a:endParaRPr kumimoji="1" lang="en-US" altLang="ja-JP" sz="1200" dirty="0">
               <a:solidFill>
                 <a:schemeClr val="tx1"/>
               </a:solidFill>
@@ -34776,13 +34559,6 @@
   <p:clrMapOvr>
     <a:masterClrMapping/>
   </p:clrMapOvr>
-  <p:timing>
-    <p:tnLst>
-      <p:par>
-        <p:cTn id="1" dur="indefinite" restart="never" nodeType="tmRoot"/>
-      </p:par>
-    </p:tnLst>
-  </p:timing>
 </p:sld>
 </file>
 
@@ -35053,34 +34829,16 @@
                 <a:latin typeface="Meiryo UI" panose="020B0604030504040204" pitchFamily="50" charset="-128"/>
                 <a:ea typeface="Meiryo UI" panose="020B0604030504040204" pitchFamily="50" charset="-128"/>
               </a:rPr>
-              <a:t>の情報</a:t>
-            </a:r>
-            <a:r>
-              <a:rPr lang="ja-JP" altLang="en-US" sz="1800" dirty="0" smtClean="0">
-                <a:latin typeface="Meiryo UI" panose="020B0604030504040204" pitchFamily="50" charset="-128"/>
-                <a:ea typeface="Meiryo UI" panose="020B0604030504040204" pitchFamily="50" charset="-128"/>
-              </a:rPr>
-              <a:t>が削除されないことにより、</a:t>
-            </a:r>
-            <a:endParaRPr lang="ja-JP" altLang="en-US" sz="1800" dirty="0">
-              <a:latin typeface="Meiryo UI" panose="020B0604030504040204" pitchFamily="50" charset="-128"/>
-              <a:ea typeface="Meiryo UI" panose="020B0604030504040204" pitchFamily="50" charset="-128"/>
-            </a:endParaRPr>
+              <a:t>の情報が削除されないことにより、</a:t>
+            </a:r>
           </a:p>
           <a:p>
-            <a:r>
-              <a:rPr lang="ja-JP" altLang="en-US" sz="1800" dirty="0" smtClean="0">
-                <a:latin typeface="Meiryo UI" panose="020B0604030504040204" pitchFamily="50" charset="-128"/>
-                <a:ea typeface="Meiryo UI" panose="020B0604030504040204" pitchFamily="50" charset="-128"/>
-              </a:rPr>
-              <a:t>通知済み患者と判定されることになるため、</a:t>
-            </a:r>
             <a:r>
               <a:rPr lang="ja-JP" altLang="en-US" sz="1800" dirty="0">
                 <a:latin typeface="Meiryo UI" panose="020B0604030504040204" pitchFamily="50" charset="-128"/>
                 <a:ea typeface="Meiryo UI" panose="020B0604030504040204" pitchFamily="50" charset="-128"/>
               </a:rPr>
-              <a:t>大きく挙動が変わる点を懸念している。</a:t>
+              <a:t>通知済み患者と判定されることになるため、大きく挙動が変わる点を懸念している。</a:t>
             </a:r>
           </a:p>
         </p:txBody>
@@ -35108,30 +34866,26 @@
           <a:lstStyle/>
           <a:p>
             <a:r>
-              <a:rPr lang="ja-JP" altLang="en-US" sz="1800" b="1" dirty="0" smtClean="0">
+              <a:rPr lang="ja-JP" altLang="en-US" sz="1800" b="1" dirty="0">
                 <a:latin typeface="Meiryo UI" panose="020B0604030504040204" pitchFamily="50" charset="-128"/>
                 <a:ea typeface="Meiryo UI" panose="020B0604030504040204" pitchFamily="50" charset="-128"/>
               </a:rPr>
               <a:t>改修案を適用した際の懸念事項（</a:t>
             </a:r>
             <a:r>
-              <a:rPr lang="en-US" altLang="ja-JP" sz="1800" b="1" dirty="0" smtClean="0">
+              <a:rPr lang="en-US" altLang="ja-JP" sz="1800" b="1" dirty="0">
                 <a:latin typeface="Meiryo UI" panose="020B0604030504040204" pitchFamily="50" charset="-128"/>
                 <a:ea typeface="Meiryo UI" panose="020B0604030504040204" pitchFamily="50" charset="-128"/>
               </a:rPr>
               <a:t>2/2</a:t>
             </a:r>
             <a:r>
-              <a:rPr lang="ja-JP" altLang="en-US" sz="1800" b="1" dirty="0" smtClean="0">
+              <a:rPr lang="ja-JP" altLang="en-US" sz="1800" b="1" dirty="0">
                 <a:latin typeface="Meiryo UI" panose="020B0604030504040204" pitchFamily="50" charset="-128"/>
                 <a:ea typeface="Meiryo UI" panose="020B0604030504040204" pitchFamily="50" charset="-128"/>
               </a:rPr>
               <a:t>）</a:t>
             </a:r>
-            <a:endParaRPr lang="ja-JP" altLang="en-US" sz="1800" b="1" dirty="0">
-              <a:latin typeface="Meiryo UI" panose="020B0604030504040204" pitchFamily="50" charset="-128"/>
-              <a:ea typeface="Meiryo UI" panose="020B0604030504040204" pitchFamily="50" charset="-128"/>
-            </a:endParaRPr>
           </a:p>
         </p:txBody>
       </p:sp>
@@ -35206,11 +34960,34 @@
                     <a:lstStyle/>
                     <a:p>
                       <a:r>
-                        <a:rPr kumimoji="1" lang="ja-JP" altLang="en-US" sz="1200" dirty="0" smtClean="0">
+                        <a:rPr kumimoji="1" lang="ja-JP" altLang="en-US" sz="1200" dirty="0">
                           <a:latin typeface="Meiryo UI" panose="020B0604030504040204" pitchFamily="50" charset="-128"/>
                           <a:ea typeface="Meiryo UI" panose="020B0604030504040204" pitchFamily="50" charset="-128"/>
                         </a:rPr>
                         <a:t>取込年月</a:t>
+                      </a:r>
+                    </a:p>
+                  </a:txBody>
+                  <a:tcPr/>
+                </a:tc>
+                <a:tc>
+                  <a:txBody>
+                    <a:bodyPr/>
+                    <a:lstStyle/>
+                    <a:p>
+                      <a:r>
+                        <a:rPr kumimoji="1" lang="ja-JP" altLang="en-US" sz="1200" dirty="0">
+                          <a:latin typeface="Meiryo UI" panose="020B0604030504040204" pitchFamily="50" charset="-128"/>
+                          <a:ea typeface="Meiryo UI" panose="020B0604030504040204" pitchFamily="50" charset="-128"/>
+                        </a:rPr>
+                        <a:t>患者</a:t>
+                      </a:r>
+                      <a:r>
+                        <a:rPr kumimoji="1" lang="en-US" altLang="ja-JP" sz="1200" dirty="0">
+                          <a:latin typeface="Meiryo UI" panose="020B0604030504040204" pitchFamily="50" charset="-128"/>
+                          <a:ea typeface="Meiryo UI" panose="020B0604030504040204" pitchFamily="50" charset="-128"/>
+                        </a:rPr>
+                        <a:t>ID</a:t>
                       </a:r>
                       <a:endParaRPr kumimoji="1" lang="ja-JP" altLang="en-US" sz="1200" dirty="0">
                         <a:latin typeface="Meiryo UI" panose="020B0604030504040204" pitchFamily="50" charset="-128"/>
@@ -35226,14 +35003,14 @@
                     <a:lstStyle/>
                     <a:p>
                       <a:r>
-                        <a:rPr kumimoji="1" lang="ja-JP" altLang="en-US" sz="1200" dirty="0" smtClean="0">
+                        <a:rPr kumimoji="1" lang="ja-JP" altLang="en-US" sz="1200" dirty="0">
                           <a:latin typeface="Meiryo UI" panose="020B0604030504040204" pitchFamily="50" charset="-128"/>
                           <a:ea typeface="Meiryo UI" panose="020B0604030504040204" pitchFamily="50" charset="-128"/>
                         </a:rPr>
-                        <a:t>患者</a:t>
-                      </a:r>
-                      <a:r>
-                        <a:rPr kumimoji="1" lang="en-US" altLang="ja-JP" sz="1200" dirty="0" smtClean="0">
+                        <a:t>文書ユニーク</a:t>
+                      </a:r>
+                      <a:r>
+                        <a:rPr kumimoji="1" lang="en-US" altLang="ja-JP" sz="1200" dirty="0">
                           <a:latin typeface="Meiryo UI" panose="020B0604030504040204" pitchFamily="50" charset="-128"/>
                           <a:ea typeface="Meiryo UI" panose="020B0604030504040204" pitchFamily="50" charset="-128"/>
                         </a:rPr>
@@ -35253,23 +35030,28 @@
                     <a:lstStyle/>
                     <a:p>
                       <a:r>
-                        <a:rPr kumimoji="1" lang="ja-JP" altLang="en-US" sz="1200" dirty="0" smtClean="0">
+                        <a:rPr kumimoji="1" lang="ja-JP" altLang="en-US" sz="1200" dirty="0">
                           <a:latin typeface="Meiryo UI" panose="020B0604030504040204" pitchFamily="50" charset="-128"/>
                           <a:ea typeface="Meiryo UI" panose="020B0604030504040204" pitchFamily="50" charset="-128"/>
                         </a:rPr>
-                        <a:t>文書ユニーク</a:t>
-                      </a:r>
-                      <a:r>
-                        <a:rPr kumimoji="1" lang="en-US" altLang="ja-JP" sz="1200" dirty="0" smtClean="0">
+                        <a:t>診療年月日</a:t>
+                      </a:r>
+                    </a:p>
+                  </a:txBody>
+                  <a:tcPr/>
+                </a:tc>
+                <a:tc>
+                  <a:txBody>
+                    <a:bodyPr/>
+                    <a:lstStyle/>
+                    <a:p>
+                      <a:r>
+                        <a:rPr kumimoji="1" lang="ja-JP" altLang="en-US" sz="1200" dirty="0">
                           <a:latin typeface="Meiryo UI" panose="020B0604030504040204" pitchFamily="50" charset="-128"/>
                           <a:ea typeface="Meiryo UI" panose="020B0604030504040204" pitchFamily="50" charset="-128"/>
                         </a:rPr>
-                        <a:t>ID</a:t>
-                      </a:r>
-                      <a:endParaRPr kumimoji="1" lang="ja-JP" altLang="en-US" sz="1200" dirty="0">
-                        <a:latin typeface="Meiryo UI" panose="020B0604030504040204" pitchFamily="50" charset="-128"/>
-                        <a:ea typeface="Meiryo UI" panose="020B0604030504040204" pitchFamily="50" charset="-128"/>
-                      </a:endParaRPr>
+                        <a:t>疾患開始日</a:t>
+                      </a:r>
                     </a:p>
                   </a:txBody>
                   <a:tcPr/>
@@ -35280,56 +35062,12 @@
                     <a:lstStyle/>
                     <a:p>
                       <a:r>
-                        <a:rPr kumimoji="1" lang="ja-JP" altLang="en-US" sz="1200" dirty="0" smtClean="0">
+                        <a:rPr kumimoji="1" lang="ja-JP" altLang="en-US" sz="1200" dirty="0">
                           <a:latin typeface="Meiryo UI" panose="020B0604030504040204" pitchFamily="50" charset="-128"/>
                           <a:ea typeface="Meiryo UI" panose="020B0604030504040204" pitchFamily="50" charset="-128"/>
                         </a:rPr>
-                        <a:t>診療年月日</a:t>
-                      </a:r>
-                      <a:endParaRPr kumimoji="1" lang="ja-JP" altLang="en-US" sz="1200" dirty="0">
-                        <a:latin typeface="Meiryo UI" panose="020B0604030504040204" pitchFamily="50" charset="-128"/>
-                        <a:ea typeface="Meiryo UI" panose="020B0604030504040204" pitchFamily="50" charset="-128"/>
-                      </a:endParaRPr>
-                    </a:p>
-                  </a:txBody>
-                  <a:tcPr/>
-                </a:tc>
-                <a:tc>
-                  <a:txBody>
-                    <a:bodyPr/>
-                    <a:lstStyle/>
-                    <a:p>
-                      <a:r>
-                        <a:rPr kumimoji="1" lang="ja-JP" altLang="en-US" sz="1200" dirty="0" smtClean="0">
-                          <a:latin typeface="Meiryo UI" panose="020B0604030504040204" pitchFamily="50" charset="-128"/>
-                          <a:ea typeface="Meiryo UI" panose="020B0604030504040204" pitchFamily="50" charset="-128"/>
-                        </a:rPr>
-                        <a:t>疾患開始日</a:t>
-                      </a:r>
-                      <a:endParaRPr kumimoji="1" lang="ja-JP" altLang="en-US" sz="1200" dirty="0">
-                        <a:latin typeface="Meiryo UI" panose="020B0604030504040204" pitchFamily="50" charset="-128"/>
-                        <a:ea typeface="Meiryo UI" panose="020B0604030504040204" pitchFamily="50" charset="-128"/>
-                      </a:endParaRPr>
-                    </a:p>
-                  </a:txBody>
-                  <a:tcPr/>
-                </a:tc>
-                <a:tc>
-                  <a:txBody>
-                    <a:bodyPr/>
-                    <a:lstStyle/>
-                    <a:p>
-                      <a:r>
-                        <a:rPr kumimoji="1" lang="ja-JP" altLang="en-US" sz="1200" dirty="0" smtClean="0">
-                          <a:latin typeface="Meiryo UI" panose="020B0604030504040204" pitchFamily="50" charset="-128"/>
-                          <a:ea typeface="Meiryo UI" panose="020B0604030504040204" pitchFamily="50" charset="-128"/>
-                        </a:rPr>
                         <a:t>病名</a:t>
                       </a:r>
-                      <a:endParaRPr kumimoji="1" lang="ja-JP" altLang="en-US" sz="1200" dirty="0">
-                        <a:latin typeface="Meiryo UI" panose="020B0604030504040204" pitchFamily="50" charset="-128"/>
-                        <a:ea typeface="Meiryo UI" panose="020B0604030504040204" pitchFamily="50" charset="-128"/>
-                      </a:endParaRPr>
                     </a:p>
                   </a:txBody>
                   <a:tcPr/>
@@ -35347,7 +35085,7 @@
                     <a:lstStyle/>
                     <a:p>
                       <a:r>
-                        <a:rPr kumimoji="1" lang="en-US" altLang="ja-JP" sz="1200" dirty="0" smtClean="0">
+                        <a:rPr kumimoji="1" lang="en-US" altLang="ja-JP" sz="1200" dirty="0">
                           <a:latin typeface="Meiryo UI" panose="020B0604030504040204" pitchFamily="50" charset="-128"/>
                           <a:ea typeface="Meiryo UI" panose="020B0604030504040204" pitchFamily="50" charset="-128"/>
                         </a:rPr>
@@ -35367,7 +35105,7 @@
                     <a:lstStyle/>
                     <a:p>
                       <a:r>
-                        <a:rPr kumimoji="1" lang="en-US" altLang="ja-JP" sz="1200" dirty="0" smtClean="0">
+                        <a:rPr kumimoji="1" lang="en-US" altLang="ja-JP" sz="1200" dirty="0">
                           <a:latin typeface="Meiryo UI" panose="020B0604030504040204" pitchFamily="50" charset="-128"/>
                           <a:ea typeface="Meiryo UI" panose="020B0604030504040204" pitchFamily="50" charset="-128"/>
                         </a:rPr>
@@ -35387,7 +35125,7 @@
                     <a:lstStyle/>
                     <a:p>
                       <a:r>
-                        <a:rPr kumimoji="1" lang="en-US" altLang="ja-JP" sz="1200" dirty="0" smtClean="0">
+                        <a:rPr kumimoji="1" lang="en-US" altLang="ja-JP" sz="1200" dirty="0">
                           <a:latin typeface="Meiryo UI" panose="020B0604030504040204" pitchFamily="50" charset="-128"/>
                           <a:ea typeface="Meiryo UI" panose="020B0604030504040204" pitchFamily="50" charset="-128"/>
                         </a:rPr>
@@ -35407,7 +35145,7 @@
                     <a:lstStyle/>
                     <a:p>
                       <a:r>
-                        <a:rPr kumimoji="1" lang="en-US" altLang="ja-JP" sz="1200" dirty="0" smtClean="0">
+                        <a:rPr kumimoji="1" lang="en-US" altLang="ja-JP" sz="1200" dirty="0">
                           <a:latin typeface="Meiryo UI" panose="020B0604030504040204" pitchFamily="50" charset="-128"/>
                           <a:ea typeface="Meiryo UI" panose="020B0604030504040204" pitchFamily="50" charset="-128"/>
                         </a:rPr>
@@ -35427,7 +35165,7 @@
                     <a:lstStyle/>
                     <a:p>
                       <a:r>
-                        <a:rPr kumimoji="1" lang="en-US" altLang="ja-JP" sz="1200" dirty="0" smtClean="0">
+                        <a:rPr kumimoji="1" lang="en-US" altLang="ja-JP" sz="1200" dirty="0">
                           <a:latin typeface="Meiryo UI" panose="020B0604030504040204" pitchFamily="50" charset="-128"/>
                           <a:ea typeface="Meiryo UI" panose="020B0604030504040204" pitchFamily="50" charset="-128"/>
                         </a:rPr>
@@ -35464,7 +35202,7 @@
                         <a:defRPr/>
                       </a:pPr>
                       <a:r>
-                        <a:rPr kumimoji="1" lang="ja-JP" altLang="en-US" sz="1200" dirty="0" smtClean="0">
+                        <a:rPr kumimoji="1" lang="ja-JP" altLang="en-US" sz="1200" dirty="0">
                           <a:latin typeface="Meiryo UI" panose="020B0604030504040204" pitchFamily="50" charset="-128"/>
                           <a:ea typeface="Meiryo UI" panose="020B0604030504040204" pitchFamily="50" charset="-128"/>
                         </a:rPr>
@@ -35487,7 +35225,7 @@
                     <a:lstStyle/>
                     <a:p>
                       <a:r>
-                        <a:rPr kumimoji="1" lang="en-US" altLang="ja-JP" sz="1200" dirty="0" smtClean="0">
+                        <a:rPr kumimoji="1" lang="en-US" altLang="ja-JP" sz="1200" dirty="0">
                           <a:latin typeface="Meiryo UI" panose="020B0604030504040204" pitchFamily="50" charset="-128"/>
                           <a:ea typeface="Meiryo UI" panose="020B0604030504040204" pitchFamily="50" charset="-128"/>
                         </a:rPr>
@@ -35507,7 +35245,7 @@
                     <a:lstStyle/>
                     <a:p>
                       <a:r>
-                        <a:rPr kumimoji="1" lang="en-US" altLang="ja-JP" sz="1200" dirty="0" smtClean="0">
+                        <a:rPr kumimoji="1" lang="en-US" altLang="ja-JP" sz="1200" dirty="0">
                           <a:latin typeface="Meiryo UI" panose="020B0604030504040204" pitchFamily="50" charset="-128"/>
                           <a:ea typeface="Meiryo UI" panose="020B0604030504040204" pitchFamily="50" charset="-128"/>
                         </a:rPr>
@@ -35527,7 +35265,7 @@
                     <a:lstStyle/>
                     <a:p>
                       <a:r>
-                        <a:rPr kumimoji="1" lang="en-US" altLang="ja-JP" sz="1200" dirty="0" smtClean="0">
+                        <a:rPr kumimoji="1" lang="en-US" altLang="ja-JP" sz="1200" dirty="0">
                           <a:latin typeface="Meiryo UI" panose="020B0604030504040204" pitchFamily="50" charset="-128"/>
                           <a:ea typeface="Meiryo UI" panose="020B0604030504040204" pitchFamily="50" charset="-128"/>
                         </a:rPr>
@@ -35547,7 +35285,7 @@
                     <a:lstStyle/>
                     <a:p>
                       <a:r>
-                        <a:rPr kumimoji="1" lang="en-US" altLang="ja-JP" sz="1200" dirty="0" smtClean="0">
+                        <a:rPr kumimoji="1" lang="en-US" altLang="ja-JP" sz="1200" dirty="0">
                           <a:latin typeface="Meiryo UI" panose="020B0604030504040204" pitchFamily="50" charset="-128"/>
                           <a:ea typeface="Meiryo UI" panose="020B0604030504040204" pitchFamily="50" charset="-128"/>
                         </a:rPr>
@@ -35567,7 +35305,7 @@
                     <a:lstStyle/>
                     <a:p>
                       <a:r>
-                        <a:rPr kumimoji="1" lang="en-US" altLang="ja-JP" sz="1200" dirty="0" smtClean="0">
+                        <a:rPr kumimoji="1" lang="en-US" altLang="ja-JP" sz="1200" dirty="0">
                           <a:latin typeface="Meiryo UI" panose="020B0604030504040204" pitchFamily="50" charset="-128"/>
                           <a:ea typeface="Meiryo UI" panose="020B0604030504040204" pitchFamily="50" charset="-128"/>
                         </a:rPr>
@@ -35587,16 +35325,12 @@
                     <a:lstStyle/>
                     <a:p>
                       <a:r>
-                        <a:rPr kumimoji="1" lang="ja-JP" altLang="en-US" sz="1200" dirty="0" smtClean="0">
+                        <a:rPr kumimoji="1" lang="ja-JP" altLang="en-US" sz="1200" dirty="0">
                           <a:latin typeface="Meiryo UI" panose="020B0604030504040204" pitchFamily="50" charset="-128"/>
                           <a:ea typeface="Meiryo UI" panose="020B0604030504040204" pitchFamily="50" charset="-128"/>
                         </a:rPr>
                         <a:t>乳癌</a:t>
                       </a:r>
-                      <a:endParaRPr kumimoji="1" lang="ja-JP" altLang="en-US" sz="1200" dirty="0">
-                        <a:latin typeface="Meiryo UI" panose="020B0604030504040204" pitchFamily="50" charset="-128"/>
-                        <a:ea typeface="Meiryo UI" panose="020B0604030504040204" pitchFamily="50" charset="-128"/>
-                      </a:endParaRPr>
                     </a:p>
                   </a:txBody>
                   <a:tcPr/>
@@ -35658,7 +35392,7 @@
           <a:p>
             <a:pPr algn="ctr"/>
             <a:r>
-              <a:rPr lang="en-US" altLang="ja-JP" sz="1200" dirty="0" smtClean="0">
+              <a:rPr lang="en-US" altLang="ja-JP" sz="1200" dirty="0">
                 <a:solidFill>
                   <a:schemeClr val="tx1"/>
                 </a:solidFill>
@@ -35731,25 +35465,8 @@
                 <a:latin typeface="Meiryo UI" panose="020B0604030504040204" pitchFamily="50" charset="-128"/>
                 <a:ea typeface="Meiryo UI" panose="020B0604030504040204" pitchFamily="50" charset="-128"/>
               </a:rPr>
-              <a:t>オプトアウト</a:t>
-            </a:r>
-            <a:r>
-              <a:rPr lang="ja-JP" altLang="en-US" sz="1200" dirty="0" smtClean="0">
-                <a:solidFill>
-                  <a:schemeClr val="tx1"/>
-                </a:solidFill>
-                <a:latin typeface="Meiryo UI" panose="020B0604030504040204" pitchFamily="50" charset="-128"/>
-                <a:ea typeface="Meiryo UI" panose="020B0604030504040204" pitchFamily="50" charset="-128"/>
-              </a:rPr>
-              <a:t>通知開始日</a:t>
-            </a:r>
-            <a:endParaRPr lang="ja-JP" altLang="en-US" sz="1200" dirty="0">
-              <a:solidFill>
-                <a:schemeClr val="tx1"/>
-              </a:solidFill>
-              <a:latin typeface="Meiryo UI" panose="020B0604030504040204" pitchFamily="50" charset="-128"/>
-              <a:ea typeface="Meiryo UI" panose="020B0604030504040204" pitchFamily="50" charset="-128"/>
-            </a:endParaRPr>
+              <a:t>オプトアウト通知開始日</a:t>
+            </a:r>
           </a:p>
         </p:txBody>
       </p:sp>
@@ -35800,7 +35517,7 @@
           <a:p>
             <a:pPr algn="ctr"/>
             <a:r>
-              <a:rPr lang="en-US" altLang="ja-JP" sz="1200" dirty="0" smtClean="0">
+              <a:rPr lang="en-US" altLang="ja-JP" sz="1200" dirty="0">
                 <a:solidFill>
                   <a:schemeClr val="tx1"/>
                 </a:solidFill>
@@ -35866,7 +35583,7 @@
           <a:p>
             <a:pPr algn="ctr"/>
             <a:r>
-              <a:rPr lang="ja-JP" altLang="en-US" sz="1200" dirty="0" smtClean="0">
+              <a:rPr lang="ja-JP" altLang="en-US" sz="1200" dirty="0">
                 <a:solidFill>
                   <a:schemeClr val="tx1"/>
                 </a:solidFill>
@@ -35875,13 +35592,6 @@
               </a:rPr>
               <a:t>疾患開始日</a:t>
             </a:r>
-            <a:endParaRPr lang="ja-JP" altLang="en-US" sz="1200" dirty="0">
-              <a:solidFill>
-                <a:schemeClr val="tx1"/>
-              </a:solidFill>
-              <a:latin typeface="Meiryo UI" panose="020B0604030504040204" pitchFamily="50" charset="-128"/>
-              <a:ea typeface="Meiryo UI" panose="020B0604030504040204" pitchFamily="50" charset="-128"/>
-            </a:endParaRPr>
           </a:p>
         </p:txBody>
       </p:sp>
@@ -36003,7 +35713,7 @@
           <a:lstStyle/>
           <a:p>
             <a:r>
-              <a:rPr lang="en-US" altLang="ja-JP" sz="1200" dirty="0" smtClean="0">
+              <a:rPr lang="en-US" altLang="ja-JP" sz="1200" dirty="0">
                 <a:solidFill>
                   <a:schemeClr val="tx1"/>
                 </a:solidFill>
@@ -36013,7 +35723,7 @@
               <a:t>【</a:t>
             </a:r>
             <a:r>
-              <a:rPr lang="ja-JP" altLang="en-US" sz="1200" dirty="0" smtClean="0">
+              <a:rPr lang="ja-JP" altLang="en-US" sz="1200" dirty="0">
                 <a:solidFill>
                   <a:schemeClr val="tx1"/>
                 </a:solidFill>
@@ -36023,7 +35733,7 @@
               <a:t>改修案　</a:t>
             </a:r>
             <a:r>
-              <a:rPr lang="en-US" altLang="ja-JP" sz="1200" dirty="0" smtClean="0">
+              <a:rPr lang="en-US" altLang="ja-JP" sz="1200" dirty="0">
                 <a:solidFill>
                   <a:schemeClr val="tx1"/>
                 </a:solidFill>
@@ -36043,7 +35753,7 @@
               <a:t>取込時</a:t>
             </a:r>
             <a:r>
-              <a:rPr lang="en-US" altLang="ja-JP" sz="1200" dirty="0" smtClean="0">
+              <a:rPr lang="en-US" altLang="ja-JP" sz="1200" dirty="0">
                 <a:solidFill>
                   <a:schemeClr val="tx1"/>
                 </a:solidFill>
@@ -36106,7 +35816,7 @@
           <a:lstStyle/>
           <a:p>
             <a:r>
-              <a:rPr lang="en-US" altLang="ja-JP" sz="1200" dirty="0" smtClean="0">
+              <a:rPr lang="en-US" altLang="ja-JP" sz="1200" dirty="0">
                 <a:solidFill>
                   <a:schemeClr val="tx1"/>
                 </a:solidFill>
@@ -36116,7 +35826,7 @@
               <a:t>【</a:t>
             </a:r>
             <a:r>
-              <a:rPr lang="ja-JP" altLang="en-US" sz="1200" dirty="0" smtClean="0">
+              <a:rPr lang="ja-JP" altLang="en-US" sz="1200" dirty="0">
                 <a:solidFill>
                   <a:schemeClr val="tx1"/>
                 </a:solidFill>
@@ -36126,7 +35836,7 @@
               <a:t>改修案　</a:t>
             </a:r>
             <a:r>
-              <a:rPr lang="en-US" altLang="ja-JP" sz="1200" dirty="0" smtClean="0">
+              <a:rPr lang="en-US" altLang="ja-JP" sz="1200" dirty="0">
                 <a:solidFill>
                   <a:schemeClr val="tx1"/>
                 </a:solidFill>
@@ -36146,7 +35856,7 @@
               <a:t>取込時</a:t>
             </a:r>
             <a:r>
-              <a:rPr lang="en-US" altLang="ja-JP" sz="1200" dirty="0" smtClean="0">
+              <a:rPr lang="en-US" altLang="ja-JP" sz="1200" dirty="0">
                 <a:solidFill>
                   <a:schemeClr val="tx1"/>
                 </a:solidFill>
@@ -36250,7 +35960,7 @@
           <a:p>
             <a:pPr algn="ctr"/>
             <a:r>
-              <a:rPr lang="en-US" altLang="ja-JP" sz="1200" dirty="0" smtClean="0">
+              <a:rPr lang="en-US" altLang="ja-JP" sz="1200" dirty="0">
                 <a:solidFill>
                   <a:schemeClr val="tx1"/>
                 </a:solidFill>
@@ -36316,7 +36026,7 @@
           <a:p>
             <a:pPr algn="ctr"/>
             <a:r>
-              <a:rPr lang="ja-JP" altLang="en-US" sz="1200" dirty="0" smtClean="0">
+              <a:rPr lang="ja-JP" altLang="en-US" sz="1200" dirty="0">
                 <a:solidFill>
                   <a:schemeClr val="tx1"/>
                 </a:solidFill>
@@ -36325,13 +36035,6 @@
               </a:rPr>
               <a:t>疾患開始日</a:t>
             </a:r>
-            <a:endParaRPr lang="ja-JP" altLang="en-US" sz="1200" dirty="0">
-              <a:solidFill>
-                <a:schemeClr val="tx1"/>
-              </a:solidFill>
-              <a:latin typeface="Meiryo UI" panose="020B0604030504040204" pitchFamily="50" charset="-128"/>
-              <a:ea typeface="Meiryo UI" panose="020B0604030504040204" pitchFamily="50" charset="-128"/>
-            </a:endParaRPr>
           </a:p>
         </p:txBody>
       </p:sp>
@@ -36382,7 +36085,7 @@
           <a:p>
             <a:pPr algn="ctr"/>
             <a:r>
-              <a:rPr lang="en-US" altLang="ja-JP" sz="1200" dirty="0" smtClean="0">
+              <a:rPr lang="en-US" altLang="ja-JP" sz="1200" dirty="0">
                 <a:solidFill>
                   <a:schemeClr val="tx1"/>
                 </a:solidFill>
@@ -36455,25 +36158,8 @@
                 <a:latin typeface="Meiryo UI" panose="020B0604030504040204" pitchFamily="50" charset="-128"/>
                 <a:ea typeface="Meiryo UI" panose="020B0604030504040204" pitchFamily="50" charset="-128"/>
               </a:rPr>
-              <a:t>オプトアウト</a:t>
-            </a:r>
-            <a:r>
-              <a:rPr lang="ja-JP" altLang="en-US" sz="1200" dirty="0" smtClean="0">
-                <a:solidFill>
-                  <a:schemeClr val="tx1"/>
-                </a:solidFill>
-                <a:latin typeface="Meiryo UI" panose="020B0604030504040204" pitchFamily="50" charset="-128"/>
-                <a:ea typeface="Meiryo UI" panose="020B0604030504040204" pitchFamily="50" charset="-128"/>
-              </a:rPr>
-              <a:t>通知開始日</a:t>
-            </a:r>
-            <a:endParaRPr lang="ja-JP" altLang="en-US" sz="1200" dirty="0">
-              <a:solidFill>
-                <a:schemeClr val="tx1"/>
-              </a:solidFill>
-              <a:latin typeface="Meiryo UI" panose="020B0604030504040204" pitchFamily="50" charset="-128"/>
-              <a:ea typeface="Meiryo UI" panose="020B0604030504040204" pitchFamily="50" charset="-128"/>
-            </a:endParaRPr>
+              <a:t>オプトアウト通知開始日</a:t>
+            </a:r>
           </a:p>
         </p:txBody>
       </p:sp>
@@ -36695,7 +36381,7 @@
           <a:lstStyle/>
           <a:p>
             <a:r>
-              <a:rPr kumimoji="1" lang="en-US" altLang="ja-JP" sz="1200" dirty="0" smtClean="0">
+              <a:rPr kumimoji="1" lang="en-US" altLang="ja-JP" sz="1200" dirty="0">
                 <a:solidFill>
                   <a:schemeClr val="tx1"/>
                 </a:solidFill>
@@ -36705,7 +36391,7 @@
               <a:t>2020/09</a:t>
             </a:r>
             <a:r>
-              <a:rPr kumimoji="1" lang="ja-JP" altLang="en-US" sz="1200" dirty="0" smtClean="0">
+              <a:rPr kumimoji="1" lang="ja-JP" altLang="en-US" sz="1200" dirty="0">
                 <a:solidFill>
                   <a:schemeClr val="tx1"/>
                 </a:solidFill>
@@ -36714,7 +36400,7 @@
               </a:rPr>
               <a:t>の取り込み時点のデータでは、</a:t>
             </a:r>
-            <a:endParaRPr kumimoji="1" lang="en-US" altLang="ja-JP" sz="1200" dirty="0" smtClean="0">
+            <a:endParaRPr kumimoji="1" lang="en-US" altLang="ja-JP" sz="1200" dirty="0">
               <a:solidFill>
                 <a:schemeClr val="tx1"/>
               </a:solidFill>
@@ -36724,7 +36410,7 @@
           </a:p>
           <a:p>
             <a:r>
-              <a:rPr kumimoji="1" lang="ja-JP" altLang="en-US" sz="1200" dirty="0" smtClean="0">
+              <a:rPr kumimoji="1" lang="ja-JP" altLang="en-US" sz="1200" dirty="0">
                 <a:solidFill>
                   <a:schemeClr val="tx1"/>
                 </a:solidFill>
@@ -36733,7 +36419,7 @@
               </a:rPr>
               <a:t>疾患開始日がオプトアウト通知開始日以降となっているため、</a:t>
             </a:r>
-            <a:endParaRPr kumimoji="1" lang="en-US" altLang="ja-JP" sz="1200" dirty="0" smtClean="0">
+            <a:endParaRPr kumimoji="1" lang="en-US" altLang="ja-JP" sz="1200" dirty="0">
               <a:solidFill>
                 <a:schemeClr val="tx1"/>
               </a:solidFill>
@@ -36743,7 +36429,7 @@
           </a:p>
           <a:p>
             <a:r>
-              <a:rPr lang="ja-JP" altLang="en-US" sz="1200" b="1" dirty="0" smtClean="0">
+              <a:rPr lang="ja-JP" altLang="en-US" sz="1200" b="1" dirty="0">
                 <a:solidFill>
                   <a:srgbClr val="FF0000"/>
                 </a:solidFill>
@@ -36753,7 +36439,7 @@
               <a:t>通知済み患者</a:t>
             </a:r>
             <a:r>
-              <a:rPr lang="ja-JP" altLang="en-US" sz="1200" dirty="0" smtClean="0">
+              <a:rPr lang="ja-JP" altLang="en-US" sz="1200" dirty="0">
                 <a:solidFill>
                   <a:schemeClr val="tx1"/>
                 </a:solidFill>
@@ -36762,7 +36448,7 @@
               </a:rPr>
               <a:t>と判定される。</a:t>
             </a:r>
-            <a:endParaRPr kumimoji="1" lang="ja-JP" altLang="en-US" sz="1200" dirty="0" smtClean="0">
+            <a:endParaRPr kumimoji="1" lang="ja-JP" altLang="en-US" sz="1200" dirty="0">
               <a:solidFill>
                 <a:schemeClr val="tx1"/>
               </a:solidFill>
@@ -36843,11 +36529,34 @@
                     <a:lstStyle/>
                     <a:p>
                       <a:r>
-                        <a:rPr kumimoji="1" lang="ja-JP" altLang="en-US" sz="1200" dirty="0" smtClean="0">
+                        <a:rPr kumimoji="1" lang="ja-JP" altLang="en-US" sz="1200" dirty="0">
                           <a:latin typeface="Meiryo UI" panose="020B0604030504040204" pitchFamily="50" charset="-128"/>
                           <a:ea typeface="Meiryo UI" panose="020B0604030504040204" pitchFamily="50" charset="-128"/>
                         </a:rPr>
                         <a:t>取込年月</a:t>
+                      </a:r>
+                    </a:p>
+                  </a:txBody>
+                  <a:tcPr/>
+                </a:tc>
+                <a:tc>
+                  <a:txBody>
+                    <a:bodyPr/>
+                    <a:lstStyle/>
+                    <a:p>
+                      <a:r>
+                        <a:rPr kumimoji="1" lang="ja-JP" altLang="en-US" sz="1200" dirty="0">
+                          <a:latin typeface="Meiryo UI" panose="020B0604030504040204" pitchFamily="50" charset="-128"/>
+                          <a:ea typeface="Meiryo UI" panose="020B0604030504040204" pitchFamily="50" charset="-128"/>
+                        </a:rPr>
+                        <a:t>患者</a:t>
+                      </a:r>
+                      <a:r>
+                        <a:rPr kumimoji="1" lang="en-US" altLang="ja-JP" sz="1200" dirty="0">
+                          <a:latin typeface="Meiryo UI" panose="020B0604030504040204" pitchFamily="50" charset="-128"/>
+                          <a:ea typeface="Meiryo UI" panose="020B0604030504040204" pitchFamily="50" charset="-128"/>
+                        </a:rPr>
+                        <a:t>ID</a:t>
                       </a:r>
                       <a:endParaRPr kumimoji="1" lang="ja-JP" altLang="en-US" sz="1200" dirty="0">
                         <a:latin typeface="Meiryo UI" panose="020B0604030504040204" pitchFamily="50" charset="-128"/>
@@ -36863,14 +36572,14 @@
                     <a:lstStyle/>
                     <a:p>
                       <a:r>
-                        <a:rPr kumimoji="1" lang="ja-JP" altLang="en-US" sz="1200" dirty="0" smtClean="0">
+                        <a:rPr kumimoji="1" lang="ja-JP" altLang="en-US" sz="1200" dirty="0">
                           <a:latin typeface="Meiryo UI" panose="020B0604030504040204" pitchFamily="50" charset="-128"/>
                           <a:ea typeface="Meiryo UI" panose="020B0604030504040204" pitchFamily="50" charset="-128"/>
                         </a:rPr>
-                        <a:t>患者</a:t>
-                      </a:r>
-                      <a:r>
-                        <a:rPr kumimoji="1" lang="en-US" altLang="ja-JP" sz="1200" dirty="0" smtClean="0">
+                        <a:t>文書ユニーク</a:t>
+                      </a:r>
+                      <a:r>
+                        <a:rPr kumimoji="1" lang="en-US" altLang="ja-JP" sz="1200" dirty="0">
                           <a:latin typeface="Meiryo UI" panose="020B0604030504040204" pitchFamily="50" charset="-128"/>
                           <a:ea typeface="Meiryo UI" panose="020B0604030504040204" pitchFamily="50" charset="-128"/>
                         </a:rPr>
@@ -36890,23 +36599,28 @@
                     <a:lstStyle/>
                     <a:p>
                       <a:r>
-                        <a:rPr kumimoji="1" lang="ja-JP" altLang="en-US" sz="1200" dirty="0" smtClean="0">
+                        <a:rPr kumimoji="1" lang="ja-JP" altLang="en-US" sz="1200" dirty="0">
                           <a:latin typeface="Meiryo UI" panose="020B0604030504040204" pitchFamily="50" charset="-128"/>
                           <a:ea typeface="Meiryo UI" panose="020B0604030504040204" pitchFamily="50" charset="-128"/>
                         </a:rPr>
-                        <a:t>文書ユニーク</a:t>
-                      </a:r>
-                      <a:r>
-                        <a:rPr kumimoji="1" lang="en-US" altLang="ja-JP" sz="1200" dirty="0" smtClean="0">
+                        <a:t>診療年月日</a:t>
+                      </a:r>
+                    </a:p>
+                  </a:txBody>
+                  <a:tcPr/>
+                </a:tc>
+                <a:tc>
+                  <a:txBody>
+                    <a:bodyPr/>
+                    <a:lstStyle/>
+                    <a:p>
+                      <a:r>
+                        <a:rPr kumimoji="1" lang="ja-JP" altLang="en-US" sz="1200" dirty="0">
                           <a:latin typeface="Meiryo UI" panose="020B0604030504040204" pitchFamily="50" charset="-128"/>
                           <a:ea typeface="Meiryo UI" panose="020B0604030504040204" pitchFamily="50" charset="-128"/>
                         </a:rPr>
-                        <a:t>ID</a:t>
-                      </a:r>
-                      <a:endParaRPr kumimoji="1" lang="ja-JP" altLang="en-US" sz="1200" dirty="0">
-                        <a:latin typeface="Meiryo UI" panose="020B0604030504040204" pitchFamily="50" charset="-128"/>
-                        <a:ea typeface="Meiryo UI" panose="020B0604030504040204" pitchFamily="50" charset="-128"/>
-                      </a:endParaRPr>
+                        <a:t>疾患開始日</a:t>
+                      </a:r>
                     </a:p>
                   </a:txBody>
                   <a:tcPr/>
@@ -36917,56 +36631,12 @@
                     <a:lstStyle/>
                     <a:p>
                       <a:r>
-                        <a:rPr kumimoji="1" lang="ja-JP" altLang="en-US" sz="1200" dirty="0" smtClean="0">
+                        <a:rPr kumimoji="1" lang="ja-JP" altLang="en-US" sz="1200" dirty="0">
                           <a:latin typeface="Meiryo UI" panose="020B0604030504040204" pitchFamily="50" charset="-128"/>
                           <a:ea typeface="Meiryo UI" panose="020B0604030504040204" pitchFamily="50" charset="-128"/>
                         </a:rPr>
-                        <a:t>診療年月日</a:t>
-                      </a:r>
-                      <a:endParaRPr kumimoji="1" lang="ja-JP" altLang="en-US" sz="1200" dirty="0">
-                        <a:latin typeface="Meiryo UI" panose="020B0604030504040204" pitchFamily="50" charset="-128"/>
-                        <a:ea typeface="Meiryo UI" panose="020B0604030504040204" pitchFamily="50" charset="-128"/>
-                      </a:endParaRPr>
-                    </a:p>
-                  </a:txBody>
-                  <a:tcPr/>
-                </a:tc>
-                <a:tc>
-                  <a:txBody>
-                    <a:bodyPr/>
-                    <a:lstStyle/>
-                    <a:p>
-                      <a:r>
-                        <a:rPr kumimoji="1" lang="ja-JP" altLang="en-US" sz="1200" dirty="0" smtClean="0">
-                          <a:latin typeface="Meiryo UI" panose="020B0604030504040204" pitchFamily="50" charset="-128"/>
-                          <a:ea typeface="Meiryo UI" panose="020B0604030504040204" pitchFamily="50" charset="-128"/>
-                        </a:rPr>
-                        <a:t>疾患開始日</a:t>
-                      </a:r>
-                      <a:endParaRPr kumimoji="1" lang="ja-JP" altLang="en-US" sz="1200" dirty="0">
-                        <a:latin typeface="Meiryo UI" panose="020B0604030504040204" pitchFamily="50" charset="-128"/>
-                        <a:ea typeface="Meiryo UI" panose="020B0604030504040204" pitchFamily="50" charset="-128"/>
-                      </a:endParaRPr>
-                    </a:p>
-                  </a:txBody>
-                  <a:tcPr/>
-                </a:tc>
-                <a:tc>
-                  <a:txBody>
-                    <a:bodyPr/>
-                    <a:lstStyle/>
-                    <a:p>
-                      <a:r>
-                        <a:rPr kumimoji="1" lang="ja-JP" altLang="en-US" sz="1200" dirty="0" smtClean="0">
-                          <a:latin typeface="Meiryo UI" panose="020B0604030504040204" pitchFamily="50" charset="-128"/>
-                          <a:ea typeface="Meiryo UI" panose="020B0604030504040204" pitchFamily="50" charset="-128"/>
-                        </a:rPr>
                         <a:t>病名</a:t>
                       </a:r>
-                      <a:endParaRPr kumimoji="1" lang="ja-JP" altLang="en-US" sz="1200" dirty="0">
-                        <a:latin typeface="Meiryo UI" panose="020B0604030504040204" pitchFamily="50" charset="-128"/>
-                        <a:ea typeface="Meiryo UI" panose="020B0604030504040204" pitchFamily="50" charset="-128"/>
-                      </a:endParaRPr>
                     </a:p>
                   </a:txBody>
                   <a:tcPr/>
@@ -36984,7 +36654,7 @@
                     <a:lstStyle/>
                     <a:p>
                       <a:r>
-                        <a:rPr kumimoji="1" lang="en-US" altLang="ja-JP" sz="1200" dirty="0" smtClean="0">
+                        <a:rPr kumimoji="1" lang="en-US" altLang="ja-JP" sz="1200" dirty="0">
                           <a:latin typeface="Meiryo UI" panose="020B0604030504040204" pitchFamily="50" charset="-128"/>
                           <a:ea typeface="Meiryo UI" panose="020B0604030504040204" pitchFamily="50" charset="-128"/>
                         </a:rPr>
@@ -37004,7 +36674,7 @@
                     <a:lstStyle/>
                     <a:p>
                       <a:r>
-                        <a:rPr kumimoji="1" lang="en-US" altLang="ja-JP" sz="1200" dirty="0" smtClean="0">
+                        <a:rPr kumimoji="1" lang="en-US" altLang="ja-JP" sz="1200" dirty="0">
                           <a:latin typeface="Meiryo UI" panose="020B0604030504040204" pitchFamily="50" charset="-128"/>
                           <a:ea typeface="Meiryo UI" panose="020B0604030504040204" pitchFamily="50" charset="-128"/>
                         </a:rPr>
@@ -37024,7 +36694,7 @@
                     <a:lstStyle/>
                     <a:p>
                       <a:r>
-                        <a:rPr kumimoji="1" lang="en-US" altLang="ja-JP" sz="1200" dirty="0" smtClean="0">
+                        <a:rPr kumimoji="1" lang="en-US" altLang="ja-JP" sz="1200" dirty="0">
                           <a:latin typeface="Meiryo UI" panose="020B0604030504040204" pitchFamily="50" charset="-128"/>
                           <a:ea typeface="Meiryo UI" panose="020B0604030504040204" pitchFamily="50" charset="-128"/>
                         </a:rPr>
@@ -37044,7 +36714,7 @@
                     <a:lstStyle/>
                     <a:p>
                       <a:r>
-                        <a:rPr kumimoji="1" lang="en-US" altLang="ja-JP" sz="1200" dirty="0" smtClean="0">
+                        <a:rPr kumimoji="1" lang="en-US" altLang="ja-JP" sz="1200" dirty="0">
                           <a:latin typeface="Meiryo UI" panose="020B0604030504040204" pitchFamily="50" charset="-128"/>
                           <a:ea typeface="Meiryo UI" panose="020B0604030504040204" pitchFamily="50" charset="-128"/>
                         </a:rPr>
@@ -37064,7 +36734,7 @@
                     <a:lstStyle/>
                     <a:p>
                       <a:r>
-                        <a:rPr kumimoji="1" lang="en-US" altLang="ja-JP" sz="1200" dirty="0" smtClean="0">
+                        <a:rPr kumimoji="1" lang="en-US" altLang="ja-JP" sz="1200" dirty="0">
                           <a:latin typeface="Meiryo UI" panose="020B0604030504040204" pitchFamily="50" charset="-128"/>
                           <a:ea typeface="Meiryo UI" panose="020B0604030504040204" pitchFamily="50" charset="-128"/>
                         </a:rPr>
@@ -37101,7 +36771,7 @@
                         <a:defRPr/>
                       </a:pPr>
                       <a:r>
-                        <a:rPr kumimoji="1" lang="ja-JP" altLang="en-US" sz="1200" dirty="0" smtClean="0">
+                        <a:rPr kumimoji="1" lang="ja-JP" altLang="en-US" sz="1200" dirty="0">
                           <a:latin typeface="Meiryo UI" panose="020B0604030504040204" pitchFamily="50" charset="-128"/>
                           <a:ea typeface="Meiryo UI" panose="020B0604030504040204" pitchFamily="50" charset="-128"/>
                         </a:rPr>
@@ -37168,7 +36838,7 @@
           <a:p>
             <a:pPr algn="ctr"/>
             <a:r>
-              <a:rPr lang="en-US" altLang="ja-JP" sz="1200" dirty="0" smtClean="0">
+              <a:rPr lang="en-US" altLang="ja-JP" sz="1200" dirty="0">
                 <a:solidFill>
                   <a:schemeClr val="tx1"/>
                 </a:solidFill>
@@ -37234,7 +36904,7 @@
           <a:p>
             <a:pPr algn="ctr"/>
             <a:r>
-              <a:rPr lang="ja-JP" altLang="en-US" sz="1200" dirty="0" smtClean="0">
+              <a:rPr lang="ja-JP" altLang="en-US" sz="1200" dirty="0">
                 <a:solidFill>
                   <a:schemeClr val="tx1"/>
                 </a:solidFill>
@@ -37243,13 +36913,6 @@
               </a:rPr>
               <a:t>疾患開始日</a:t>
             </a:r>
-            <a:endParaRPr lang="ja-JP" altLang="en-US" sz="1200" dirty="0">
-              <a:solidFill>
-                <a:schemeClr val="tx1"/>
-              </a:solidFill>
-              <a:latin typeface="Meiryo UI" panose="020B0604030504040204" pitchFamily="50" charset="-128"/>
-              <a:ea typeface="Meiryo UI" panose="020B0604030504040204" pitchFamily="50" charset="-128"/>
-            </a:endParaRPr>
           </a:p>
         </p:txBody>
       </p:sp>
@@ -37397,7 +37060,7 @@
           <a:lstStyle/>
           <a:p>
             <a:r>
-              <a:rPr kumimoji="1" lang="en-US" altLang="ja-JP" sz="1200" dirty="0" smtClean="0">
+              <a:rPr kumimoji="1" lang="en-US" altLang="ja-JP" sz="1200" dirty="0">
                 <a:solidFill>
                   <a:schemeClr val="tx1"/>
                 </a:solidFill>
@@ -37407,7 +37070,7 @@
               <a:t>2020/10</a:t>
             </a:r>
             <a:r>
-              <a:rPr kumimoji="1" lang="ja-JP" altLang="en-US" sz="1200" dirty="0" smtClean="0">
+              <a:rPr kumimoji="1" lang="ja-JP" altLang="en-US" sz="1200" dirty="0">
                 <a:solidFill>
                   <a:schemeClr val="tx1"/>
                 </a:solidFill>
@@ -37416,7 +37079,7 @@
               </a:rPr>
               <a:t>の取り込み時点のデータでは、</a:t>
             </a:r>
-            <a:endParaRPr kumimoji="1" lang="en-US" altLang="ja-JP" sz="1200" dirty="0" smtClean="0">
+            <a:endParaRPr kumimoji="1" lang="en-US" altLang="ja-JP" sz="1200" dirty="0">
               <a:solidFill>
                 <a:schemeClr val="tx1"/>
               </a:solidFill>
@@ -37426,7 +37089,7 @@
           </a:p>
           <a:p>
             <a:r>
-              <a:rPr kumimoji="1" lang="ja-JP" altLang="en-US" sz="1200" dirty="0" smtClean="0">
+              <a:rPr kumimoji="1" lang="ja-JP" altLang="en-US" sz="1200" dirty="0">
                 <a:solidFill>
                   <a:schemeClr val="tx1"/>
                 </a:solidFill>
@@ -37436,7 +37099,7 @@
               <a:t>疾患開始日がオプトアウト通知開始日</a:t>
             </a:r>
             <a:r>
-              <a:rPr lang="ja-JP" altLang="en-US" sz="1200" dirty="0" smtClean="0">
+              <a:rPr lang="ja-JP" altLang="en-US" sz="1200" dirty="0">
                 <a:solidFill>
                   <a:schemeClr val="tx1"/>
                 </a:solidFill>
@@ -37445,7 +37108,7 @@
               </a:rPr>
               <a:t>以降のデータがあるため</a:t>
             </a:r>
-            <a:endParaRPr kumimoji="1" lang="en-US" altLang="ja-JP" sz="1200" dirty="0" smtClean="0">
+            <a:endParaRPr kumimoji="1" lang="en-US" altLang="ja-JP" sz="1200" dirty="0">
               <a:solidFill>
                 <a:schemeClr val="tx1"/>
               </a:solidFill>
@@ -37455,7 +37118,7 @@
           </a:p>
           <a:p>
             <a:r>
-              <a:rPr lang="ja-JP" altLang="en-US" sz="1200" b="1" dirty="0" smtClean="0">
+              <a:rPr lang="ja-JP" altLang="en-US" sz="1200" b="1" dirty="0">
                 <a:solidFill>
                   <a:srgbClr val="FF0000"/>
                 </a:solidFill>
@@ -37465,7 +37128,7 @@
               <a:t>通知済み患者のまま</a:t>
             </a:r>
             <a:r>
-              <a:rPr lang="ja-JP" altLang="en-US" sz="1200" dirty="0" smtClean="0">
+              <a:rPr lang="ja-JP" altLang="en-US" sz="1200" dirty="0">
                 <a:solidFill>
                   <a:schemeClr val="tx1"/>
                 </a:solidFill>
@@ -37474,7 +37137,7 @@
               </a:rPr>
               <a:t>と判定される。</a:t>
             </a:r>
-            <a:endParaRPr kumimoji="1" lang="ja-JP" altLang="en-US" sz="1200" dirty="0" smtClean="0">
+            <a:endParaRPr kumimoji="1" lang="ja-JP" altLang="en-US" sz="1200" dirty="0">
               <a:solidFill>
                 <a:schemeClr val="tx1"/>
               </a:solidFill>
@@ -37532,7 +37195,7 @@
           <a:lstStyle/>
           <a:p>
             <a:r>
-              <a:rPr kumimoji="1" lang="ja-JP" altLang="en-US" sz="1200" dirty="0" smtClean="0">
+              <a:rPr kumimoji="1" lang="ja-JP" altLang="en-US" sz="1200" dirty="0">
                 <a:solidFill>
                   <a:schemeClr val="tx1"/>
                 </a:solidFill>
@@ -37542,7 +37205,7 @@
               <a:t>改修案では同一</a:t>
             </a:r>
             <a:r>
-              <a:rPr kumimoji="1" lang="en-US" altLang="ja-JP" sz="1200" dirty="0" smtClean="0">
+              <a:rPr kumimoji="1" lang="en-US" altLang="ja-JP" sz="1200" dirty="0">
                 <a:solidFill>
                   <a:schemeClr val="tx1"/>
                 </a:solidFill>
@@ -37552,7 +37215,7 @@
               <a:t>UID</a:t>
             </a:r>
             <a:r>
-              <a:rPr kumimoji="1" lang="ja-JP" altLang="en-US" sz="1200" dirty="0" smtClean="0">
+              <a:rPr kumimoji="1" lang="ja-JP" altLang="en-US" sz="1200" dirty="0">
                 <a:solidFill>
                   <a:schemeClr val="tx1"/>
                 </a:solidFill>
@@ -37561,7 +37224,7 @@
               </a:rPr>
               <a:t>であっても</a:t>
             </a:r>
-            <a:endParaRPr kumimoji="1" lang="en-US" altLang="ja-JP" sz="1200" dirty="0" smtClean="0">
+            <a:endParaRPr kumimoji="1" lang="en-US" altLang="ja-JP" sz="1200" dirty="0">
               <a:solidFill>
                 <a:schemeClr val="tx1"/>
               </a:solidFill>
@@ -37571,7 +37234,7 @@
           </a:p>
           <a:p>
             <a:r>
-              <a:rPr kumimoji="1" lang="ja-JP" altLang="en-US" sz="1200" dirty="0" smtClean="0">
+              <a:rPr kumimoji="1" lang="ja-JP" altLang="en-US" sz="1200" dirty="0">
                 <a:solidFill>
                   <a:schemeClr val="tx1"/>
                 </a:solidFill>
@@ -37580,7 +37243,7 @@
               </a:rPr>
               <a:t>削除されない</a:t>
             </a:r>
-            <a:endParaRPr kumimoji="1" lang="en-US" altLang="ja-JP" sz="1200" dirty="0" smtClean="0">
+            <a:endParaRPr kumimoji="1" lang="en-US" altLang="ja-JP" sz="1200" dirty="0">
               <a:solidFill>
                 <a:schemeClr val="tx1"/>
               </a:solidFill>
@@ -37698,13 +37361,6 @@
   <p:clrMapOvr>
     <a:masterClrMapping/>
   </p:clrMapOvr>
-  <p:timing>
-    <p:tnLst>
-      <p:par>
-        <p:cTn id="1" dur="indefinite" restart="never" nodeType="tmRoot"/>
-      </p:par>
-    </p:tnLst>
-  </p:timing>
 </p:sld>
 </file>
 
@@ -37957,33 +37613,39 @@
           </a:lstStyle>
           <a:p>
             <a:r>
-              <a:rPr lang="ja-JP" altLang="en-US" sz="1800" dirty="0" smtClean="0">
+              <a:rPr lang="ja-JP" altLang="en-US" sz="1800" dirty="0">
                 <a:latin typeface="Meiryo UI" panose="020B0604030504040204" pitchFamily="50" charset="-128"/>
                 <a:ea typeface="Meiryo UI" panose="020B0604030504040204" pitchFamily="50" charset="-128"/>
               </a:rPr>
-              <a:t>実際に懸念事項で説明したような最新履歴において疾患開始日が遡っていた患者について、</a:t>
-            </a:r>
-            <a:r>
-              <a:rPr lang="en-US" altLang="ja-JP" sz="1800" dirty="0" smtClean="0">
+              <a:t>実際に懸念事項で説明したような最新履歴において疾患開始日が遡った際に</a:t>
+            </a:r>
+            <a:endParaRPr lang="en-US" altLang="ja-JP" sz="1800" dirty="0">
+              <a:latin typeface="Meiryo UI" panose="020B0604030504040204" pitchFamily="50" charset="-128"/>
+              <a:ea typeface="Meiryo UI" panose="020B0604030504040204" pitchFamily="50" charset="-128"/>
+            </a:endParaRPr>
+          </a:p>
+          <a:p>
+            <a:r>
+              <a:rPr lang="ja-JP" altLang="en-US" sz="1800" dirty="0">
                 <a:latin typeface="Meiryo UI" panose="020B0604030504040204" pitchFamily="50" charset="-128"/>
                 <a:ea typeface="Meiryo UI" panose="020B0604030504040204" pitchFamily="50" charset="-128"/>
               </a:rPr>
-              <a:t/>
+              <a:t>過去の診断履歴が削除されてしまう可能性のある患者について、</a:t>
             </a:r>
             <a:br>
-              <a:rPr lang="en-US" altLang="ja-JP" sz="1800" dirty="0" smtClean="0">
+              <a:rPr lang="en-US" altLang="ja-JP" sz="1800" dirty="0">
                 <a:latin typeface="Meiryo UI" panose="020B0604030504040204" pitchFamily="50" charset="-128"/>
                 <a:ea typeface="Meiryo UI" panose="020B0604030504040204" pitchFamily="50" charset="-128"/>
               </a:rPr>
             </a:br>
             <a:r>
-              <a:rPr lang="ja-JP" altLang="en-US" sz="1800" dirty="0" smtClean="0">
+              <a:rPr lang="ja-JP" altLang="en-US" sz="1800" dirty="0">
                 <a:latin typeface="Meiryo UI" panose="020B0604030504040204" pitchFamily="50" charset="-128"/>
                 <a:ea typeface="Meiryo UI" panose="020B0604030504040204" pitchFamily="50" charset="-128"/>
               </a:rPr>
-              <a:t>数名分サンプル調査として対象患者の経過記録を参照し、原因の確認を行った。</a:t>
-            </a:r>
-            <a:endParaRPr lang="en-US" altLang="ja-JP" sz="1800" dirty="0" smtClean="0">
+              <a:t>数名分サンプル調査として対象患者の経過記録などを参照し、原因調査を行った。</a:t>
+            </a:r>
+            <a:endParaRPr lang="en-US" altLang="ja-JP" sz="1800" dirty="0">
               <a:latin typeface="Meiryo UI" panose="020B0604030504040204" pitchFamily="50" charset="-128"/>
               <a:ea typeface="Meiryo UI" panose="020B0604030504040204" pitchFamily="50" charset="-128"/>
             </a:endParaRPr>
@@ -37995,7 +37657,72 @@
             </a:endParaRPr>
           </a:p>
           <a:p>
-            <a:endParaRPr lang="en-US" altLang="ja-JP" sz="1800" dirty="0" smtClean="0">
+            <a:r>
+              <a:rPr lang="ja-JP" altLang="en-US" sz="1800" dirty="0">
+                <a:latin typeface="Meiryo UI" panose="020B0604030504040204" pitchFamily="50" charset="-128"/>
+                <a:ea typeface="Meiryo UI" panose="020B0604030504040204" pitchFamily="50" charset="-128"/>
+              </a:rPr>
+              <a:t>その多くが、おそらく</a:t>
+            </a:r>
+            <a:r>
+              <a:rPr lang="ja-JP" altLang="en-US" sz="1800" dirty="0">
+                <a:solidFill>
+                  <a:srgbClr val="FF0000"/>
+                </a:solidFill>
+                <a:latin typeface="Meiryo UI" panose="020B0604030504040204" pitchFamily="50" charset="-128"/>
+                <a:ea typeface="Meiryo UI" panose="020B0604030504040204" pitchFamily="50" charset="-128"/>
+              </a:rPr>
+              <a:t>歯科レセプトは存在するが医科レセプトが存在しない</a:t>
+            </a:r>
+            <a:r>
+              <a:rPr lang="ja-JP" altLang="en-US" sz="1800" dirty="0">
+                <a:latin typeface="Meiryo UI" panose="020B0604030504040204" pitchFamily="50" charset="-128"/>
+                <a:ea typeface="Meiryo UI" panose="020B0604030504040204" pitchFamily="50" charset="-128"/>
+              </a:rPr>
+              <a:t>患者ではないかと考えられた。</a:t>
+            </a:r>
+            <a:endParaRPr lang="en-US" altLang="ja-JP" sz="1800" dirty="0">
+              <a:latin typeface="Meiryo UI" panose="020B0604030504040204" pitchFamily="50" charset="-128"/>
+              <a:ea typeface="Meiryo UI" panose="020B0604030504040204" pitchFamily="50" charset="-128"/>
+            </a:endParaRPr>
+          </a:p>
+          <a:p>
+            <a:r>
+              <a:rPr lang="ja-JP" altLang="en-US" sz="1800" dirty="0">
+                <a:latin typeface="Meiryo UI" panose="020B0604030504040204" pitchFamily="50" charset="-128"/>
+                <a:ea typeface="Meiryo UI" panose="020B0604030504040204" pitchFamily="50" charset="-128"/>
+              </a:rPr>
+              <a:t>千年カルテシステムでは医科レセプトと</a:t>
+            </a:r>
+            <a:r>
+              <a:rPr lang="en-US" altLang="ja-JP" sz="1800" dirty="0">
+                <a:latin typeface="Meiryo UI" panose="020B0604030504040204" pitchFamily="50" charset="-128"/>
+                <a:ea typeface="Meiryo UI" panose="020B0604030504040204" pitchFamily="50" charset="-128"/>
+              </a:rPr>
+              <a:t>DPC</a:t>
+            </a:r>
+            <a:r>
+              <a:rPr lang="ja-JP" altLang="en-US" sz="1800" dirty="0">
+                <a:latin typeface="Meiryo UI" panose="020B0604030504040204" pitchFamily="50" charset="-128"/>
+                <a:ea typeface="Meiryo UI" panose="020B0604030504040204" pitchFamily="50" charset="-128"/>
+              </a:rPr>
+              <a:t>のみを取込対象としており、歯科レセプトは対象としていない。そのため</a:t>
+            </a:r>
+            <a:r>
+              <a:rPr lang="en-US" altLang="ja-JP" sz="1800" dirty="0">
+                <a:latin typeface="Meiryo UI" panose="020B0604030504040204" pitchFamily="50" charset="-128"/>
+                <a:ea typeface="Meiryo UI" panose="020B0604030504040204" pitchFamily="50" charset="-128"/>
+              </a:rPr>
+              <a:t>MML</a:t>
+            </a:r>
+            <a:r>
+              <a:rPr lang="ja-JP" altLang="en-US" sz="1800" dirty="0">
+                <a:latin typeface="Meiryo UI" panose="020B0604030504040204" pitchFamily="50" charset="-128"/>
+                <a:ea typeface="Meiryo UI" panose="020B0604030504040204" pitchFamily="50" charset="-128"/>
+              </a:rPr>
+              <a:t>の診断履歴でしか診療年月日を特定する手段がない状態になっていたと考えられる。</a:t>
+            </a:r>
+            <a:endParaRPr lang="en-US" altLang="ja-JP" sz="1800" dirty="0">
               <a:latin typeface="Meiryo UI" panose="020B0604030504040204" pitchFamily="50" charset="-128"/>
               <a:ea typeface="Meiryo UI" panose="020B0604030504040204" pitchFamily="50" charset="-128"/>
             </a:endParaRPr>
@@ -38025,16 +37752,561 @@
           <a:lstStyle/>
           <a:p>
             <a:r>
-              <a:rPr lang="ja-JP" altLang="en-US" sz="1800" b="1" dirty="0" smtClean="0">
+              <a:rPr lang="ja-JP" altLang="en-US" sz="1800" b="1" dirty="0">
                 <a:latin typeface="Meiryo UI" panose="020B0604030504040204" pitchFamily="50" charset="-128"/>
                 <a:ea typeface="Meiryo UI" panose="020B0604030504040204" pitchFamily="50" charset="-128"/>
               </a:rPr>
               <a:t>影響調査結果</a:t>
             </a:r>
-            <a:endParaRPr lang="ja-JP" altLang="en-US" sz="1800" b="1" dirty="0">
+          </a:p>
+        </p:txBody>
+      </p:sp>
+      <p:graphicFrame>
+        <p:nvGraphicFramePr>
+          <p:cNvPr id="5" name="表 4">
+            <a:extLst>
+              <a:ext uri="{FF2B5EF4-FFF2-40B4-BE49-F238E27FC236}">
+                <a16:creationId xmlns:a16="http://schemas.microsoft.com/office/drawing/2014/main" id="{0582ED1E-755A-49E4-9F55-4CEF85CA68DC}"/>
+              </a:ext>
+            </a:extLst>
+          </p:cNvPr>
+          <p:cNvGraphicFramePr>
+            <a:graphicFrameLocks noGrp="1"/>
+          </p:cNvGraphicFramePr>
+          <p:nvPr>
+            <p:extLst>
+              <p:ext uri="{D42A27DB-BD31-4B8C-83A1-F6EECF244321}">
+                <p14:modId xmlns:p14="http://schemas.microsoft.com/office/powerpoint/2010/main" val="1256804124"/>
+              </p:ext>
+            </p:extLst>
+          </p:nvPr>
+        </p:nvGraphicFramePr>
+        <p:xfrm>
+          <a:off x="935082" y="3395224"/>
+          <a:ext cx="5755020" cy="614708"/>
+        </p:xfrm>
+        <a:graphic>
+          <a:graphicData uri="http://schemas.openxmlformats.org/drawingml/2006/table">
+            <a:tbl>
+              <a:tblPr firstRow="1" bandRow="1">
+                <a:tableStyleId>{5C22544A-7EE6-4342-B048-85BDC9FD1C3A}</a:tableStyleId>
+              </a:tblPr>
+              <a:tblGrid>
+                <a:gridCol w="875030">
+                  <a:extLst>
+                    <a:ext uri="{9D8B030D-6E8A-4147-A177-3AD203B41FA5}">
+                      <a16:colId xmlns:a16="http://schemas.microsoft.com/office/drawing/2014/main" val="2619730150"/>
+                    </a:ext>
+                  </a:extLst>
+                </a:gridCol>
+                <a:gridCol w="736918">
+                  <a:extLst>
+                    <a:ext uri="{9D8B030D-6E8A-4147-A177-3AD203B41FA5}">
+                      <a16:colId xmlns:a16="http://schemas.microsoft.com/office/drawing/2014/main" val="3304903252"/>
+                    </a:ext>
+                  </a:extLst>
+                </a:gridCol>
+                <a:gridCol w="1238568">
+                  <a:extLst>
+                    <a:ext uri="{9D8B030D-6E8A-4147-A177-3AD203B41FA5}">
+                      <a16:colId xmlns:a16="http://schemas.microsoft.com/office/drawing/2014/main" val="2364852446"/>
+                    </a:ext>
+                  </a:extLst>
+                </a:gridCol>
+                <a:gridCol w="1038543">
+                  <a:extLst>
+                    <a:ext uri="{9D8B030D-6E8A-4147-A177-3AD203B41FA5}">
+                      <a16:colId xmlns:a16="http://schemas.microsoft.com/office/drawing/2014/main" val="960148189"/>
+                    </a:ext>
+                  </a:extLst>
+                </a:gridCol>
+                <a:gridCol w="1038543">
+                  <a:extLst>
+                    <a:ext uri="{9D8B030D-6E8A-4147-A177-3AD203B41FA5}">
+                      <a16:colId xmlns:a16="http://schemas.microsoft.com/office/drawing/2014/main" val="1296641219"/>
+                    </a:ext>
+                  </a:extLst>
+                </a:gridCol>
+                <a:gridCol w="827418">
+                  <a:extLst>
+                    <a:ext uri="{9D8B030D-6E8A-4147-A177-3AD203B41FA5}">
+                      <a16:colId xmlns:a16="http://schemas.microsoft.com/office/drawing/2014/main" val="739497885"/>
+                    </a:ext>
+                  </a:extLst>
+                </a:gridCol>
+              </a:tblGrid>
+              <a:tr h="307354">
+                <a:tc>
+                  <a:txBody>
+                    <a:bodyPr/>
+                    <a:lstStyle/>
+                    <a:p>
+                      <a:r>
+                        <a:rPr kumimoji="1" lang="ja-JP" altLang="en-US" sz="1200" dirty="0">
+                          <a:latin typeface="Meiryo UI" panose="020B0604030504040204" pitchFamily="50" charset="-128"/>
+                          <a:ea typeface="Meiryo UI" panose="020B0604030504040204" pitchFamily="50" charset="-128"/>
+                        </a:rPr>
+                        <a:t>取込年月</a:t>
+                      </a:r>
+                    </a:p>
+                  </a:txBody>
+                  <a:tcPr/>
+                </a:tc>
+                <a:tc>
+                  <a:txBody>
+                    <a:bodyPr/>
+                    <a:lstStyle/>
+                    <a:p>
+                      <a:r>
+                        <a:rPr kumimoji="1" lang="ja-JP" altLang="en-US" sz="1200" dirty="0">
+                          <a:latin typeface="Meiryo UI" panose="020B0604030504040204" pitchFamily="50" charset="-128"/>
+                          <a:ea typeface="Meiryo UI" panose="020B0604030504040204" pitchFamily="50" charset="-128"/>
+                        </a:rPr>
+                        <a:t>患者</a:t>
+                      </a:r>
+                      <a:r>
+                        <a:rPr kumimoji="1" lang="en-US" altLang="ja-JP" sz="1200" dirty="0">
+                          <a:latin typeface="Meiryo UI" panose="020B0604030504040204" pitchFamily="50" charset="-128"/>
+                          <a:ea typeface="Meiryo UI" panose="020B0604030504040204" pitchFamily="50" charset="-128"/>
+                        </a:rPr>
+                        <a:t>ID</a:t>
+                      </a:r>
+                      <a:endParaRPr kumimoji="1" lang="ja-JP" altLang="en-US" sz="1200" dirty="0">
+                        <a:latin typeface="Meiryo UI" panose="020B0604030504040204" pitchFamily="50" charset="-128"/>
+                        <a:ea typeface="Meiryo UI" panose="020B0604030504040204" pitchFamily="50" charset="-128"/>
+                      </a:endParaRPr>
+                    </a:p>
+                  </a:txBody>
+                  <a:tcPr/>
+                </a:tc>
+                <a:tc>
+                  <a:txBody>
+                    <a:bodyPr/>
+                    <a:lstStyle/>
+                    <a:p>
+                      <a:r>
+                        <a:rPr kumimoji="1" lang="ja-JP" altLang="en-US" sz="1200" dirty="0">
+                          <a:latin typeface="Meiryo UI" panose="020B0604030504040204" pitchFamily="50" charset="-128"/>
+                          <a:ea typeface="Meiryo UI" panose="020B0604030504040204" pitchFamily="50" charset="-128"/>
+                        </a:rPr>
+                        <a:t>文書ユニーク</a:t>
+                      </a:r>
+                      <a:r>
+                        <a:rPr kumimoji="1" lang="en-US" altLang="ja-JP" sz="1200" dirty="0">
+                          <a:latin typeface="Meiryo UI" panose="020B0604030504040204" pitchFamily="50" charset="-128"/>
+                          <a:ea typeface="Meiryo UI" panose="020B0604030504040204" pitchFamily="50" charset="-128"/>
+                        </a:rPr>
+                        <a:t>ID</a:t>
+                      </a:r>
+                      <a:endParaRPr kumimoji="1" lang="ja-JP" altLang="en-US" sz="1200" dirty="0">
+                        <a:latin typeface="Meiryo UI" panose="020B0604030504040204" pitchFamily="50" charset="-128"/>
+                        <a:ea typeface="Meiryo UI" panose="020B0604030504040204" pitchFamily="50" charset="-128"/>
+                      </a:endParaRPr>
+                    </a:p>
+                  </a:txBody>
+                  <a:tcPr/>
+                </a:tc>
+                <a:tc>
+                  <a:txBody>
+                    <a:bodyPr/>
+                    <a:lstStyle/>
+                    <a:p>
+                      <a:r>
+                        <a:rPr kumimoji="1" lang="ja-JP" altLang="en-US" sz="1200" dirty="0">
+                          <a:latin typeface="Meiryo UI" panose="020B0604030504040204" pitchFamily="50" charset="-128"/>
+                          <a:ea typeface="Meiryo UI" panose="020B0604030504040204" pitchFamily="50" charset="-128"/>
+                        </a:rPr>
+                        <a:t>診療年月日</a:t>
+                      </a:r>
+                    </a:p>
+                  </a:txBody>
+                  <a:tcPr/>
+                </a:tc>
+                <a:tc>
+                  <a:txBody>
+                    <a:bodyPr/>
+                    <a:lstStyle/>
+                    <a:p>
+                      <a:r>
+                        <a:rPr kumimoji="1" lang="ja-JP" altLang="en-US" sz="1200" dirty="0">
+                          <a:latin typeface="Meiryo UI" panose="020B0604030504040204" pitchFamily="50" charset="-128"/>
+                          <a:ea typeface="Meiryo UI" panose="020B0604030504040204" pitchFamily="50" charset="-128"/>
+                        </a:rPr>
+                        <a:t>疾患開始日</a:t>
+                      </a:r>
+                    </a:p>
+                  </a:txBody>
+                  <a:tcPr/>
+                </a:tc>
+                <a:tc>
+                  <a:txBody>
+                    <a:bodyPr/>
+                    <a:lstStyle/>
+                    <a:p>
+                      <a:r>
+                        <a:rPr kumimoji="1" lang="ja-JP" altLang="en-US" sz="1200" dirty="0">
+                          <a:latin typeface="Meiryo UI" panose="020B0604030504040204" pitchFamily="50" charset="-128"/>
+                          <a:ea typeface="Meiryo UI" panose="020B0604030504040204" pitchFamily="50" charset="-128"/>
+                        </a:rPr>
+                        <a:t>病名</a:t>
+                      </a:r>
+                    </a:p>
+                  </a:txBody>
+                  <a:tcPr/>
+                </a:tc>
+                <a:extLst>
+                  <a:ext uri="{0D108BD9-81ED-4DB2-BD59-A6C34878D82A}">
+                    <a16:rowId xmlns:a16="http://schemas.microsoft.com/office/drawing/2014/main" val="1002765430"/>
+                  </a:ext>
+                </a:extLst>
+              </a:tr>
+              <a:tr h="307354">
+                <a:tc>
+                  <a:txBody>
+                    <a:bodyPr/>
+                    <a:lstStyle/>
+                    <a:p>
+                      <a:r>
+                        <a:rPr kumimoji="1" lang="en-US" altLang="ja-JP" sz="1200" dirty="0">
+                          <a:latin typeface="Meiryo UI" panose="020B0604030504040204" pitchFamily="50" charset="-128"/>
+                          <a:ea typeface="Meiryo UI" panose="020B0604030504040204" pitchFamily="50" charset="-128"/>
+                        </a:rPr>
+                        <a:t>2020/10</a:t>
+                      </a:r>
+                      <a:endParaRPr kumimoji="1" lang="ja-JP" altLang="en-US" sz="1200" dirty="0">
+                        <a:latin typeface="Meiryo UI" panose="020B0604030504040204" pitchFamily="50" charset="-128"/>
+                        <a:ea typeface="Meiryo UI" panose="020B0604030504040204" pitchFamily="50" charset="-128"/>
+                      </a:endParaRPr>
+                    </a:p>
+                  </a:txBody>
+                  <a:tcPr/>
+                </a:tc>
+                <a:tc>
+                  <a:txBody>
+                    <a:bodyPr/>
+                    <a:lstStyle/>
+                    <a:p>
+                      <a:r>
+                        <a:rPr kumimoji="1" lang="en-US" altLang="ja-JP" sz="1200" dirty="0">
+                          <a:latin typeface="Meiryo UI" panose="020B0604030504040204" pitchFamily="50" charset="-128"/>
+                          <a:ea typeface="Meiryo UI" panose="020B0604030504040204" pitchFamily="50" charset="-128"/>
+                        </a:rPr>
+                        <a:t>200</a:t>
+                      </a:r>
+                      <a:endParaRPr kumimoji="1" lang="ja-JP" altLang="en-US" sz="1200" dirty="0">
+                        <a:latin typeface="Meiryo UI" panose="020B0604030504040204" pitchFamily="50" charset="-128"/>
+                        <a:ea typeface="Meiryo UI" panose="020B0604030504040204" pitchFamily="50" charset="-128"/>
+                      </a:endParaRPr>
+                    </a:p>
+                  </a:txBody>
+                  <a:tcPr/>
+                </a:tc>
+                <a:tc>
+                  <a:txBody>
+                    <a:bodyPr/>
+                    <a:lstStyle/>
+                    <a:p>
+                      <a:r>
+                        <a:rPr kumimoji="1" lang="en-US" altLang="ja-JP" sz="1200" dirty="0">
+                          <a:latin typeface="Meiryo UI" panose="020B0604030504040204" pitchFamily="50" charset="-128"/>
+                          <a:ea typeface="Meiryo UI" panose="020B0604030504040204" pitchFamily="50" charset="-128"/>
+                        </a:rPr>
+                        <a:t>UID_200_01</a:t>
+                      </a:r>
+                      <a:endParaRPr kumimoji="1" lang="ja-JP" altLang="en-US" sz="1200" dirty="0">
+                        <a:latin typeface="Meiryo UI" panose="020B0604030504040204" pitchFamily="50" charset="-128"/>
+                        <a:ea typeface="Meiryo UI" panose="020B0604030504040204" pitchFamily="50" charset="-128"/>
+                      </a:endParaRPr>
+                    </a:p>
+                  </a:txBody>
+                  <a:tcPr/>
+                </a:tc>
+                <a:tc>
+                  <a:txBody>
+                    <a:bodyPr/>
+                    <a:lstStyle/>
+                    <a:p>
+                      <a:r>
+                        <a:rPr kumimoji="1" lang="en-US" altLang="ja-JP" sz="1200" dirty="0">
+                          <a:latin typeface="Meiryo UI" panose="020B0604030504040204" pitchFamily="50" charset="-128"/>
+                          <a:ea typeface="Meiryo UI" panose="020B0604030504040204" pitchFamily="50" charset="-128"/>
+                        </a:rPr>
+                        <a:t>2020/9/1</a:t>
+                      </a:r>
+                      <a:endParaRPr kumimoji="1" lang="ja-JP" altLang="en-US" sz="1200" dirty="0">
+                        <a:latin typeface="Meiryo UI" panose="020B0604030504040204" pitchFamily="50" charset="-128"/>
+                        <a:ea typeface="Meiryo UI" panose="020B0604030504040204" pitchFamily="50" charset="-128"/>
+                      </a:endParaRPr>
+                    </a:p>
+                  </a:txBody>
+                  <a:tcPr/>
+                </a:tc>
+                <a:tc>
+                  <a:txBody>
+                    <a:bodyPr/>
+                    <a:lstStyle/>
+                    <a:p>
+                      <a:r>
+                        <a:rPr kumimoji="1" lang="en-US" altLang="ja-JP" sz="1200" dirty="0">
+                          <a:latin typeface="Meiryo UI" panose="020B0604030504040204" pitchFamily="50" charset="-128"/>
+                          <a:ea typeface="Meiryo UI" panose="020B0604030504040204" pitchFamily="50" charset="-128"/>
+                        </a:rPr>
+                        <a:t>2020/9/1</a:t>
+                      </a:r>
+                      <a:endParaRPr kumimoji="1" lang="ja-JP" altLang="en-US" sz="1200" dirty="0">
+                        <a:latin typeface="Meiryo UI" panose="020B0604030504040204" pitchFamily="50" charset="-128"/>
+                        <a:ea typeface="Meiryo UI" panose="020B0604030504040204" pitchFamily="50" charset="-128"/>
+                      </a:endParaRPr>
+                    </a:p>
+                  </a:txBody>
+                  <a:tcPr/>
+                </a:tc>
+                <a:tc>
+                  <a:txBody>
+                    <a:bodyPr/>
+                    <a:lstStyle/>
+                    <a:p>
+                      <a:pPr marL="0" marR="0" lvl="0" indent="0" algn="l" defTabSz="484862" rtl="0" eaLnBrk="1" fontAlgn="auto" latinLnBrk="0" hangingPunct="1">
+                        <a:lnSpc>
+                          <a:spcPct val="100000"/>
+                        </a:lnSpc>
+                        <a:spcBef>
+                          <a:spcPts val="0"/>
+                        </a:spcBef>
+                        <a:spcAft>
+                          <a:spcPts val="0"/>
+                        </a:spcAft>
+                        <a:buClrTx/>
+                        <a:buSzTx/>
+                        <a:buFontTx/>
+                        <a:buNone/>
+                        <a:tabLst/>
+                        <a:defRPr/>
+                      </a:pPr>
+                      <a:r>
+                        <a:rPr kumimoji="1" lang="ja-JP" altLang="en-US" sz="1200" dirty="0">
+                          <a:solidFill>
+                            <a:srgbClr val="FF0000"/>
+                          </a:solidFill>
+                          <a:latin typeface="Meiryo UI" panose="020B0604030504040204" pitchFamily="50" charset="-128"/>
+                          <a:ea typeface="Meiryo UI" panose="020B0604030504040204" pitchFamily="50" charset="-128"/>
+                        </a:rPr>
+                        <a:t>歯周病</a:t>
+                      </a:r>
+                    </a:p>
+                  </a:txBody>
+                  <a:tcPr/>
+                </a:tc>
+                <a:extLst>
+                  <a:ext uri="{0D108BD9-81ED-4DB2-BD59-A6C34878D82A}">
+                    <a16:rowId xmlns:a16="http://schemas.microsoft.com/office/drawing/2014/main" val="1248380757"/>
+                  </a:ext>
+                </a:extLst>
+              </a:tr>
+            </a:tbl>
+          </a:graphicData>
+        </a:graphic>
+      </p:graphicFrame>
+      <p:sp>
+        <p:nvSpPr>
+          <p:cNvPr id="6" name="正方形/長方形 5">
+            <a:extLst>
+              <a:ext uri="{FF2B5EF4-FFF2-40B4-BE49-F238E27FC236}">
+                <a16:creationId xmlns:a16="http://schemas.microsoft.com/office/drawing/2014/main" id="{06CA0E90-DFE5-4EDD-9D17-449A389A4C23}"/>
+              </a:ext>
+            </a:extLst>
+          </p:cNvPr>
+          <p:cNvSpPr/>
+          <p:nvPr/>
+        </p:nvSpPr>
+        <p:spPr>
+          <a:xfrm>
+            <a:off x="617578" y="2978665"/>
+            <a:ext cx="966167" cy="450335"/>
+          </a:xfrm>
+          <a:prstGeom prst="rect">
+            <a:avLst/>
+          </a:prstGeom>
+          <a:noFill/>
+          <a:ln>
+            <a:noFill/>
+          </a:ln>
+          <a:effectLst/>
+        </p:spPr>
+        <p:style>
+          <a:lnRef idx="1">
+            <a:schemeClr val="accent1"/>
+          </a:lnRef>
+          <a:fillRef idx="3">
+            <a:schemeClr val="accent1"/>
+          </a:fillRef>
+          <a:effectRef idx="2">
+            <a:schemeClr val="accent1"/>
+          </a:effectRef>
+          <a:fontRef idx="minor">
+            <a:schemeClr val="lt1"/>
+          </a:fontRef>
+        </p:style>
+        <p:txBody>
+          <a:bodyPr rot="0" spcFirstLastPara="0" vertOverflow="overflow" horzOverflow="overflow" vert="horz" wrap="none" lIns="91440" tIns="45720" rIns="91440" bIns="45720" numCol="1" spcCol="0" rtlCol="0" fromWordArt="0" anchor="ctr" anchorCtr="0" forceAA="0" compatLnSpc="1">
+            <a:prstTxWarp prst="textNoShape">
+              <a:avLst/>
+            </a:prstTxWarp>
+            <a:normAutofit/>
+          </a:bodyPr>
+          <a:lstStyle/>
+          <a:p>
+            <a:r>
+              <a:rPr lang="en-US" altLang="ja-JP" sz="1200" dirty="0">
+                <a:solidFill>
+                  <a:schemeClr val="tx1"/>
+                </a:solidFill>
+                <a:latin typeface="Meiryo UI" panose="020B0604030504040204" pitchFamily="50" charset="-128"/>
+                <a:ea typeface="Meiryo UI" panose="020B0604030504040204" pitchFamily="50" charset="-128"/>
+              </a:rPr>
+              <a:t>【MML</a:t>
+            </a:r>
+            <a:r>
+              <a:rPr lang="ja-JP" altLang="en-US" sz="1200" dirty="0">
+                <a:solidFill>
+                  <a:schemeClr val="tx1"/>
+                </a:solidFill>
+                <a:latin typeface="Meiryo UI" panose="020B0604030504040204" pitchFamily="50" charset="-128"/>
+                <a:ea typeface="Meiryo UI" panose="020B0604030504040204" pitchFamily="50" charset="-128"/>
+              </a:rPr>
+              <a:t>診断履歴レコード</a:t>
+            </a:r>
+            <a:r>
+              <a:rPr lang="en-US" altLang="ja-JP" sz="1200" dirty="0">
+                <a:solidFill>
+                  <a:schemeClr val="tx1"/>
+                </a:solidFill>
+                <a:latin typeface="Meiryo UI" panose="020B0604030504040204" pitchFamily="50" charset="-128"/>
+                <a:ea typeface="Meiryo UI" panose="020B0604030504040204" pitchFamily="50" charset="-128"/>
+              </a:rPr>
+              <a:t>】</a:t>
+            </a:r>
+            <a:endParaRPr lang="ja-JP" altLang="en-US" sz="1200" dirty="0">
+              <a:solidFill>
+                <a:schemeClr val="tx1"/>
+              </a:solidFill>
               <a:latin typeface="Meiryo UI" panose="020B0604030504040204" pitchFamily="50" charset="-128"/>
               <a:ea typeface="Meiryo UI" panose="020B0604030504040204" pitchFamily="50" charset="-128"/>
             </a:endParaRPr>
+          </a:p>
+        </p:txBody>
+      </p:sp>
+      <p:sp>
+        <p:nvSpPr>
+          <p:cNvPr id="8" name="線吹き出し 1 (枠付き) 53">
+            <a:extLst>
+              <a:ext uri="{FF2B5EF4-FFF2-40B4-BE49-F238E27FC236}">
+                <a16:creationId xmlns:a16="http://schemas.microsoft.com/office/drawing/2014/main" id="{08C1C675-5BE0-43DD-9CC5-6893D011B687}"/>
+              </a:ext>
+            </a:extLst>
+          </p:cNvPr>
+          <p:cNvSpPr/>
+          <p:nvPr/>
+        </p:nvSpPr>
+        <p:spPr>
+          <a:xfrm>
+            <a:off x="3493988" y="4141162"/>
+            <a:ext cx="4744321" cy="890653"/>
+          </a:xfrm>
+          <a:prstGeom prst="borderCallout1">
+            <a:avLst>
+              <a:gd name="adj1" fmla="val 47508"/>
+              <a:gd name="adj2" fmla="val -260"/>
+              <a:gd name="adj3" fmla="val -15165"/>
+              <a:gd name="adj4" fmla="val -19127"/>
+            </a:avLst>
+          </a:prstGeom>
+          <a:solidFill>
+            <a:schemeClr val="bg1"/>
+          </a:solidFill>
+          <a:ln w="19050">
+            <a:solidFill>
+              <a:srgbClr val="FF0000"/>
+            </a:solidFill>
+          </a:ln>
+          <a:effectLst/>
+        </p:spPr>
+        <p:style>
+          <a:lnRef idx="1">
+            <a:schemeClr val="accent1"/>
+          </a:lnRef>
+          <a:fillRef idx="3">
+            <a:schemeClr val="accent1"/>
+          </a:fillRef>
+          <a:effectRef idx="2">
+            <a:schemeClr val="accent1"/>
+          </a:effectRef>
+          <a:fontRef idx="minor">
+            <a:schemeClr val="lt1"/>
+          </a:fontRef>
+        </p:style>
+        <p:txBody>
+          <a:bodyPr rtlCol="0" anchor="ctr"/>
+          <a:lstStyle/>
+          <a:p>
+            <a:r>
+              <a:rPr kumimoji="1" lang="en-US" altLang="ja-JP" sz="1200" dirty="0">
+                <a:solidFill>
+                  <a:schemeClr val="tx1"/>
+                </a:solidFill>
+                <a:latin typeface="Meiryo UI" panose="020B0604030504040204" pitchFamily="50" charset="-128"/>
+                <a:ea typeface="Meiryo UI" panose="020B0604030504040204" pitchFamily="50" charset="-128"/>
+              </a:rPr>
+              <a:t>DPC</a:t>
+            </a:r>
+            <a:r>
+              <a:rPr kumimoji="1" lang="ja-JP" altLang="en-US" sz="1200" dirty="0">
+                <a:solidFill>
+                  <a:schemeClr val="tx1"/>
+                </a:solidFill>
+                <a:latin typeface="Meiryo UI" panose="020B0604030504040204" pitchFamily="50" charset="-128"/>
+                <a:ea typeface="Meiryo UI" panose="020B0604030504040204" pitchFamily="50" charset="-128"/>
+              </a:rPr>
+              <a:t>およびレセプトに対象患者のレコードが存在しなかったが、</a:t>
+            </a:r>
+            <a:endParaRPr kumimoji="1" lang="en-US" altLang="ja-JP" sz="1200" dirty="0">
+              <a:solidFill>
+                <a:schemeClr val="tx1"/>
+              </a:solidFill>
+              <a:latin typeface="Meiryo UI" panose="020B0604030504040204" pitchFamily="50" charset="-128"/>
+              <a:ea typeface="Meiryo UI" panose="020B0604030504040204" pitchFamily="50" charset="-128"/>
+            </a:endParaRPr>
+          </a:p>
+          <a:p>
+            <a:r>
+              <a:rPr lang="ja-JP" altLang="en-US" sz="1200" dirty="0">
+                <a:solidFill>
+                  <a:schemeClr val="tx1"/>
+                </a:solidFill>
+                <a:latin typeface="Meiryo UI" panose="020B0604030504040204" pitchFamily="50" charset="-128"/>
+                <a:ea typeface="Meiryo UI" panose="020B0604030504040204" pitchFamily="50" charset="-128"/>
+              </a:rPr>
+              <a:t>経過記録上は歯科医師による診断内容が記載されており、</a:t>
+            </a:r>
+            <a:endParaRPr lang="en-US" altLang="ja-JP" sz="1200" dirty="0">
+              <a:solidFill>
+                <a:schemeClr val="tx1"/>
+              </a:solidFill>
+              <a:latin typeface="Meiryo UI" panose="020B0604030504040204" pitchFamily="50" charset="-128"/>
+              <a:ea typeface="Meiryo UI" panose="020B0604030504040204" pitchFamily="50" charset="-128"/>
+            </a:endParaRPr>
+          </a:p>
+          <a:p>
+            <a:r>
+              <a:rPr kumimoji="1" lang="ja-JP" altLang="en-US" sz="1200" dirty="0">
+                <a:solidFill>
+                  <a:schemeClr val="tx1"/>
+                </a:solidFill>
+                <a:latin typeface="Meiryo UI" panose="020B0604030504040204" pitchFamily="50" charset="-128"/>
+                <a:ea typeface="Meiryo UI" panose="020B0604030504040204" pitchFamily="50" charset="-128"/>
+              </a:rPr>
+              <a:t>病名とも一致したことより、歯科レセプトのみ登録されていると考えられる。</a:t>
+            </a:r>
           </a:p>
         </p:txBody>
       </p:sp>
@@ -38048,13 +38320,6 @@
   <p:clrMapOvr>
     <a:masterClrMapping/>
   </p:clrMapOvr>
-  <p:timing>
-    <p:tnLst>
-      <p:par>
-        <p:cTn id="1" dur="indefinite" restart="never" nodeType="tmRoot"/>
-      </p:par>
-    </p:tnLst>
-  </p:timing>
 </p:sld>
 </file>
 
@@ -38307,128 +38572,48 @@
           </a:lstStyle>
           <a:p>
             <a:r>
-              <a:rPr lang="ja-JP" altLang="en-US" sz="1800" dirty="0" smtClean="0">
+              <a:rPr lang="ja-JP" altLang="en-US" sz="1800" dirty="0">
                 <a:latin typeface="Meiryo UI" panose="020B0604030504040204" pitchFamily="50" charset="-128"/>
                 <a:ea typeface="Meiryo UI" panose="020B0604030504040204" pitchFamily="50" charset="-128"/>
               </a:rPr>
               <a:t>本日の説明より合意させていただきたい事項は、以下の通りです。</a:t>
             </a:r>
-            <a:r>
-              <a:rPr lang="en-US" altLang="ja-JP" sz="1800" dirty="0" smtClean="0">
-                <a:latin typeface="Meiryo UI" panose="020B0604030504040204" pitchFamily="50" charset="-128"/>
-                <a:ea typeface="Meiryo UI" panose="020B0604030504040204" pitchFamily="50" charset="-128"/>
-              </a:rPr>
-              <a:t/>
-            </a:r>
             <a:br>
-              <a:rPr lang="en-US" altLang="ja-JP" sz="1800" dirty="0" smtClean="0">
+              <a:rPr lang="en-US" altLang="ja-JP" sz="1800" dirty="0">
                 <a:latin typeface="Meiryo UI" panose="020B0604030504040204" pitchFamily="50" charset="-128"/>
                 <a:ea typeface="Meiryo UI" panose="020B0604030504040204" pitchFamily="50" charset="-128"/>
               </a:rPr>
             </a:br>
-            <a:endParaRPr lang="en-US" altLang="ja-JP" sz="1800" dirty="0" smtClean="0">
-              <a:latin typeface="Meiryo UI" panose="020B0604030504040204" pitchFamily="50" charset="-128"/>
-              <a:ea typeface="Meiryo UI" panose="020B0604030504040204" pitchFamily="50" charset="-128"/>
-            </a:endParaRPr>
-          </a:p>
-          <a:p>
-            <a:r>
-              <a:rPr lang="en-US" altLang="ja-JP" sz="1800" dirty="0" smtClean="0">
-                <a:latin typeface="Meiryo UI" panose="020B0604030504040204" pitchFamily="50" charset="-128"/>
-                <a:ea typeface="Meiryo UI" panose="020B0604030504040204" pitchFamily="50" charset="-128"/>
-              </a:rPr>
-              <a:t>【</a:t>
-            </a:r>
-            <a:r>
-              <a:rPr lang="ja-JP" altLang="en-US" sz="1800" dirty="0" smtClean="0">
-                <a:latin typeface="Meiryo UI" panose="020B0604030504040204" pitchFamily="50" charset="-128"/>
-                <a:ea typeface="Meiryo UI" panose="020B0604030504040204" pitchFamily="50" charset="-128"/>
-              </a:rPr>
-              <a:t>主旨</a:t>
-            </a:r>
-            <a:r>
-              <a:rPr lang="en-US" altLang="ja-JP" sz="1800" dirty="0" smtClean="0">
-                <a:latin typeface="Meiryo UI" panose="020B0604030504040204" pitchFamily="50" charset="-128"/>
-                <a:ea typeface="Meiryo UI" panose="020B0604030504040204" pitchFamily="50" charset="-128"/>
-              </a:rPr>
-              <a:t>】</a:t>
-            </a:r>
-          </a:p>
-          <a:p>
-            <a:pPr marL="285750" indent="-285750">
-              <a:buFont typeface="Arial" panose="020B0604020202020204" pitchFamily="34" charset="0"/>
-              <a:buChar char="•"/>
-            </a:pPr>
-            <a:r>
-              <a:rPr lang="ja-JP" altLang="en-US" sz="1800" dirty="0" smtClean="0">
-                <a:latin typeface="Meiryo UI" panose="020B0604030504040204" pitchFamily="50" charset="-128"/>
-                <a:ea typeface="Meiryo UI" panose="020B0604030504040204" pitchFamily="50" charset="-128"/>
-              </a:rPr>
-              <a:t>診断履歴モジュールの</a:t>
-            </a:r>
-            <a:r>
-              <a:rPr lang="en-US" altLang="ja-JP" sz="1800" dirty="0" smtClean="0">
-                <a:latin typeface="Meiryo UI" panose="020B0604030504040204" pitchFamily="50" charset="-128"/>
-                <a:ea typeface="Meiryo UI" panose="020B0604030504040204" pitchFamily="50" charset="-128"/>
-              </a:rPr>
-              <a:t>UID</a:t>
-            </a:r>
-            <a:r>
-              <a:rPr lang="ja-JP" altLang="en-US" sz="1800" dirty="0" smtClean="0">
-                <a:latin typeface="Meiryo UI" panose="020B0604030504040204" pitchFamily="50" charset="-128"/>
-                <a:ea typeface="Meiryo UI" panose="020B0604030504040204" pitchFamily="50" charset="-128"/>
-              </a:rPr>
-              <a:t>重複レコード</a:t>
-            </a:r>
-            <a:endParaRPr lang="en-US" altLang="ja-JP" sz="1800" dirty="0" smtClean="0">
-              <a:latin typeface="Meiryo UI" panose="020B0604030504040204" pitchFamily="50" charset="-128"/>
-              <a:ea typeface="Meiryo UI" panose="020B0604030504040204" pitchFamily="50" charset="-128"/>
-            </a:endParaRPr>
-          </a:p>
-          <a:p>
             <a:endParaRPr lang="en-US" altLang="ja-JP" sz="1800" dirty="0">
               <a:latin typeface="Meiryo UI" panose="020B0604030504040204" pitchFamily="50" charset="-128"/>
               <a:ea typeface="Meiryo UI" panose="020B0604030504040204" pitchFamily="50" charset="-128"/>
             </a:endParaRPr>
           </a:p>
           <a:p>
-            <a:endParaRPr lang="en-US" altLang="ja-JP" sz="1800" dirty="0">
-              <a:latin typeface="Meiryo UI" panose="020B0604030504040204" pitchFamily="50" charset="-128"/>
-              <a:ea typeface="Meiryo UI" panose="020B0604030504040204" pitchFamily="50" charset="-128"/>
-            </a:endParaRPr>
-          </a:p>
-          <a:p>
-            <a:r>
-              <a:rPr lang="en-US" altLang="ja-JP" sz="1800" dirty="0" smtClean="0">
+            <a:r>
+              <a:rPr lang="en-US" altLang="ja-JP" sz="1800" dirty="0">
                 <a:latin typeface="Meiryo UI" panose="020B0604030504040204" pitchFamily="50" charset="-128"/>
                 <a:ea typeface="Meiryo UI" panose="020B0604030504040204" pitchFamily="50" charset="-128"/>
               </a:rPr>
               <a:t>【</a:t>
             </a:r>
             <a:r>
-              <a:rPr lang="ja-JP" altLang="en-US" sz="1800" dirty="0" smtClean="0">
+              <a:rPr lang="ja-JP" altLang="en-US" sz="1800" dirty="0">
                 <a:latin typeface="Meiryo UI" panose="020B0604030504040204" pitchFamily="50" charset="-128"/>
                 <a:ea typeface="Meiryo UI" panose="020B0604030504040204" pitchFamily="50" charset="-128"/>
               </a:rPr>
-              <a:t>現行での問題点</a:t>
-            </a:r>
-            <a:r>
-              <a:rPr lang="en-US" altLang="ja-JP" sz="1800" dirty="0" smtClean="0">
+              <a:t>主旨</a:t>
+            </a:r>
+            <a:r>
+              <a:rPr lang="en-US" altLang="ja-JP" sz="1800" dirty="0">
                 <a:latin typeface="Meiryo UI" panose="020B0604030504040204" pitchFamily="50" charset="-128"/>
                 <a:ea typeface="Meiryo UI" panose="020B0604030504040204" pitchFamily="50" charset="-128"/>
               </a:rPr>
               <a:t>】</a:t>
             </a:r>
-            <a:endParaRPr lang="en-US" altLang="ja-JP" sz="1800" dirty="0">
-              <a:latin typeface="Meiryo UI" panose="020B0604030504040204" pitchFamily="50" charset="-128"/>
-              <a:ea typeface="Meiryo UI" panose="020B0604030504040204" pitchFamily="50" charset="-128"/>
-            </a:endParaRPr>
           </a:p>
           <a:p>
-            <a:pPr marL="285750" indent="-285750">
-              <a:buFont typeface="Arial" panose="020B0604020202020204" pitchFamily="34" charset="0"/>
-              <a:buChar char="•"/>
-            </a:pPr>
+            <a:pPr lvl="1"/>
             <a:r>
               <a:rPr lang="ja-JP" altLang="en-US" sz="1800" dirty="0">
                 <a:latin typeface="Meiryo UI" panose="020B0604030504040204" pitchFamily="50" charset="-128"/>
@@ -38448,14 +38633,20 @@
                 <a:latin typeface="Meiryo UI" panose="020B0604030504040204" pitchFamily="50" charset="-128"/>
                 <a:ea typeface="Meiryo UI" panose="020B0604030504040204" pitchFamily="50" charset="-128"/>
               </a:rPr>
-              <a:t>重複</a:t>
-            </a:r>
-            <a:r>
-              <a:rPr lang="ja-JP" altLang="en-US" sz="1800" dirty="0" smtClean="0">
+              <a:t>重複レコードを取り込む際、現行では最新以外の過去履歴を</a:t>
+            </a:r>
+            <a:br>
+              <a:rPr lang="en-US" altLang="ja-JP" sz="1800" dirty="0">
                 <a:latin typeface="Meiryo UI" panose="020B0604030504040204" pitchFamily="50" charset="-128"/>
                 <a:ea typeface="Meiryo UI" panose="020B0604030504040204" pitchFamily="50" charset="-128"/>
               </a:rPr>
-              <a:t>レコード</a:t>
+            </a:br>
+            <a:r>
+              <a:rPr lang="ja-JP" altLang="en-US" sz="1800" dirty="0">
+                <a:latin typeface="Meiryo UI" panose="020B0604030504040204" pitchFamily="50" charset="-128"/>
+                <a:ea typeface="Meiryo UI" panose="020B0604030504040204" pitchFamily="50" charset="-128"/>
+              </a:rPr>
+              <a:t>削除する仕様となっているが、過去履歴も残す仕様とさせていただきたい。</a:t>
             </a:r>
             <a:endParaRPr lang="en-US" altLang="ja-JP" sz="1800" dirty="0">
               <a:latin typeface="Meiryo UI" panose="020B0604030504040204" pitchFamily="50" charset="-128"/>
@@ -38476,25 +38667,110 @@
           </a:p>
           <a:p>
             <a:r>
-              <a:rPr lang="en-US" altLang="ja-JP" sz="1800" dirty="0" smtClean="0">
+              <a:rPr lang="en-US" altLang="ja-JP" sz="1800" dirty="0">
                 <a:latin typeface="Meiryo UI" panose="020B0604030504040204" pitchFamily="50" charset="-128"/>
                 <a:ea typeface="Meiryo UI" panose="020B0604030504040204" pitchFamily="50" charset="-128"/>
               </a:rPr>
               <a:t>【</a:t>
             </a:r>
             <a:r>
-              <a:rPr lang="ja-JP" altLang="en-US" sz="1800" dirty="0" smtClean="0">
+              <a:rPr lang="ja-JP" altLang="en-US" sz="1800" dirty="0">
                 <a:latin typeface="Meiryo UI" panose="020B0604030504040204" pitchFamily="50" charset="-128"/>
                 <a:ea typeface="Meiryo UI" panose="020B0604030504040204" pitchFamily="50" charset="-128"/>
               </a:rPr>
-              <a:t>懸念事項</a:t>
-            </a:r>
-            <a:r>
-              <a:rPr lang="en-US" altLang="ja-JP" sz="1800" dirty="0" smtClean="0">
+              <a:t>現行での問題点</a:t>
+            </a:r>
+            <a:r>
+              <a:rPr lang="en-US" altLang="ja-JP" sz="1800" dirty="0">
                 <a:latin typeface="Meiryo UI" panose="020B0604030504040204" pitchFamily="50" charset="-128"/>
                 <a:ea typeface="Meiryo UI" panose="020B0604030504040204" pitchFamily="50" charset="-128"/>
               </a:rPr>
               <a:t>】</a:t>
+            </a:r>
+          </a:p>
+          <a:p>
+            <a:pPr lvl="1"/>
+            <a:r>
+              <a:rPr lang="ja-JP" altLang="en-US" sz="1800" dirty="0">
+                <a:latin typeface="Meiryo UI" panose="020B0604030504040204" pitchFamily="50" charset="-128"/>
+                <a:ea typeface="Meiryo UI" panose="020B0604030504040204" pitchFamily="50" charset="-128"/>
+              </a:rPr>
+              <a:t>診断履歴モジュールの</a:t>
+            </a:r>
+            <a:r>
+              <a:rPr lang="en-US" altLang="ja-JP" sz="1800" dirty="0">
+                <a:latin typeface="Meiryo UI" panose="020B0604030504040204" pitchFamily="50" charset="-128"/>
+                <a:ea typeface="Meiryo UI" panose="020B0604030504040204" pitchFamily="50" charset="-128"/>
+              </a:rPr>
+              <a:t>UID</a:t>
+            </a:r>
+            <a:r>
+              <a:rPr lang="ja-JP" altLang="en-US" sz="1800" dirty="0">
+                <a:latin typeface="Meiryo UI" panose="020B0604030504040204" pitchFamily="50" charset="-128"/>
+                <a:ea typeface="Meiryo UI" panose="020B0604030504040204" pitchFamily="50" charset="-128"/>
+              </a:rPr>
+              <a:t>重複レコードを受領した場合、施設別の</a:t>
+            </a:r>
+            <a:r>
+              <a:rPr lang="en-US" altLang="ja-JP" sz="1800" dirty="0">
+                <a:latin typeface="Meiryo UI" panose="020B0604030504040204" pitchFamily="50" charset="-128"/>
+                <a:ea typeface="Meiryo UI" panose="020B0604030504040204" pitchFamily="50" charset="-128"/>
+              </a:rPr>
+              <a:t>UID</a:t>
+            </a:r>
+            <a:r>
+              <a:rPr lang="ja-JP" altLang="en-US" sz="1800" dirty="0">
+                <a:latin typeface="Meiryo UI" panose="020B0604030504040204" pitchFamily="50" charset="-128"/>
+                <a:ea typeface="Meiryo UI" panose="020B0604030504040204" pitchFamily="50" charset="-128"/>
+              </a:rPr>
+              <a:t>の設定方法</a:t>
+            </a:r>
+            <a:br>
+              <a:rPr lang="en-US" altLang="ja-JP" sz="1800" dirty="0">
+                <a:latin typeface="Meiryo UI" panose="020B0604030504040204" pitchFamily="50" charset="-128"/>
+                <a:ea typeface="Meiryo UI" panose="020B0604030504040204" pitchFamily="50" charset="-128"/>
+              </a:rPr>
+            </a:br>
+            <a:r>
+              <a:rPr lang="ja-JP" altLang="en-US" sz="1800" dirty="0">
+                <a:latin typeface="Meiryo UI" panose="020B0604030504040204" pitchFamily="50" charset="-128"/>
+                <a:ea typeface="Meiryo UI" panose="020B0604030504040204" pitchFamily="50" charset="-128"/>
+              </a:rPr>
+              <a:t>（特に患者ごとに</a:t>
+            </a:r>
+            <a:r>
+              <a:rPr lang="en-US" altLang="ja-JP" sz="1800" dirty="0">
+                <a:latin typeface="Meiryo UI" panose="020B0604030504040204" pitchFamily="50" charset="-128"/>
+                <a:ea typeface="Meiryo UI" panose="020B0604030504040204" pitchFamily="50" charset="-128"/>
+              </a:rPr>
+              <a:t>UID</a:t>
+            </a:r>
+            <a:r>
+              <a:rPr lang="ja-JP" altLang="en-US" sz="1800" dirty="0" err="1">
+                <a:latin typeface="Meiryo UI" panose="020B0604030504040204" pitchFamily="50" charset="-128"/>
+                <a:ea typeface="Meiryo UI" panose="020B0604030504040204" pitchFamily="50" charset="-128"/>
+              </a:rPr>
+              <a:t>が採</a:t>
+            </a:r>
+            <a:r>
+              <a:rPr lang="ja-JP" altLang="en-US" sz="1800" dirty="0">
+                <a:latin typeface="Meiryo UI" panose="020B0604030504040204" pitchFamily="50" charset="-128"/>
+                <a:ea typeface="Meiryo UI" panose="020B0604030504040204" pitchFamily="50" charset="-128"/>
+              </a:rPr>
+              <a:t>番された場合）によっては、過去の診断履歴情報が</a:t>
+            </a:r>
+            <a:br>
+              <a:rPr lang="en-US" altLang="ja-JP" sz="1800" dirty="0">
+                <a:latin typeface="Meiryo UI" panose="020B0604030504040204" pitchFamily="50" charset="-128"/>
+                <a:ea typeface="Meiryo UI" panose="020B0604030504040204" pitchFamily="50" charset="-128"/>
+              </a:rPr>
+            </a:br>
+            <a:r>
+              <a:rPr lang="ja-JP" altLang="en-US" sz="1800" dirty="0">
+                <a:latin typeface="Meiryo UI" panose="020B0604030504040204" pitchFamily="50" charset="-128"/>
+                <a:ea typeface="Meiryo UI" panose="020B0604030504040204" pitchFamily="50" charset="-128"/>
+              </a:rPr>
+              <a:t>削除されてしまうケースが存在する。</a:t>
             </a:r>
             <a:endParaRPr lang="en-US" altLang="ja-JP" sz="1800" dirty="0">
               <a:latin typeface="Meiryo UI" panose="020B0604030504040204" pitchFamily="50" charset="-128"/>
@@ -38502,38 +38778,115 @@
             </a:endParaRPr>
           </a:p>
           <a:p>
-            <a:pPr marL="285750" indent="-285750">
-              <a:buFont typeface="Arial" panose="020B0604020202020204" pitchFamily="34" charset="0"/>
-              <a:buChar char="•"/>
-            </a:pPr>
-            <a:r>
-              <a:rPr lang="ja-JP" altLang="en-US" sz="1800" dirty="0">
-                <a:latin typeface="Meiryo UI" panose="020B0604030504040204" pitchFamily="50" charset="-128"/>
-                <a:ea typeface="Meiryo UI" panose="020B0604030504040204" pitchFamily="50" charset="-128"/>
-              </a:rPr>
-              <a:t>診断履歴モジュールの</a:t>
-            </a:r>
-            <a:r>
-              <a:rPr lang="en-US" altLang="ja-JP" sz="1800" dirty="0">
-                <a:latin typeface="Meiryo UI" panose="020B0604030504040204" pitchFamily="50" charset="-128"/>
-                <a:ea typeface="Meiryo UI" panose="020B0604030504040204" pitchFamily="50" charset="-128"/>
-              </a:rPr>
-              <a:t>UID</a:t>
-            </a:r>
-            <a:r>
-              <a:rPr lang="ja-JP" altLang="en-US" sz="1800" dirty="0">
-                <a:latin typeface="Meiryo UI" panose="020B0604030504040204" pitchFamily="50" charset="-128"/>
-                <a:ea typeface="Meiryo UI" panose="020B0604030504040204" pitchFamily="50" charset="-128"/>
-              </a:rPr>
-              <a:t>重複レコード</a:t>
-            </a:r>
             <a:endParaRPr lang="en-US" altLang="ja-JP" sz="1800" dirty="0">
               <a:latin typeface="Meiryo UI" panose="020B0604030504040204" pitchFamily="50" charset="-128"/>
               <a:ea typeface="Meiryo UI" panose="020B0604030504040204" pitchFamily="50" charset="-128"/>
             </a:endParaRPr>
           </a:p>
           <a:p>
-            <a:endParaRPr lang="en-US" altLang="ja-JP" sz="1800" dirty="0" smtClean="0">
+            <a:endParaRPr lang="en-US" altLang="ja-JP" sz="1800" dirty="0">
+              <a:latin typeface="Meiryo UI" panose="020B0604030504040204" pitchFamily="50" charset="-128"/>
+              <a:ea typeface="Meiryo UI" panose="020B0604030504040204" pitchFamily="50" charset="-128"/>
+            </a:endParaRPr>
+          </a:p>
+          <a:p>
+            <a:r>
+              <a:rPr lang="en-US" altLang="ja-JP" sz="1800" dirty="0">
+                <a:latin typeface="Meiryo UI" panose="020B0604030504040204" pitchFamily="50" charset="-128"/>
+                <a:ea typeface="Meiryo UI" panose="020B0604030504040204" pitchFamily="50" charset="-128"/>
+              </a:rPr>
+              <a:t>【</a:t>
+            </a:r>
+            <a:r>
+              <a:rPr lang="ja-JP" altLang="en-US" sz="1800" dirty="0">
+                <a:latin typeface="Meiryo UI" panose="020B0604030504040204" pitchFamily="50" charset="-128"/>
+                <a:ea typeface="Meiryo UI" panose="020B0604030504040204" pitchFamily="50" charset="-128"/>
+              </a:rPr>
+              <a:t>懸念事項</a:t>
+            </a:r>
+            <a:r>
+              <a:rPr lang="en-US" altLang="ja-JP" sz="1800" dirty="0">
+                <a:latin typeface="Meiryo UI" panose="020B0604030504040204" pitchFamily="50" charset="-128"/>
+                <a:ea typeface="Meiryo UI" panose="020B0604030504040204" pitchFamily="50" charset="-128"/>
+              </a:rPr>
+              <a:t>】</a:t>
+            </a:r>
+          </a:p>
+          <a:p>
+            <a:pPr lvl="1"/>
+            <a:r>
+              <a:rPr lang="ja-JP" altLang="en-US" sz="1800" dirty="0">
+                <a:latin typeface="Meiryo UI" panose="020B0604030504040204" pitchFamily="50" charset="-128"/>
+                <a:ea typeface="Meiryo UI" panose="020B0604030504040204" pitchFamily="50" charset="-128"/>
+              </a:rPr>
+              <a:t>受領したデータの状況によっては、特定の患者が旧仕様では未通知患者と判定されていたが、</a:t>
+            </a:r>
+            <a:br>
+              <a:rPr lang="en-US" altLang="ja-JP" sz="1800" dirty="0">
+                <a:latin typeface="Meiryo UI" panose="020B0604030504040204" pitchFamily="50" charset="-128"/>
+                <a:ea typeface="Meiryo UI" panose="020B0604030504040204" pitchFamily="50" charset="-128"/>
+              </a:rPr>
+            </a:br>
+            <a:r>
+              <a:rPr lang="ja-JP" altLang="en-US" sz="1800" dirty="0">
+                <a:latin typeface="Meiryo UI" panose="020B0604030504040204" pitchFamily="50" charset="-128"/>
+                <a:ea typeface="Meiryo UI" panose="020B0604030504040204" pitchFamily="50" charset="-128"/>
+              </a:rPr>
+              <a:t>改修により通知済み患者と判定されることとなる。</a:t>
+            </a:r>
+            <a:br>
+              <a:rPr lang="en-US" altLang="ja-JP" sz="1800" dirty="0">
+                <a:latin typeface="Meiryo UI" panose="020B0604030504040204" pitchFamily="50" charset="-128"/>
+                <a:ea typeface="Meiryo UI" panose="020B0604030504040204" pitchFamily="50" charset="-128"/>
+              </a:rPr>
+            </a:br>
+            <a:r>
+              <a:rPr lang="en-US" altLang="ja-JP" sz="1800" dirty="0">
+                <a:latin typeface="Meiryo UI" panose="020B0604030504040204" pitchFamily="50" charset="-128"/>
+                <a:ea typeface="Meiryo UI" panose="020B0604030504040204" pitchFamily="50" charset="-128"/>
+              </a:rPr>
+              <a:t>※</a:t>
+            </a:r>
+            <a:r>
+              <a:rPr lang="ja-JP" altLang="en-US" sz="1800" dirty="0">
+                <a:latin typeface="Meiryo UI" panose="020B0604030504040204" pitchFamily="50" charset="-128"/>
+                <a:ea typeface="Meiryo UI" panose="020B0604030504040204" pitchFamily="50" charset="-128"/>
+              </a:rPr>
+              <a:t>ただし実際はオプトアウト通知後に診断を受けている可能性が高く、通知済み患者として</a:t>
+            </a:r>
+            <a:br>
+              <a:rPr lang="en-US" altLang="ja-JP" sz="1800" dirty="0">
+                <a:latin typeface="Meiryo UI" panose="020B0604030504040204" pitchFamily="50" charset="-128"/>
+                <a:ea typeface="Meiryo UI" panose="020B0604030504040204" pitchFamily="50" charset="-128"/>
+              </a:rPr>
+            </a:br>
+            <a:r>
+              <a:rPr lang="ja-JP" altLang="en-US" sz="1800" dirty="0">
+                <a:latin typeface="Meiryo UI" panose="020B0604030504040204" pitchFamily="50" charset="-128"/>
+                <a:ea typeface="Meiryo UI" panose="020B0604030504040204" pitchFamily="50" charset="-128"/>
+              </a:rPr>
+              <a:t>　 判定することが適切であると考えられるが、診療開始日以外で判定できないケースがあり、</a:t>
+            </a:r>
+            <a:br>
+              <a:rPr lang="en-US" altLang="ja-JP" sz="1800" dirty="0">
+                <a:latin typeface="Meiryo UI" panose="020B0604030504040204" pitchFamily="50" charset="-128"/>
+                <a:ea typeface="Meiryo UI" panose="020B0604030504040204" pitchFamily="50" charset="-128"/>
+              </a:rPr>
+            </a:br>
+            <a:r>
+              <a:rPr lang="ja-JP" altLang="en-US" sz="1800" dirty="0">
+                <a:latin typeface="Meiryo UI" panose="020B0604030504040204" pitchFamily="50" charset="-128"/>
+                <a:ea typeface="Meiryo UI" panose="020B0604030504040204" pitchFamily="50" charset="-128"/>
+              </a:rPr>
+              <a:t>　 判断に苦慮している。</a:t>
+            </a:r>
+            <a:endParaRPr lang="en-US" altLang="ja-JP" sz="1800" dirty="0">
+              <a:latin typeface="Meiryo UI" panose="020B0604030504040204" pitchFamily="50" charset="-128"/>
+              <a:ea typeface="Meiryo UI" panose="020B0604030504040204" pitchFamily="50" charset="-128"/>
+            </a:endParaRPr>
+          </a:p>
+          <a:p>
+            <a:endParaRPr lang="en-US" altLang="ja-JP" sz="1800" dirty="0">
               <a:latin typeface="Meiryo UI" panose="020B0604030504040204" pitchFamily="50" charset="-128"/>
               <a:ea typeface="Meiryo UI" panose="020B0604030504040204" pitchFamily="50" charset="-128"/>
             </a:endParaRPr>
@@ -38563,16 +38916,12 @@
           <a:lstStyle/>
           <a:p>
             <a:r>
-              <a:rPr lang="ja-JP" altLang="en-US" sz="1800" b="1" dirty="0" smtClean="0">
+              <a:rPr lang="ja-JP" altLang="en-US" sz="1800" b="1" dirty="0">
                 <a:latin typeface="Meiryo UI" panose="020B0604030504040204" pitchFamily="50" charset="-128"/>
                 <a:ea typeface="Meiryo UI" panose="020B0604030504040204" pitchFamily="50" charset="-128"/>
               </a:rPr>
               <a:t>黒田先生と合意させていただきたい事項</a:t>
             </a:r>
-            <a:endParaRPr lang="ja-JP" altLang="en-US" sz="1800" b="1" dirty="0">
-              <a:latin typeface="Meiryo UI" panose="020B0604030504040204" pitchFamily="50" charset="-128"/>
-              <a:ea typeface="Meiryo UI" panose="020B0604030504040204" pitchFamily="50" charset="-128"/>
-            </a:endParaRPr>
           </a:p>
         </p:txBody>
       </p:sp>
@@ -38586,13 +38935,6 @@
   <p:clrMapOvr>
     <a:masterClrMapping/>
   </p:clrMapOvr>
-  <p:timing>
-    <p:tnLst>
-      <p:par>
-        <p:cTn id="1" dur="indefinite" restart="never" nodeType="tmRoot"/>
-      </p:par>
-    </p:tnLst>
-  </p:timing>
 </p:sld>
 </file>
 
